--- a/JavaLecture/LectureFile/java 11강 인터페이스와다형성.pptx
+++ b/JavaLecture/LectureFile/java 11강 인터페이스와다형성.pptx
@@ -272,7 +272,7 @@
           <a:p>
             <a:fld id="{D79F2C30-10E1-4C46-91DC-BBDB9629E720}" type="datetimeFigureOut">
               <a:rPr lang="ko-KR" altLang="en-US" smtClean="0"/>
-              <a:t>2023-03-03 Friday</a:t>
+              <a:t>2023-03-04</a:t>
             </a:fld>
             <a:endParaRPr lang="ko-KR" altLang="en-US"/>
           </a:p>
@@ -718,7 +718,7 @@
           <a:p>
             <a:fld id="{F8166F1F-CE9B-4651-A6AA-CD717754106B}" type="datetimeFigureOut">
               <a:rPr lang="en-US" smtClean="0"/>
-              <a:t>3/3/2023</a:t>
+              <a:t>3/4/2023</a:t>
             </a:fld>
             <a:endParaRPr lang="en-US"/>
           </a:p>
@@ -881,7 +881,7 @@
           <a:p>
             <a:fld id="{A76116CE-C4A3-4A05-B2D7-7C2E9A889C0F}" type="datetimeFigureOut">
               <a:rPr lang="en-US" smtClean="0"/>
-              <a:t>3/3/2023</a:t>
+              <a:t>3/4/2023</a:t>
             </a:fld>
             <a:endParaRPr lang="en-US"/>
           </a:p>
@@ -1054,7 +1054,7 @@
           <a:p>
             <a:fld id="{A76116CE-C4A3-4A05-B2D7-7C2E9A889C0F}" type="datetimeFigureOut">
               <a:rPr lang="en-US" smtClean="0"/>
-              <a:t>3/3/2023</a:t>
+              <a:t>3/4/2023</a:t>
             </a:fld>
             <a:endParaRPr lang="en-US"/>
           </a:p>
@@ -1219,7 +1219,7 @@
           <a:p>
             <a:fld id="{A76116CE-C4A3-4A05-B2D7-7C2E9A889C0F}" type="datetimeFigureOut">
               <a:rPr lang="en-US" smtClean="0"/>
-              <a:t>3/3/2023</a:t>
+              <a:t>3/4/2023</a:t>
             </a:fld>
             <a:endParaRPr lang="en-US"/>
           </a:p>
@@ -1459,7 +1459,7 @@
           <a:p>
             <a:fld id="{A76116CE-C4A3-4A05-B2D7-7C2E9A889C0F}" type="datetimeFigureOut">
               <a:rPr lang="en-US" smtClean="0"/>
-              <a:t>3/3/2023</a:t>
+              <a:t>3/4/2023</a:t>
             </a:fld>
             <a:endParaRPr lang="en-US"/>
           </a:p>
@@ -1739,7 +1739,7 @@
           <a:p>
             <a:fld id="{A76116CE-C4A3-4A05-B2D7-7C2E9A889C0F}" type="datetimeFigureOut">
               <a:rPr lang="en-US" smtClean="0"/>
-              <a:t>3/3/2023</a:t>
+              <a:t>3/4/2023</a:t>
             </a:fld>
             <a:endParaRPr lang="en-US"/>
           </a:p>
@@ -2153,7 +2153,7 @@
           <a:p>
             <a:fld id="{A76116CE-C4A3-4A05-B2D7-7C2E9A889C0F}" type="datetimeFigureOut">
               <a:rPr lang="en-US" smtClean="0"/>
-              <a:t>3/3/2023</a:t>
+              <a:t>3/4/2023</a:t>
             </a:fld>
             <a:endParaRPr lang="en-US"/>
           </a:p>
@@ -2265,7 +2265,7 @@
           <a:p>
             <a:fld id="{A76116CE-C4A3-4A05-B2D7-7C2E9A889C0F}" type="datetimeFigureOut">
               <a:rPr lang="en-US" smtClean="0"/>
-              <a:t>3/3/2023</a:t>
+              <a:t>3/4/2023</a:t>
             </a:fld>
             <a:endParaRPr lang="en-US"/>
           </a:p>
@@ -2355,7 +2355,7 @@
           <a:p>
             <a:fld id="{A76116CE-C4A3-4A05-B2D7-7C2E9A889C0F}" type="datetimeFigureOut">
               <a:rPr lang="en-US" smtClean="0"/>
-              <a:t>3/3/2023</a:t>
+              <a:t>3/4/2023</a:t>
             </a:fld>
             <a:endParaRPr lang="en-US"/>
           </a:p>
@@ -2625,7 +2625,7 @@
           <a:p>
             <a:fld id="{A76116CE-C4A3-4A05-B2D7-7C2E9A889C0F}" type="datetimeFigureOut">
               <a:rPr lang="en-US" smtClean="0"/>
-              <a:t>3/3/2023</a:t>
+              <a:t>3/4/2023</a:t>
             </a:fld>
             <a:endParaRPr lang="en-US"/>
           </a:p>
@@ -2872,7 +2872,7 @@
           <a:p>
             <a:fld id="{A76116CE-C4A3-4A05-B2D7-7C2E9A889C0F}" type="datetimeFigureOut">
               <a:rPr lang="en-US" smtClean="0"/>
-              <a:t>3/3/2023</a:t>
+              <a:t>3/4/2023</a:t>
             </a:fld>
             <a:endParaRPr lang="en-US"/>
           </a:p>
@@ -3078,7 +3078,7 @@
           <a:p>
             <a:fld id="{F8166F1F-CE9B-4651-A6AA-CD717754106B}" type="datetimeFigureOut">
               <a:rPr lang="en-US" smtClean="0"/>
-              <a:t>3/3/2023</a:t>
+              <a:t>3/4/2023</a:t>
             </a:fld>
             <a:endParaRPr lang="en-US"/>
           </a:p>
@@ -3734,7 +3734,7 @@
           <p:cNvPr id="2" name="TextBox 1">
             <a:extLst>
               <a:ext uri="{FF2B5EF4-FFF2-40B4-BE49-F238E27FC236}">
-                <a16:creationId xmlns:a16="http://schemas.microsoft.com/office/drawing/2014/main" id="{E9A453A8-9968-67AB-7B4A-83EEB4662AA6}"/>
+                <a16:creationId xmlns:a16="http://schemas.microsoft.com/office/drawing/2014/main" xmlns="" id="{E9A453A8-9968-67AB-7B4A-83EEB4662AA6}"/>
               </a:ext>
             </a:extLst>
           </p:cNvPr>
@@ -3782,7 +3782,7 @@
           <p:cNvPr id="4" name="TextBox 3">
             <a:extLst>
               <a:ext uri="{FF2B5EF4-FFF2-40B4-BE49-F238E27FC236}">
-                <a16:creationId xmlns:a16="http://schemas.microsoft.com/office/drawing/2014/main" id="{F4B7A35A-8AAC-4622-64BC-CAD1472D4115}"/>
+                <a16:creationId xmlns:a16="http://schemas.microsoft.com/office/drawing/2014/main" xmlns="" id="{F4B7A35A-8AAC-4622-64BC-CAD1472D4115}"/>
               </a:ext>
             </a:extLst>
           </p:cNvPr>
@@ -3854,7 +3854,7 @@
           <p:cNvPr id="7" name="TextBox 6">
             <a:extLst>
               <a:ext uri="{FF2B5EF4-FFF2-40B4-BE49-F238E27FC236}">
-                <a16:creationId xmlns:a16="http://schemas.microsoft.com/office/drawing/2014/main" id="{3ACE900A-D779-4343-6623-8588B376F0A1}"/>
+                <a16:creationId xmlns:a16="http://schemas.microsoft.com/office/drawing/2014/main" xmlns="" id="{3ACE900A-D779-4343-6623-8588B376F0A1}"/>
               </a:ext>
             </a:extLst>
           </p:cNvPr>
@@ -3918,7 +3918,7 @@
           <p:cNvPr id="4" name="TextBox 3">
             <a:extLst>
               <a:ext uri="{FF2B5EF4-FFF2-40B4-BE49-F238E27FC236}">
-                <a16:creationId xmlns:a16="http://schemas.microsoft.com/office/drawing/2014/main" id="{5CC2BCB0-5991-A266-C982-D26FEE054263}"/>
+                <a16:creationId xmlns:a16="http://schemas.microsoft.com/office/drawing/2014/main" xmlns="" id="{5CC2BCB0-5991-A266-C982-D26FEE054263}"/>
               </a:ext>
             </a:extLst>
           </p:cNvPr>
@@ -3989,7 +3989,7 @@
           <p:cNvPr id="7" name="그림 6">
             <a:extLst>
               <a:ext uri="{FF2B5EF4-FFF2-40B4-BE49-F238E27FC236}">
-                <a16:creationId xmlns:a16="http://schemas.microsoft.com/office/drawing/2014/main" id="{0005B37F-2994-724F-46A5-DB572B1FF071}"/>
+                <a16:creationId xmlns:a16="http://schemas.microsoft.com/office/drawing/2014/main" xmlns="" id="{0005B37F-2994-724F-46A5-DB572B1FF071}"/>
               </a:ext>
             </a:extLst>
           </p:cNvPr>
@@ -4019,7 +4019,7 @@
           <p:cNvPr id="9" name="그림 8">
             <a:extLst>
               <a:ext uri="{FF2B5EF4-FFF2-40B4-BE49-F238E27FC236}">
-                <a16:creationId xmlns:a16="http://schemas.microsoft.com/office/drawing/2014/main" id="{7C6A6F5B-3963-DE64-EBEB-24849085A3EA}"/>
+                <a16:creationId xmlns:a16="http://schemas.microsoft.com/office/drawing/2014/main" xmlns="" id="{7C6A6F5B-3963-DE64-EBEB-24849085A3EA}"/>
               </a:ext>
             </a:extLst>
           </p:cNvPr>
@@ -4049,7 +4049,7 @@
           <p:cNvPr id="10" name="직선 화살표 연결선 9">
             <a:extLst>
               <a:ext uri="{FF2B5EF4-FFF2-40B4-BE49-F238E27FC236}">
-                <a16:creationId xmlns:a16="http://schemas.microsoft.com/office/drawing/2014/main" id="{FBB01A04-D6A8-58CB-959F-EE92F85673FE}"/>
+                <a16:creationId xmlns:a16="http://schemas.microsoft.com/office/drawing/2014/main" xmlns="" id="{FBB01A04-D6A8-58CB-959F-EE92F85673FE}"/>
               </a:ext>
             </a:extLst>
           </p:cNvPr>
@@ -4090,7 +4090,7 @@
           <p:cNvPr id="11" name="TextBox 10">
             <a:extLst>
               <a:ext uri="{FF2B5EF4-FFF2-40B4-BE49-F238E27FC236}">
-                <a16:creationId xmlns:a16="http://schemas.microsoft.com/office/drawing/2014/main" id="{01511EC3-6631-114A-D3DB-B98EFE39DE54}"/>
+                <a16:creationId xmlns:a16="http://schemas.microsoft.com/office/drawing/2014/main" xmlns="" id="{01511EC3-6631-114A-D3DB-B98EFE39DE54}"/>
               </a:ext>
             </a:extLst>
           </p:cNvPr>
@@ -4296,7 +4296,7 @@
           <p:cNvPr id="4" name="표 3">
             <a:extLst>
               <a:ext uri="{FF2B5EF4-FFF2-40B4-BE49-F238E27FC236}">
-                <a16:creationId xmlns:a16="http://schemas.microsoft.com/office/drawing/2014/main" id="{75F52EFA-0700-A944-A9D6-D04E23ABC305}"/>
+                <a16:creationId xmlns:a16="http://schemas.microsoft.com/office/drawing/2014/main" xmlns="" id="{75F52EFA-0700-A944-A9D6-D04E23ABC305}"/>
               </a:ext>
             </a:extLst>
           </p:cNvPr>
@@ -4325,14 +4325,14 @@
                 <a:gridCol w="1571407">
                   <a:extLst>
                     <a:ext uri="{9D8B030D-6E8A-4147-A177-3AD203B41FA5}">
-                      <a16:colId xmlns:a16="http://schemas.microsoft.com/office/drawing/2014/main" val="3085074081"/>
+                      <a16:colId xmlns:a16="http://schemas.microsoft.com/office/drawing/2014/main" xmlns="" val="3085074081"/>
                     </a:ext>
                   </a:extLst>
                 </a:gridCol>
                 <a:gridCol w="2588200">
                   <a:extLst>
                     <a:ext uri="{9D8B030D-6E8A-4147-A177-3AD203B41FA5}">
-                      <a16:colId xmlns:a16="http://schemas.microsoft.com/office/drawing/2014/main" val="3838526504"/>
+                      <a16:colId xmlns:a16="http://schemas.microsoft.com/office/drawing/2014/main" xmlns="" val="3838526504"/>
                     </a:ext>
                   </a:extLst>
                 </a:gridCol>
@@ -4458,7 +4458,7 @@
                 </a:tc>
                 <a:extLst>
                   <a:ext uri="{0D108BD9-81ED-4DB2-BD59-A6C34878D82A}">
-                    <a16:rowId xmlns:a16="http://schemas.microsoft.com/office/drawing/2014/main" val="2734103148"/>
+                    <a16:rowId xmlns:a16="http://schemas.microsoft.com/office/drawing/2014/main" xmlns="" val="2734103148"/>
                   </a:ext>
                 </a:extLst>
               </a:tr>
@@ -4577,7 +4577,7 @@
                 </a:tc>
                 <a:extLst>
                   <a:ext uri="{0D108BD9-81ED-4DB2-BD59-A6C34878D82A}">
-                    <a16:rowId xmlns:a16="http://schemas.microsoft.com/office/drawing/2014/main" val="1195670017"/>
+                    <a16:rowId xmlns:a16="http://schemas.microsoft.com/office/drawing/2014/main" xmlns="" val="1195670017"/>
                   </a:ext>
                 </a:extLst>
               </a:tr>
@@ -4692,7 +4692,7 @@
                 </a:tc>
                 <a:extLst>
                   <a:ext uri="{0D108BD9-81ED-4DB2-BD59-A6C34878D82A}">
-                    <a16:rowId xmlns:a16="http://schemas.microsoft.com/office/drawing/2014/main" val="1068429856"/>
+                    <a16:rowId xmlns:a16="http://schemas.microsoft.com/office/drawing/2014/main" xmlns="" val="1068429856"/>
                   </a:ext>
                 </a:extLst>
               </a:tr>
@@ -4824,7 +4824,7 @@
                 </a:tc>
                 <a:extLst>
                   <a:ext uri="{0D108BD9-81ED-4DB2-BD59-A6C34878D82A}">
-                    <a16:rowId xmlns:a16="http://schemas.microsoft.com/office/drawing/2014/main" val="3777237586"/>
+                    <a16:rowId xmlns:a16="http://schemas.microsoft.com/office/drawing/2014/main" xmlns="" val="3777237586"/>
                   </a:ext>
                 </a:extLst>
               </a:tr>
@@ -4968,7 +4968,7 @@
                 </a:tc>
                 <a:extLst>
                   <a:ext uri="{0D108BD9-81ED-4DB2-BD59-A6C34878D82A}">
-                    <a16:rowId xmlns:a16="http://schemas.microsoft.com/office/drawing/2014/main" val="1026257872"/>
+                    <a16:rowId xmlns:a16="http://schemas.microsoft.com/office/drawing/2014/main" xmlns="" val="1026257872"/>
                   </a:ext>
                 </a:extLst>
               </a:tr>
@@ -5100,7 +5100,7 @@
                 </a:tc>
                 <a:extLst>
                   <a:ext uri="{0D108BD9-81ED-4DB2-BD59-A6C34878D82A}">
-                    <a16:rowId xmlns:a16="http://schemas.microsoft.com/office/drawing/2014/main" val="3195968026"/>
+                    <a16:rowId xmlns:a16="http://schemas.microsoft.com/office/drawing/2014/main" xmlns="" val="3195968026"/>
                   </a:ext>
                 </a:extLst>
               </a:tr>
@@ -5232,7 +5232,7 @@
                 </a:tc>
                 <a:extLst>
                   <a:ext uri="{0D108BD9-81ED-4DB2-BD59-A6C34878D82A}">
-                    <a16:rowId xmlns:a16="http://schemas.microsoft.com/office/drawing/2014/main" val="359716710"/>
+                    <a16:rowId xmlns:a16="http://schemas.microsoft.com/office/drawing/2014/main" xmlns="" val="359716710"/>
                   </a:ext>
                 </a:extLst>
               </a:tr>
@@ -5245,7 +5245,7 @@
           <p:cNvPr id="5" name="그룹 1018">
             <a:extLst>
               <a:ext uri="{FF2B5EF4-FFF2-40B4-BE49-F238E27FC236}">
-                <a16:creationId xmlns:a16="http://schemas.microsoft.com/office/drawing/2014/main" id="{E92CE258-155F-016E-03DB-FB8975406942}"/>
+                <a16:creationId xmlns:a16="http://schemas.microsoft.com/office/drawing/2014/main" xmlns="" id="{E92CE258-155F-016E-03DB-FB8975406942}"/>
               </a:ext>
             </a:extLst>
           </p:cNvPr>
@@ -5265,7 +5265,7 @@
             <p:cNvPr id="6" name="Object 61">
               <a:extLst>
                 <a:ext uri="{FF2B5EF4-FFF2-40B4-BE49-F238E27FC236}">
-                  <a16:creationId xmlns:a16="http://schemas.microsoft.com/office/drawing/2014/main" id="{E5B1BE96-9E42-58B3-8D68-5AAEB1F7DA2B}"/>
+                  <a16:creationId xmlns:a16="http://schemas.microsoft.com/office/drawing/2014/main" xmlns="" id="{E5B1BE96-9E42-58B3-8D68-5AAEB1F7DA2B}"/>
                 </a:ext>
               </a:extLst>
             </p:cNvPr>
@@ -5296,7 +5296,7 @@
           <p:cNvPr id="7" name="TextBox 6">
             <a:extLst>
               <a:ext uri="{FF2B5EF4-FFF2-40B4-BE49-F238E27FC236}">
-                <a16:creationId xmlns:a16="http://schemas.microsoft.com/office/drawing/2014/main" id="{BA8A1DB5-D5BC-96F1-0A75-F2A7F301FEC9}"/>
+                <a16:creationId xmlns:a16="http://schemas.microsoft.com/office/drawing/2014/main" xmlns="" id="{BA8A1DB5-D5BC-96F1-0A75-F2A7F301FEC9}"/>
               </a:ext>
             </a:extLst>
           </p:cNvPr>
@@ -5306,7 +5306,7 @@
         <p:spPr>
           <a:xfrm>
             <a:off x="2768063" y="2198757"/>
-            <a:ext cx="2184937" cy="707886"/>
+            <a:ext cx="2489737" cy="707886"/>
           </a:xfrm>
           <a:prstGeom prst="rect">
             <a:avLst/>
@@ -5340,7 +5340,7 @@
           <p:cNvPr id="8" name="직선 화살표 연결선 7">
             <a:extLst>
               <a:ext uri="{FF2B5EF4-FFF2-40B4-BE49-F238E27FC236}">
-                <a16:creationId xmlns:a16="http://schemas.microsoft.com/office/drawing/2014/main" id="{065A53AB-8A11-B4D0-C413-A23A403DC83D}"/>
+                <a16:creationId xmlns:a16="http://schemas.microsoft.com/office/drawing/2014/main" xmlns="" id="{065A53AB-8A11-B4D0-C413-A23A403DC83D}"/>
               </a:ext>
             </a:extLst>
           </p:cNvPr>
@@ -5382,7 +5382,7 @@
           <p:cNvPr id="11" name="TextBox 10">
             <a:extLst>
               <a:ext uri="{FF2B5EF4-FFF2-40B4-BE49-F238E27FC236}">
-                <a16:creationId xmlns:a16="http://schemas.microsoft.com/office/drawing/2014/main" id="{9F162419-202C-C709-C49D-5F2C0F1D7176}"/>
+                <a16:creationId xmlns:a16="http://schemas.microsoft.com/office/drawing/2014/main" xmlns="" id="{9F162419-202C-C709-C49D-5F2C0F1D7176}"/>
               </a:ext>
             </a:extLst>
           </p:cNvPr>
@@ -5426,7 +5426,7 @@
           <p:cNvPr id="16" name="그룹 1018">
             <a:extLst>
               <a:ext uri="{FF2B5EF4-FFF2-40B4-BE49-F238E27FC236}">
-                <a16:creationId xmlns:a16="http://schemas.microsoft.com/office/drawing/2014/main" id="{C06AB08C-2665-6769-206D-B141D65DB664}"/>
+                <a16:creationId xmlns:a16="http://schemas.microsoft.com/office/drawing/2014/main" xmlns="" id="{C06AB08C-2665-6769-206D-B141D65DB664}"/>
               </a:ext>
             </a:extLst>
           </p:cNvPr>
@@ -5446,7 +5446,7 @@
             <p:cNvPr id="17" name="Object 61">
               <a:extLst>
                 <a:ext uri="{FF2B5EF4-FFF2-40B4-BE49-F238E27FC236}">
-                  <a16:creationId xmlns:a16="http://schemas.microsoft.com/office/drawing/2014/main" id="{10584885-9B45-7FD0-1632-9DEDB2895DC7}"/>
+                  <a16:creationId xmlns:a16="http://schemas.microsoft.com/office/drawing/2014/main" xmlns="" id="{10584885-9B45-7FD0-1632-9DEDB2895DC7}"/>
                 </a:ext>
               </a:extLst>
             </p:cNvPr>
@@ -5477,7 +5477,7 @@
           <p:cNvPr id="18" name="TextBox 17">
             <a:extLst>
               <a:ext uri="{FF2B5EF4-FFF2-40B4-BE49-F238E27FC236}">
-                <a16:creationId xmlns:a16="http://schemas.microsoft.com/office/drawing/2014/main" id="{DA00CDD9-D4A1-AE16-9756-270D7145CE97}"/>
+                <a16:creationId xmlns:a16="http://schemas.microsoft.com/office/drawing/2014/main" xmlns="" id="{DA00CDD9-D4A1-AE16-9756-270D7145CE97}"/>
               </a:ext>
             </a:extLst>
           </p:cNvPr>
@@ -5487,7 +5487,7 @@
         <p:spPr>
           <a:xfrm>
             <a:off x="2797092" y="5880100"/>
-            <a:ext cx="2184937" cy="707886"/>
+            <a:ext cx="2460708" cy="707886"/>
           </a:xfrm>
           <a:prstGeom prst="rect">
             <a:avLst/>
@@ -5521,7 +5521,7 @@
           <p:cNvPr id="19" name="TextBox 18">
             <a:extLst>
               <a:ext uri="{FF2B5EF4-FFF2-40B4-BE49-F238E27FC236}">
-                <a16:creationId xmlns:a16="http://schemas.microsoft.com/office/drawing/2014/main" id="{E526F914-4E2C-7378-C555-0344A74856A9}"/>
+                <a16:creationId xmlns:a16="http://schemas.microsoft.com/office/drawing/2014/main" xmlns="" id="{E526F914-4E2C-7378-C555-0344A74856A9}"/>
               </a:ext>
             </a:extLst>
           </p:cNvPr>
@@ -5575,7 +5575,7 @@
           <p:cNvPr id="20" name="직선 화살표 연결선 19">
             <a:extLst>
               <a:ext uri="{FF2B5EF4-FFF2-40B4-BE49-F238E27FC236}">
-                <a16:creationId xmlns:a16="http://schemas.microsoft.com/office/drawing/2014/main" id="{0C7344B7-75CA-64B5-3B81-FFD8A09E797B}"/>
+                <a16:creationId xmlns:a16="http://schemas.microsoft.com/office/drawing/2014/main" xmlns="" id="{0C7344B7-75CA-64B5-3B81-FFD8A09E797B}"/>
               </a:ext>
             </a:extLst>
           </p:cNvPr>
@@ -5619,7 +5619,7 @@
           <p:cNvPr id="22" name="직사각형 21">
             <a:extLst>
               <a:ext uri="{FF2B5EF4-FFF2-40B4-BE49-F238E27FC236}">
-                <a16:creationId xmlns:a16="http://schemas.microsoft.com/office/drawing/2014/main" id="{1EDC6D19-43AF-AE80-4870-DB2CFE9DDBF1}"/>
+                <a16:creationId xmlns:a16="http://schemas.microsoft.com/office/drawing/2014/main" xmlns="" id="{1EDC6D19-43AF-AE80-4870-DB2CFE9DDBF1}"/>
               </a:ext>
             </a:extLst>
           </p:cNvPr>
@@ -5671,7 +5671,7 @@
           <p:cNvPr id="23" name="TextBox 22">
             <a:extLst>
               <a:ext uri="{FF2B5EF4-FFF2-40B4-BE49-F238E27FC236}">
-                <a16:creationId xmlns:a16="http://schemas.microsoft.com/office/drawing/2014/main" id="{426BE1AE-22E5-E75D-D2CF-171382D4BB43}"/>
+                <a16:creationId xmlns:a16="http://schemas.microsoft.com/office/drawing/2014/main" xmlns="" id="{426BE1AE-22E5-E75D-D2CF-171382D4BB43}"/>
               </a:ext>
             </a:extLst>
           </p:cNvPr>
@@ -5759,7 +5759,7 @@
           <p:cNvPr id="5" name="TextBox 4">
             <a:extLst>
               <a:ext uri="{FF2B5EF4-FFF2-40B4-BE49-F238E27FC236}">
-                <a16:creationId xmlns:a16="http://schemas.microsoft.com/office/drawing/2014/main" id="{7229BEA6-121E-9056-D07F-2B3BB1795F76}"/>
+                <a16:creationId xmlns:a16="http://schemas.microsoft.com/office/drawing/2014/main" xmlns="" id="{7229BEA6-121E-9056-D07F-2B3BB1795F76}"/>
               </a:ext>
             </a:extLst>
           </p:cNvPr>
@@ -5807,7 +5807,7 @@
           <p:cNvPr id="6" name="TextBox 5">
             <a:extLst>
               <a:ext uri="{FF2B5EF4-FFF2-40B4-BE49-F238E27FC236}">
-                <a16:creationId xmlns:a16="http://schemas.microsoft.com/office/drawing/2014/main" id="{7229BEA6-121E-9056-D07F-2B3BB1795F76}"/>
+                <a16:creationId xmlns:a16="http://schemas.microsoft.com/office/drawing/2014/main" xmlns="" id="{7229BEA6-121E-9056-D07F-2B3BB1795F76}"/>
               </a:ext>
             </a:extLst>
           </p:cNvPr>
@@ -5902,7 +5902,7 @@
           <p:cNvPr id="9" name="TextBox 8">
             <a:extLst>
               <a:ext uri="{FF2B5EF4-FFF2-40B4-BE49-F238E27FC236}">
-                <a16:creationId xmlns:a16="http://schemas.microsoft.com/office/drawing/2014/main" id="{C6D113C6-EA5C-788F-0C77-E7CE6EBB865F}"/>
+                <a16:creationId xmlns:a16="http://schemas.microsoft.com/office/drawing/2014/main" xmlns="" id="{C6D113C6-EA5C-788F-0C77-E7CE6EBB865F}"/>
               </a:ext>
             </a:extLst>
           </p:cNvPr>
@@ -5995,7 +5995,7 @@
           <p:cNvPr id="10" name="TextBox 9">
             <a:extLst>
               <a:ext uri="{FF2B5EF4-FFF2-40B4-BE49-F238E27FC236}">
-                <a16:creationId xmlns:a16="http://schemas.microsoft.com/office/drawing/2014/main" id="{C6D113C6-EA5C-788F-0C77-E7CE6EBB865F}"/>
+                <a16:creationId xmlns:a16="http://schemas.microsoft.com/office/drawing/2014/main" xmlns="" id="{C6D113C6-EA5C-788F-0C77-E7CE6EBB865F}"/>
               </a:ext>
             </a:extLst>
           </p:cNvPr>
@@ -6155,7 +6155,7 @@
           <p:cNvPr id="34" name="그룹 1018">
             <a:extLst>
               <a:ext uri="{FF2B5EF4-FFF2-40B4-BE49-F238E27FC236}">
-                <a16:creationId xmlns:a16="http://schemas.microsoft.com/office/drawing/2014/main" id="{3138CF99-2D92-CBDD-6533-2C42A60AE718}"/>
+                <a16:creationId xmlns:a16="http://schemas.microsoft.com/office/drawing/2014/main" xmlns="" id="{3138CF99-2D92-CBDD-6533-2C42A60AE718}"/>
               </a:ext>
             </a:extLst>
           </p:cNvPr>
@@ -6175,7 +6175,7 @@
             <p:cNvPr id="35" name="Object 61">
               <a:extLst>
                 <a:ext uri="{FF2B5EF4-FFF2-40B4-BE49-F238E27FC236}">
-                  <a16:creationId xmlns:a16="http://schemas.microsoft.com/office/drawing/2014/main" id="{8FD972FD-026A-2913-A52F-434833C71216}"/>
+                  <a16:creationId xmlns:a16="http://schemas.microsoft.com/office/drawing/2014/main" xmlns="" id="{8FD972FD-026A-2913-A52F-434833C71216}"/>
                 </a:ext>
               </a:extLst>
             </p:cNvPr>
@@ -6206,7 +6206,7 @@
           <p:cNvPr id="36" name="그룹 1018">
             <a:extLst>
               <a:ext uri="{FF2B5EF4-FFF2-40B4-BE49-F238E27FC236}">
-                <a16:creationId xmlns:a16="http://schemas.microsoft.com/office/drawing/2014/main" id="{5FC86957-615D-E878-F668-867C2FB4DC0A}"/>
+                <a16:creationId xmlns:a16="http://schemas.microsoft.com/office/drawing/2014/main" xmlns="" id="{5FC86957-615D-E878-F668-867C2FB4DC0A}"/>
               </a:ext>
             </a:extLst>
           </p:cNvPr>
@@ -6226,7 +6226,7 @@
             <p:cNvPr id="37" name="Object 61">
               <a:extLst>
                 <a:ext uri="{FF2B5EF4-FFF2-40B4-BE49-F238E27FC236}">
-                  <a16:creationId xmlns:a16="http://schemas.microsoft.com/office/drawing/2014/main" id="{EBAF8476-3DF1-A67A-34DC-71843696788B}"/>
+                  <a16:creationId xmlns:a16="http://schemas.microsoft.com/office/drawing/2014/main" xmlns="" id="{EBAF8476-3DF1-A67A-34DC-71843696788B}"/>
                 </a:ext>
               </a:extLst>
             </p:cNvPr>
@@ -6257,7 +6257,7 @@
           <p:cNvPr id="38" name="직선 연결선 37">
             <a:extLst>
               <a:ext uri="{FF2B5EF4-FFF2-40B4-BE49-F238E27FC236}">
-                <a16:creationId xmlns:a16="http://schemas.microsoft.com/office/drawing/2014/main" id="{29E27878-4291-6851-5C3A-80F6E5348F30}"/>
+                <a16:creationId xmlns:a16="http://schemas.microsoft.com/office/drawing/2014/main" xmlns="" id="{29E27878-4291-6851-5C3A-80F6E5348F30}"/>
               </a:ext>
             </a:extLst>
           </p:cNvPr>
@@ -6302,7 +6302,7 @@
           <p:cNvPr id="39" name="직선 연결선 38">
             <a:extLst>
               <a:ext uri="{FF2B5EF4-FFF2-40B4-BE49-F238E27FC236}">
-                <a16:creationId xmlns:a16="http://schemas.microsoft.com/office/drawing/2014/main" id="{70D5F0E5-B732-A42B-EEBF-DA062585BD23}"/>
+                <a16:creationId xmlns:a16="http://schemas.microsoft.com/office/drawing/2014/main" xmlns="" id="{70D5F0E5-B732-A42B-EEBF-DA062585BD23}"/>
               </a:ext>
             </a:extLst>
           </p:cNvPr>
@@ -6345,7 +6345,7 @@
           <p:cNvPr id="40" name="그룹 1018">
             <a:extLst>
               <a:ext uri="{FF2B5EF4-FFF2-40B4-BE49-F238E27FC236}">
-                <a16:creationId xmlns:a16="http://schemas.microsoft.com/office/drawing/2014/main" id="{FA85C53C-21CC-32BC-F665-89533517CC46}"/>
+                <a16:creationId xmlns:a16="http://schemas.microsoft.com/office/drawing/2014/main" xmlns="" id="{FA85C53C-21CC-32BC-F665-89533517CC46}"/>
               </a:ext>
             </a:extLst>
           </p:cNvPr>
@@ -6365,7 +6365,7 @@
             <p:cNvPr id="41" name="Object 61">
               <a:extLst>
                 <a:ext uri="{FF2B5EF4-FFF2-40B4-BE49-F238E27FC236}">
-                  <a16:creationId xmlns:a16="http://schemas.microsoft.com/office/drawing/2014/main" id="{E2136E8E-42C7-3B05-1DBC-C29E45704E26}"/>
+                  <a16:creationId xmlns:a16="http://schemas.microsoft.com/office/drawing/2014/main" xmlns="" id="{E2136E8E-42C7-3B05-1DBC-C29E45704E26}"/>
                 </a:ext>
               </a:extLst>
             </p:cNvPr>
@@ -6396,7 +6396,7 @@
           <p:cNvPr id="42" name="그룹 1018">
             <a:extLst>
               <a:ext uri="{FF2B5EF4-FFF2-40B4-BE49-F238E27FC236}">
-                <a16:creationId xmlns:a16="http://schemas.microsoft.com/office/drawing/2014/main" id="{23C8A0F9-1A43-048D-279E-FD49209F0DCC}"/>
+                <a16:creationId xmlns:a16="http://schemas.microsoft.com/office/drawing/2014/main" xmlns="" id="{23C8A0F9-1A43-048D-279E-FD49209F0DCC}"/>
               </a:ext>
             </a:extLst>
           </p:cNvPr>
@@ -6416,7 +6416,7 @@
             <p:cNvPr id="43" name="Object 61">
               <a:extLst>
                 <a:ext uri="{FF2B5EF4-FFF2-40B4-BE49-F238E27FC236}">
-                  <a16:creationId xmlns:a16="http://schemas.microsoft.com/office/drawing/2014/main" id="{AE3ECA37-3360-6649-61D0-18807B6D3FB2}"/>
+                  <a16:creationId xmlns:a16="http://schemas.microsoft.com/office/drawing/2014/main" xmlns="" id="{AE3ECA37-3360-6649-61D0-18807B6D3FB2}"/>
                 </a:ext>
               </a:extLst>
             </p:cNvPr>
@@ -6447,7 +6447,7 @@
           <p:cNvPr id="44" name="직선 연결선 43">
             <a:extLst>
               <a:ext uri="{FF2B5EF4-FFF2-40B4-BE49-F238E27FC236}">
-                <a16:creationId xmlns:a16="http://schemas.microsoft.com/office/drawing/2014/main" id="{705DEB9F-B2DC-8A16-B157-30862E5EC46C}"/>
+                <a16:creationId xmlns:a16="http://schemas.microsoft.com/office/drawing/2014/main" xmlns="" id="{705DEB9F-B2DC-8A16-B157-30862E5EC46C}"/>
               </a:ext>
             </a:extLst>
           </p:cNvPr>
@@ -6491,7 +6491,7 @@
           <p:cNvPr id="45" name="TextBox 44">
             <a:extLst>
               <a:ext uri="{FF2B5EF4-FFF2-40B4-BE49-F238E27FC236}">
-                <a16:creationId xmlns:a16="http://schemas.microsoft.com/office/drawing/2014/main" id="{06D44A6B-8687-87DB-5B6B-7D8645EFC103}"/>
+                <a16:creationId xmlns:a16="http://schemas.microsoft.com/office/drawing/2014/main" xmlns="" id="{06D44A6B-8687-87DB-5B6B-7D8645EFC103}"/>
               </a:ext>
             </a:extLst>
           </p:cNvPr>
@@ -6535,7 +6535,7 @@
           <p:cNvPr id="46" name="TextBox 45">
             <a:extLst>
               <a:ext uri="{FF2B5EF4-FFF2-40B4-BE49-F238E27FC236}">
-                <a16:creationId xmlns:a16="http://schemas.microsoft.com/office/drawing/2014/main" id="{1BD1BFD6-6F53-FDE8-D6F6-2D8B78A95A61}"/>
+                <a16:creationId xmlns:a16="http://schemas.microsoft.com/office/drawing/2014/main" xmlns="" id="{1BD1BFD6-6F53-FDE8-D6F6-2D8B78A95A61}"/>
               </a:ext>
             </a:extLst>
           </p:cNvPr>
@@ -6589,7 +6589,7 @@
           <p:cNvPr id="47" name="TextBox 46">
             <a:extLst>
               <a:ext uri="{FF2B5EF4-FFF2-40B4-BE49-F238E27FC236}">
-                <a16:creationId xmlns:a16="http://schemas.microsoft.com/office/drawing/2014/main" id="{FAE7DED7-EB36-2531-618C-FAC8689B9594}"/>
+                <a16:creationId xmlns:a16="http://schemas.microsoft.com/office/drawing/2014/main" xmlns="" id="{FAE7DED7-EB36-2531-618C-FAC8689B9594}"/>
               </a:ext>
             </a:extLst>
           </p:cNvPr>
@@ -6643,7 +6643,7 @@
           <p:cNvPr id="48" name="TextBox 47">
             <a:extLst>
               <a:ext uri="{FF2B5EF4-FFF2-40B4-BE49-F238E27FC236}">
-                <a16:creationId xmlns:a16="http://schemas.microsoft.com/office/drawing/2014/main" id="{EAE0F19A-C99A-47E8-CE4C-7326019AA845}"/>
+                <a16:creationId xmlns:a16="http://schemas.microsoft.com/office/drawing/2014/main" xmlns="" id="{EAE0F19A-C99A-47E8-CE4C-7326019AA845}"/>
               </a:ext>
             </a:extLst>
           </p:cNvPr>
@@ -6697,7 +6697,7 @@
           <p:cNvPr id="49" name="아래로 구부러진 화살표 10">
             <a:extLst>
               <a:ext uri="{FF2B5EF4-FFF2-40B4-BE49-F238E27FC236}">
-                <a16:creationId xmlns:a16="http://schemas.microsoft.com/office/drawing/2014/main" id="{C9136443-4CD5-CF31-EF20-6F45AE4D2DCB}"/>
+                <a16:creationId xmlns:a16="http://schemas.microsoft.com/office/drawing/2014/main" xmlns="" id="{C9136443-4CD5-CF31-EF20-6F45AE4D2DCB}"/>
               </a:ext>
             </a:extLst>
           </p:cNvPr>
@@ -6750,7 +6750,7 @@
           <p:cNvPr id="50" name="TextBox 49">
             <a:extLst>
               <a:ext uri="{FF2B5EF4-FFF2-40B4-BE49-F238E27FC236}">
-                <a16:creationId xmlns:a16="http://schemas.microsoft.com/office/drawing/2014/main" id="{7971A8E6-D5A6-F0FA-90EA-D241E303E609}"/>
+                <a16:creationId xmlns:a16="http://schemas.microsoft.com/office/drawing/2014/main" xmlns="" id="{7971A8E6-D5A6-F0FA-90EA-D241E303E609}"/>
               </a:ext>
             </a:extLst>
           </p:cNvPr>
@@ -6831,7 +6831,7 @@
           <p:cNvPr id="5" name="그림 4">
             <a:extLst>
               <a:ext uri="{FF2B5EF4-FFF2-40B4-BE49-F238E27FC236}">
-                <a16:creationId xmlns:a16="http://schemas.microsoft.com/office/drawing/2014/main" id="{695D11CB-6B77-6708-5C79-908CEE0F549B}"/>
+                <a16:creationId xmlns:a16="http://schemas.microsoft.com/office/drawing/2014/main" xmlns="" id="{695D11CB-6B77-6708-5C79-908CEE0F549B}"/>
               </a:ext>
             </a:extLst>
           </p:cNvPr>
@@ -6861,7 +6861,7 @@
           <p:cNvPr id="6" name="TextBox 5">
             <a:extLst>
               <a:ext uri="{FF2B5EF4-FFF2-40B4-BE49-F238E27FC236}">
-                <a16:creationId xmlns:a16="http://schemas.microsoft.com/office/drawing/2014/main" id="{D15853EE-94B0-D08B-DCB7-3381290CC3FF}"/>
+                <a16:creationId xmlns:a16="http://schemas.microsoft.com/office/drawing/2014/main" xmlns="" id="{D15853EE-94B0-D08B-DCB7-3381290CC3FF}"/>
               </a:ext>
             </a:extLst>
           </p:cNvPr>
@@ -6909,7 +6909,7 @@
           <p:cNvPr id="7" name="직사각형 6">
             <a:extLst>
               <a:ext uri="{FF2B5EF4-FFF2-40B4-BE49-F238E27FC236}">
-                <a16:creationId xmlns:a16="http://schemas.microsoft.com/office/drawing/2014/main" id="{63EE5F25-5F97-4CFC-FF2C-22D3E51590AE}"/>
+                <a16:creationId xmlns:a16="http://schemas.microsoft.com/office/drawing/2014/main" xmlns="" id="{63EE5F25-5F97-4CFC-FF2C-22D3E51590AE}"/>
               </a:ext>
             </a:extLst>
           </p:cNvPr>
@@ -6961,7 +6961,7 @@
           <p:cNvPr id="8" name="직선 화살표 연결선 7">
             <a:extLst>
               <a:ext uri="{FF2B5EF4-FFF2-40B4-BE49-F238E27FC236}">
-                <a16:creationId xmlns:a16="http://schemas.microsoft.com/office/drawing/2014/main" id="{514B2101-8B3F-1443-B6A5-42B478E5FBAA}"/>
+                <a16:creationId xmlns:a16="http://schemas.microsoft.com/office/drawing/2014/main" xmlns="" id="{514B2101-8B3F-1443-B6A5-42B478E5FBAA}"/>
               </a:ext>
             </a:extLst>
           </p:cNvPr>
@@ -7002,7 +7002,7 @@
           <p:cNvPr id="9" name="TextBox 8">
             <a:extLst>
               <a:ext uri="{FF2B5EF4-FFF2-40B4-BE49-F238E27FC236}">
-                <a16:creationId xmlns:a16="http://schemas.microsoft.com/office/drawing/2014/main" id="{3178EE0A-791C-598D-789F-C522225C11D0}"/>
+                <a16:creationId xmlns:a16="http://schemas.microsoft.com/office/drawing/2014/main" xmlns="" id="{3178EE0A-791C-598D-789F-C522225C11D0}"/>
               </a:ext>
             </a:extLst>
           </p:cNvPr>
@@ -7276,7 +7276,7 @@
           <p:cNvPr id="4" name="TextBox 3">
             <a:extLst>
               <a:ext uri="{FF2B5EF4-FFF2-40B4-BE49-F238E27FC236}">
-                <a16:creationId xmlns:a16="http://schemas.microsoft.com/office/drawing/2014/main" id="{5ADC00B6-990A-40DC-3CEA-505258F5E8DA}"/>
+                <a16:creationId xmlns:a16="http://schemas.microsoft.com/office/drawing/2014/main" xmlns="" id="{5ADC00B6-990A-40DC-3CEA-505258F5E8DA}"/>
               </a:ext>
             </a:extLst>
           </p:cNvPr>
@@ -7344,7 +7344,7 @@
           <p:cNvPr id="3" name="그림 2">
             <a:extLst>
               <a:ext uri="{FF2B5EF4-FFF2-40B4-BE49-F238E27FC236}">
-                <a16:creationId xmlns:a16="http://schemas.microsoft.com/office/drawing/2014/main" id="{84581265-7455-74D0-4153-0250E754E6D2}"/>
+                <a16:creationId xmlns:a16="http://schemas.microsoft.com/office/drawing/2014/main" xmlns="" id="{84581265-7455-74D0-4153-0250E754E6D2}"/>
               </a:ext>
             </a:extLst>
           </p:cNvPr>
@@ -7374,7 +7374,7 @@
           <p:cNvPr id="6" name="직선 화살표 연결선 5">
             <a:extLst>
               <a:ext uri="{FF2B5EF4-FFF2-40B4-BE49-F238E27FC236}">
-                <a16:creationId xmlns:a16="http://schemas.microsoft.com/office/drawing/2014/main" id="{98F3C02E-5344-2116-0900-83B684489391}"/>
+                <a16:creationId xmlns:a16="http://schemas.microsoft.com/office/drawing/2014/main" xmlns="" id="{98F3C02E-5344-2116-0900-83B684489391}"/>
               </a:ext>
             </a:extLst>
           </p:cNvPr>
@@ -7415,7 +7415,7 @@
           <p:cNvPr id="7" name="직사각형 6">
             <a:extLst>
               <a:ext uri="{FF2B5EF4-FFF2-40B4-BE49-F238E27FC236}">
-                <a16:creationId xmlns:a16="http://schemas.microsoft.com/office/drawing/2014/main" id="{7651C4CF-A9CE-99DD-6DBE-F8D804A5D54E}"/>
+                <a16:creationId xmlns:a16="http://schemas.microsoft.com/office/drawing/2014/main" xmlns="" id="{7651C4CF-A9CE-99DD-6DBE-F8D804A5D54E}"/>
               </a:ext>
             </a:extLst>
           </p:cNvPr>
@@ -7467,7 +7467,7 @@
           <p:cNvPr id="8" name="TextBox 7">
             <a:extLst>
               <a:ext uri="{FF2B5EF4-FFF2-40B4-BE49-F238E27FC236}">
-                <a16:creationId xmlns:a16="http://schemas.microsoft.com/office/drawing/2014/main" id="{45DB19C6-F03E-4F92-94CC-933AFFB7A0C6}"/>
+                <a16:creationId xmlns:a16="http://schemas.microsoft.com/office/drawing/2014/main" xmlns="" id="{45DB19C6-F03E-4F92-94CC-933AFFB7A0C6}"/>
               </a:ext>
             </a:extLst>
           </p:cNvPr>
@@ -7568,7 +7568,7 @@
           <p:cNvPr id="10" name="그림 9">
             <a:extLst>
               <a:ext uri="{FF2B5EF4-FFF2-40B4-BE49-F238E27FC236}">
-                <a16:creationId xmlns:a16="http://schemas.microsoft.com/office/drawing/2014/main" id="{E3A21C31-07E4-5337-96DF-320B1AEC14A5}"/>
+                <a16:creationId xmlns:a16="http://schemas.microsoft.com/office/drawing/2014/main" xmlns="" id="{E3A21C31-07E4-5337-96DF-320B1AEC14A5}"/>
               </a:ext>
             </a:extLst>
           </p:cNvPr>
@@ -7628,7 +7628,7 @@
           <p:cNvPr id="4" name="TextBox 3">
             <a:extLst>
               <a:ext uri="{FF2B5EF4-FFF2-40B4-BE49-F238E27FC236}">
-                <a16:creationId xmlns:a16="http://schemas.microsoft.com/office/drawing/2014/main" id="{4356091A-9E81-F7FD-D075-F671E92362B5}"/>
+                <a16:creationId xmlns:a16="http://schemas.microsoft.com/office/drawing/2014/main" xmlns="" id="{4356091A-9E81-F7FD-D075-F671E92362B5}"/>
               </a:ext>
             </a:extLst>
           </p:cNvPr>
@@ -7696,7 +7696,7 @@
           <p:cNvPr id="5" name="TextBox 4">
             <a:extLst>
               <a:ext uri="{FF2B5EF4-FFF2-40B4-BE49-F238E27FC236}">
-                <a16:creationId xmlns:a16="http://schemas.microsoft.com/office/drawing/2014/main" id="{596C3165-BF54-9865-0543-F046E2F7E09F}"/>
+                <a16:creationId xmlns:a16="http://schemas.microsoft.com/office/drawing/2014/main" xmlns="" id="{596C3165-BF54-9865-0543-F046E2F7E09F}"/>
               </a:ext>
             </a:extLst>
           </p:cNvPr>
@@ -7747,7 +7747,7 @@
           <p:cNvPr id="7" name="그림 6">
             <a:extLst>
               <a:ext uri="{FF2B5EF4-FFF2-40B4-BE49-F238E27FC236}">
-                <a16:creationId xmlns:a16="http://schemas.microsoft.com/office/drawing/2014/main" id="{D53B4452-A603-EF70-99D3-65FBAFD5F32D}"/>
+                <a16:creationId xmlns:a16="http://schemas.microsoft.com/office/drawing/2014/main" xmlns="" id="{D53B4452-A603-EF70-99D3-65FBAFD5F32D}"/>
               </a:ext>
             </a:extLst>
           </p:cNvPr>
@@ -7777,7 +7777,7 @@
           <p:cNvPr id="9" name="그림 8">
             <a:extLst>
               <a:ext uri="{FF2B5EF4-FFF2-40B4-BE49-F238E27FC236}">
-                <a16:creationId xmlns:a16="http://schemas.microsoft.com/office/drawing/2014/main" id="{36640625-BAAB-8D2C-330E-15DC53E42302}"/>
+                <a16:creationId xmlns:a16="http://schemas.microsoft.com/office/drawing/2014/main" xmlns="" id="{36640625-BAAB-8D2C-330E-15DC53E42302}"/>
               </a:ext>
             </a:extLst>
           </p:cNvPr>
@@ -7807,7 +7807,7 @@
           <p:cNvPr id="11" name="그림 10">
             <a:extLst>
               <a:ext uri="{FF2B5EF4-FFF2-40B4-BE49-F238E27FC236}">
-                <a16:creationId xmlns:a16="http://schemas.microsoft.com/office/drawing/2014/main" id="{9A8A5D4E-AD0F-FC24-BBF2-89E2498A0C93}"/>
+                <a16:creationId xmlns:a16="http://schemas.microsoft.com/office/drawing/2014/main" xmlns="" id="{9A8A5D4E-AD0F-FC24-BBF2-89E2498A0C93}"/>
               </a:ext>
             </a:extLst>
           </p:cNvPr>
@@ -7837,7 +7837,7 @@
           <p:cNvPr id="13" name="그림 12">
             <a:extLst>
               <a:ext uri="{FF2B5EF4-FFF2-40B4-BE49-F238E27FC236}">
-                <a16:creationId xmlns:a16="http://schemas.microsoft.com/office/drawing/2014/main" id="{F58AD88E-10C4-27F8-6363-5268B06F1B8B}"/>
+                <a16:creationId xmlns:a16="http://schemas.microsoft.com/office/drawing/2014/main" xmlns="" id="{F58AD88E-10C4-27F8-6363-5268B06F1B8B}"/>
               </a:ext>
             </a:extLst>
           </p:cNvPr>
@@ -8020,7 +8020,7 @@
           <p:cNvPr id="4" name="TextBox 3">
             <a:extLst>
               <a:ext uri="{FF2B5EF4-FFF2-40B4-BE49-F238E27FC236}">
-                <a16:creationId xmlns:a16="http://schemas.microsoft.com/office/drawing/2014/main" id="{43F4F211-526E-19D5-FD46-F0C404724FE4}"/>
+                <a16:creationId xmlns:a16="http://schemas.microsoft.com/office/drawing/2014/main" xmlns="" id="{43F4F211-526E-19D5-FD46-F0C404724FE4}"/>
               </a:ext>
             </a:extLst>
           </p:cNvPr>
@@ -8091,7 +8091,7 @@
           <p:cNvPr id="6" name="그림 5">
             <a:extLst>
               <a:ext uri="{FF2B5EF4-FFF2-40B4-BE49-F238E27FC236}">
-                <a16:creationId xmlns:a16="http://schemas.microsoft.com/office/drawing/2014/main" id="{262383DE-97FA-F523-81D5-BD3CD4634F58}"/>
+                <a16:creationId xmlns:a16="http://schemas.microsoft.com/office/drawing/2014/main" xmlns="" id="{262383DE-97FA-F523-81D5-BD3CD4634F58}"/>
               </a:ext>
             </a:extLst>
           </p:cNvPr>
@@ -8121,7 +8121,7 @@
           <p:cNvPr id="8" name="그림 7">
             <a:extLst>
               <a:ext uri="{FF2B5EF4-FFF2-40B4-BE49-F238E27FC236}">
-                <a16:creationId xmlns:a16="http://schemas.microsoft.com/office/drawing/2014/main" id="{6E4754BA-B2D5-946B-2C07-9B04E27C46B6}"/>
+                <a16:creationId xmlns:a16="http://schemas.microsoft.com/office/drawing/2014/main" xmlns="" id="{6E4754BA-B2D5-946B-2C07-9B04E27C46B6}"/>
               </a:ext>
             </a:extLst>
           </p:cNvPr>
@@ -8151,7 +8151,7 @@
           <p:cNvPr id="10" name="그림 9">
             <a:extLst>
               <a:ext uri="{FF2B5EF4-FFF2-40B4-BE49-F238E27FC236}">
-                <a16:creationId xmlns:a16="http://schemas.microsoft.com/office/drawing/2014/main" id="{429EB818-A8A5-00FD-555D-F9E62FA6F8FC}"/>
+                <a16:creationId xmlns:a16="http://schemas.microsoft.com/office/drawing/2014/main" xmlns="" id="{429EB818-A8A5-00FD-555D-F9E62FA6F8FC}"/>
               </a:ext>
             </a:extLst>
           </p:cNvPr>
@@ -8409,7 +8409,7 @@
           <p:cNvPr id="7" name="직사각형 6">
             <a:extLst>
               <a:ext uri="{FF2B5EF4-FFF2-40B4-BE49-F238E27FC236}">
-                <a16:creationId xmlns:a16="http://schemas.microsoft.com/office/drawing/2014/main" id="{FFF506F9-840A-0508-4CAF-3AC711D8D5CE}"/>
+                <a16:creationId xmlns:a16="http://schemas.microsoft.com/office/drawing/2014/main" xmlns="" id="{FFF506F9-840A-0508-4CAF-3AC711D8D5CE}"/>
               </a:ext>
             </a:extLst>
           </p:cNvPr>
@@ -8461,7 +8461,7 @@
           <p:cNvPr id="8" name="직사각형 7">
             <a:extLst>
               <a:ext uri="{FF2B5EF4-FFF2-40B4-BE49-F238E27FC236}">
-                <a16:creationId xmlns:a16="http://schemas.microsoft.com/office/drawing/2014/main" id="{FFF506F9-840A-0508-4CAF-3AC711D8D5CE}"/>
+                <a16:creationId xmlns:a16="http://schemas.microsoft.com/office/drawing/2014/main" xmlns="" id="{FFF506F9-840A-0508-4CAF-3AC711D8D5CE}"/>
               </a:ext>
             </a:extLst>
           </p:cNvPr>
@@ -8513,7 +8513,7 @@
           <p:cNvPr id="9" name="TextBox 8">
             <a:extLst>
               <a:ext uri="{FF2B5EF4-FFF2-40B4-BE49-F238E27FC236}">
-                <a16:creationId xmlns:a16="http://schemas.microsoft.com/office/drawing/2014/main" id="{C6D113C6-EA5C-788F-0C77-E7CE6EBB865F}"/>
+                <a16:creationId xmlns:a16="http://schemas.microsoft.com/office/drawing/2014/main" xmlns="" id="{C6D113C6-EA5C-788F-0C77-E7CE6EBB865F}"/>
               </a:ext>
             </a:extLst>
           </p:cNvPr>
@@ -8774,7 +8774,7 @@
           <p:cNvPr id="11" name="TextBox 10">
             <a:extLst>
               <a:ext uri="{FF2B5EF4-FFF2-40B4-BE49-F238E27FC236}">
-                <a16:creationId xmlns:a16="http://schemas.microsoft.com/office/drawing/2014/main" id="{9F88F580-08BE-88C2-D640-13F0026591CB}"/>
+                <a16:creationId xmlns:a16="http://schemas.microsoft.com/office/drawing/2014/main" xmlns="" id="{9F88F580-08BE-88C2-D640-13F0026591CB}"/>
               </a:ext>
             </a:extLst>
           </p:cNvPr>
@@ -8832,7 +8832,7 @@
           <p:cNvPr id="13" name="TextBox 12">
             <a:extLst>
               <a:ext uri="{FF2B5EF4-FFF2-40B4-BE49-F238E27FC236}">
-                <a16:creationId xmlns:a16="http://schemas.microsoft.com/office/drawing/2014/main" id="{72769C28-9BB6-DE9C-7B6F-264B77B8DD0E}"/>
+                <a16:creationId xmlns:a16="http://schemas.microsoft.com/office/drawing/2014/main" xmlns="" id="{72769C28-9BB6-DE9C-7B6F-264B77B8DD0E}"/>
               </a:ext>
             </a:extLst>
           </p:cNvPr>
@@ -8880,7 +8880,7 @@
           <p:cNvPr id="14" name="TextBox 13">
             <a:extLst>
               <a:ext uri="{FF2B5EF4-FFF2-40B4-BE49-F238E27FC236}">
-                <a16:creationId xmlns:a16="http://schemas.microsoft.com/office/drawing/2014/main" id="{270FBB6A-01CE-5637-78DA-58F0C974145C}"/>
+                <a16:creationId xmlns:a16="http://schemas.microsoft.com/office/drawing/2014/main" xmlns="" id="{270FBB6A-01CE-5637-78DA-58F0C974145C}"/>
               </a:ext>
             </a:extLst>
           </p:cNvPr>
@@ -8928,7 +8928,7 @@
           <p:cNvPr id="2" name="Object 17">
             <a:extLst>
               <a:ext uri="{FF2B5EF4-FFF2-40B4-BE49-F238E27FC236}">
-                <a16:creationId xmlns:a16="http://schemas.microsoft.com/office/drawing/2014/main" id="{140B283D-FE58-FA6F-6F7C-E0F1DBB62A65}"/>
+                <a16:creationId xmlns:a16="http://schemas.microsoft.com/office/drawing/2014/main" xmlns="" id="{140B283D-FE58-FA6F-6F7C-E0F1DBB62A65}"/>
               </a:ext>
             </a:extLst>
           </p:cNvPr>
@@ -8958,7 +8958,7 @@
           <p:cNvPr id="4" name="TextBox 3">
             <a:extLst>
               <a:ext uri="{FF2B5EF4-FFF2-40B4-BE49-F238E27FC236}">
-                <a16:creationId xmlns:a16="http://schemas.microsoft.com/office/drawing/2014/main" id="{2C8D0998-79BC-6FD2-59D9-8052B4A25F65}"/>
+                <a16:creationId xmlns:a16="http://schemas.microsoft.com/office/drawing/2014/main" xmlns="" id="{2C8D0998-79BC-6FD2-59D9-8052B4A25F65}"/>
               </a:ext>
             </a:extLst>
           </p:cNvPr>
@@ -9006,7 +9006,7 @@
           <p:cNvPr id="5" name="Object 18">
             <a:extLst>
               <a:ext uri="{FF2B5EF4-FFF2-40B4-BE49-F238E27FC236}">
-                <a16:creationId xmlns:a16="http://schemas.microsoft.com/office/drawing/2014/main" id="{3F58EA3E-1018-64D3-FAB2-4F6B9618FA56}"/>
+                <a16:creationId xmlns:a16="http://schemas.microsoft.com/office/drawing/2014/main" xmlns="" id="{3F58EA3E-1018-64D3-FAB2-4F6B9618FA56}"/>
               </a:ext>
             </a:extLst>
           </p:cNvPr>
@@ -9036,7 +9036,7 @@
           <p:cNvPr id="8" name="TextBox 7">
             <a:extLst>
               <a:ext uri="{FF2B5EF4-FFF2-40B4-BE49-F238E27FC236}">
-                <a16:creationId xmlns:a16="http://schemas.microsoft.com/office/drawing/2014/main" id="{681D3F16-7DCF-41AD-F5F1-0558C78C0E4D}"/>
+                <a16:creationId xmlns:a16="http://schemas.microsoft.com/office/drawing/2014/main" xmlns="" id="{681D3F16-7DCF-41AD-F5F1-0558C78C0E4D}"/>
               </a:ext>
             </a:extLst>
           </p:cNvPr>
@@ -9109,7 +9109,7 @@
           <p:cNvPr id="4" name="TextBox 3">
             <a:extLst>
               <a:ext uri="{FF2B5EF4-FFF2-40B4-BE49-F238E27FC236}">
-                <a16:creationId xmlns:a16="http://schemas.microsoft.com/office/drawing/2014/main" id="{5ADC00B6-990A-40DC-3CEA-505258F5E8DA}"/>
+                <a16:creationId xmlns:a16="http://schemas.microsoft.com/office/drawing/2014/main" xmlns="" id="{5ADC00B6-990A-40DC-3CEA-505258F5E8DA}"/>
               </a:ext>
             </a:extLst>
           </p:cNvPr>
@@ -9239,7 +9239,7 @@
           <p:cNvPr id="5" name="TextBox 4">
             <a:extLst>
               <a:ext uri="{FF2B5EF4-FFF2-40B4-BE49-F238E27FC236}">
-                <a16:creationId xmlns:a16="http://schemas.microsoft.com/office/drawing/2014/main" id="{DF7DDD33-9412-2802-339A-E55446AC2DA7}"/>
+                <a16:creationId xmlns:a16="http://schemas.microsoft.com/office/drawing/2014/main" xmlns="" id="{DF7DDD33-9412-2802-339A-E55446AC2DA7}"/>
               </a:ext>
             </a:extLst>
           </p:cNvPr>
@@ -9395,7 +9395,7 @@
           <p:cNvPr id="4" name="TextBox 3">
             <a:extLst>
               <a:ext uri="{FF2B5EF4-FFF2-40B4-BE49-F238E27FC236}">
-                <a16:creationId xmlns:a16="http://schemas.microsoft.com/office/drawing/2014/main" id="{DF7DDD33-9412-2802-339A-E55446AC2DA7}"/>
+                <a16:creationId xmlns:a16="http://schemas.microsoft.com/office/drawing/2014/main" xmlns="" id="{DF7DDD33-9412-2802-339A-E55446AC2DA7}"/>
               </a:ext>
             </a:extLst>
           </p:cNvPr>
@@ -9507,7 +9507,7 @@
           <p:cNvPr id="5" name="TextBox 4">
             <a:extLst>
               <a:ext uri="{FF2B5EF4-FFF2-40B4-BE49-F238E27FC236}">
-                <a16:creationId xmlns:a16="http://schemas.microsoft.com/office/drawing/2014/main" id="{DF7DDD33-9412-2802-339A-E55446AC2DA7}"/>
+                <a16:creationId xmlns:a16="http://schemas.microsoft.com/office/drawing/2014/main" xmlns="" id="{DF7DDD33-9412-2802-339A-E55446AC2DA7}"/>
               </a:ext>
             </a:extLst>
           </p:cNvPr>
@@ -9672,7 +9672,7 @@
           <p:cNvPr id="4" name="TextBox 3">
             <a:extLst>
               <a:ext uri="{FF2B5EF4-FFF2-40B4-BE49-F238E27FC236}">
-                <a16:creationId xmlns:a16="http://schemas.microsoft.com/office/drawing/2014/main" id="{DF7DDD33-9412-2802-339A-E55446AC2DA7}"/>
+                <a16:creationId xmlns:a16="http://schemas.microsoft.com/office/drawing/2014/main" xmlns="" id="{DF7DDD33-9412-2802-339A-E55446AC2DA7}"/>
               </a:ext>
             </a:extLst>
           </p:cNvPr>
@@ -9744,7 +9744,7 @@
           <p:cNvPr id="6" name="직사각형 5">
             <a:extLst>
               <a:ext uri="{FF2B5EF4-FFF2-40B4-BE49-F238E27FC236}">
-                <a16:creationId xmlns:a16="http://schemas.microsoft.com/office/drawing/2014/main" id="{FFF506F9-840A-0508-4CAF-3AC711D8D5CE}"/>
+                <a16:creationId xmlns:a16="http://schemas.microsoft.com/office/drawing/2014/main" xmlns="" id="{FFF506F9-840A-0508-4CAF-3AC711D8D5CE}"/>
               </a:ext>
             </a:extLst>
           </p:cNvPr>
@@ -9796,7 +9796,7 @@
           <p:cNvPr id="7" name="직선 화살표 연결선 6">
             <a:extLst>
               <a:ext uri="{FF2B5EF4-FFF2-40B4-BE49-F238E27FC236}">
-                <a16:creationId xmlns:a16="http://schemas.microsoft.com/office/drawing/2014/main" id="{299DF5EC-9DF4-5255-06AC-0A7CE4FF58C3}"/>
+                <a16:creationId xmlns:a16="http://schemas.microsoft.com/office/drawing/2014/main" xmlns="" id="{299DF5EC-9DF4-5255-06AC-0A7CE4FF58C3}"/>
               </a:ext>
             </a:extLst>
           </p:cNvPr>
@@ -9837,7 +9837,7 @@
           <p:cNvPr id="8" name="TextBox 7">
             <a:extLst>
               <a:ext uri="{FF2B5EF4-FFF2-40B4-BE49-F238E27FC236}">
-                <a16:creationId xmlns:a16="http://schemas.microsoft.com/office/drawing/2014/main" id="{C6D113C6-EA5C-788F-0C77-E7CE6EBB865F}"/>
+                <a16:creationId xmlns:a16="http://schemas.microsoft.com/office/drawing/2014/main" xmlns="" id="{C6D113C6-EA5C-788F-0C77-E7CE6EBB865F}"/>
               </a:ext>
             </a:extLst>
           </p:cNvPr>
@@ -9929,7 +9929,7 @@
           <p:cNvPr id="12" name="직사각형 11">
             <a:extLst>
               <a:ext uri="{FF2B5EF4-FFF2-40B4-BE49-F238E27FC236}">
-                <a16:creationId xmlns:a16="http://schemas.microsoft.com/office/drawing/2014/main" id="{FFF506F9-840A-0508-4CAF-3AC711D8D5CE}"/>
+                <a16:creationId xmlns:a16="http://schemas.microsoft.com/office/drawing/2014/main" xmlns="" id="{FFF506F9-840A-0508-4CAF-3AC711D8D5CE}"/>
               </a:ext>
             </a:extLst>
           </p:cNvPr>
@@ -9981,7 +9981,7 @@
           <p:cNvPr id="13" name="TextBox 12">
             <a:extLst>
               <a:ext uri="{FF2B5EF4-FFF2-40B4-BE49-F238E27FC236}">
-                <a16:creationId xmlns:a16="http://schemas.microsoft.com/office/drawing/2014/main" id="{DF7DDD33-9412-2802-339A-E55446AC2DA7}"/>
+                <a16:creationId xmlns:a16="http://schemas.microsoft.com/office/drawing/2014/main" xmlns="" id="{DF7DDD33-9412-2802-339A-E55446AC2DA7}"/>
               </a:ext>
             </a:extLst>
           </p:cNvPr>
@@ -10259,7 +10259,7 @@
           <p:cNvPr id="6" name="직사각형 5">
             <a:extLst>
               <a:ext uri="{FF2B5EF4-FFF2-40B4-BE49-F238E27FC236}">
-                <a16:creationId xmlns:a16="http://schemas.microsoft.com/office/drawing/2014/main" id="{FFF506F9-840A-0508-4CAF-3AC711D8D5CE}"/>
+                <a16:creationId xmlns:a16="http://schemas.microsoft.com/office/drawing/2014/main" xmlns="" id="{FFF506F9-840A-0508-4CAF-3AC711D8D5CE}"/>
               </a:ext>
             </a:extLst>
           </p:cNvPr>
@@ -10311,7 +10311,7 @@
           <p:cNvPr id="7" name="직사각형 6">
             <a:extLst>
               <a:ext uri="{FF2B5EF4-FFF2-40B4-BE49-F238E27FC236}">
-                <a16:creationId xmlns:a16="http://schemas.microsoft.com/office/drawing/2014/main" id="{FFF506F9-840A-0508-4CAF-3AC711D8D5CE}"/>
+                <a16:creationId xmlns:a16="http://schemas.microsoft.com/office/drawing/2014/main" xmlns="" id="{FFF506F9-840A-0508-4CAF-3AC711D8D5CE}"/>
               </a:ext>
             </a:extLst>
           </p:cNvPr>
@@ -10363,7 +10363,7 @@
           <p:cNvPr id="8" name="직선 화살표 연결선 7">
             <a:extLst>
               <a:ext uri="{FF2B5EF4-FFF2-40B4-BE49-F238E27FC236}">
-                <a16:creationId xmlns:a16="http://schemas.microsoft.com/office/drawing/2014/main" id="{299DF5EC-9DF4-5255-06AC-0A7CE4FF58C3}"/>
+                <a16:creationId xmlns:a16="http://schemas.microsoft.com/office/drawing/2014/main" xmlns="" id="{299DF5EC-9DF4-5255-06AC-0A7CE4FF58C3}"/>
               </a:ext>
             </a:extLst>
           </p:cNvPr>
@@ -10404,7 +10404,7 @@
           <p:cNvPr id="9" name="TextBox 8">
             <a:extLst>
               <a:ext uri="{FF2B5EF4-FFF2-40B4-BE49-F238E27FC236}">
-                <a16:creationId xmlns:a16="http://schemas.microsoft.com/office/drawing/2014/main" id="{C6D113C6-EA5C-788F-0C77-E7CE6EBB865F}"/>
+                <a16:creationId xmlns:a16="http://schemas.microsoft.com/office/drawing/2014/main" xmlns="" id="{C6D113C6-EA5C-788F-0C77-E7CE6EBB865F}"/>
               </a:ext>
             </a:extLst>
           </p:cNvPr>
@@ -10476,7 +10476,7 @@
           <p:cNvPr id="13" name="직선 화살표 연결선 12">
             <a:extLst>
               <a:ext uri="{FF2B5EF4-FFF2-40B4-BE49-F238E27FC236}">
-                <a16:creationId xmlns:a16="http://schemas.microsoft.com/office/drawing/2014/main" id="{299DF5EC-9DF4-5255-06AC-0A7CE4FF58C3}"/>
+                <a16:creationId xmlns:a16="http://schemas.microsoft.com/office/drawing/2014/main" xmlns="" id="{299DF5EC-9DF4-5255-06AC-0A7CE4FF58C3}"/>
               </a:ext>
             </a:extLst>
           </p:cNvPr>
@@ -10517,7 +10517,7 @@
           <p:cNvPr id="14" name="TextBox 13">
             <a:extLst>
               <a:ext uri="{FF2B5EF4-FFF2-40B4-BE49-F238E27FC236}">
-                <a16:creationId xmlns:a16="http://schemas.microsoft.com/office/drawing/2014/main" id="{C6D113C6-EA5C-788F-0C77-E7CE6EBB865F}"/>
+                <a16:creationId xmlns:a16="http://schemas.microsoft.com/office/drawing/2014/main" xmlns="" id="{C6D113C6-EA5C-788F-0C77-E7CE6EBB865F}"/>
               </a:ext>
             </a:extLst>
           </p:cNvPr>
@@ -10751,7 +10751,7 @@
           <p:cNvPr id="5" name="직사각형 4">
             <a:extLst>
               <a:ext uri="{FF2B5EF4-FFF2-40B4-BE49-F238E27FC236}">
-                <a16:creationId xmlns:a16="http://schemas.microsoft.com/office/drawing/2014/main" id="{FFF506F9-840A-0508-4CAF-3AC711D8D5CE}"/>
+                <a16:creationId xmlns:a16="http://schemas.microsoft.com/office/drawing/2014/main" xmlns="" id="{FFF506F9-840A-0508-4CAF-3AC711D8D5CE}"/>
               </a:ext>
             </a:extLst>
           </p:cNvPr>
@@ -10803,7 +10803,7 @@
           <p:cNvPr id="6" name="TextBox 5">
             <a:extLst>
               <a:ext uri="{FF2B5EF4-FFF2-40B4-BE49-F238E27FC236}">
-                <a16:creationId xmlns:a16="http://schemas.microsoft.com/office/drawing/2014/main" id="{DF7DDD33-9412-2802-339A-E55446AC2DA7}"/>
+                <a16:creationId xmlns:a16="http://schemas.microsoft.com/office/drawing/2014/main" xmlns="" id="{DF7DDD33-9412-2802-339A-E55446AC2DA7}"/>
               </a:ext>
             </a:extLst>
           </p:cNvPr>
@@ -10945,7 +10945,7 @@
           <p:cNvPr id="5" name="TextBox 4">
             <a:extLst>
               <a:ext uri="{FF2B5EF4-FFF2-40B4-BE49-F238E27FC236}">
-                <a16:creationId xmlns:a16="http://schemas.microsoft.com/office/drawing/2014/main" id="{DF7DDD33-9412-2802-339A-E55446AC2DA7}"/>
+                <a16:creationId xmlns:a16="http://schemas.microsoft.com/office/drawing/2014/main" xmlns="" id="{DF7DDD33-9412-2802-339A-E55446AC2DA7}"/>
               </a:ext>
             </a:extLst>
           </p:cNvPr>
@@ -11075,7 +11075,7 @@
           <p:cNvPr id="4" name="TextBox 3">
             <a:extLst>
               <a:ext uri="{FF2B5EF4-FFF2-40B4-BE49-F238E27FC236}">
-                <a16:creationId xmlns:a16="http://schemas.microsoft.com/office/drawing/2014/main" id="{DF7DDD33-9412-2802-339A-E55446AC2DA7}"/>
+                <a16:creationId xmlns:a16="http://schemas.microsoft.com/office/drawing/2014/main" xmlns="" id="{DF7DDD33-9412-2802-339A-E55446AC2DA7}"/>
               </a:ext>
             </a:extLst>
           </p:cNvPr>
@@ -11147,7 +11147,7 @@
           <p:cNvPr id="7" name="직사각형 6">
             <a:extLst>
               <a:ext uri="{FF2B5EF4-FFF2-40B4-BE49-F238E27FC236}">
-                <a16:creationId xmlns:a16="http://schemas.microsoft.com/office/drawing/2014/main" id="{FFF506F9-840A-0508-4CAF-3AC711D8D5CE}"/>
+                <a16:creationId xmlns:a16="http://schemas.microsoft.com/office/drawing/2014/main" xmlns="" id="{FFF506F9-840A-0508-4CAF-3AC711D8D5CE}"/>
               </a:ext>
             </a:extLst>
           </p:cNvPr>
@@ -11199,7 +11199,7 @@
           <p:cNvPr id="8" name="직선 화살표 연결선 7">
             <a:extLst>
               <a:ext uri="{FF2B5EF4-FFF2-40B4-BE49-F238E27FC236}">
-                <a16:creationId xmlns:a16="http://schemas.microsoft.com/office/drawing/2014/main" id="{299DF5EC-9DF4-5255-06AC-0A7CE4FF58C3}"/>
+                <a16:creationId xmlns:a16="http://schemas.microsoft.com/office/drawing/2014/main" xmlns="" id="{299DF5EC-9DF4-5255-06AC-0A7CE4FF58C3}"/>
               </a:ext>
             </a:extLst>
           </p:cNvPr>
@@ -11240,7 +11240,7 @@
           <p:cNvPr id="9" name="TextBox 8">
             <a:extLst>
               <a:ext uri="{FF2B5EF4-FFF2-40B4-BE49-F238E27FC236}">
-                <a16:creationId xmlns:a16="http://schemas.microsoft.com/office/drawing/2014/main" id="{C6D113C6-EA5C-788F-0C77-E7CE6EBB865F}"/>
+                <a16:creationId xmlns:a16="http://schemas.microsoft.com/office/drawing/2014/main" xmlns="" id="{C6D113C6-EA5C-788F-0C77-E7CE6EBB865F}"/>
               </a:ext>
             </a:extLst>
           </p:cNvPr>
@@ -11288,7 +11288,7 @@
           <p:cNvPr id="11" name="직사각형 10">
             <a:extLst>
               <a:ext uri="{FF2B5EF4-FFF2-40B4-BE49-F238E27FC236}">
-                <a16:creationId xmlns:a16="http://schemas.microsoft.com/office/drawing/2014/main" id="{FFF506F9-840A-0508-4CAF-3AC711D8D5CE}"/>
+                <a16:creationId xmlns:a16="http://schemas.microsoft.com/office/drawing/2014/main" xmlns="" id="{FFF506F9-840A-0508-4CAF-3AC711D8D5CE}"/>
               </a:ext>
             </a:extLst>
           </p:cNvPr>
@@ -11340,7 +11340,7 @@
           <p:cNvPr id="12" name="직선 화살표 연결선 11">
             <a:extLst>
               <a:ext uri="{FF2B5EF4-FFF2-40B4-BE49-F238E27FC236}">
-                <a16:creationId xmlns:a16="http://schemas.microsoft.com/office/drawing/2014/main" id="{299DF5EC-9DF4-5255-06AC-0A7CE4FF58C3}"/>
+                <a16:creationId xmlns:a16="http://schemas.microsoft.com/office/drawing/2014/main" xmlns="" id="{299DF5EC-9DF4-5255-06AC-0A7CE4FF58C3}"/>
               </a:ext>
             </a:extLst>
           </p:cNvPr>
@@ -11381,7 +11381,7 @@
           <p:cNvPr id="13" name="TextBox 12">
             <a:extLst>
               <a:ext uri="{FF2B5EF4-FFF2-40B4-BE49-F238E27FC236}">
-                <a16:creationId xmlns:a16="http://schemas.microsoft.com/office/drawing/2014/main" id="{C6D113C6-EA5C-788F-0C77-E7CE6EBB865F}"/>
+                <a16:creationId xmlns:a16="http://schemas.microsoft.com/office/drawing/2014/main" xmlns="" id="{C6D113C6-EA5C-788F-0C77-E7CE6EBB865F}"/>
               </a:ext>
             </a:extLst>
           </p:cNvPr>
@@ -11483,7 +11483,7 @@
           <p:cNvPr id="19" name="직사각형 18">
             <a:extLst>
               <a:ext uri="{FF2B5EF4-FFF2-40B4-BE49-F238E27FC236}">
-                <a16:creationId xmlns:a16="http://schemas.microsoft.com/office/drawing/2014/main" id="{FFF506F9-840A-0508-4CAF-3AC711D8D5CE}"/>
+                <a16:creationId xmlns:a16="http://schemas.microsoft.com/office/drawing/2014/main" xmlns="" id="{FFF506F9-840A-0508-4CAF-3AC711D8D5CE}"/>
               </a:ext>
             </a:extLst>
           </p:cNvPr>
@@ -11535,7 +11535,7 @@
           <p:cNvPr id="20" name="직선 화살표 연결선 19">
             <a:extLst>
               <a:ext uri="{FF2B5EF4-FFF2-40B4-BE49-F238E27FC236}">
-                <a16:creationId xmlns:a16="http://schemas.microsoft.com/office/drawing/2014/main" id="{299DF5EC-9DF4-5255-06AC-0A7CE4FF58C3}"/>
+                <a16:creationId xmlns:a16="http://schemas.microsoft.com/office/drawing/2014/main" xmlns="" id="{299DF5EC-9DF4-5255-06AC-0A7CE4FF58C3}"/>
               </a:ext>
             </a:extLst>
           </p:cNvPr>
@@ -11576,7 +11576,7 @@
           <p:cNvPr id="21" name="TextBox 20">
             <a:extLst>
               <a:ext uri="{FF2B5EF4-FFF2-40B4-BE49-F238E27FC236}">
-                <a16:creationId xmlns:a16="http://schemas.microsoft.com/office/drawing/2014/main" id="{C6D113C6-EA5C-788F-0C77-E7CE6EBB865F}"/>
+                <a16:creationId xmlns:a16="http://schemas.microsoft.com/office/drawing/2014/main" xmlns="" id="{C6D113C6-EA5C-788F-0C77-E7CE6EBB865F}"/>
               </a:ext>
             </a:extLst>
           </p:cNvPr>
@@ -11664,7 +11664,7 @@
           <p:cNvPr id="4" name="TextBox 3">
             <a:extLst>
               <a:ext uri="{FF2B5EF4-FFF2-40B4-BE49-F238E27FC236}">
-                <a16:creationId xmlns:a16="http://schemas.microsoft.com/office/drawing/2014/main" id="{DF7DDD33-9412-2802-339A-E55446AC2DA7}"/>
+                <a16:creationId xmlns:a16="http://schemas.microsoft.com/office/drawing/2014/main" xmlns="" id="{DF7DDD33-9412-2802-339A-E55446AC2DA7}"/>
               </a:ext>
             </a:extLst>
           </p:cNvPr>
@@ -11766,7 +11766,7 @@
           <p:cNvPr id="4" name="TextBox 3">
             <a:extLst>
               <a:ext uri="{FF2B5EF4-FFF2-40B4-BE49-F238E27FC236}">
-                <a16:creationId xmlns:a16="http://schemas.microsoft.com/office/drawing/2014/main" id="{DF7DDD33-9412-2802-339A-E55446AC2DA7}"/>
+                <a16:creationId xmlns:a16="http://schemas.microsoft.com/office/drawing/2014/main" xmlns="" id="{DF7DDD33-9412-2802-339A-E55446AC2DA7}"/>
               </a:ext>
             </a:extLst>
           </p:cNvPr>
@@ -11998,7 +11998,7 @@
           <p:cNvPr id="5" name="TextBox 4">
             <a:extLst>
               <a:ext uri="{FF2B5EF4-FFF2-40B4-BE49-F238E27FC236}">
-                <a16:creationId xmlns:a16="http://schemas.microsoft.com/office/drawing/2014/main" id="{DF7DDD33-9412-2802-339A-E55446AC2DA7}"/>
+                <a16:creationId xmlns:a16="http://schemas.microsoft.com/office/drawing/2014/main" xmlns="" id="{DF7DDD33-9412-2802-339A-E55446AC2DA7}"/>
               </a:ext>
             </a:extLst>
           </p:cNvPr>
@@ -12274,7 +12274,7 @@
           <p:cNvPr id="2" name="TextBox 1">
             <a:extLst>
               <a:ext uri="{FF2B5EF4-FFF2-40B4-BE49-F238E27FC236}">
-                <a16:creationId xmlns:a16="http://schemas.microsoft.com/office/drawing/2014/main" id="{8D19D88B-9541-32D7-90F1-0C45C993E21C}"/>
+                <a16:creationId xmlns:a16="http://schemas.microsoft.com/office/drawing/2014/main" xmlns="" id="{8D19D88B-9541-32D7-90F1-0C45C993E21C}"/>
               </a:ext>
             </a:extLst>
           </p:cNvPr>
@@ -12535,7 +12535,7 @@
           <p:cNvPr id="2" name="TextBox 1">
             <a:extLst>
               <a:ext uri="{FF2B5EF4-FFF2-40B4-BE49-F238E27FC236}">
-                <a16:creationId xmlns:a16="http://schemas.microsoft.com/office/drawing/2014/main" id="{76F36AE5-79B5-0B9F-E510-1C27AAC4B649}"/>
+                <a16:creationId xmlns:a16="http://schemas.microsoft.com/office/drawing/2014/main" xmlns="" id="{76F36AE5-79B5-0B9F-E510-1C27AAC4B649}"/>
               </a:ext>
             </a:extLst>
           </p:cNvPr>
@@ -12613,7 +12613,7 @@
           <p:cNvPr id="4" name="TextBox 3">
             <a:extLst>
               <a:ext uri="{FF2B5EF4-FFF2-40B4-BE49-F238E27FC236}">
-                <a16:creationId xmlns:a16="http://schemas.microsoft.com/office/drawing/2014/main" id="{DF7DDD33-9412-2802-339A-E55446AC2DA7}"/>
+                <a16:creationId xmlns:a16="http://schemas.microsoft.com/office/drawing/2014/main" xmlns="" id="{DF7DDD33-9412-2802-339A-E55446AC2DA7}"/>
               </a:ext>
             </a:extLst>
           </p:cNvPr>
@@ -12754,7 +12754,7 @@
           <p:cNvPr id="59" name="그룹 1018">
             <a:extLst>
               <a:ext uri="{FF2B5EF4-FFF2-40B4-BE49-F238E27FC236}">
-                <a16:creationId xmlns:a16="http://schemas.microsoft.com/office/drawing/2014/main" id="{0804D430-F42E-AE32-A065-FFA8C471F092}"/>
+                <a16:creationId xmlns:a16="http://schemas.microsoft.com/office/drawing/2014/main" xmlns="" id="{0804D430-F42E-AE32-A065-FFA8C471F092}"/>
               </a:ext>
             </a:extLst>
           </p:cNvPr>
@@ -12774,7 +12774,7 @@
             <p:cNvPr id="60" name="Object 61">
               <a:extLst>
                 <a:ext uri="{FF2B5EF4-FFF2-40B4-BE49-F238E27FC236}">
-                  <a16:creationId xmlns:a16="http://schemas.microsoft.com/office/drawing/2014/main" id="{334A4C3A-641C-7CD9-8FEE-5EC92B28D640}"/>
+                  <a16:creationId xmlns:a16="http://schemas.microsoft.com/office/drawing/2014/main" xmlns="" id="{334A4C3A-641C-7CD9-8FEE-5EC92B28D640}"/>
                 </a:ext>
               </a:extLst>
             </p:cNvPr>
@@ -12805,7 +12805,7 @@
           <p:cNvPr id="61" name="그룹 1018">
             <a:extLst>
               <a:ext uri="{FF2B5EF4-FFF2-40B4-BE49-F238E27FC236}">
-                <a16:creationId xmlns:a16="http://schemas.microsoft.com/office/drawing/2014/main" id="{0804D430-F42E-AE32-A065-FFA8C471F092}"/>
+                <a16:creationId xmlns:a16="http://schemas.microsoft.com/office/drawing/2014/main" xmlns="" id="{0804D430-F42E-AE32-A065-FFA8C471F092}"/>
               </a:ext>
             </a:extLst>
           </p:cNvPr>
@@ -12825,7 +12825,7 @@
             <p:cNvPr id="62" name="Object 61">
               <a:extLst>
                 <a:ext uri="{FF2B5EF4-FFF2-40B4-BE49-F238E27FC236}">
-                  <a16:creationId xmlns:a16="http://schemas.microsoft.com/office/drawing/2014/main" id="{334A4C3A-641C-7CD9-8FEE-5EC92B28D640}"/>
+                  <a16:creationId xmlns:a16="http://schemas.microsoft.com/office/drawing/2014/main" xmlns="" id="{334A4C3A-641C-7CD9-8FEE-5EC92B28D640}"/>
                 </a:ext>
               </a:extLst>
             </p:cNvPr>
@@ -12856,7 +12856,7 @@
           <p:cNvPr id="63" name="TextBox 62">
             <a:extLst>
               <a:ext uri="{FF2B5EF4-FFF2-40B4-BE49-F238E27FC236}">
-                <a16:creationId xmlns:a16="http://schemas.microsoft.com/office/drawing/2014/main" id="{52176D31-35F7-8916-46FA-6095EFEC1E49}"/>
+                <a16:creationId xmlns:a16="http://schemas.microsoft.com/office/drawing/2014/main" xmlns="" id="{52176D31-35F7-8916-46FA-6095EFEC1E49}"/>
               </a:ext>
             </a:extLst>
           </p:cNvPr>
@@ -12910,7 +12910,7 @@
           <p:cNvPr id="64" name="TextBox 63">
             <a:extLst>
               <a:ext uri="{FF2B5EF4-FFF2-40B4-BE49-F238E27FC236}">
-                <a16:creationId xmlns:a16="http://schemas.microsoft.com/office/drawing/2014/main" id="{52176D31-35F7-8916-46FA-6095EFEC1E49}"/>
+                <a16:creationId xmlns:a16="http://schemas.microsoft.com/office/drawing/2014/main" xmlns="" id="{52176D31-35F7-8916-46FA-6095EFEC1E49}"/>
               </a:ext>
             </a:extLst>
           </p:cNvPr>
@@ -12964,7 +12964,7 @@
           <p:cNvPr id="65" name="TextBox 64">
             <a:extLst>
               <a:ext uri="{FF2B5EF4-FFF2-40B4-BE49-F238E27FC236}">
-                <a16:creationId xmlns:a16="http://schemas.microsoft.com/office/drawing/2014/main" id="{52176D31-35F7-8916-46FA-6095EFEC1E49}"/>
+                <a16:creationId xmlns:a16="http://schemas.microsoft.com/office/drawing/2014/main" xmlns="" id="{52176D31-35F7-8916-46FA-6095EFEC1E49}"/>
               </a:ext>
             </a:extLst>
           </p:cNvPr>
@@ -13063,7 +13063,7 @@
           <p:cNvPr id="66" name="TextBox 65">
             <a:extLst>
               <a:ext uri="{FF2B5EF4-FFF2-40B4-BE49-F238E27FC236}">
-                <a16:creationId xmlns:a16="http://schemas.microsoft.com/office/drawing/2014/main" id="{52176D31-35F7-8916-46FA-6095EFEC1E49}"/>
+                <a16:creationId xmlns:a16="http://schemas.microsoft.com/office/drawing/2014/main" xmlns="" id="{52176D31-35F7-8916-46FA-6095EFEC1E49}"/>
               </a:ext>
             </a:extLst>
           </p:cNvPr>
@@ -13216,7 +13216,7 @@
           <p:cNvPr id="16" name="직사각형 15">
             <a:extLst>
               <a:ext uri="{FF2B5EF4-FFF2-40B4-BE49-F238E27FC236}">
-                <a16:creationId xmlns:a16="http://schemas.microsoft.com/office/drawing/2014/main" id="{FFF506F9-840A-0508-4CAF-3AC711D8D5CE}"/>
+                <a16:creationId xmlns:a16="http://schemas.microsoft.com/office/drawing/2014/main" xmlns="" id="{FFF506F9-840A-0508-4CAF-3AC711D8D5CE}"/>
               </a:ext>
             </a:extLst>
           </p:cNvPr>
@@ -13268,7 +13268,7 @@
           <p:cNvPr id="18" name="직사각형 17">
             <a:extLst>
               <a:ext uri="{FF2B5EF4-FFF2-40B4-BE49-F238E27FC236}">
-                <a16:creationId xmlns:a16="http://schemas.microsoft.com/office/drawing/2014/main" id="{FFF506F9-840A-0508-4CAF-3AC711D8D5CE}"/>
+                <a16:creationId xmlns:a16="http://schemas.microsoft.com/office/drawing/2014/main" xmlns="" id="{FFF506F9-840A-0508-4CAF-3AC711D8D5CE}"/>
               </a:ext>
             </a:extLst>
           </p:cNvPr>
@@ -13344,7 +13344,7 @@
           <p:cNvPr id="22" name="TextBox 21">
             <a:extLst>
               <a:ext uri="{FF2B5EF4-FFF2-40B4-BE49-F238E27FC236}">
-                <a16:creationId xmlns:a16="http://schemas.microsoft.com/office/drawing/2014/main" id="{C6D113C6-EA5C-788F-0C77-E7CE6EBB865F}"/>
+                <a16:creationId xmlns:a16="http://schemas.microsoft.com/office/drawing/2014/main" xmlns="" id="{C6D113C6-EA5C-788F-0C77-E7CE6EBB865F}"/>
               </a:ext>
             </a:extLst>
           </p:cNvPr>
@@ -13432,7 +13432,7 @@
           <p:cNvPr id="4" name="TextBox 3">
             <a:extLst>
               <a:ext uri="{FF2B5EF4-FFF2-40B4-BE49-F238E27FC236}">
-                <a16:creationId xmlns:a16="http://schemas.microsoft.com/office/drawing/2014/main" id="{5ADC00B6-990A-40DC-3CEA-505258F5E8DA}"/>
+                <a16:creationId xmlns:a16="http://schemas.microsoft.com/office/drawing/2014/main" xmlns="" id="{5ADC00B6-990A-40DC-3CEA-505258F5E8DA}"/>
               </a:ext>
             </a:extLst>
           </p:cNvPr>
@@ -13504,7 +13504,7 @@
           <p:cNvPr id="6" name="TextBox 5">
             <a:extLst>
               <a:ext uri="{FF2B5EF4-FFF2-40B4-BE49-F238E27FC236}">
-                <a16:creationId xmlns:a16="http://schemas.microsoft.com/office/drawing/2014/main" id="{52176D31-35F7-8916-46FA-6095EFEC1E49}"/>
+                <a16:creationId xmlns:a16="http://schemas.microsoft.com/office/drawing/2014/main" xmlns="" id="{52176D31-35F7-8916-46FA-6095EFEC1E49}"/>
               </a:ext>
             </a:extLst>
           </p:cNvPr>
@@ -13636,7 +13636,7 @@
           <p:cNvPr id="7" name="TextBox 6">
             <a:extLst>
               <a:ext uri="{FF2B5EF4-FFF2-40B4-BE49-F238E27FC236}">
-                <a16:creationId xmlns:a16="http://schemas.microsoft.com/office/drawing/2014/main" id="{52176D31-35F7-8916-46FA-6095EFEC1E49}"/>
+                <a16:creationId xmlns:a16="http://schemas.microsoft.com/office/drawing/2014/main" xmlns="" id="{52176D31-35F7-8916-46FA-6095EFEC1E49}"/>
               </a:ext>
             </a:extLst>
           </p:cNvPr>
@@ -13757,7 +13757,7 @@
           <p:cNvPr id="5" name="직선 화살표 연결선 4">
             <a:extLst>
               <a:ext uri="{FF2B5EF4-FFF2-40B4-BE49-F238E27FC236}">
-                <a16:creationId xmlns:a16="http://schemas.microsoft.com/office/drawing/2014/main" id="{299DF5EC-9DF4-5255-06AC-0A7CE4FF58C3}"/>
+                <a16:creationId xmlns:a16="http://schemas.microsoft.com/office/drawing/2014/main" xmlns="" id="{299DF5EC-9DF4-5255-06AC-0A7CE4FF58C3}"/>
               </a:ext>
             </a:extLst>
           </p:cNvPr>
@@ -13798,7 +13798,7 @@
           <p:cNvPr id="6" name="직사각형 5">
             <a:extLst>
               <a:ext uri="{FF2B5EF4-FFF2-40B4-BE49-F238E27FC236}">
-                <a16:creationId xmlns:a16="http://schemas.microsoft.com/office/drawing/2014/main" id="{FFF506F9-840A-0508-4CAF-3AC711D8D5CE}"/>
+                <a16:creationId xmlns:a16="http://schemas.microsoft.com/office/drawing/2014/main" xmlns="" id="{FFF506F9-840A-0508-4CAF-3AC711D8D5CE}"/>
               </a:ext>
             </a:extLst>
           </p:cNvPr>
@@ -13850,7 +13850,7 @@
           <p:cNvPr id="7" name="TextBox 6">
             <a:extLst>
               <a:ext uri="{FF2B5EF4-FFF2-40B4-BE49-F238E27FC236}">
-                <a16:creationId xmlns:a16="http://schemas.microsoft.com/office/drawing/2014/main" id="{C6D113C6-EA5C-788F-0C77-E7CE6EBB865F}"/>
+                <a16:creationId xmlns:a16="http://schemas.microsoft.com/office/drawing/2014/main" xmlns="" id="{C6D113C6-EA5C-788F-0C77-E7CE6EBB865F}"/>
               </a:ext>
             </a:extLst>
           </p:cNvPr>
@@ -13898,7 +13898,7 @@
           <p:cNvPr id="8" name="직선 화살표 연결선 7">
             <a:extLst>
               <a:ext uri="{FF2B5EF4-FFF2-40B4-BE49-F238E27FC236}">
-                <a16:creationId xmlns:a16="http://schemas.microsoft.com/office/drawing/2014/main" id="{299DF5EC-9DF4-5255-06AC-0A7CE4FF58C3}"/>
+                <a16:creationId xmlns:a16="http://schemas.microsoft.com/office/drawing/2014/main" xmlns="" id="{299DF5EC-9DF4-5255-06AC-0A7CE4FF58C3}"/>
               </a:ext>
             </a:extLst>
           </p:cNvPr>
@@ -13940,7 +13940,7 @@
           <p:cNvPr id="9" name="직사각형 8">
             <a:extLst>
               <a:ext uri="{FF2B5EF4-FFF2-40B4-BE49-F238E27FC236}">
-                <a16:creationId xmlns:a16="http://schemas.microsoft.com/office/drawing/2014/main" id="{FFF506F9-840A-0508-4CAF-3AC711D8D5CE}"/>
+                <a16:creationId xmlns:a16="http://schemas.microsoft.com/office/drawing/2014/main" xmlns="" id="{FFF506F9-840A-0508-4CAF-3AC711D8D5CE}"/>
               </a:ext>
             </a:extLst>
           </p:cNvPr>
@@ -14022,7 +14022,7 @@
           <p:cNvPr id="4" name="TextBox 3">
             <a:extLst>
               <a:ext uri="{FF2B5EF4-FFF2-40B4-BE49-F238E27FC236}">
-                <a16:creationId xmlns:a16="http://schemas.microsoft.com/office/drawing/2014/main" id="{DF7DDD33-9412-2802-339A-E55446AC2DA7}"/>
+                <a16:creationId xmlns:a16="http://schemas.microsoft.com/office/drawing/2014/main" xmlns="" id="{DF7DDD33-9412-2802-339A-E55446AC2DA7}"/>
               </a:ext>
             </a:extLst>
           </p:cNvPr>
@@ -14134,7 +14134,7 @@
           <p:cNvPr id="5" name="TextBox 4">
             <a:extLst>
               <a:ext uri="{FF2B5EF4-FFF2-40B4-BE49-F238E27FC236}">
-                <a16:creationId xmlns:a16="http://schemas.microsoft.com/office/drawing/2014/main" id="{C6D113C6-EA5C-788F-0C77-E7CE6EBB865F}"/>
+                <a16:creationId xmlns:a16="http://schemas.microsoft.com/office/drawing/2014/main" xmlns="" id="{C6D113C6-EA5C-788F-0C77-E7CE6EBB865F}"/>
               </a:ext>
             </a:extLst>
           </p:cNvPr>
@@ -14264,7 +14264,7 @@
           <p:cNvPr id="4" name="TextBox 3">
             <a:extLst>
               <a:ext uri="{FF2B5EF4-FFF2-40B4-BE49-F238E27FC236}">
-                <a16:creationId xmlns:a16="http://schemas.microsoft.com/office/drawing/2014/main" id="{5ADC00B6-990A-40DC-3CEA-505258F5E8DA}"/>
+                <a16:creationId xmlns:a16="http://schemas.microsoft.com/office/drawing/2014/main" xmlns="" id="{5ADC00B6-990A-40DC-3CEA-505258F5E8DA}"/>
               </a:ext>
             </a:extLst>
           </p:cNvPr>
@@ -14312,7 +14312,7 @@
           <p:cNvPr id="5" name="TextBox 4">
             <a:extLst>
               <a:ext uri="{FF2B5EF4-FFF2-40B4-BE49-F238E27FC236}">
-                <a16:creationId xmlns:a16="http://schemas.microsoft.com/office/drawing/2014/main" id="{52176D31-35F7-8916-46FA-6095EFEC1E49}"/>
+                <a16:creationId xmlns:a16="http://schemas.microsoft.com/office/drawing/2014/main" xmlns="" id="{52176D31-35F7-8916-46FA-6095EFEC1E49}"/>
               </a:ext>
             </a:extLst>
           </p:cNvPr>
@@ -14459,7 +14459,7 @@
           <p:cNvPr id="4" name="TextBox 3">
             <a:extLst>
               <a:ext uri="{FF2B5EF4-FFF2-40B4-BE49-F238E27FC236}">
-                <a16:creationId xmlns:a16="http://schemas.microsoft.com/office/drawing/2014/main" id="{5ADC00B6-990A-40DC-3CEA-505258F5E8DA}"/>
+                <a16:creationId xmlns:a16="http://schemas.microsoft.com/office/drawing/2014/main" xmlns="" id="{5ADC00B6-990A-40DC-3CEA-505258F5E8DA}"/>
               </a:ext>
             </a:extLst>
           </p:cNvPr>
@@ -14507,7 +14507,7 @@
           <p:cNvPr id="5" name="TextBox 4">
             <a:extLst>
               <a:ext uri="{FF2B5EF4-FFF2-40B4-BE49-F238E27FC236}">
-                <a16:creationId xmlns:a16="http://schemas.microsoft.com/office/drawing/2014/main" id="{52176D31-35F7-8916-46FA-6095EFEC1E49}"/>
+                <a16:creationId xmlns:a16="http://schemas.microsoft.com/office/drawing/2014/main" xmlns="" id="{52176D31-35F7-8916-46FA-6095EFEC1E49}"/>
               </a:ext>
             </a:extLst>
           </p:cNvPr>
@@ -14753,7 +14753,7 @@
           <p:cNvPr id="10" name="TextBox 9">
             <a:extLst>
               <a:ext uri="{FF2B5EF4-FFF2-40B4-BE49-F238E27FC236}">
-                <a16:creationId xmlns:a16="http://schemas.microsoft.com/office/drawing/2014/main" id="{5ADC00B6-990A-40DC-3CEA-505258F5E8DA}"/>
+                <a16:creationId xmlns:a16="http://schemas.microsoft.com/office/drawing/2014/main" xmlns="" id="{5ADC00B6-990A-40DC-3CEA-505258F5E8DA}"/>
               </a:ext>
             </a:extLst>
           </p:cNvPr>
@@ -14801,7 +14801,7 @@
           <p:cNvPr id="11" name="TextBox 10">
             <a:extLst>
               <a:ext uri="{FF2B5EF4-FFF2-40B4-BE49-F238E27FC236}">
-                <a16:creationId xmlns:a16="http://schemas.microsoft.com/office/drawing/2014/main" id="{52176D31-35F7-8916-46FA-6095EFEC1E49}"/>
+                <a16:creationId xmlns:a16="http://schemas.microsoft.com/office/drawing/2014/main" xmlns="" id="{52176D31-35F7-8916-46FA-6095EFEC1E49}"/>
               </a:ext>
             </a:extLst>
           </p:cNvPr>
@@ -14918,7 +14918,7 @@
           <p:cNvPr id="13" name="직사각형 12">
             <a:extLst>
               <a:ext uri="{FF2B5EF4-FFF2-40B4-BE49-F238E27FC236}">
-                <a16:creationId xmlns:a16="http://schemas.microsoft.com/office/drawing/2014/main" id="{FFF506F9-840A-0508-4CAF-3AC711D8D5CE}"/>
+                <a16:creationId xmlns:a16="http://schemas.microsoft.com/office/drawing/2014/main" xmlns="" id="{FFF506F9-840A-0508-4CAF-3AC711D8D5CE}"/>
               </a:ext>
             </a:extLst>
           </p:cNvPr>
@@ -14970,7 +14970,7 @@
           <p:cNvPr id="14" name="직사각형 13">
             <a:extLst>
               <a:ext uri="{FF2B5EF4-FFF2-40B4-BE49-F238E27FC236}">
-                <a16:creationId xmlns:a16="http://schemas.microsoft.com/office/drawing/2014/main" id="{FFF506F9-840A-0508-4CAF-3AC711D8D5CE}"/>
+                <a16:creationId xmlns:a16="http://schemas.microsoft.com/office/drawing/2014/main" xmlns="" id="{FFF506F9-840A-0508-4CAF-3AC711D8D5CE}"/>
               </a:ext>
             </a:extLst>
           </p:cNvPr>
@@ -15022,7 +15022,7 @@
           <p:cNvPr id="15" name="직선 화살표 연결선 14">
             <a:extLst>
               <a:ext uri="{FF2B5EF4-FFF2-40B4-BE49-F238E27FC236}">
-                <a16:creationId xmlns:a16="http://schemas.microsoft.com/office/drawing/2014/main" id="{299DF5EC-9DF4-5255-06AC-0A7CE4FF58C3}"/>
+                <a16:creationId xmlns:a16="http://schemas.microsoft.com/office/drawing/2014/main" xmlns="" id="{299DF5EC-9DF4-5255-06AC-0A7CE4FF58C3}"/>
               </a:ext>
             </a:extLst>
           </p:cNvPr>
@@ -15063,7 +15063,7 @@
           <p:cNvPr id="16" name="TextBox 15">
             <a:extLst>
               <a:ext uri="{FF2B5EF4-FFF2-40B4-BE49-F238E27FC236}">
-                <a16:creationId xmlns:a16="http://schemas.microsoft.com/office/drawing/2014/main" id="{C6D113C6-EA5C-788F-0C77-E7CE6EBB865F}"/>
+                <a16:creationId xmlns:a16="http://schemas.microsoft.com/office/drawing/2014/main" xmlns="" id="{C6D113C6-EA5C-788F-0C77-E7CE6EBB865F}"/>
               </a:ext>
             </a:extLst>
           </p:cNvPr>
@@ -15121,7 +15121,7 @@
           <p:cNvPr id="17" name="직선 화살표 연결선 16">
             <a:extLst>
               <a:ext uri="{FF2B5EF4-FFF2-40B4-BE49-F238E27FC236}">
-                <a16:creationId xmlns:a16="http://schemas.microsoft.com/office/drawing/2014/main" id="{299DF5EC-9DF4-5255-06AC-0A7CE4FF58C3}"/>
+                <a16:creationId xmlns:a16="http://schemas.microsoft.com/office/drawing/2014/main" xmlns="" id="{299DF5EC-9DF4-5255-06AC-0A7CE4FF58C3}"/>
               </a:ext>
             </a:extLst>
           </p:cNvPr>
@@ -15162,7 +15162,7 @@
           <p:cNvPr id="18" name="TextBox 17">
             <a:extLst>
               <a:ext uri="{FF2B5EF4-FFF2-40B4-BE49-F238E27FC236}">
-                <a16:creationId xmlns:a16="http://schemas.microsoft.com/office/drawing/2014/main" id="{C6D113C6-EA5C-788F-0C77-E7CE6EBB865F}"/>
+                <a16:creationId xmlns:a16="http://schemas.microsoft.com/office/drawing/2014/main" xmlns="" id="{C6D113C6-EA5C-788F-0C77-E7CE6EBB865F}"/>
               </a:ext>
             </a:extLst>
           </p:cNvPr>
@@ -15274,7 +15274,7 @@
           <p:cNvPr id="21" name="직사각형 20">
             <a:extLst>
               <a:ext uri="{FF2B5EF4-FFF2-40B4-BE49-F238E27FC236}">
-                <a16:creationId xmlns:a16="http://schemas.microsoft.com/office/drawing/2014/main" id="{FFF506F9-840A-0508-4CAF-3AC711D8D5CE}"/>
+                <a16:creationId xmlns:a16="http://schemas.microsoft.com/office/drawing/2014/main" xmlns="" id="{FFF506F9-840A-0508-4CAF-3AC711D8D5CE}"/>
               </a:ext>
             </a:extLst>
           </p:cNvPr>
@@ -15380,7 +15380,7 @@
           <p:cNvPr id="5" name="TextBox 4">
             <a:extLst>
               <a:ext uri="{FF2B5EF4-FFF2-40B4-BE49-F238E27FC236}">
-                <a16:creationId xmlns:a16="http://schemas.microsoft.com/office/drawing/2014/main" id="{C6D113C6-EA5C-788F-0C77-E7CE6EBB865F}"/>
+                <a16:creationId xmlns:a16="http://schemas.microsoft.com/office/drawing/2014/main" xmlns="" id="{C6D113C6-EA5C-788F-0C77-E7CE6EBB865F}"/>
               </a:ext>
             </a:extLst>
           </p:cNvPr>
@@ -15492,7 +15492,7 @@
           <p:cNvPr id="5" name="TextBox 4">
             <a:extLst>
               <a:ext uri="{FF2B5EF4-FFF2-40B4-BE49-F238E27FC236}">
-                <a16:creationId xmlns:a16="http://schemas.microsoft.com/office/drawing/2014/main" id="{C6D113C6-EA5C-788F-0C77-E7CE6EBB865F}"/>
+                <a16:creationId xmlns:a16="http://schemas.microsoft.com/office/drawing/2014/main" xmlns="" id="{C6D113C6-EA5C-788F-0C77-E7CE6EBB865F}"/>
               </a:ext>
             </a:extLst>
           </p:cNvPr>
@@ -15641,7 +15641,7 @@
           <p:cNvPr id="4" name="TextBox 3">
             <a:extLst>
               <a:ext uri="{FF2B5EF4-FFF2-40B4-BE49-F238E27FC236}">
-                <a16:creationId xmlns:a16="http://schemas.microsoft.com/office/drawing/2014/main" id="{DF7DDD33-9412-2802-339A-E55446AC2DA7}"/>
+                <a16:creationId xmlns:a16="http://schemas.microsoft.com/office/drawing/2014/main" xmlns="" id="{DF7DDD33-9412-2802-339A-E55446AC2DA7}"/>
               </a:ext>
             </a:extLst>
           </p:cNvPr>
@@ -15708,7 +15708,7 @@
           <p:cNvPr id="5" name="TextBox 4">
             <a:extLst>
               <a:ext uri="{FF2B5EF4-FFF2-40B4-BE49-F238E27FC236}">
-                <a16:creationId xmlns:a16="http://schemas.microsoft.com/office/drawing/2014/main" id="{C6D113C6-EA5C-788F-0C77-E7CE6EBB865F}"/>
+                <a16:creationId xmlns:a16="http://schemas.microsoft.com/office/drawing/2014/main" xmlns="" id="{C6D113C6-EA5C-788F-0C77-E7CE6EBB865F}"/>
               </a:ext>
             </a:extLst>
           </p:cNvPr>
@@ -15796,7 +15796,7 @@
           <p:cNvPr id="4" name="TextBox 3">
             <a:extLst>
               <a:ext uri="{FF2B5EF4-FFF2-40B4-BE49-F238E27FC236}">
-                <a16:creationId xmlns:a16="http://schemas.microsoft.com/office/drawing/2014/main" id="{DF7DDD33-9412-2802-339A-E55446AC2DA7}"/>
+                <a16:creationId xmlns:a16="http://schemas.microsoft.com/office/drawing/2014/main" xmlns="" id="{DF7DDD33-9412-2802-339A-E55446AC2DA7}"/>
               </a:ext>
             </a:extLst>
           </p:cNvPr>
@@ -16206,7 +16206,7 @@
           <p:cNvPr id="5" name="TextBox 4">
             <a:extLst>
               <a:ext uri="{FF2B5EF4-FFF2-40B4-BE49-F238E27FC236}">
-                <a16:creationId xmlns:a16="http://schemas.microsoft.com/office/drawing/2014/main" id="{DF7DDD33-9412-2802-339A-E55446AC2DA7}"/>
+                <a16:creationId xmlns:a16="http://schemas.microsoft.com/office/drawing/2014/main" xmlns="" id="{DF7DDD33-9412-2802-339A-E55446AC2DA7}"/>
               </a:ext>
             </a:extLst>
           </p:cNvPr>
@@ -16316,7 +16316,7 @@
           <p:cNvPr id="5" name="TextBox 4">
             <a:extLst>
               <a:ext uri="{FF2B5EF4-FFF2-40B4-BE49-F238E27FC236}">
-                <a16:creationId xmlns:a16="http://schemas.microsoft.com/office/drawing/2014/main" id="{5ADC00B6-990A-40DC-3CEA-505258F5E8DA}"/>
+                <a16:creationId xmlns:a16="http://schemas.microsoft.com/office/drawing/2014/main" xmlns="" id="{5ADC00B6-990A-40DC-3CEA-505258F5E8DA}"/>
               </a:ext>
             </a:extLst>
           </p:cNvPr>
@@ -16374,7 +16374,7 @@
           <p:cNvPr id="6" name="TextBox 5">
             <a:extLst>
               <a:ext uri="{FF2B5EF4-FFF2-40B4-BE49-F238E27FC236}">
-                <a16:creationId xmlns:a16="http://schemas.microsoft.com/office/drawing/2014/main" id="{52176D31-35F7-8916-46FA-6095EFEC1E49}"/>
+                <a16:creationId xmlns:a16="http://schemas.microsoft.com/office/drawing/2014/main" xmlns="" id="{52176D31-35F7-8916-46FA-6095EFEC1E49}"/>
               </a:ext>
             </a:extLst>
           </p:cNvPr>
@@ -16583,7 +16583,7 @@
           <p:cNvPr id="8" name="TextBox 7">
             <a:extLst>
               <a:ext uri="{FF2B5EF4-FFF2-40B4-BE49-F238E27FC236}">
-                <a16:creationId xmlns:a16="http://schemas.microsoft.com/office/drawing/2014/main" id="{52176D31-35F7-8916-46FA-6095EFEC1E49}"/>
+                <a16:creationId xmlns:a16="http://schemas.microsoft.com/office/drawing/2014/main" xmlns="" id="{52176D31-35F7-8916-46FA-6095EFEC1E49}"/>
               </a:ext>
             </a:extLst>
           </p:cNvPr>
@@ -16818,7 +16818,7 @@
           <p:cNvPr id="4" name="TextBox 3">
             <a:extLst>
               <a:ext uri="{FF2B5EF4-FFF2-40B4-BE49-F238E27FC236}">
-                <a16:creationId xmlns:a16="http://schemas.microsoft.com/office/drawing/2014/main" id="{52176D31-35F7-8916-46FA-6095EFEC1E49}"/>
+                <a16:creationId xmlns:a16="http://schemas.microsoft.com/office/drawing/2014/main" xmlns="" id="{52176D31-35F7-8916-46FA-6095EFEC1E49}"/>
               </a:ext>
             </a:extLst>
           </p:cNvPr>
@@ -17219,7 +17219,7 @@
           <p:cNvPr id="4" name="Object 1">
             <a:extLst>
               <a:ext uri="{FF2B5EF4-FFF2-40B4-BE49-F238E27FC236}">
-                <a16:creationId xmlns:a16="http://schemas.microsoft.com/office/drawing/2014/main" id="{B0329035-BE76-33A8-0F2E-44624FCC1DED}"/>
+                <a16:creationId xmlns:a16="http://schemas.microsoft.com/office/drawing/2014/main" xmlns="" id="{B0329035-BE76-33A8-0F2E-44624FCC1DED}"/>
               </a:ext>
             </a:extLst>
           </p:cNvPr>
@@ -17249,7 +17249,7 @@
           <p:cNvPr id="7" name="그룹 1001">
             <a:extLst>
               <a:ext uri="{FF2B5EF4-FFF2-40B4-BE49-F238E27FC236}">
-                <a16:creationId xmlns:a16="http://schemas.microsoft.com/office/drawing/2014/main" id="{CD24CE9D-AC18-B6CD-F397-7E8E03D6FE26}"/>
+                <a16:creationId xmlns:a16="http://schemas.microsoft.com/office/drawing/2014/main" xmlns="" id="{CD24CE9D-AC18-B6CD-F397-7E8E03D6FE26}"/>
               </a:ext>
             </a:extLst>
           </p:cNvPr>
@@ -17269,7 +17269,7 @@
             <p:cNvPr id="8" name="Object 5">
               <a:extLst>
                 <a:ext uri="{FF2B5EF4-FFF2-40B4-BE49-F238E27FC236}">
-                  <a16:creationId xmlns:a16="http://schemas.microsoft.com/office/drawing/2014/main" id="{0EEF25E8-3BA8-EBAA-6DC2-66D70C3F9F4D}"/>
+                  <a16:creationId xmlns:a16="http://schemas.microsoft.com/office/drawing/2014/main" xmlns="" id="{0EEF25E8-3BA8-EBAA-6DC2-66D70C3F9F4D}"/>
                 </a:ext>
               </a:extLst>
             </p:cNvPr>
@@ -17300,7 +17300,7 @@
           <p:cNvPr id="9" name="그룹 1002">
             <a:extLst>
               <a:ext uri="{FF2B5EF4-FFF2-40B4-BE49-F238E27FC236}">
-                <a16:creationId xmlns:a16="http://schemas.microsoft.com/office/drawing/2014/main" id="{0F281BC9-DE1F-D1FE-E64C-C4640398F00C}"/>
+                <a16:creationId xmlns:a16="http://schemas.microsoft.com/office/drawing/2014/main" xmlns="" id="{0F281BC9-DE1F-D1FE-E64C-C4640398F00C}"/>
               </a:ext>
             </a:extLst>
           </p:cNvPr>
@@ -17320,7 +17320,7 @@
             <p:cNvPr id="10" name="Object 8">
               <a:extLst>
                 <a:ext uri="{FF2B5EF4-FFF2-40B4-BE49-F238E27FC236}">
-                  <a16:creationId xmlns:a16="http://schemas.microsoft.com/office/drawing/2014/main" id="{F669DCEF-04BB-7046-3F7F-5B513213556E}"/>
+                  <a16:creationId xmlns:a16="http://schemas.microsoft.com/office/drawing/2014/main" xmlns="" id="{F669DCEF-04BB-7046-3F7F-5B513213556E}"/>
                 </a:ext>
               </a:extLst>
             </p:cNvPr>
@@ -17351,7 +17351,7 @@
           <p:cNvPr id="11" name="그룹 1003">
             <a:extLst>
               <a:ext uri="{FF2B5EF4-FFF2-40B4-BE49-F238E27FC236}">
-                <a16:creationId xmlns:a16="http://schemas.microsoft.com/office/drawing/2014/main" id="{1F91EEF9-13EA-BB7F-B056-D35E7DB989AC}"/>
+                <a16:creationId xmlns:a16="http://schemas.microsoft.com/office/drawing/2014/main" xmlns="" id="{1F91EEF9-13EA-BB7F-B056-D35E7DB989AC}"/>
               </a:ext>
             </a:extLst>
           </p:cNvPr>
@@ -17371,7 +17371,7 @@
             <p:cNvPr id="12" name="Object 11">
               <a:extLst>
                 <a:ext uri="{FF2B5EF4-FFF2-40B4-BE49-F238E27FC236}">
-                  <a16:creationId xmlns:a16="http://schemas.microsoft.com/office/drawing/2014/main" id="{2CFFB217-AEFB-2C9E-5F86-6EE19510FFC6}"/>
+                  <a16:creationId xmlns:a16="http://schemas.microsoft.com/office/drawing/2014/main" xmlns="" id="{2CFFB217-AEFB-2C9E-5F86-6EE19510FFC6}"/>
                 </a:ext>
               </a:extLst>
             </p:cNvPr>
@@ -17402,7 +17402,7 @@
           <p:cNvPr id="13" name="그룹 1004">
             <a:extLst>
               <a:ext uri="{FF2B5EF4-FFF2-40B4-BE49-F238E27FC236}">
-                <a16:creationId xmlns:a16="http://schemas.microsoft.com/office/drawing/2014/main" id="{123B9C7E-94E8-E7E1-81BE-D59EA0299187}"/>
+                <a16:creationId xmlns:a16="http://schemas.microsoft.com/office/drawing/2014/main" xmlns="" id="{123B9C7E-94E8-E7E1-81BE-D59EA0299187}"/>
               </a:ext>
             </a:extLst>
           </p:cNvPr>
@@ -17422,7 +17422,7 @@
             <p:cNvPr id="14" name="Object 14">
               <a:extLst>
                 <a:ext uri="{FF2B5EF4-FFF2-40B4-BE49-F238E27FC236}">
-                  <a16:creationId xmlns:a16="http://schemas.microsoft.com/office/drawing/2014/main" id="{B6291552-2D89-A79F-7ACD-EA0EF9A4C389}"/>
+                  <a16:creationId xmlns:a16="http://schemas.microsoft.com/office/drawing/2014/main" xmlns="" id="{B6291552-2D89-A79F-7ACD-EA0EF9A4C389}"/>
                 </a:ext>
               </a:extLst>
             </p:cNvPr>
@@ -17453,7 +17453,7 @@
           <p:cNvPr id="15" name="TextBox 14">
             <a:extLst>
               <a:ext uri="{FF2B5EF4-FFF2-40B4-BE49-F238E27FC236}">
-                <a16:creationId xmlns:a16="http://schemas.microsoft.com/office/drawing/2014/main" id="{7D99763A-FC24-23F5-5BA9-D7B042E0F323}"/>
+                <a16:creationId xmlns:a16="http://schemas.microsoft.com/office/drawing/2014/main" xmlns="" id="{7D99763A-FC24-23F5-5BA9-D7B042E0F323}"/>
               </a:ext>
             </a:extLst>
           </p:cNvPr>
@@ -17531,7 +17531,7 @@
           <p:cNvPr id="4" name="TextBox 3">
             <a:extLst>
               <a:ext uri="{FF2B5EF4-FFF2-40B4-BE49-F238E27FC236}">
-                <a16:creationId xmlns:a16="http://schemas.microsoft.com/office/drawing/2014/main" id="{5ADC00B6-990A-40DC-3CEA-505258F5E8DA}"/>
+                <a16:creationId xmlns:a16="http://schemas.microsoft.com/office/drawing/2014/main" xmlns="" id="{5ADC00B6-990A-40DC-3CEA-505258F5E8DA}"/>
               </a:ext>
             </a:extLst>
           </p:cNvPr>
@@ -17613,7 +17613,7 @@
           <p:cNvPr id="6" name="직선 화살표 연결선 5">
             <a:extLst>
               <a:ext uri="{FF2B5EF4-FFF2-40B4-BE49-F238E27FC236}">
-                <a16:creationId xmlns:a16="http://schemas.microsoft.com/office/drawing/2014/main" id="{299DF5EC-9DF4-5255-06AC-0A7CE4FF58C3}"/>
+                <a16:creationId xmlns:a16="http://schemas.microsoft.com/office/drawing/2014/main" xmlns="" id="{299DF5EC-9DF4-5255-06AC-0A7CE4FF58C3}"/>
               </a:ext>
             </a:extLst>
           </p:cNvPr>
@@ -17654,7 +17654,7 @@
           <p:cNvPr id="7" name="TextBox 6">
             <a:extLst>
               <a:ext uri="{FF2B5EF4-FFF2-40B4-BE49-F238E27FC236}">
-                <a16:creationId xmlns:a16="http://schemas.microsoft.com/office/drawing/2014/main" id="{C6D113C6-EA5C-788F-0C77-E7CE6EBB865F}"/>
+                <a16:creationId xmlns:a16="http://schemas.microsoft.com/office/drawing/2014/main" xmlns="" id="{C6D113C6-EA5C-788F-0C77-E7CE6EBB865F}"/>
               </a:ext>
             </a:extLst>
           </p:cNvPr>
@@ -17702,7 +17702,7 @@
           <p:cNvPr id="9" name="직선 화살표 연결선 8">
             <a:extLst>
               <a:ext uri="{FF2B5EF4-FFF2-40B4-BE49-F238E27FC236}">
-                <a16:creationId xmlns:a16="http://schemas.microsoft.com/office/drawing/2014/main" id="{299DF5EC-9DF4-5255-06AC-0A7CE4FF58C3}"/>
+                <a16:creationId xmlns:a16="http://schemas.microsoft.com/office/drawing/2014/main" xmlns="" id="{299DF5EC-9DF4-5255-06AC-0A7CE4FF58C3}"/>
               </a:ext>
             </a:extLst>
           </p:cNvPr>
@@ -17743,7 +17743,7 @@
           <p:cNvPr id="10" name="TextBox 9">
             <a:extLst>
               <a:ext uri="{FF2B5EF4-FFF2-40B4-BE49-F238E27FC236}">
-                <a16:creationId xmlns:a16="http://schemas.microsoft.com/office/drawing/2014/main" id="{C6D113C6-EA5C-788F-0C77-E7CE6EBB865F}"/>
+                <a16:creationId xmlns:a16="http://schemas.microsoft.com/office/drawing/2014/main" xmlns="" id="{C6D113C6-EA5C-788F-0C77-E7CE6EBB865F}"/>
               </a:ext>
             </a:extLst>
           </p:cNvPr>
@@ -17815,7 +17815,7 @@
           <p:cNvPr id="12" name="직선 화살표 연결선 11">
             <a:extLst>
               <a:ext uri="{FF2B5EF4-FFF2-40B4-BE49-F238E27FC236}">
-                <a16:creationId xmlns:a16="http://schemas.microsoft.com/office/drawing/2014/main" id="{299DF5EC-9DF4-5255-06AC-0A7CE4FF58C3}"/>
+                <a16:creationId xmlns:a16="http://schemas.microsoft.com/office/drawing/2014/main" xmlns="" id="{299DF5EC-9DF4-5255-06AC-0A7CE4FF58C3}"/>
               </a:ext>
             </a:extLst>
           </p:cNvPr>
@@ -17856,7 +17856,7 @@
           <p:cNvPr id="13" name="TextBox 12">
             <a:extLst>
               <a:ext uri="{FF2B5EF4-FFF2-40B4-BE49-F238E27FC236}">
-                <a16:creationId xmlns:a16="http://schemas.microsoft.com/office/drawing/2014/main" id="{C6D113C6-EA5C-788F-0C77-E7CE6EBB865F}"/>
+                <a16:creationId xmlns:a16="http://schemas.microsoft.com/office/drawing/2014/main" xmlns="" id="{C6D113C6-EA5C-788F-0C77-E7CE6EBB865F}"/>
               </a:ext>
             </a:extLst>
           </p:cNvPr>
@@ -17904,7 +17904,7 @@
           <p:cNvPr id="15" name="직선 화살표 연결선 14">
             <a:extLst>
               <a:ext uri="{FF2B5EF4-FFF2-40B4-BE49-F238E27FC236}">
-                <a16:creationId xmlns:a16="http://schemas.microsoft.com/office/drawing/2014/main" id="{299DF5EC-9DF4-5255-06AC-0A7CE4FF58C3}"/>
+                <a16:creationId xmlns:a16="http://schemas.microsoft.com/office/drawing/2014/main" xmlns="" id="{299DF5EC-9DF4-5255-06AC-0A7CE4FF58C3}"/>
               </a:ext>
             </a:extLst>
           </p:cNvPr>
@@ -17945,7 +17945,7 @@
           <p:cNvPr id="16" name="TextBox 15">
             <a:extLst>
               <a:ext uri="{FF2B5EF4-FFF2-40B4-BE49-F238E27FC236}">
-                <a16:creationId xmlns:a16="http://schemas.microsoft.com/office/drawing/2014/main" id="{C6D113C6-EA5C-788F-0C77-E7CE6EBB865F}"/>
+                <a16:creationId xmlns:a16="http://schemas.microsoft.com/office/drawing/2014/main" xmlns="" id="{C6D113C6-EA5C-788F-0C77-E7CE6EBB865F}"/>
               </a:ext>
             </a:extLst>
           </p:cNvPr>
@@ -17993,7 +17993,7 @@
           <p:cNvPr id="18" name="직사각형 17">
             <a:extLst>
               <a:ext uri="{FF2B5EF4-FFF2-40B4-BE49-F238E27FC236}">
-                <a16:creationId xmlns:a16="http://schemas.microsoft.com/office/drawing/2014/main" id="{FFF506F9-840A-0508-4CAF-3AC711D8D5CE}"/>
+                <a16:creationId xmlns:a16="http://schemas.microsoft.com/office/drawing/2014/main" xmlns="" id="{FFF506F9-840A-0508-4CAF-3AC711D8D5CE}"/>
               </a:ext>
             </a:extLst>
           </p:cNvPr>
@@ -18075,7 +18075,7 @@
           <p:cNvPr id="4" name="TextBox 3">
             <a:extLst>
               <a:ext uri="{FF2B5EF4-FFF2-40B4-BE49-F238E27FC236}">
-                <a16:creationId xmlns:a16="http://schemas.microsoft.com/office/drawing/2014/main" id="{5ADC00B6-990A-40DC-3CEA-505258F5E8DA}"/>
+                <a16:creationId xmlns:a16="http://schemas.microsoft.com/office/drawing/2014/main" xmlns="" id="{5ADC00B6-990A-40DC-3CEA-505258F5E8DA}"/>
               </a:ext>
             </a:extLst>
           </p:cNvPr>
@@ -18123,7 +18123,7 @@
           <p:cNvPr id="5" name="TextBox 4">
             <a:extLst>
               <a:ext uri="{FF2B5EF4-FFF2-40B4-BE49-F238E27FC236}">
-                <a16:creationId xmlns:a16="http://schemas.microsoft.com/office/drawing/2014/main" id="{52176D31-35F7-8916-46FA-6095EFEC1E49}"/>
+                <a16:creationId xmlns:a16="http://schemas.microsoft.com/office/drawing/2014/main" xmlns="" id="{52176D31-35F7-8916-46FA-6095EFEC1E49}"/>
               </a:ext>
             </a:extLst>
           </p:cNvPr>
@@ -18420,7 +18420,7 @@
           <p:cNvPr id="5" name="그룹 1008">
             <a:extLst>
               <a:ext uri="{FF2B5EF4-FFF2-40B4-BE49-F238E27FC236}">
-                <a16:creationId xmlns:a16="http://schemas.microsoft.com/office/drawing/2014/main" id="{E395BDE3-2EDE-065D-70E8-56E348228ACF}"/>
+                <a16:creationId xmlns:a16="http://schemas.microsoft.com/office/drawing/2014/main" xmlns="" id="{E395BDE3-2EDE-065D-70E8-56E348228ACF}"/>
               </a:ext>
             </a:extLst>
           </p:cNvPr>
@@ -18440,7 +18440,7 @@
             <p:cNvPr id="6" name="그룹 1009">
               <a:extLst>
                 <a:ext uri="{FF2B5EF4-FFF2-40B4-BE49-F238E27FC236}">
-                  <a16:creationId xmlns:a16="http://schemas.microsoft.com/office/drawing/2014/main" id="{852F4DEB-DB33-DB3F-9E9F-52A46CD0B10A}"/>
+                  <a16:creationId xmlns:a16="http://schemas.microsoft.com/office/drawing/2014/main" xmlns="" id="{852F4DEB-DB33-DB3F-9E9F-52A46CD0B10A}"/>
                 </a:ext>
               </a:extLst>
             </p:cNvPr>
@@ -18460,7 +18460,7 @@
               <p:cNvPr id="11" name="Object 29">
                 <a:extLst>
                   <a:ext uri="{FF2B5EF4-FFF2-40B4-BE49-F238E27FC236}">
-                    <a16:creationId xmlns:a16="http://schemas.microsoft.com/office/drawing/2014/main" id="{7E353D3B-14D4-8A64-5888-3F0C062C2CDD}"/>
+                    <a16:creationId xmlns:a16="http://schemas.microsoft.com/office/drawing/2014/main" xmlns="" id="{7E353D3B-14D4-8A64-5888-3F0C062C2CDD}"/>
                   </a:ext>
                 </a:extLst>
               </p:cNvPr>
@@ -18491,7 +18491,7 @@
             <p:cNvPr id="7" name="그룹 1010">
               <a:extLst>
                 <a:ext uri="{FF2B5EF4-FFF2-40B4-BE49-F238E27FC236}">
-                  <a16:creationId xmlns:a16="http://schemas.microsoft.com/office/drawing/2014/main" id="{001E38AB-1390-ABD0-BE01-9727136FEAEE}"/>
+                  <a16:creationId xmlns:a16="http://schemas.microsoft.com/office/drawing/2014/main" xmlns="" id="{001E38AB-1390-ABD0-BE01-9727136FEAEE}"/>
                 </a:ext>
               </a:extLst>
             </p:cNvPr>
@@ -18511,7 +18511,7 @@
               <p:cNvPr id="10" name="Object 32">
                 <a:extLst>
                   <a:ext uri="{FF2B5EF4-FFF2-40B4-BE49-F238E27FC236}">
-                    <a16:creationId xmlns:a16="http://schemas.microsoft.com/office/drawing/2014/main" id="{2ED1C30F-0D0B-F86C-8215-2598D332B5A3}"/>
+                    <a16:creationId xmlns:a16="http://schemas.microsoft.com/office/drawing/2014/main" xmlns="" id="{2ED1C30F-0D0B-F86C-8215-2598D332B5A3}"/>
                   </a:ext>
                 </a:extLst>
               </p:cNvPr>
@@ -18542,7 +18542,7 @@
             <p:cNvPr id="8" name="그룹 1011">
               <a:extLst>
                 <a:ext uri="{FF2B5EF4-FFF2-40B4-BE49-F238E27FC236}">
-                  <a16:creationId xmlns:a16="http://schemas.microsoft.com/office/drawing/2014/main" id="{1BCB8DE5-ABAF-4198-BC16-85BB76F2DB24}"/>
+                  <a16:creationId xmlns:a16="http://schemas.microsoft.com/office/drawing/2014/main" xmlns="" id="{1BCB8DE5-ABAF-4198-BC16-85BB76F2DB24}"/>
                 </a:ext>
               </a:extLst>
             </p:cNvPr>
@@ -18562,7 +18562,7 @@
               <p:cNvPr id="9" name="Object 35">
                 <a:extLst>
                   <a:ext uri="{FF2B5EF4-FFF2-40B4-BE49-F238E27FC236}">
-                    <a16:creationId xmlns:a16="http://schemas.microsoft.com/office/drawing/2014/main" id="{86E7BA23-0A1E-B581-CADC-06AB269DB2BD}"/>
+                    <a16:creationId xmlns:a16="http://schemas.microsoft.com/office/drawing/2014/main" xmlns="" id="{86E7BA23-0A1E-B581-CADC-06AB269DB2BD}"/>
                   </a:ext>
                 </a:extLst>
               </p:cNvPr>
@@ -18618,7 +18618,7 @@
           <p:cNvPr id="13" name="TextBox 12">
             <a:extLst>
               <a:ext uri="{FF2B5EF4-FFF2-40B4-BE49-F238E27FC236}">
-                <a16:creationId xmlns:a16="http://schemas.microsoft.com/office/drawing/2014/main" id="{C6D113C6-EA5C-788F-0C77-E7CE6EBB865F}"/>
+                <a16:creationId xmlns:a16="http://schemas.microsoft.com/office/drawing/2014/main" xmlns="" id="{C6D113C6-EA5C-788F-0C77-E7CE6EBB865F}"/>
               </a:ext>
             </a:extLst>
           </p:cNvPr>
@@ -18892,14 +18892,14 @@
                 <a:gridCol w="5680353">
                   <a:extLst>
                     <a:ext uri="{9D8B030D-6E8A-4147-A177-3AD203B41FA5}">
-                      <a16:colId xmlns:a16="http://schemas.microsoft.com/office/drawing/2014/main" val="20000"/>
+                      <a16:colId xmlns:a16="http://schemas.microsoft.com/office/drawing/2014/main" xmlns="" val="20000"/>
                     </a:ext>
                   </a:extLst>
                 </a:gridCol>
                 <a:gridCol w="5749647">
                   <a:extLst>
                     <a:ext uri="{9D8B030D-6E8A-4147-A177-3AD203B41FA5}">
-                      <a16:colId xmlns:a16="http://schemas.microsoft.com/office/drawing/2014/main" val="20001"/>
+                      <a16:colId xmlns:a16="http://schemas.microsoft.com/office/drawing/2014/main" xmlns="" val="20001"/>
                     </a:ext>
                   </a:extLst>
                 </a:gridCol>
@@ -19037,7 +19037,7 @@
                 </a:tc>
                 <a:extLst>
                   <a:ext uri="{0D108BD9-81ED-4DB2-BD59-A6C34878D82A}">
-                    <a16:rowId xmlns:a16="http://schemas.microsoft.com/office/drawing/2014/main" val="10000"/>
+                    <a16:rowId xmlns:a16="http://schemas.microsoft.com/office/drawing/2014/main" xmlns="" val="10000"/>
                   </a:ext>
                 </a:extLst>
               </a:tr>
@@ -19180,7 +19180,7 @@
                 </a:tc>
                 <a:extLst>
                   <a:ext uri="{0D108BD9-81ED-4DB2-BD59-A6C34878D82A}">
-                    <a16:rowId xmlns:a16="http://schemas.microsoft.com/office/drawing/2014/main" val="10001"/>
+                    <a16:rowId xmlns:a16="http://schemas.microsoft.com/office/drawing/2014/main" xmlns="" val="10001"/>
                   </a:ext>
                 </a:extLst>
               </a:tr>
@@ -19301,7 +19301,7 @@
                 </a:tc>
                 <a:extLst>
                   <a:ext uri="{0D108BD9-81ED-4DB2-BD59-A6C34878D82A}">
-                    <a16:rowId xmlns:a16="http://schemas.microsoft.com/office/drawing/2014/main" val="10002"/>
+                    <a16:rowId xmlns:a16="http://schemas.microsoft.com/office/drawing/2014/main" xmlns="" val="10002"/>
                   </a:ext>
                 </a:extLst>
               </a:tr>
@@ -19422,7 +19422,7 @@
                 </a:tc>
                 <a:extLst>
                   <a:ext uri="{0D108BD9-81ED-4DB2-BD59-A6C34878D82A}">
-                    <a16:rowId xmlns:a16="http://schemas.microsoft.com/office/drawing/2014/main" val="10003"/>
+                    <a16:rowId xmlns:a16="http://schemas.microsoft.com/office/drawing/2014/main" xmlns="" val="10003"/>
                   </a:ext>
                 </a:extLst>
               </a:tr>
@@ -19489,7 +19489,7 @@
           <p:cNvPr id="6" name="직선 화살표 연결선 5">
             <a:extLst>
               <a:ext uri="{FF2B5EF4-FFF2-40B4-BE49-F238E27FC236}">
-                <a16:creationId xmlns:a16="http://schemas.microsoft.com/office/drawing/2014/main" id="{299DF5EC-9DF4-5255-06AC-0A7CE4FF58C3}"/>
+                <a16:creationId xmlns:a16="http://schemas.microsoft.com/office/drawing/2014/main" xmlns="" id="{299DF5EC-9DF4-5255-06AC-0A7CE4FF58C3}"/>
               </a:ext>
             </a:extLst>
           </p:cNvPr>
@@ -19530,7 +19530,7 @@
           <p:cNvPr id="7" name="직사각형 6">
             <a:extLst>
               <a:ext uri="{FF2B5EF4-FFF2-40B4-BE49-F238E27FC236}">
-                <a16:creationId xmlns:a16="http://schemas.microsoft.com/office/drawing/2014/main" id="{FFF506F9-840A-0508-4CAF-3AC711D8D5CE}"/>
+                <a16:creationId xmlns:a16="http://schemas.microsoft.com/office/drawing/2014/main" xmlns="" id="{FFF506F9-840A-0508-4CAF-3AC711D8D5CE}"/>
               </a:ext>
             </a:extLst>
           </p:cNvPr>
@@ -19582,7 +19582,7 @@
           <p:cNvPr id="8" name="TextBox 7">
             <a:extLst>
               <a:ext uri="{FF2B5EF4-FFF2-40B4-BE49-F238E27FC236}">
-                <a16:creationId xmlns:a16="http://schemas.microsoft.com/office/drawing/2014/main" id="{C6D113C6-EA5C-788F-0C77-E7CE6EBB865F}"/>
+                <a16:creationId xmlns:a16="http://schemas.microsoft.com/office/drawing/2014/main" xmlns="" id="{C6D113C6-EA5C-788F-0C77-E7CE6EBB865F}"/>
               </a:ext>
             </a:extLst>
           </p:cNvPr>
@@ -19650,7 +19650,7 @@
           <p:cNvPr id="14" name="직선 화살표 연결선 13">
             <a:extLst>
               <a:ext uri="{FF2B5EF4-FFF2-40B4-BE49-F238E27FC236}">
-                <a16:creationId xmlns:a16="http://schemas.microsoft.com/office/drawing/2014/main" id="{299DF5EC-9DF4-5255-06AC-0A7CE4FF58C3}"/>
+                <a16:creationId xmlns:a16="http://schemas.microsoft.com/office/drawing/2014/main" xmlns="" id="{299DF5EC-9DF4-5255-06AC-0A7CE4FF58C3}"/>
               </a:ext>
             </a:extLst>
           </p:cNvPr>
@@ -19691,7 +19691,7 @@
           <p:cNvPr id="15" name="직사각형 14">
             <a:extLst>
               <a:ext uri="{FF2B5EF4-FFF2-40B4-BE49-F238E27FC236}">
-                <a16:creationId xmlns:a16="http://schemas.microsoft.com/office/drawing/2014/main" id="{FFF506F9-840A-0508-4CAF-3AC711D8D5CE}"/>
+                <a16:creationId xmlns:a16="http://schemas.microsoft.com/office/drawing/2014/main" xmlns="" id="{FFF506F9-840A-0508-4CAF-3AC711D8D5CE}"/>
               </a:ext>
             </a:extLst>
           </p:cNvPr>
@@ -19743,7 +19743,7 @@
           <p:cNvPr id="16" name="TextBox 15">
             <a:extLst>
               <a:ext uri="{FF2B5EF4-FFF2-40B4-BE49-F238E27FC236}">
-                <a16:creationId xmlns:a16="http://schemas.microsoft.com/office/drawing/2014/main" id="{C6D113C6-EA5C-788F-0C77-E7CE6EBB865F}"/>
+                <a16:creationId xmlns:a16="http://schemas.microsoft.com/office/drawing/2014/main" xmlns="" id="{C6D113C6-EA5C-788F-0C77-E7CE6EBB865F}"/>
               </a:ext>
             </a:extLst>
           </p:cNvPr>
@@ -19791,7 +19791,7 @@
           <p:cNvPr id="17" name="TextBox 16">
             <a:extLst>
               <a:ext uri="{FF2B5EF4-FFF2-40B4-BE49-F238E27FC236}">
-                <a16:creationId xmlns:a16="http://schemas.microsoft.com/office/drawing/2014/main" id="{5ADC00B6-990A-40DC-3CEA-505258F5E8DA}"/>
+                <a16:creationId xmlns:a16="http://schemas.microsoft.com/office/drawing/2014/main" xmlns="" id="{5ADC00B6-990A-40DC-3CEA-505258F5E8DA}"/>
               </a:ext>
             </a:extLst>
           </p:cNvPr>
@@ -19903,7 +19903,7 @@
           <p:cNvPr id="5" name="TextBox 4">
             <a:extLst>
               <a:ext uri="{FF2B5EF4-FFF2-40B4-BE49-F238E27FC236}">
-                <a16:creationId xmlns:a16="http://schemas.microsoft.com/office/drawing/2014/main" id="{5ADC00B6-990A-40DC-3CEA-505258F5E8DA}"/>
+                <a16:creationId xmlns:a16="http://schemas.microsoft.com/office/drawing/2014/main" xmlns="" id="{5ADC00B6-990A-40DC-3CEA-505258F5E8DA}"/>
               </a:ext>
             </a:extLst>
           </p:cNvPr>
@@ -19961,7 +19961,7 @@
           <p:cNvPr id="7" name="직사각형 6">
             <a:extLst>
               <a:ext uri="{FF2B5EF4-FFF2-40B4-BE49-F238E27FC236}">
-                <a16:creationId xmlns:a16="http://schemas.microsoft.com/office/drawing/2014/main" id="{FFF506F9-840A-0508-4CAF-3AC711D8D5CE}"/>
+                <a16:creationId xmlns:a16="http://schemas.microsoft.com/office/drawing/2014/main" xmlns="" id="{FFF506F9-840A-0508-4CAF-3AC711D8D5CE}"/>
               </a:ext>
             </a:extLst>
           </p:cNvPr>
@@ -20013,7 +20013,7 @@
           <p:cNvPr id="8" name="직사각형 7">
             <a:extLst>
               <a:ext uri="{FF2B5EF4-FFF2-40B4-BE49-F238E27FC236}">
-                <a16:creationId xmlns:a16="http://schemas.microsoft.com/office/drawing/2014/main" id="{FFF506F9-840A-0508-4CAF-3AC711D8D5CE}"/>
+                <a16:creationId xmlns:a16="http://schemas.microsoft.com/office/drawing/2014/main" xmlns="" id="{FFF506F9-840A-0508-4CAF-3AC711D8D5CE}"/>
               </a:ext>
             </a:extLst>
           </p:cNvPr>
@@ -20143,7 +20143,7 @@
           <p:cNvPr id="6" name="직사각형 5">
             <a:extLst>
               <a:ext uri="{FF2B5EF4-FFF2-40B4-BE49-F238E27FC236}">
-                <a16:creationId xmlns:a16="http://schemas.microsoft.com/office/drawing/2014/main" id="{FFF506F9-840A-0508-4CAF-3AC711D8D5CE}"/>
+                <a16:creationId xmlns:a16="http://schemas.microsoft.com/office/drawing/2014/main" xmlns="" id="{FFF506F9-840A-0508-4CAF-3AC711D8D5CE}"/>
               </a:ext>
             </a:extLst>
           </p:cNvPr>
@@ -20195,7 +20195,7 @@
           <p:cNvPr id="7" name="직사각형 6">
             <a:extLst>
               <a:ext uri="{FF2B5EF4-FFF2-40B4-BE49-F238E27FC236}">
-                <a16:creationId xmlns:a16="http://schemas.microsoft.com/office/drawing/2014/main" id="{FFF506F9-840A-0508-4CAF-3AC711D8D5CE}"/>
+                <a16:creationId xmlns:a16="http://schemas.microsoft.com/office/drawing/2014/main" xmlns="" id="{FFF506F9-840A-0508-4CAF-3AC711D8D5CE}"/>
               </a:ext>
             </a:extLst>
           </p:cNvPr>
@@ -20325,7 +20325,7 @@
           <p:cNvPr id="6" name="직사각형 5">
             <a:extLst>
               <a:ext uri="{FF2B5EF4-FFF2-40B4-BE49-F238E27FC236}">
-                <a16:creationId xmlns:a16="http://schemas.microsoft.com/office/drawing/2014/main" id="{FFF506F9-840A-0508-4CAF-3AC711D8D5CE}"/>
+                <a16:creationId xmlns:a16="http://schemas.microsoft.com/office/drawing/2014/main" xmlns="" id="{FFF506F9-840A-0508-4CAF-3AC711D8D5CE}"/>
               </a:ext>
             </a:extLst>
           </p:cNvPr>
@@ -20377,7 +20377,7 @@
           <p:cNvPr id="7" name="직선 화살표 연결선 6">
             <a:extLst>
               <a:ext uri="{FF2B5EF4-FFF2-40B4-BE49-F238E27FC236}">
-                <a16:creationId xmlns:a16="http://schemas.microsoft.com/office/drawing/2014/main" id="{299DF5EC-9DF4-5255-06AC-0A7CE4FF58C3}"/>
+                <a16:creationId xmlns:a16="http://schemas.microsoft.com/office/drawing/2014/main" xmlns="" id="{299DF5EC-9DF4-5255-06AC-0A7CE4FF58C3}"/>
               </a:ext>
             </a:extLst>
           </p:cNvPr>
@@ -20418,7 +20418,7 @@
           <p:cNvPr id="8" name="TextBox 7">
             <a:extLst>
               <a:ext uri="{FF2B5EF4-FFF2-40B4-BE49-F238E27FC236}">
-                <a16:creationId xmlns:a16="http://schemas.microsoft.com/office/drawing/2014/main" id="{C6D113C6-EA5C-788F-0C77-E7CE6EBB865F}"/>
+                <a16:creationId xmlns:a16="http://schemas.microsoft.com/office/drawing/2014/main" xmlns="" id="{C6D113C6-EA5C-788F-0C77-E7CE6EBB865F}"/>
               </a:ext>
             </a:extLst>
           </p:cNvPr>
@@ -20525,7 +20525,7 @@
           <p:cNvPr id="10" name="TextBox 9">
             <a:extLst>
               <a:ext uri="{FF2B5EF4-FFF2-40B4-BE49-F238E27FC236}">
-                <a16:creationId xmlns:a16="http://schemas.microsoft.com/office/drawing/2014/main" id="{5ADC00B6-990A-40DC-3CEA-505258F5E8DA}"/>
+                <a16:creationId xmlns:a16="http://schemas.microsoft.com/office/drawing/2014/main" xmlns="" id="{5ADC00B6-990A-40DC-3CEA-505258F5E8DA}"/>
               </a:ext>
             </a:extLst>
           </p:cNvPr>
@@ -20667,7 +20667,7 @@
           <p:cNvPr id="4" name="TextBox 3">
             <a:extLst>
               <a:ext uri="{FF2B5EF4-FFF2-40B4-BE49-F238E27FC236}">
-                <a16:creationId xmlns:a16="http://schemas.microsoft.com/office/drawing/2014/main" id="{5ADC00B6-990A-40DC-3CEA-505258F5E8DA}"/>
+                <a16:creationId xmlns:a16="http://schemas.microsoft.com/office/drawing/2014/main" xmlns="" id="{5ADC00B6-990A-40DC-3CEA-505258F5E8DA}"/>
               </a:ext>
             </a:extLst>
           </p:cNvPr>
@@ -20755,7 +20755,7 @@
           <p:cNvPr id="4" name="TextBox 3">
             <a:extLst>
               <a:ext uri="{FF2B5EF4-FFF2-40B4-BE49-F238E27FC236}">
-                <a16:creationId xmlns:a16="http://schemas.microsoft.com/office/drawing/2014/main" id="{5ADC00B6-990A-40DC-3CEA-505258F5E8DA}"/>
+                <a16:creationId xmlns:a16="http://schemas.microsoft.com/office/drawing/2014/main" xmlns="" id="{5ADC00B6-990A-40DC-3CEA-505258F5E8DA}"/>
               </a:ext>
             </a:extLst>
           </p:cNvPr>
@@ -20907,7 +20907,7 @@
           <p:cNvPr id="5" name="직선 화살표 연결선 4">
             <a:extLst>
               <a:ext uri="{FF2B5EF4-FFF2-40B4-BE49-F238E27FC236}">
-                <a16:creationId xmlns:a16="http://schemas.microsoft.com/office/drawing/2014/main" id="{299DF5EC-9DF4-5255-06AC-0A7CE4FF58C3}"/>
+                <a16:creationId xmlns:a16="http://schemas.microsoft.com/office/drawing/2014/main" xmlns="" id="{299DF5EC-9DF4-5255-06AC-0A7CE4FF58C3}"/>
               </a:ext>
             </a:extLst>
           </p:cNvPr>
@@ -20949,7 +20949,7 @@
           <p:cNvPr id="6" name="직사각형 5">
             <a:extLst>
               <a:ext uri="{FF2B5EF4-FFF2-40B4-BE49-F238E27FC236}">
-                <a16:creationId xmlns:a16="http://schemas.microsoft.com/office/drawing/2014/main" id="{FFF506F9-840A-0508-4CAF-3AC711D8D5CE}"/>
+                <a16:creationId xmlns:a16="http://schemas.microsoft.com/office/drawing/2014/main" xmlns="" id="{FFF506F9-840A-0508-4CAF-3AC711D8D5CE}"/>
               </a:ext>
             </a:extLst>
           </p:cNvPr>
@@ -21001,7 +21001,7 @@
           <p:cNvPr id="7" name="TextBox 6">
             <a:extLst>
               <a:ext uri="{FF2B5EF4-FFF2-40B4-BE49-F238E27FC236}">
-                <a16:creationId xmlns:a16="http://schemas.microsoft.com/office/drawing/2014/main" id="{C6D113C6-EA5C-788F-0C77-E7CE6EBB865F}"/>
+                <a16:creationId xmlns:a16="http://schemas.microsoft.com/office/drawing/2014/main" xmlns="" id="{C6D113C6-EA5C-788F-0C77-E7CE6EBB865F}"/>
               </a:ext>
             </a:extLst>
           </p:cNvPr>
@@ -21113,7 +21113,7 @@
           <p:cNvPr id="5" name="직선 화살표 연결선 4">
             <a:extLst>
               <a:ext uri="{FF2B5EF4-FFF2-40B4-BE49-F238E27FC236}">
-                <a16:creationId xmlns:a16="http://schemas.microsoft.com/office/drawing/2014/main" id="{299DF5EC-9DF4-5255-06AC-0A7CE4FF58C3}"/>
+                <a16:creationId xmlns:a16="http://schemas.microsoft.com/office/drawing/2014/main" xmlns="" id="{299DF5EC-9DF4-5255-06AC-0A7CE4FF58C3}"/>
               </a:ext>
             </a:extLst>
           </p:cNvPr>
@@ -21154,7 +21154,7 @@
           <p:cNvPr id="6" name="직사각형 5">
             <a:extLst>
               <a:ext uri="{FF2B5EF4-FFF2-40B4-BE49-F238E27FC236}">
-                <a16:creationId xmlns:a16="http://schemas.microsoft.com/office/drawing/2014/main" id="{FFF506F9-840A-0508-4CAF-3AC711D8D5CE}"/>
+                <a16:creationId xmlns:a16="http://schemas.microsoft.com/office/drawing/2014/main" xmlns="" id="{FFF506F9-840A-0508-4CAF-3AC711D8D5CE}"/>
               </a:ext>
             </a:extLst>
           </p:cNvPr>
@@ -21206,7 +21206,7 @@
           <p:cNvPr id="7" name="TextBox 6">
             <a:extLst>
               <a:ext uri="{FF2B5EF4-FFF2-40B4-BE49-F238E27FC236}">
-                <a16:creationId xmlns:a16="http://schemas.microsoft.com/office/drawing/2014/main" id="{C6D113C6-EA5C-788F-0C77-E7CE6EBB865F}"/>
+                <a16:creationId xmlns:a16="http://schemas.microsoft.com/office/drawing/2014/main" xmlns="" id="{C6D113C6-EA5C-788F-0C77-E7CE6EBB865F}"/>
               </a:ext>
             </a:extLst>
           </p:cNvPr>
@@ -21284,7 +21284,7 @@
           <p:cNvPr id="8" name="TextBox 7">
             <a:extLst>
               <a:ext uri="{FF2B5EF4-FFF2-40B4-BE49-F238E27FC236}">
-                <a16:creationId xmlns:a16="http://schemas.microsoft.com/office/drawing/2014/main" id="{5ADC00B6-990A-40DC-3CEA-505258F5E8DA}"/>
+                <a16:creationId xmlns:a16="http://schemas.microsoft.com/office/drawing/2014/main" xmlns="" id="{5ADC00B6-990A-40DC-3CEA-505258F5E8DA}"/>
               </a:ext>
             </a:extLst>
           </p:cNvPr>
@@ -21533,7 +21533,7 @@
           <p:cNvPr id="4" name="TextBox 3">
             <a:extLst>
               <a:ext uri="{FF2B5EF4-FFF2-40B4-BE49-F238E27FC236}">
-                <a16:creationId xmlns:a16="http://schemas.microsoft.com/office/drawing/2014/main" id="{551201DB-1C7C-48D5-9B9D-93A2CC694896}"/>
+                <a16:creationId xmlns:a16="http://schemas.microsoft.com/office/drawing/2014/main" xmlns="" id="{551201DB-1C7C-48D5-9B9D-93A2CC694896}"/>
               </a:ext>
             </a:extLst>
           </p:cNvPr>
@@ -21614,7 +21614,7 @@
           <p:cNvPr id="4" name="TextBox 3">
             <a:extLst>
               <a:ext uri="{FF2B5EF4-FFF2-40B4-BE49-F238E27FC236}">
-                <a16:creationId xmlns:a16="http://schemas.microsoft.com/office/drawing/2014/main" id="{5ADC00B6-990A-40DC-3CEA-505258F5E8DA}"/>
+                <a16:creationId xmlns:a16="http://schemas.microsoft.com/office/drawing/2014/main" xmlns="" id="{5ADC00B6-990A-40DC-3CEA-505258F5E8DA}"/>
               </a:ext>
             </a:extLst>
           </p:cNvPr>
@@ -21716,7 +21716,7 @@
           <p:cNvPr id="6" name="TextBox 5">
             <a:extLst>
               <a:ext uri="{FF2B5EF4-FFF2-40B4-BE49-F238E27FC236}">
-                <a16:creationId xmlns:a16="http://schemas.microsoft.com/office/drawing/2014/main" id="{5ADC00B6-990A-40DC-3CEA-505258F5E8DA}"/>
+                <a16:creationId xmlns:a16="http://schemas.microsoft.com/office/drawing/2014/main" xmlns="" id="{5ADC00B6-990A-40DC-3CEA-505258F5E8DA}"/>
               </a:ext>
             </a:extLst>
           </p:cNvPr>
@@ -21764,7 +21764,7 @@
           <p:cNvPr id="7" name="직선 화살표 연결선 6">
             <a:extLst>
               <a:ext uri="{FF2B5EF4-FFF2-40B4-BE49-F238E27FC236}">
-                <a16:creationId xmlns:a16="http://schemas.microsoft.com/office/drawing/2014/main" id="{299DF5EC-9DF4-5255-06AC-0A7CE4FF58C3}"/>
+                <a16:creationId xmlns:a16="http://schemas.microsoft.com/office/drawing/2014/main" xmlns="" id="{299DF5EC-9DF4-5255-06AC-0A7CE4FF58C3}"/>
               </a:ext>
             </a:extLst>
           </p:cNvPr>
@@ -21805,7 +21805,7 @@
           <p:cNvPr id="8" name="TextBox 7">
             <a:extLst>
               <a:ext uri="{FF2B5EF4-FFF2-40B4-BE49-F238E27FC236}">
-                <a16:creationId xmlns:a16="http://schemas.microsoft.com/office/drawing/2014/main" id="{C6D113C6-EA5C-788F-0C77-E7CE6EBB865F}"/>
+                <a16:creationId xmlns:a16="http://schemas.microsoft.com/office/drawing/2014/main" xmlns="" id="{C6D113C6-EA5C-788F-0C77-E7CE6EBB865F}"/>
               </a:ext>
             </a:extLst>
           </p:cNvPr>
@@ -21917,7 +21917,7 @@
           <p:cNvPr id="11" name="직선 화살표 연결선 10">
             <a:extLst>
               <a:ext uri="{FF2B5EF4-FFF2-40B4-BE49-F238E27FC236}">
-                <a16:creationId xmlns:a16="http://schemas.microsoft.com/office/drawing/2014/main" id="{299DF5EC-9DF4-5255-06AC-0A7CE4FF58C3}"/>
+                <a16:creationId xmlns:a16="http://schemas.microsoft.com/office/drawing/2014/main" xmlns="" id="{299DF5EC-9DF4-5255-06AC-0A7CE4FF58C3}"/>
               </a:ext>
             </a:extLst>
           </p:cNvPr>
@@ -21958,7 +21958,7 @@
           <p:cNvPr id="12" name="TextBox 11">
             <a:extLst>
               <a:ext uri="{FF2B5EF4-FFF2-40B4-BE49-F238E27FC236}">
-                <a16:creationId xmlns:a16="http://schemas.microsoft.com/office/drawing/2014/main" id="{C6D113C6-EA5C-788F-0C77-E7CE6EBB865F}"/>
+                <a16:creationId xmlns:a16="http://schemas.microsoft.com/office/drawing/2014/main" xmlns="" id="{C6D113C6-EA5C-788F-0C77-E7CE6EBB865F}"/>
               </a:ext>
             </a:extLst>
           </p:cNvPr>
@@ -22046,7 +22046,7 @@
           <p:cNvPr id="17" name="TextBox 16">
             <a:extLst>
               <a:ext uri="{FF2B5EF4-FFF2-40B4-BE49-F238E27FC236}">
-                <a16:creationId xmlns:a16="http://schemas.microsoft.com/office/drawing/2014/main" id="{C6D113C6-EA5C-788F-0C77-E7CE6EBB865F}"/>
+                <a16:creationId xmlns:a16="http://schemas.microsoft.com/office/drawing/2014/main" xmlns="" id="{C6D113C6-EA5C-788F-0C77-E7CE6EBB865F}"/>
               </a:ext>
             </a:extLst>
           </p:cNvPr>
@@ -22425,7 +22425,7 @@
           <p:cNvPr id="4" name="TextBox 3">
             <a:extLst>
               <a:ext uri="{FF2B5EF4-FFF2-40B4-BE49-F238E27FC236}">
-                <a16:creationId xmlns:a16="http://schemas.microsoft.com/office/drawing/2014/main" id="{5ADC00B6-990A-40DC-3CEA-505258F5E8DA}"/>
+                <a16:creationId xmlns:a16="http://schemas.microsoft.com/office/drawing/2014/main" xmlns="" id="{5ADC00B6-990A-40DC-3CEA-505258F5E8DA}"/>
               </a:ext>
             </a:extLst>
           </p:cNvPr>
@@ -22483,7 +22483,7 @@
           <p:cNvPr id="5" name="TextBox 4">
             <a:extLst>
               <a:ext uri="{FF2B5EF4-FFF2-40B4-BE49-F238E27FC236}">
-                <a16:creationId xmlns:a16="http://schemas.microsoft.com/office/drawing/2014/main" id="{52176D31-35F7-8916-46FA-6095EFEC1E49}"/>
+                <a16:creationId xmlns:a16="http://schemas.microsoft.com/office/drawing/2014/main" xmlns="" id="{52176D31-35F7-8916-46FA-6095EFEC1E49}"/>
               </a:ext>
             </a:extLst>
           </p:cNvPr>
@@ -22658,21 +22658,21 @@
                 <a:gridCol w="1295400">
                   <a:extLst>
                     <a:ext uri="{9D8B030D-6E8A-4147-A177-3AD203B41FA5}">
-                      <a16:colId xmlns:a16="http://schemas.microsoft.com/office/drawing/2014/main" val="20000"/>
+                      <a16:colId xmlns:a16="http://schemas.microsoft.com/office/drawing/2014/main" xmlns="" val="20000"/>
                     </a:ext>
                   </a:extLst>
                 </a:gridCol>
                 <a:gridCol w="3788368">
                   <a:extLst>
                     <a:ext uri="{9D8B030D-6E8A-4147-A177-3AD203B41FA5}">
-                      <a16:colId xmlns:a16="http://schemas.microsoft.com/office/drawing/2014/main" val="20001"/>
+                      <a16:colId xmlns:a16="http://schemas.microsoft.com/office/drawing/2014/main" xmlns="" val="20001"/>
                     </a:ext>
                   </a:extLst>
                 </a:gridCol>
                 <a:gridCol w="3984031">
                   <a:extLst>
                     <a:ext uri="{9D8B030D-6E8A-4147-A177-3AD203B41FA5}">
-                      <a16:colId xmlns:a16="http://schemas.microsoft.com/office/drawing/2014/main" val="20002"/>
+                      <a16:colId xmlns:a16="http://schemas.microsoft.com/office/drawing/2014/main" xmlns="" val="20002"/>
                     </a:ext>
                   </a:extLst>
                 </a:gridCol>
@@ -22860,7 +22860,7 @@
                 </a:tc>
                 <a:extLst>
                   <a:ext uri="{0D108BD9-81ED-4DB2-BD59-A6C34878D82A}">
-                    <a16:rowId xmlns:a16="http://schemas.microsoft.com/office/drawing/2014/main" val="10000"/>
+                    <a16:rowId xmlns:a16="http://schemas.microsoft.com/office/drawing/2014/main" xmlns="" val="10000"/>
                   </a:ext>
                 </a:extLst>
               </a:tr>
@@ -23073,7 +23073,7 @@
                 </a:tc>
                 <a:extLst>
                   <a:ext uri="{0D108BD9-81ED-4DB2-BD59-A6C34878D82A}">
-                    <a16:rowId xmlns:a16="http://schemas.microsoft.com/office/drawing/2014/main" val="10001"/>
+                    <a16:rowId xmlns:a16="http://schemas.microsoft.com/office/drawing/2014/main" xmlns="" val="10001"/>
                   </a:ext>
                 </a:extLst>
               </a:tr>
@@ -23251,7 +23251,7 @@
                 </a:tc>
                 <a:extLst>
                   <a:ext uri="{0D108BD9-81ED-4DB2-BD59-A6C34878D82A}">
-                    <a16:rowId xmlns:a16="http://schemas.microsoft.com/office/drawing/2014/main" val="10002"/>
+                    <a16:rowId xmlns:a16="http://schemas.microsoft.com/office/drawing/2014/main" xmlns="" val="10002"/>
                   </a:ext>
                 </a:extLst>
               </a:tr>
@@ -23429,7 +23429,7 @@
                 </a:tc>
                 <a:extLst>
                   <a:ext uri="{0D108BD9-81ED-4DB2-BD59-A6C34878D82A}">
-                    <a16:rowId xmlns:a16="http://schemas.microsoft.com/office/drawing/2014/main" val="10003"/>
+                    <a16:rowId xmlns:a16="http://schemas.microsoft.com/office/drawing/2014/main" xmlns="" val="10003"/>
                   </a:ext>
                 </a:extLst>
               </a:tr>
@@ -23668,7 +23668,7 @@
                 </a:tc>
                 <a:extLst>
                   <a:ext uri="{0D108BD9-81ED-4DB2-BD59-A6C34878D82A}">
-                    <a16:rowId xmlns:a16="http://schemas.microsoft.com/office/drawing/2014/main" val="10004"/>
+                    <a16:rowId xmlns:a16="http://schemas.microsoft.com/office/drawing/2014/main" xmlns="" val="10004"/>
                   </a:ext>
                 </a:extLst>
               </a:tr>
@@ -23846,7 +23846,7 @@
                 </a:tc>
                 <a:extLst>
                   <a:ext uri="{0D108BD9-81ED-4DB2-BD59-A6C34878D82A}">
-                    <a16:rowId xmlns:a16="http://schemas.microsoft.com/office/drawing/2014/main" val="10005"/>
+                    <a16:rowId xmlns:a16="http://schemas.microsoft.com/office/drawing/2014/main" xmlns="" val="10005"/>
                   </a:ext>
                 </a:extLst>
               </a:tr>
@@ -23937,7 +23937,7 @@
           <p:cNvPr id="4" name="TextBox 3">
             <a:extLst>
               <a:ext uri="{FF2B5EF4-FFF2-40B4-BE49-F238E27FC236}">
-                <a16:creationId xmlns:a16="http://schemas.microsoft.com/office/drawing/2014/main" id="{52176D31-35F7-8916-46FA-6095EFEC1E49}"/>
+                <a16:creationId xmlns:a16="http://schemas.microsoft.com/office/drawing/2014/main" xmlns="" id="{52176D31-35F7-8916-46FA-6095EFEC1E49}"/>
               </a:ext>
             </a:extLst>
           </p:cNvPr>
@@ -24475,7 +24475,7 @@
           <p:cNvPr id="7" name="TextBox 6">
             <a:extLst>
               <a:ext uri="{FF2B5EF4-FFF2-40B4-BE49-F238E27FC236}">
-                <a16:creationId xmlns:a16="http://schemas.microsoft.com/office/drawing/2014/main" id="{5ADC00B6-990A-40DC-3CEA-505258F5E8DA}"/>
+                <a16:creationId xmlns:a16="http://schemas.microsoft.com/office/drawing/2014/main" xmlns="" id="{5ADC00B6-990A-40DC-3CEA-505258F5E8DA}"/>
               </a:ext>
             </a:extLst>
           </p:cNvPr>
@@ -25141,7 +25141,7 @@
           <p:cNvPr id="6" name="직선 화살표 연결선 5">
             <a:extLst>
               <a:ext uri="{FF2B5EF4-FFF2-40B4-BE49-F238E27FC236}">
-                <a16:creationId xmlns:a16="http://schemas.microsoft.com/office/drawing/2014/main" id="{299DF5EC-9DF4-5255-06AC-0A7CE4FF58C3}"/>
+                <a16:creationId xmlns:a16="http://schemas.microsoft.com/office/drawing/2014/main" xmlns="" id="{299DF5EC-9DF4-5255-06AC-0A7CE4FF58C3}"/>
               </a:ext>
             </a:extLst>
           </p:cNvPr>
@@ -25182,7 +25182,7 @@
           <p:cNvPr id="7" name="TextBox 6">
             <a:extLst>
               <a:ext uri="{FF2B5EF4-FFF2-40B4-BE49-F238E27FC236}">
-                <a16:creationId xmlns:a16="http://schemas.microsoft.com/office/drawing/2014/main" id="{C6D113C6-EA5C-788F-0C77-E7CE6EBB865F}"/>
+                <a16:creationId xmlns:a16="http://schemas.microsoft.com/office/drawing/2014/main" xmlns="" id="{C6D113C6-EA5C-788F-0C77-E7CE6EBB865F}"/>
               </a:ext>
             </a:extLst>
           </p:cNvPr>
@@ -25664,7 +25664,7 @@
           <p:cNvPr id="2" name="TextBox 1">
             <a:extLst>
               <a:ext uri="{FF2B5EF4-FFF2-40B4-BE49-F238E27FC236}">
-                <a16:creationId xmlns:a16="http://schemas.microsoft.com/office/drawing/2014/main" id="{715D88A2-BD52-978B-A00A-540446126E3D}"/>
+                <a16:creationId xmlns:a16="http://schemas.microsoft.com/office/drawing/2014/main" xmlns="" id="{715D88A2-BD52-978B-A00A-540446126E3D}"/>
               </a:ext>
             </a:extLst>
           </p:cNvPr>
@@ -25737,7 +25737,7 @@
           <p:cNvPr id="4" name="TextBox 3">
             <a:extLst>
               <a:ext uri="{FF2B5EF4-FFF2-40B4-BE49-F238E27FC236}">
-                <a16:creationId xmlns:a16="http://schemas.microsoft.com/office/drawing/2014/main" id="{5ADC00B6-990A-40DC-3CEA-505258F5E8DA}"/>
+                <a16:creationId xmlns:a16="http://schemas.microsoft.com/office/drawing/2014/main" xmlns="" id="{5ADC00B6-990A-40DC-3CEA-505258F5E8DA}"/>
               </a:ext>
             </a:extLst>
           </p:cNvPr>
@@ -25866,7 +25866,7 @@
           <p:cNvPr id="8" name="직선 화살표 연결선 7">
             <a:extLst>
               <a:ext uri="{FF2B5EF4-FFF2-40B4-BE49-F238E27FC236}">
-                <a16:creationId xmlns:a16="http://schemas.microsoft.com/office/drawing/2014/main" id="{299DF5EC-9DF4-5255-06AC-0A7CE4FF58C3}"/>
+                <a16:creationId xmlns:a16="http://schemas.microsoft.com/office/drawing/2014/main" xmlns="" id="{299DF5EC-9DF4-5255-06AC-0A7CE4FF58C3}"/>
               </a:ext>
             </a:extLst>
           </p:cNvPr>
@@ -25907,7 +25907,7 @@
           <p:cNvPr id="9" name="직사각형 8">
             <a:extLst>
               <a:ext uri="{FF2B5EF4-FFF2-40B4-BE49-F238E27FC236}">
-                <a16:creationId xmlns:a16="http://schemas.microsoft.com/office/drawing/2014/main" id="{FFF506F9-840A-0508-4CAF-3AC711D8D5CE}"/>
+                <a16:creationId xmlns:a16="http://schemas.microsoft.com/office/drawing/2014/main" xmlns="" id="{FFF506F9-840A-0508-4CAF-3AC711D8D5CE}"/>
               </a:ext>
             </a:extLst>
           </p:cNvPr>
@@ -25959,7 +25959,7 @@
           <p:cNvPr id="10" name="TextBox 9">
             <a:extLst>
               <a:ext uri="{FF2B5EF4-FFF2-40B4-BE49-F238E27FC236}">
-                <a16:creationId xmlns:a16="http://schemas.microsoft.com/office/drawing/2014/main" id="{C6D113C6-EA5C-788F-0C77-E7CE6EBB865F}"/>
+                <a16:creationId xmlns:a16="http://schemas.microsoft.com/office/drawing/2014/main" xmlns="" id="{C6D113C6-EA5C-788F-0C77-E7CE6EBB865F}"/>
               </a:ext>
             </a:extLst>
           </p:cNvPr>
@@ -26204,7 +26204,7 @@
           <p:cNvPr id="15" name="TextBox 14">
             <a:extLst>
               <a:ext uri="{FF2B5EF4-FFF2-40B4-BE49-F238E27FC236}">
-                <a16:creationId xmlns:a16="http://schemas.microsoft.com/office/drawing/2014/main" id="{C6D113C6-EA5C-788F-0C77-E7CE6EBB865F}"/>
+                <a16:creationId xmlns:a16="http://schemas.microsoft.com/office/drawing/2014/main" xmlns="" id="{C6D113C6-EA5C-788F-0C77-E7CE6EBB865F}"/>
               </a:ext>
             </a:extLst>
           </p:cNvPr>
@@ -26289,7 +26289,7 @@
           <p:cNvPr id="5" name="그림 4">
             <a:extLst>
               <a:ext uri="{FF2B5EF4-FFF2-40B4-BE49-F238E27FC236}">
-                <a16:creationId xmlns:a16="http://schemas.microsoft.com/office/drawing/2014/main" id="{98F71D20-26B2-0A12-49F0-2E72FB0D413C}"/>
+                <a16:creationId xmlns:a16="http://schemas.microsoft.com/office/drawing/2014/main" xmlns="" id="{98F71D20-26B2-0A12-49F0-2E72FB0D413C}"/>
               </a:ext>
             </a:extLst>
           </p:cNvPr>

--- a/JavaLecture/LectureFile/java 11강 인터페이스와다형성.pptx
+++ b/JavaLecture/LectureFile/java 11강 인터페이스와다형성.pptx
@@ -5,7 +5,7 @@
     <p:sldMasterId id="2147483648" r:id="rId1"/>
   </p:sldMasterIdLst>
   <p:notesMasterIdLst>
-    <p:notesMasterId r:id="rId85"/>
+    <p:notesMasterId r:id="rId88"/>
   </p:notesMasterIdLst>
   <p:sldIdLst>
     <p:sldId id="257" r:id="rId2"/>
@@ -79,18 +79,21 @@
     <p:sldId id="755" r:id="rId70"/>
     <p:sldId id="757" r:id="rId71"/>
     <p:sldId id="758" r:id="rId72"/>
-    <p:sldId id="759" r:id="rId73"/>
-    <p:sldId id="760" r:id="rId74"/>
-    <p:sldId id="775" r:id="rId75"/>
-    <p:sldId id="774" r:id="rId76"/>
-    <p:sldId id="776" r:id="rId77"/>
-    <p:sldId id="777" r:id="rId78"/>
-    <p:sldId id="761" r:id="rId79"/>
-    <p:sldId id="766" r:id="rId80"/>
-    <p:sldId id="762" r:id="rId81"/>
-    <p:sldId id="767" r:id="rId82"/>
-    <p:sldId id="768" r:id="rId83"/>
-    <p:sldId id="275" r:id="rId84"/>
+    <p:sldId id="792" r:id="rId73"/>
+    <p:sldId id="793" r:id="rId74"/>
+    <p:sldId id="794" r:id="rId75"/>
+    <p:sldId id="759" r:id="rId76"/>
+    <p:sldId id="760" r:id="rId77"/>
+    <p:sldId id="775" r:id="rId78"/>
+    <p:sldId id="774" r:id="rId79"/>
+    <p:sldId id="776" r:id="rId80"/>
+    <p:sldId id="777" r:id="rId81"/>
+    <p:sldId id="761" r:id="rId82"/>
+    <p:sldId id="766" r:id="rId83"/>
+    <p:sldId id="762" r:id="rId84"/>
+    <p:sldId id="767" r:id="rId85"/>
+    <p:sldId id="768" r:id="rId86"/>
+    <p:sldId id="275" r:id="rId87"/>
   </p:sldIdLst>
   <p:sldSz cx="18288000" cy="10287000"/>
   <p:notesSz cx="7104063" cy="10234613"/>
@@ -290,7 +293,7 @@
           <a:p>
             <a:fld id="{D79F2C30-10E1-4C46-91DC-BBDB9629E720}" type="datetimeFigureOut">
               <a:rPr lang="ko-KR" altLang="en-US" smtClean="0"/>
-              <a:t>2023-11-03 Friday</a:t>
+              <a:t>2023-11-04 Saturday</a:t>
             </a:fld>
             <a:endParaRPr lang="ko-KR" altLang="en-US"/>
           </a:p>
@@ -918,7 +921,7 @@
           <a:p>
             <a:fld id="{F8166F1F-CE9B-4651-A6AA-CD717754106B}" type="datetimeFigureOut">
               <a:rPr lang="en-US" smtClean="0"/>
-              <a:t>11/3/2023</a:t>
+              <a:t>11/4/2023</a:t>
             </a:fld>
             <a:endParaRPr lang="en-US"/>
           </a:p>
@@ -1121,7 +1124,7 @@
           <a:p>
             <a:fld id="{A76116CE-C4A3-4A05-B2D7-7C2E9A889C0F}" type="datetimeFigureOut">
               <a:rPr lang="en-US" smtClean="0"/>
-              <a:t>11/3/2023</a:t>
+              <a:t>11/4/2023</a:t>
             </a:fld>
             <a:endParaRPr lang="en-US"/>
           </a:p>
@@ -1324,7 +1327,7 @@
           <a:p>
             <a:fld id="{A76116CE-C4A3-4A05-B2D7-7C2E9A889C0F}" type="datetimeFigureOut">
               <a:rPr lang="en-US" smtClean="0"/>
-              <a:t>11/3/2023</a:t>
+              <a:t>11/4/2023</a:t>
             </a:fld>
             <a:endParaRPr lang="en-US"/>
           </a:p>
@@ -1529,7 +1532,7 @@
           <a:p>
             <a:fld id="{A76116CE-C4A3-4A05-B2D7-7C2E9A889C0F}" type="datetimeFigureOut">
               <a:rPr lang="en-US" smtClean="0"/>
-              <a:t>11/3/2023</a:t>
+              <a:t>11/4/2023</a:t>
             </a:fld>
             <a:endParaRPr lang="en-US"/>
           </a:p>
@@ -1799,7 +1802,7 @@
           <a:p>
             <a:fld id="{A76116CE-C4A3-4A05-B2D7-7C2E9A889C0F}" type="datetimeFigureOut">
               <a:rPr lang="en-US" smtClean="0"/>
-              <a:t>11/3/2023</a:t>
+              <a:t>11/4/2023</a:t>
             </a:fld>
             <a:endParaRPr lang="en-US"/>
           </a:p>
@@ -2117,7 +2120,7 @@
           <a:p>
             <a:fld id="{A76116CE-C4A3-4A05-B2D7-7C2E9A889C0F}" type="datetimeFigureOut">
               <a:rPr lang="en-US" smtClean="0"/>
-              <a:t>11/3/2023</a:t>
+              <a:t>11/4/2023</a:t>
             </a:fld>
             <a:endParaRPr lang="en-US"/>
           </a:p>
@@ -2575,7 +2578,7 @@
           <a:p>
             <a:fld id="{A76116CE-C4A3-4A05-B2D7-7C2E9A889C0F}" type="datetimeFigureOut">
               <a:rPr lang="en-US" smtClean="0"/>
-              <a:t>11/3/2023</a:t>
+              <a:t>11/4/2023</a:t>
             </a:fld>
             <a:endParaRPr lang="en-US"/>
           </a:p>
@@ -2719,7 +2722,7 @@
           <a:p>
             <a:fld id="{A76116CE-C4A3-4A05-B2D7-7C2E9A889C0F}" type="datetimeFigureOut">
               <a:rPr lang="en-US" smtClean="0"/>
-              <a:t>11/3/2023</a:t>
+              <a:t>11/4/2023</a:t>
             </a:fld>
             <a:endParaRPr lang="en-US"/>
           </a:p>
@@ -2833,7 +2836,7 @@
           <a:p>
             <a:fld id="{A76116CE-C4A3-4A05-B2D7-7C2E9A889C0F}" type="datetimeFigureOut">
               <a:rPr lang="en-US" smtClean="0"/>
-              <a:t>11/3/2023</a:t>
+              <a:t>11/4/2023</a:t>
             </a:fld>
             <a:endParaRPr lang="en-US"/>
           </a:p>
@@ -3136,7 +3139,7 @@
           <a:p>
             <a:fld id="{A76116CE-C4A3-4A05-B2D7-7C2E9A889C0F}" type="datetimeFigureOut">
               <a:rPr lang="en-US" smtClean="0"/>
-              <a:t>11/3/2023</a:t>
+              <a:t>11/4/2023</a:t>
             </a:fld>
             <a:endParaRPr lang="en-US"/>
           </a:p>
@@ -3416,7 +3419,7 @@
           <a:p>
             <a:fld id="{A76116CE-C4A3-4A05-B2D7-7C2E9A889C0F}" type="datetimeFigureOut">
               <a:rPr lang="en-US" smtClean="0"/>
-              <a:t>11/3/2023</a:t>
+              <a:t>11/4/2023</a:t>
             </a:fld>
             <a:endParaRPr lang="en-US"/>
           </a:p>
@@ -29084,7 +29087,7 @@
         </p:nvSpPr>
         <p:spPr>
           <a:xfrm>
-            <a:off x="8953249" y="9043548"/>
+            <a:off x="10377714" y="9101756"/>
             <a:ext cx="3695951" cy="707886"/>
           </a:xfrm>
           <a:prstGeom prst="rect">
@@ -29644,7 +29647,7 @@
         </p:nvGrpSpPr>
         <p:grpSpPr>
           <a:xfrm>
-            <a:off x="2944837" y="2019300"/>
+            <a:off x="2944837" y="2473832"/>
             <a:ext cx="3393622" cy="1114286"/>
             <a:chOff x="2803727" y="4828571"/>
             <a:chExt cx="3393622" cy="1114286"/>
@@ -29695,7 +29698,7 @@
         </p:nvGrpSpPr>
         <p:grpSpPr>
           <a:xfrm>
-            <a:off x="7140924" y="723900"/>
+            <a:off x="7140924" y="1178432"/>
             <a:ext cx="3393622" cy="1114286"/>
             <a:chOff x="2803727" y="4828571"/>
             <a:chExt cx="3393622" cy="1114286"/>
@@ -29750,7 +29753,7 @@
         </p:nvCxnSpPr>
         <p:spPr>
           <a:xfrm flipH="1">
-            <a:off x="4641648" y="1281043"/>
+            <a:off x="4641648" y="1735575"/>
             <a:ext cx="2499276" cy="738257"/>
           </a:xfrm>
           <a:prstGeom prst="line">
@@ -29795,7 +29798,7 @@
         </p:nvCxnSpPr>
         <p:spPr>
           <a:xfrm>
-            <a:off x="3373211" y="4809986"/>
+            <a:off x="3373211" y="5264518"/>
             <a:ext cx="1835352" cy="1552714"/>
           </a:xfrm>
           <a:prstGeom prst="line">
@@ -29836,7 +29839,7 @@
         </p:nvGrpSpPr>
         <p:grpSpPr>
           <a:xfrm>
-            <a:off x="820678" y="6362700"/>
+            <a:off x="820678" y="6817232"/>
             <a:ext cx="2801543" cy="1114286"/>
             <a:chOff x="2803727" y="4828571"/>
             <a:chExt cx="3393622" cy="1114286"/>
@@ -29887,7 +29890,7 @@
         </p:nvGrpSpPr>
         <p:grpSpPr>
           <a:xfrm>
-            <a:off x="10439400" y="2048014"/>
+            <a:off x="10439400" y="2502546"/>
             <a:ext cx="3393622" cy="1114286"/>
             <a:chOff x="2803727" y="4828571"/>
             <a:chExt cx="3393622" cy="1114286"/>
@@ -29942,7 +29945,7 @@
         </p:nvCxnSpPr>
         <p:spPr>
           <a:xfrm>
-            <a:off x="10534546" y="1281043"/>
+            <a:off x="10534546" y="1735575"/>
             <a:ext cx="1601665" cy="766971"/>
           </a:xfrm>
           <a:prstGeom prst="line">
@@ -29983,7 +29986,7 @@
         </p:nvSpPr>
         <p:spPr>
           <a:xfrm>
-            <a:off x="8153400" y="927100"/>
+            <a:off x="8153400" y="1381632"/>
             <a:ext cx="1708791" cy="707886"/>
           </a:xfrm>
           <a:prstGeom prst="rect">
@@ -30037,7 +30040,7 @@
         </p:nvSpPr>
         <p:spPr>
           <a:xfrm>
-            <a:off x="2869126" y="2238115"/>
+            <a:off x="2869126" y="2692647"/>
             <a:ext cx="3531674" cy="707886"/>
           </a:xfrm>
           <a:prstGeom prst="rect">
@@ -30091,7 +30094,7 @@
         </p:nvSpPr>
         <p:spPr>
           <a:xfrm>
-            <a:off x="1600200" y="6584121"/>
+            <a:off x="1600200" y="7038653"/>
             <a:ext cx="1700700" cy="707886"/>
           </a:xfrm>
           <a:prstGeom prst="rect">
@@ -30145,7 +30148,7 @@
         </p:nvSpPr>
         <p:spPr>
           <a:xfrm>
-            <a:off x="11051471" y="2251214"/>
+            <a:off x="11051471" y="2705746"/>
             <a:ext cx="2556531" cy="707886"/>
           </a:xfrm>
           <a:prstGeom prst="rect">
@@ -30199,7 +30202,7 @@
         </p:nvGrpSpPr>
         <p:grpSpPr>
           <a:xfrm>
-            <a:off x="3863926" y="6362700"/>
+            <a:off x="3863926" y="6817232"/>
             <a:ext cx="2689274" cy="1114286"/>
             <a:chOff x="2803727" y="4828571"/>
             <a:chExt cx="3393622" cy="1114286"/>
@@ -30250,7 +30253,7 @@
         </p:nvSpPr>
         <p:spPr>
           <a:xfrm>
-            <a:off x="4330568" y="6584121"/>
+            <a:off x="4330568" y="7038653"/>
             <a:ext cx="1700700" cy="707886"/>
           </a:xfrm>
           <a:prstGeom prst="rect">
@@ -30304,7 +30307,7 @@
         </p:nvGrpSpPr>
         <p:grpSpPr>
           <a:xfrm>
-            <a:off x="6705600" y="6362700"/>
+            <a:off x="6705600" y="6817232"/>
             <a:ext cx="3393622" cy="1114286"/>
             <a:chOff x="2803727" y="4828571"/>
             <a:chExt cx="3393622" cy="1114286"/>
@@ -30355,7 +30358,7 @@
         </p:nvSpPr>
         <p:spPr>
           <a:xfrm>
-            <a:off x="7303050" y="6584121"/>
+            <a:off x="7303050" y="7038653"/>
             <a:ext cx="2198722" cy="707886"/>
           </a:xfrm>
           <a:prstGeom prst="rect">
@@ -30407,7 +30410,7 @@
         </p:nvCxnSpPr>
         <p:spPr>
           <a:xfrm flipH="1">
-            <a:off x="2221450" y="4809986"/>
+            <a:off x="2221450" y="5264518"/>
             <a:ext cx="1151761" cy="1552714"/>
           </a:xfrm>
           <a:prstGeom prst="line">
@@ -30452,7 +30455,7 @@
         </p:nvCxnSpPr>
         <p:spPr>
           <a:xfrm>
-            <a:off x="4641648" y="3133586"/>
+            <a:off x="4641648" y="3588118"/>
             <a:ext cx="3760763" cy="3229114"/>
           </a:xfrm>
           <a:prstGeom prst="line">
@@ -30493,7 +30496,7 @@
         </p:nvGrpSpPr>
         <p:grpSpPr>
           <a:xfrm>
-            <a:off x="10668000" y="6362700"/>
+            <a:off x="10668000" y="6817232"/>
             <a:ext cx="3393622" cy="1114286"/>
             <a:chOff x="2803727" y="4828571"/>
             <a:chExt cx="3393622" cy="1114286"/>
@@ -30544,7 +30547,7 @@
         </p:nvSpPr>
         <p:spPr>
           <a:xfrm>
-            <a:off x="11356271" y="6565900"/>
+            <a:off x="11356271" y="7020432"/>
             <a:ext cx="2207329" cy="707886"/>
           </a:xfrm>
           <a:prstGeom prst="rect">
@@ -30601,7 +30604,7 @@
         </p:nvCxnSpPr>
         <p:spPr>
           <a:xfrm>
-            <a:off x="11450411" y="4693574"/>
+            <a:off x="11450411" y="5148106"/>
             <a:ext cx="835729" cy="1669126"/>
           </a:xfrm>
           <a:prstGeom prst="line">
@@ -30642,7 +30645,7 @@
         </p:nvGrpSpPr>
         <p:grpSpPr>
           <a:xfrm>
-            <a:off x="14706600" y="6411015"/>
+            <a:off x="14706600" y="6865547"/>
             <a:ext cx="3393622" cy="1114286"/>
             <a:chOff x="2803727" y="4828571"/>
             <a:chExt cx="3393622" cy="1114286"/>
@@ -30693,7 +30696,7 @@
         </p:nvSpPr>
         <p:spPr>
           <a:xfrm>
-            <a:off x="14782800" y="6614215"/>
+            <a:off x="14782800" y="7068747"/>
             <a:ext cx="3235778" cy="707886"/>
           </a:xfrm>
           <a:prstGeom prst="rect">
@@ -30743,7 +30746,7 @@
         </p:nvCxnSpPr>
         <p:spPr>
           <a:xfrm>
-            <a:off x="13608002" y="3214463"/>
+            <a:off x="13608002" y="3668995"/>
             <a:ext cx="2716738" cy="3196552"/>
           </a:xfrm>
           <a:prstGeom prst="line">
@@ -30786,7 +30789,7 @@
         </p:nvCxnSpPr>
         <p:spPr>
           <a:xfrm>
-            <a:off x="8642991" y="7330749"/>
+            <a:off x="8642991" y="7785281"/>
             <a:ext cx="2634609" cy="1603333"/>
           </a:xfrm>
           <a:prstGeom prst="straightConnector1">
@@ -30825,7 +30828,7 @@
         </p:nvSpPr>
         <p:spPr>
           <a:xfrm>
-            <a:off x="10363200" y="8934082"/>
+            <a:off x="10363200" y="9388614"/>
             <a:ext cx="3004191" cy="707886"/>
           </a:xfrm>
           <a:prstGeom prst="rect">
@@ -30875,7 +30878,7 @@
         </p:nvCxnSpPr>
         <p:spPr>
           <a:xfrm flipH="1">
-            <a:off x="12649200" y="7495335"/>
+            <a:off x="12649200" y="7949867"/>
             <a:ext cx="3442635" cy="1438747"/>
           </a:xfrm>
           <a:prstGeom prst="straightConnector1">
@@ -30914,7 +30917,7 @@
         </p:nvGrpSpPr>
         <p:grpSpPr>
           <a:xfrm>
-            <a:off x="9753600" y="3579288"/>
+            <a:off x="9753600" y="4033820"/>
             <a:ext cx="3393622" cy="1114286"/>
             <a:chOff x="2803727" y="4828571"/>
             <a:chExt cx="3393622" cy="1114286"/>
@@ -30965,7 +30968,7 @@
         </p:nvSpPr>
         <p:spPr>
           <a:xfrm>
-            <a:off x="10210800" y="3782488"/>
+            <a:off x="10210800" y="4237020"/>
             <a:ext cx="2556531" cy="707886"/>
           </a:xfrm>
           <a:prstGeom prst="rect">
@@ -31012,7 +31015,7 @@
         </p:nvCxnSpPr>
         <p:spPr>
           <a:xfrm flipH="1">
-            <a:off x="11450411" y="3190550"/>
+            <a:off x="11450411" y="3645082"/>
             <a:ext cx="316713" cy="388738"/>
           </a:xfrm>
           <a:prstGeom prst="line">
@@ -31053,7 +31056,7 @@
         </p:nvGrpSpPr>
         <p:grpSpPr>
           <a:xfrm>
-            <a:off x="1676400" y="3695700"/>
+            <a:off x="1676400" y="4150232"/>
             <a:ext cx="3393622" cy="1114286"/>
             <a:chOff x="2803727" y="4828571"/>
             <a:chExt cx="3393622" cy="1114286"/>
@@ -31104,7 +31107,7 @@
         </p:nvSpPr>
         <p:spPr>
           <a:xfrm>
-            <a:off x="2209671" y="3917486"/>
+            <a:off x="2209671" y="4372018"/>
             <a:ext cx="2556531" cy="707886"/>
           </a:xfrm>
           <a:prstGeom prst="rect">
@@ -31162,7 +31165,7 @@
         </p:nvCxnSpPr>
         <p:spPr>
           <a:xfrm flipH="1">
-            <a:off x="3373211" y="3133586"/>
+            <a:off x="3373211" y="3588118"/>
             <a:ext cx="1268437" cy="562114"/>
           </a:xfrm>
           <a:prstGeom prst="line">
@@ -31211,7 +31214,7 @@
         </p:blipFill>
         <p:spPr>
           <a:xfrm>
-            <a:off x="375756" y="7647891"/>
+            <a:off x="375756" y="8102423"/>
             <a:ext cx="5680607" cy="1994077"/>
           </a:xfrm>
           <a:prstGeom prst="rect">
@@ -31233,7 +31236,7 @@
         </p:nvSpPr>
         <p:spPr>
           <a:xfrm>
-            <a:off x="3035168" y="7783286"/>
+            <a:off x="3035168" y="8237818"/>
             <a:ext cx="2590800" cy="457200"/>
           </a:xfrm>
           <a:prstGeom prst="rect">
@@ -31268,6 +31271,87 @@
           <a:p>
             <a:pPr algn="ctr"/>
             <a:endParaRPr lang="ko-KR" altLang="en-US"/>
+          </a:p>
+        </p:txBody>
+      </p:sp>
+      <p:sp>
+        <p:nvSpPr>
+          <p:cNvPr id="2" name="TextBox 1">
+            <a:extLst>
+              <a:ext uri="{FF2B5EF4-FFF2-40B4-BE49-F238E27FC236}">
+                <a16:creationId xmlns:a16="http://schemas.microsoft.com/office/drawing/2014/main" id="{F6520E7C-151F-E1AF-CFA2-6657FAF87284}"/>
+              </a:ext>
+            </a:extLst>
+          </p:cNvPr>
+          <p:cNvSpPr txBox="1"/>
+          <p:nvPr/>
+        </p:nvSpPr>
+        <p:spPr>
+          <a:xfrm>
+            <a:off x="533399" y="266700"/>
+            <a:ext cx="7618536" cy="1569660"/>
+          </a:xfrm>
+          <a:prstGeom prst="rect">
+            <a:avLst/>
+          </a:prstGeom>
+          <a:noFill/>
+        </p:spPr>
+        <p:txBody>
+          <a:bodyPr wrap="square" rtlCol="0">
+            <a:spAutoFit/>
+          </a:bodyPr>
+          <a:lstStyle/>
+          <a:p>
+            <a:r>
+              <a:rPr lang="ko-KR" altLang="en-US" sz="4800" dirty="0">
+                <a:solidFill>
+                  <a:srgbClr val="4C50BC"/>
+                </a:solidFill>
+                <a:latin typeface="G마켓 산스 Medium" panose="02000000000000000000" pitchFamily="50" charset="-127"/>
+                <a:ea typeface="G마켓 산스 Medium" panose="02000000000000000000" pitchFamily="50" charset="-127"/>
+              </a:rPr>
+              <a:t>중간에  </a:t>
+            </a:r>
+            <a:r>
+              <a:rPr lang="en-US" altLang="ko-KR" sz="4800" dirty="0">
+                <a:solidFill>
+                  <a:srgbClr val="4C50BC"/>
+                </a:solidFill>
+                <a:latin typeface="G마켓 산스 Medium" panose="02000000000000000000" pitchFamily="50" charset="-127"/>
+                <a:ea typeface="G마켓 산스 Medium" panose="02000000000000000000" pitchFamily="50" charset="-127"/>
+              </a:rPr>
+              <a:t>Repair</a:t>
+            </a:r>
+            <a:r>
+              <a:rPr lang="ko-KR" altLang="en-US" sz="4800" dirty="0">
+                <a:solidFill>
+                  <a:srgbClr val="4C50BC"/>
+                </a:solidFill>
+                <a:latin typeface="G마켓 산스 Medium" panose="02000000000000000000" pitchFamily="50" charset="-127"/>
+                <a:ea typeface="G마켓 산스 Medium" panose="02000000000000000000" pitchFamily="50" charset="-127"/>
+              </a:rPr>
+              <a:t>클래스를 </a:t>
+            </a:r>
+            <a:r>
+              <a:rPr lang="ko-KR" altLang="en-US" sz="4800" dirty="0" err="1">
+                <a:solidFill>
+                  <a:srgbClr val="4C50BC"/>
+                </a:solidFill>
+                <a:latin typeface="G마켓 산스 Medium" panose="02000000000000000000" pitchFamily="50" charset="-127"/>
+                <a:ea typeface="G마켓 산스 Medium" panose="02000000000000000000" pitchFamily="50" charset="-127"/>
+              </a:rPr>
+              <a:t>끼워넣으면</a:t>
+            </a:r>
+            <a:r>
+              <a:rPr lang="en-US" altLang="ko-KR" sz="4800" dirty="0">
+                <a:solidFill>
+                  <a:srgbClr val="4C50BC"/>
+                </a:solidFill>
+                <a:latin typeface="G마켓 산스 Medium" panose="02000000000000000000" pitchFamily="50" charset="-127"/>
+                <a:ea typeface="G마켓 산스 Medium" panose="02000000000000000000" pitchFamily="50" charset="-127"/>
+              </a:rPr>
+              <a:t>?</a:t>
+            </a:r>
           </a:p>
         </p:txBody>
       </p:sp>
@@ -34432,74 +34516,6 @@
           <a:chExt cx="0" cy="0"/>
         </a:xfrm>
       </p:grpSpPr>
-      <p:sp>
-        <p:nvSpPr>
-          <p:cNvPr id="4" name="TextBox 3">
-            <a:extLst>
-              <a:ext uri="{FF2B5EF4-FFF2-40B4-BE49-F238E27FC236}">
-                <a16:creationId xmlns:a16="http://schemas.microsoft.com/office/drawing/2014/main" id="{90E0C58D-4AB9-A52A-B53C-44A4B8F11990}"/>
-              </a:ext>
-            </a:extLst>
-          </p:cNvPr>
-          <p:cNvSpPr txBox="1"/>
-          <p:nvPr/>
-        </p:nvSpPr>
-        <p:spPr>
-          <a:xfrm>
-            <a:off x="762000" y="254600"/>
-            <a:ext cx="11430000" cy="830997"/>
-          </a:xfrm>
-          <a:prstGeom prst="rect">
-            <a:avLst/>
-          </a:prstGeom>
-          <a:noFill/>
-        </p:spPr>
-        <p:txBody>
-          <a:bodyPr wrap="square" rtlCol="0">
-            <a:spAutoFit/>
-          </a:bodyPr>
-          <a:lstStyle/>
-          <a:p>
-            <a:r>
-              <a:rPr lang="ko-KR" altLang="en-US" sz="4800">
-                <a:solidFill>
-                  <a:srgbClr val="4C50BC"/>
-                </a:solidFill>
-                <a:latin typeface="G마켓 산스 Medium" panose="02000000000000000000" pitchFamily="50" charset="-127"/>
-                <a:ea typeface="G마켓 산스 Medium" panose="02000000000000000000" pitchFamily="50" charset="-127"/>
-              </a:rPr>
-              <a:t>인터페이스 </a:t>
-            </a:r>
-            <a:r>
-              <a:rPr lang="en-US" altLang="ko-KR" sz="4800">
-                <a:solidFill>
-                  <a:srgbClr val="4C50BC"/>
-                </a:solidFill>
-                <a:latin typeface="G마켓 산스 Medium" panose="02000000000000000000" pitchFamily="50" charset="-127"/>
-                <a:ea typeface="G마켓 산스 Medium" panose="02000000000000000000" pitchFamily="50" charset="-127"/>
-              </a:rPr>
-              <a:t>default </a:t>
-            </a:r>
-            <a:r>
-              <a:rPr lang="ko-KR" altLang="en-US" sz="4800">
-                <a:solidFill>
-                  <a:srgbClr val="4C50BC"/>
-                </a:solidFill>
-                <a:latin typeface="G마켓 산스 Medium" panose="02000000000000000000" pitchFamily="50" charset="-127"/>
-                <a:ea typeface="G마켓 산스 Medium" panose="02000000000000000000" pitchFamily="50" charset="-127"/>
-              </a:rPr>
-              <a:t>메서드</a:t>
-            </a:r>
-            <a:endParaRPr lang="en-US" altLang="ko-KR" sz="4800" dirty="0">
-              <a:solidFill>
-                <a:srgbClr val="4C50BC"/>
-              </a:solidFill>
-              <a:latin typeface="G마켓 산스 Medium" panose="02000000000000000000" pitchFamily="50" charset="-127"/>
-              <a:ea typeface="G마켓 산스 Medium" panose="02000000000000000000" pitchFamily="50" charset="-127"/>
-            </a:endParaRPr>
-          </a:p>
-        </p:txBody>
-      </p:sp>
       <p:pic>
         <p:nvPicPr>
           <p:cNvPr id="5" name="그림 4"/>
@@ -34516,7 +34532,7 @@
         </p:blipFill>
         <p:spPr>
           <a:xfrm>
-            <a:off x="381000" y="1242476"/>
+            <a:off x="381000" y="1775877"/>
             <a:ext cx="6863038" cy="8396823"/>
           </a:xfrm>
           <a:prstGeom prst="rect">
@@ -34538,7 +34554,7 @@
         </p:nvSpPr>
         <p:spPr>
           <a:xfrm>
-            <a:off x="1229925" y="2476500"/>
+            <a:off x="1229925" y="3009901"/>
             <a:ext cx="2199075" cy="457200"/>
           </a:xfrm>
           <a:prstGeom prst="rect">
@@ -34592,7 +34608,7 @@
         </p:nvCxnSpPr>
         <p:spPr>
           <a:xfrm>
-            <a:off x="3518306" y="2659915"/>
+            <a:off x="3518306" y="3193316"/>
             <a:ext cx="1219200" cy="0"/>
           </a:xfrm>
           <a:prstGeom prst="straightConnector1">
@@ -34631,7 +34647,7 @@
         </p:nvSpPr>
         <p:spPr>
           <a:xfrm>
-            <a:off x="4892562" y="2244401"/>
+            <a:off x="4892562" y="2777802"/>
             <a:ext cx="7147037" cy="707886"/>
           </a:xfrm>
           <a:prstGeom prst="rect">
@@ -34679,7 +34695,7 @@
         </p:nvSpPr>
         <p:spPr>
           <a:xfrm>
-            <a:off x="1254543" y="5966191"/>
+            <a:off x="1254543" y="6499592"/>
             <a:ext cx="2199075" cy="457200"/>
           </a:xfrm>
           <a:prstGeom prst="rect">
@@ -34733,7 +34749,7 @@
         </p:nvCxnSpPr>
         <p:spPr>
           <a:xfrm>
-            <a:off x="3542924" y="6149606"/>
+            <a:off x="3542924" y="6683007"/>
             <a:ext cx="1219200" cy="0"/>
           </a:xfrm>
           <a:prstGeom prst="straightConnector1">
@@ -34772,7 +34788,7 @@
         </p:nvSpPr>
         <p:spPr>
           <a:xfrm>
-            <a:off x="4917180" y="5734092"/>
+            <a:off x="4917180" y="6267493"/>
             <a:ext cx="9560820" cy="1323439"/>
           </a:xfrm>
           <a:prstGeom prst="rect">
@@ -34816,6 +34832,117 @@
           </a:p>
         </p:txBody>
       </p:sp>
+      <p:sp>
+        <p:nvSpPr>
+          <p:cNvPr id="2" name="TextBox 1">
+            <a:extLst>
+              <a:ext uri="{FF2B5EF4-FFF2-40B4-BE49-F238E27FC236}">
+                <a16:creationId xmlns:a16="http://schemas.microsoft.com/office/drawing/2014/main" id="{1AEDA4A4-42E8-F06D-12C1-BCA23CFC8C2F}"/>
+              </a:ext>
+            </a:extLst>
+          </p:cNvPr>
+          <p:cNvSpPr txBox="1"/>
+          <p:nvPr/>
+        </p:nvSpPr>
+        <p:spPr>
+          <a:xfrm>
+            <a:off x="304800" y="114300"/>
+            <a:ext cx="10820400" cy="923330"/>
+          </a:xfrm>
+          <a:prstGeom prst="rect">
+            <a:avLst/>
+          </a:prstGeom>
+          <a:noFill/>
+        </p:spPr>
+        <p:txBody>
+          <a:bodyPr wrap="square" rtlCol="0">
+            <a:spAutoFit/>
+          </a:bodyPr>
+          <a:lstStyle/>
+          <a:p>
+            <a:r>
+              <a:rPr lang="ko-KR" altLang="en-US" sz="5400" spc="-300" dirty="0">
+                <a:solidFill>
+                  <a:srgbClr val="4C50BC"/>
+                </a:solidFill>
+                <a:latin typeface="G마켓 산스 Bold" panose="02000000000000000000" pitchFamily="50" charset="-127"/>
+                <a:ea typeface="G마켓 산스 Bold" panose="02000000000000000000" pitchFamily="50" charset="-127"/>
+              </a:rPr>
+              <a:t>인터페이스의 </a:t>
+            </a:r>
+            <a:r>
+              <a:rPr lang="en-US" altLang="ko-KR" sz="5400" spc="-300" dirty="0">
+                <a:solidFill>
+                  <a:srgbClr val="4C50BC"/>
+                </a:solidFill>
+                <a:latin typeface="G마켓 산스 Bold" panose="02000000000000000000" pitchFamily="50" charset="-127"/>
+                <a:ea typeface="G마켓 산스 Bold" panose="02000000000000000000" pitchFamily="50" charset="-127"/>
+              </a:rPr>
+              <a:t>default </a:t>
+            </a:r>
+            <a:r>
+              <a:rPr lang="ko-KR" altLang="en-US" sz="5400" spc="-300" dirty="0">
+                <a:solidFill>
+                  <a:srgbClr val="4C50BC"/>
+                </a:solidFill>
+                <a:latin typeface="G마켓 산스 Bold" panose="02000000000000000000" pitchFamily="50" charset="-127"/>
+                <a:ea typeface="G마켓 산스 Bold" panose="02000000000000000000" pitchFamily="50" charset="-127"/>
+              </a:rPr>
+              <a:t>메서드</a:t>
+            </a:r>
+            <a:endParaRPr lang="en-US" altLang="ko-KR" sz="5400" spc="-300" dirty="0">
+              <a:solidFill>
+                <a:srgbClr val="4C50BC"/>
+              </a:solidFill>
+              <a:latin typeface="G마켓 산스 Bold" panose="02000000000000000000" pitchFamily="50" charset="-127"/>
+              <a:ea typeface="G마켓 산스 Bold" panose="02000000000000000000" pitchFamily="50" charset="-127"/>
+            </a:endParaRPr>
+          </a:p>
+        </p:txBody>
+      </p:sp>
+      <p:cxnSp>
+        <p:nvCxnSpPr>
+          <p:cNvPr id="3" name="직선 연결선 2">
+            <a:extLst>
+              <a:ext uri="{FF2B5EF4-FFF2-40B4-BE49-F238E27FC236}">
+                <a16:creationId xmlns:a16="http://schemas.microsoft.com/office/drawing/2014/main" id="{1F57902F-E1F5-F364-D5DE-F85EEE4E58B5}"/>
+              </a:ext>
+            </a:extLst>
+          </p:cNvPr>
+          <p:cNvCxnSpPr>
+            <a:cxnSpLocks/>
+          </p:cNvCxnSpPr>
+          <p:nvPr/>
+        </p:nvCxnSpPr>
+        <p:spPr>
+          <a:xfrm flipH="1" flipV="1">
+            <a:off x="-13447" y="972511"/>
+            <a:ext cx="18288000" cy="65119"/>
+          </a:xfrm>
+          <a:prstGeom prst="line">
+            <a:avLst/>
+          </a:prstGeom>
+          <a:ln w="38100">
+            <a:solidFill>
+              <a:srgbClr val="4C50BC"/>
+            </a:solidFill>
+          </a:ln>
+        </p:spPr>
+        <p:style>
+          <a:lnRef idx="1">
+            <a:schemeClr val="accent1"/>
+          </a:lnRef>
+          <a:fillRef idx="0">
+            <a:schemeClr val="accent1"/>
+          </a:fillRef>
+          <a:effectRef idx="0">
+            <a:schemeClr val="accent1"/>
+          </a:effectRef>
+          <a:fontRef idx="minor">
+            <a:schemeClr val="tx1"/>
+          </a:fontRef>
+        </p:style>
+      </p:cxnSp>
     </p:spTree>
     <p:extLst>
       <p:ext uri="{BB962C8B-B14F-4D97-AF65-F5344CB8AC3E}">
@@ -35080,74 +35207,6 @@
           <a:chExt cx="0" cy="0"/>
         </a:xfrm>
       </p:grpSpPr>
-      <p:sp>
-        <p:nvSpPr>
-          <p:cNvPr id="4" name="TextBox 3">
-            <a:extLst>
-              <a:ext uri="{FF2B5EF4-FFF2-40B4-BE49-F238E27FC236}">
-                <a16:creationId xmlns:a16="http://schemas.microsoft.com/office/drawing/2014/main" id="{90E0C58D-4AB9-A52A-B53C-44A4B8F11990}"/>
-              </a:ext>
-            </a:extLst>
-          </p:cNvPr>
-          <p:cNvSpPr txBox="1"/>
-          <p:nvPr/>
-        </p:nvSpPr>
-        <p:spPr>
-          <a:xfrm>
-            <a:off x="762000" y="254600"/>
-            <a:ext cx="11430000" cy="830997"/>
-          </a:xfrm>
-          <a:prstGeom prst="rect">
-            <a:avLst/>
-          </a:prstGeom>
-          <a:noFill/>
-        </p:spPr>
-        <p:txBody>
-          <a:bodyPr wrap="square" rtlCol="0">
-            <a:spAutoFit/>
-          </a:bodyPr>
-          <a:lstStyle/>
-          <a:p>
-            <a:r>
-              <a:rPr lang="ko-KR" altLang="en-US" sz="4800">
-                <a:solidFill>
-                  <a:srgbClr val="4C50BC"/>
-                </a:solidFill>
-                <a:latin typeface="G마켓 산스 Medium" panose="02000000000000000000" pitchFamily="50" charset="-127"/>
-                <a:ea typeface="G마켓 산스 Medium" panose="02000000000000000000" pitchFamily="50" charset="-127"/>
-              </a:rPr>
-              <a:t>인터페이스 </a:t>
-            </a:r>
-            <a:r>
-              <a:rPr lang="en-US" altLang="ko-KR" sz="4800">
-                <a:solidFill>
-                  <a:srgbClr val="4C50BC"/>
-                </a:solidFill>
-                <a:latin typeface="G마켓 산스 Medium" panose="02000000000000000000" pitchFamily="50" charset="-127"/>
-                <a:ea typeface="G마켓 산스 Medium" panose="02000000000000000000" pitchFamily="50" charset="-127"/>
-              </a:rPr>
-              <a:t>default </a:t>
-            </a:r>
-            <a:r>
-              <a:rPr lang="ko-KR" altLang="en-US" sz="4800">
-                <a:solidFill>
-                  <a:srgbClr val="4C50BC"/>
-                </a:solidFill>
-                <a:latin typeface="G마켓 산스 Medium" panose="02000000000000000000" pitchFamily="50" charset="-127"/>
-                <a:ea typeface="G마켓 산스 Medium" panose="02000000000000000000" pitchFamily="50" charset="-127"/>
-              </a:rPr>
-              <a:t>메서드</a:t>
-            </a:r>
-            <a:endParaRPr lang="en-US" altLang="ko-KR" sz="4800" dirty="0">
-              <a:solidFill>
-                <a:srgbClr val="4C50BC"/>
-              </a:solidFill>
-              <a:latin typeface="G마켓 산스 Medium" panose="02000000000000000000" pitchFamily="50" charset="-127"/>
-              <a:ea typeface="G마켓 산스 Medium" panose="02000000000000000000" pitchFamily="50" charset="-127"/>
-            </a:endParaRPr>
-          </a:p>
-        </p:txBody>
-      </p:sp>
       <p:pic>
         <p:nvPicPr>
           <p:cNvPr id="5" name="그림 4"/>
@@ -35164,7 +35223,7 @@
         </p:blipFill>
         <p:spPr>
           <a:xfrm>
-            <a:off x="726830" y="1097906"/>
+            <a:off x="726830" y="1562100"/>
             <a:ext cx="6690509" cy="8160394"/>
           </a:xfrm>
           <a:prstGeom prst="rect">
@@ -35186,7 +35245,7 @@
         </p:nvSpPr>
         <p:spPr>
           <a:xfrm>
-            <a:off x="1600201" y="2403799"/>
+            <a:off x="1600201" y="2867993"/>
             <a:ext cx="3337038" cy="457200"/>
           </a:xfrm>
           <a:prstGeom prst="rect">
@@ -35240,7 +35299,7 @@
         </p:nvCxnSpPr>
         <p:spPr>
           <a:xfrm>
-            <a:off x="5026544" y="2587214"/>
+            <a:off x="5026544" y="3051408"/>
             <a:ext cx="1219200" cy="0"/>
           </a:xfrm>
           <a:prstGeom prst="straightConnector1">
@@ -35279,7 +35338,7 @@
         </p:nvSpPr>
         <p:spPr>
           <a:xfrm>
-            <a:off x="6400800" y="2171700"/>
+            <a:off x="6400800" y="2635894"/>
             <a:ext cx="8077200" cy="707886"/>
           </a:xfrm>
           <a:prstGeom prst="rect">
@@ -35343,6 +35402,117 @@
           </a:p>
         </p:txBody>
       </p:sp>
+      <p:sp>
+        <p:nvSpPr>
+          <p:cNvPr id="9" name="TextBox 8">
+            <a:extLst>
+              <a:ext uri="{FF2B5EF4-FFF2-40B4-BE49-F238E27FC236}">
+                <a16:creationId xmlns:a16="http://schemas.microsoft.com/office/drawing/2014/main" id="{7E1EAB4D-6108-9431-FD34-EAE571BAAD91}"/>
+              </a:ext>
+            </a:extLst>
+          </p:cNvPr>
+          <p:cNvSpPr txBox="1"/>
+          <p:nvPr/>
+        </p:nvSpPr>
+        <p:spPr>
+          <a:xfrm>
+            <a:off x="304800" y="114300"/>
+            <a:ext cx="10820400" cy="923330"/>
+          </a:xfrm>
+          <a:prstGeom prst="rect">
+            <a:avLst/>
+          </a:prstGeom>
+          <a:noFill/>
+        </p:spPr>
+        <p:txBody>
+          <a:bodyPr wrap="square" rtlCol="0">
+            <a:spAutoFit/>
+          </a:bodyPr>
+          <a:lstStyle/>
+          <a:p>
+            <a:r>
+              <a:rPr lang="ko-KR" altLang="en-US" sz="5400" spc="-300" dirty="0">
+                <a:solidFill>
+                  <a:srgbClr val="4C50BC"/>
+                </a:solidFill>
+                <a:latin typeface="G마켓 산스 Bold" panose="02000000000000000000" pitchFamily="50" charset="-127"/>
+                <a:ea typeface="G마켓 산스 Bold" panose="02000000000000000000" pitchFamily="50" charset="-127"/>
+              </a:rPr>
+              <a:t>인터페이스의 </a:t>
+            </a:r>
+            <a:r>
+              <a:rPr lang="en-US" altLang="ko-KR" sz="5400" spc="-300" dirty="0">
+                <a:solidFill>
+                  <a:srgbClr val="4C50BC"/>
+                </a:solidFill>
+                <a:latin typeface="G마켓 산스 Bold" panose="02000000000000000000" pitchFamily="50" charset="-127"/>
+                <a:ea typeface="G마켓 산스 Bold" panose="02000000000000000000" pitchFamily="50" charset="-127"/>
+              </a:rPr>
+              <a:t>default </a:t>
+            </a:r>
+            <a:r>
+              <a:rPr lang="ko-KR" altLang="en-US" sz="5400" spc="-300" dirty="0">
+                <a:solidFill>
+                  <a:srgbClr val="4C50BC"/>
+                </a:solidFill>
+                <a:latin typeface="G마켓 산스 Bold" panose="02000000000000000000" pitchFamily="50" charset="-127"/>
+                <a:ea typeface="G마켓 산스 Bold" panose="02000000000000000000" pitchFamily="50" charset="-127"/>
+              </a:rPr>
+              <a:t>메서드</a:t>
+            </a:r>
+            <a:endParaRPr lang="en-US" altLang="ko-KR" sz="5400" spc="-300" dirty="0">
+              <a:solidFill>
+                <a:srgbClr val="4C50BC"/>
+              </a:solidFill>
+              <a:latin typeface="G마켓 산스 Bold" panose="02000000000000000000" pitchFamily="50" charset="-127"/>
+              <a:ea typeface="G마켓 산스 Bold" panose="02000000000000000000" pitchFamily="50" charset="-127"/>
+            </a:endParaRPr>
+          </a:p>
+        </p:txBody>
+      </p:sp>
+      <p:cxnSp>
+        <p:nvCxnSpPr>
+          <p:cNvPr id="10" name="직선 연결선 9">
+            <a:extLst>
+              <a:ext uri="{FF2B5EF4-FFF2-40B4-BE49-F238E27FC236}">
+                <a16:creationId xmlns:a16="http://schemas.microsoft.com/office/drawing/2014/main" id="{409027C7-660C-5E04-55A3-035BD107732E}"/>
+              </a:ext>
+            </a:extLst>
+          </p:cNvPr>
+          <p:cNvCxnSpPr>
+            <a:cxnSpLocks/>
+          </p:cNvCxnSpPr>
+          <p:nvPr/>
+        </p:nvCxnSpPr>
+        <p:spPr>
+          <a:xfrm flipH="1" flipV="1">
+            <a:off x="-13447" y="972511"/>
+            <a:ext cx="18288000" cy="65119"/>
+          </a:xfrm>
+          <a:prstGeom prst="line">
+            <a:avLst/>
+          </a:prstGeom>
+          <a:ln w="38100">
+            <a:solidFill>
+              <a:srgbClr val="4C50BC"/>
+            </a:solidFill>
+          </a:ln>
+        </p:spPr>
+        <p:style>
+          <a:lnRef idx="1">
+            <a:schemeClr val="accent1"/>
+          </a:lnRef>
+          <a:fillRef idx="0">
+            <a:schemeClr val="accent1"/>
+          </a:fillRef>
+          <a:effectRef idx="0">
+            <a:schemeClr val="accent1"/>
+          </a:effectRef>
+          <a:fontRef idx="minor">
+            <a:schemeClr val="tx1"/>
+          </a:fontRef>
+        </p:style>
+      </p:cxnSp>
     </p:spTree>
     <p:extLst>
       <p:ext uri="{BB962C8B-B14F-4D97-AF65-F5344CB8AC3E}">
@@ -35826,54 +35996,6 @@
           <a:chExt cx="0" cy="0"/>
         </a:xfrm>
       </p:grpSpPr>
-      <p:sp>
-        <p:nvSpPr>
-          <p:cNvPr id="4" name="TextBox 3">
-            <a:extLst>
-              <a:ext uri="{FF2B5EF4-FFF2-40B4-BE49-F238E27FC236}">
-                <a16:creationId xmlns:a16="http://schemas.microsoft.com/office/drawing/2014/main" id="{5ADC00B6-990A-40DC-3CEA-505258F5E8DA}"/>
-              </a:ext>
-            </a:extLst>
-          </p:cNvPr>
-          <p:cNvSpPr txBox="1"/>
-          <p:nvPr/>
-        </p:nvSpPr>
-        <p:spPr>
-          <a:xfrm>
-            <a:off x="914400" y="495300"/>
-            <a:ext cx="7620000" cy="830997"/>
-          </a:xfrm>
-          <a:prstGeom prst="rect">
-            <a:avLst/>
-          </a:prstGeom>
-          <a:noFill/>
-        </p:spPr>
-        <p:txBody>
-          <a:bodyPr wrap="square" rtlCol="0">
-            <a:spAutoFit/>
-          </a:bodyPr>
-          <a:lstStyle/>
-          <a:p>
-            <a:r>
-              <a:rPr lang="ko-KR" altLang="en-US" sz="4800">
-                <a:solidFill>
-                  <a:srgbClr val="4C50BC"/>
-                </a:solidFill>
-                <a:latin typeface="G마켓 산스 Medium" panose="02000000000000000000" pitchFamily="50" charset="-127"/>
-                <a:ea typeface="G마켓 산스 Medium" panose="02000000000000000000" pitchFamily="50" charset="-127"/>
-              </a:rPr>
-              <a:t>내부 클래스</a:t>
-            </a:r>
-            <a:endParaRPr lang="en-US" altLang="ko-KR" sz="4800" dirty="0">
-              <a:solidFill>
-                <a:srgbClr val="4C50BC"/>
-              </a:solidFill>
-              <a:latin typeface="G마켓 산스 Medium" panose="02000000000000000000" pitchFamily="50" charset="-127"/>
-              <a:ea typeface="G마켓 산스 Medium" panose="02000000000000000000" pitchFamily="50" charset="-127"/>
-            </a:endParaRPr>
-          </a:p>
-        </p:txBody>
-      </p:sp>
       <p:pic>
         <p:nvPicPr>
           <p:cNvPr id="2" name="그림 1"/>
@@ -35890,7 +36012,7 @@
         </p:blipFill>
         <p:spPr>
           <a:xfrm>
-            <a:off x="609600" y="1326296"/>
+            <a:off x="609600" y="1783497"/>
             <a:ext cx="7604284" cy="8236803"/>
           </a:xfrm>
           <a:prstGeom prst="rect">
@@ -35914,7 +36036,7 @@
         </p:nvCxnSpPr>
         <p:spPr>
           <a:xfrm>
-            <a:off x="4645543" y="2434814"/>
+            <a:off x="4645543" y="2892015"/>
             <a:ext cx="1219200" cy="0"/>
           </a:xfrm>
           <a:prstGeom prst="straightConnector1">
@@ -35953,7 +36075,7 @@
         </p:nvSpPr>
         <p:spPr>
           <a:xfrm>
-            <a:off x="1600200" y="2194916"/>
+            <a:off x="1600200" y="2652117"/>
             <a:ext cx="3045343" cy="1424583"/>
           </a:xfrm>
           <a:prstGeom prst="rect">
@@ -36005,7 +36127,7 @@
         </p:nvSpPr>
         <p:spPr>
           <a:xfrm>
-            <a:off x="6248400" y="2188468"/>
+            <a:off x="6248400" y="2645669"/>
             <a:ext cx="10972800" cy="707886"/>
           </a:xfrm>
           <a:prstGeom prst="rect">
@@ -36027,27 +36149,7 @@
                 <a:latin typeface="G마켓 산스 Medium" panose="02000000000000000000" pitchFamily="50" charset="-127"/>
                 <a:ea typeface="G마켓 산스 Medium" panose="02000000000000000000" pitchFamily="50" charset="-127"/>
               </a:rPr>
-              <a:t>클래스 내부에서 클래스를 </a:t>
-            </a:r>
-            <a:r>
-              <a:rPr lang="ko-KR" altLang="en-US" sz="4000" dirty="0" err="1">
-                <a:solidFill>
-                  <a:srgbClr val="FF0000"/>
-                </a:solidFill>
-                <a:latin typeface="G마켓 산스 Medium" panose="02000000000000000000" pitchFamily="50" charset="-127"/>
-                <a:ea typeface="G마켓 산스 Medium" panose="02000000000000000000" pitchFamily="50" charset="-127"/>
-              </a:rPr>
-              <a:t>선언할수</a:t>
-            </a:r>
-            <a:r>
-              <a:rPr lang="ko-KR" altLang="en-US" sz="4000" dirty="0">
-                <a:solidFill>
-                  <a:srgbClr val="FF0000"/>
-                </a:solidFill>
-                <a:latin typeface="G마켓 산스 Medium" panose="02000000000000000000" pitchFamily="50" charset="-127"/>
-                <a:ea typeface="G마켓 산스 Medium" panose="02000000000000000000" pitchFamily="50" charset="-127"/>
-              </a:rPr>
-              <a:t> 있다</a:t>
+              <a:t>클래스 내부에서 클래스를 선언 할 수 있다</a:t>
             </a:r>
             <a:r>
               <a:rPr lang="en-US" altLang="ko-KR" sz="4000" dirty="0">
@@ -36076,7 +36178,7 @@
         </p:nvSpPr>
         <p:spPr>
           <a:xfrm>
-            <a:off x="1679057" y="3849773"/>
+            <a:off x="1679057" y="4306974"/>
             <a:ext cx="4185686" cy="1424583"/>
           </a:xfrm>
           <a:prstGeom prst="rect">
@@ -36128,7 +36230,7 @@
         </p:nvSpPr>
         <p:spPr>
           <a:xfrm>
-            <a:off x="2318899" y="6210300"/>
+            <a:off x="2318899" y="6667501"/>
             <a:ext cx="2862701" cy="1500783"/>
           </a:xfrm>
           <a:prstGeom prst="rect">
@@ -36166,6 +36268,97 @@
           </a:p>
         </p:txBody>
       </p:sp>
+      <p:sp>
+        <p:nvSpPr>
+          <p:cNvPr id="3" name="TextBox 2">
+            <a:extLst>
+              <a:ext uri="{FF2B5EF4-FFF2-40B4-BE49-F238E27FC236}">
+                <a16:creationId xmlns:a16="http://schemas.microsoft.com/office/drawing/2014/main" id="{FEB65044-7CA3-25F4-B701-D3262D89D741}"/>
+              </a:ext>
+            </a:extLst>
+          </p:cNvPr>
+          <p:cNvSpPr txBox="1"/>
+          <p:nvPr/>
+        </p:nvSpPr>
+        <p:spPr>
+          <a:xfrm>
+            <a:off x="304800" y="114300"/>
+            <a:ext cx="10820400" cy="923330"/>
+          </a:xfrm>
+          <a:prstGeom prst="rect">
+            <a:avLst/>
+          </a:prstGeom>
+          <a:noFill/>
+        </p:spPr>
+        <p:txBody>
+          <a:bodyPr wrap="square" rtlCol="0">
+            <a:spAutoFit/>
+          </a:bodyPr>
+          <a:lstStyle/>
+          <a:p>
+            <a:r>
+              <a:rPr lang="ko-KR" altLang="en-US" sz="5400" spc="-300" dirty="0">
+                <a:solidFill>
+                  <a:srgbClr val="4C50BC"/>
+                </a:solidFill>
+                <a:latin typeface="G마켓 산스 Bold" panose="02000000000000000000" pitchFamily="50" charset="-127"/>
+                <a:ea typeface="G마켓 산스 Bold" panose="02000000000000000000" pitchFamily="50" charset="-127"/>
+              </a:rPr>
+              <a:t>내부클래스</a:t>
+            </a:r>
+            <a:endParaRPr lang="en-US" altLang="ko-KR" sz="5400" spc="-300" dirty="0">
+              <a:solidFill>
+                <a:srgbClr val="4C50BC"/>
+              </a:solidFill>
+              <a:latin typeface="G마켓 산스 Bold" panose="02000000000000000000" pitchFamily="50" charset="-127"/>
+              <a:ea typeface="G마켓 산스 Bold" panose="02000000000000000000" pitchFamily="50" charset="-127"/>
+            </a:endParaRPr>
+          </a:p>
+        </p:txBody>
+      </p:sp>
+      <p:cxnSp>
+        <p:nvCxnSpPr>
+          <p:cNvPr id="5" name="직선 연결선 4">
+            <a:extLst>
+              <a:ext uri="{FF2B5EF4-FFF2-40B4-BE49-F238E27FC236}">
+                <a16:creationId xmlns:a16="http://schemas.microsoft.com/office/drawing/2014/main" id="{9077C74D-40A4-D0E3-4939-A979B325DDC8}"/>
+              </a:ext>
+            </a:extLst>
+          </p:cNvPr>
+          <p:cNvCxnSpPr>
+            <a:cxnSpLocks/>
+          </p:cNvCxnSpPr>
+          <p:nvPr/>
+        </p:nvCxnSpPr>
+        <p:spPr>
+          <a:xfrm flipH="1" flipV="1">
+            <a:off x="-13447" y="972511"/>
+            <a:ext cx="18288000" cy="65119"/>
+          </a:xfrm>
+          <a:prstGeom prst="line">
+            <a:avLst/>
+          </a:prstGeom>
+          <a:ln w="38100">
+            <a:solidFill>
+              <a:srgbClr val="4C50BC"/>
+            </a:solidFill>
+          </a:ln>
+        </p:spPr>
+        <p:style>
+          <a:lnRef idx="1">
+            <a:schemeClr val="accent1"/>
+          </a:lnRef>
+          <a:fillRef idx="0">
+            <a:schemeClr val="accent1"/>
+          </a:fillRef>
+          <a:effectRef idx="0">
+            <a:schemeClr val="accent1"/>
+          </a:effectRef>
+          <a:fontRef idx="minor">
+            <a:schemeClr val="tx1"/>
+          </a:fontRef>
+        </p:style>
+      </p:cxnSp>
     </p:spTree>
     <p:extLst>
       <p:ext uri="{BB962C8B-B14F-4D97-AF65-F5344CB8AC3E}">
@@ -36212,7 +36405,7 @@
         </p:blipFill>
         <p:spPr>
           <a:xfrm>
-            <a:off x="685800" y="1104900"/>
+            <a:off x="685800" y="1485900"/>
             <a:ext cx="9357360" cy="8077200"/>
           </a:xfrm>
           <a:prstGeom prst="rect">
@@ -36236,7 +36429,7 @@
         </p:nvCxnSpPr>
         <p:spPr>
           <a:xfrm>
-            <a:off x="4645543" y="2739614"/>
+            <a:off x="4645543" y="3120614"/>
             <a:ext cx="1219200" cy="0"/>
           </a:xfrm>
           <a:prstGeom prst="straightConnector1">
@@ -36275,7 +36468,7 @@
         </p:nvSpPr>
         <p:spPr>
           <a:xfrm>
-            <a:off x="1524000" y="2499716"/>
+            <a:off x="1524000" y="2880716"/>
             <a:ext cx="3121543" cy="3939183"/>
           </a:xfrm>
           <a:prstGeom prst="rect">
@@ -36327,7 +36520,7 @@
         </p:nvSpPr>
         <p:spPr>
           <a:xfrm>
-            <a:off x="6019800" y="2324100"/>
+            <a:off x="6019800" y="2705100"/>
             <a:ext cx="5334000" cy="707886"/>
           </a:xfrm>
           <a:prstGeom prst="rect">
@@ -36378,7 +36571,7 @@
         </p:nvCxnSpPr>
         <p:spPr>
           <a:xfrm>
-            <a:off x="10058646" y="7774938"/>
+            <a:off x="10058646" y="8155938"/>
             <a:ext cx="2285754" cy="295885"/>
           </a:xfrm>
           <a:prstGeom prst="straightConnector1">
@@ -36417,7 +36610,7 @@
         </p:nvSpPr>
         <p:spPr>
           <a:xfrm>
-            <a:off x="1524000" y="6538317"/>
+            <a:off x="1524000" y="6919317"/>
             <a:ext cx="8526194" cy="2338984"/>
           </a:xfrm>
           <a:prstGeom prst="rect">
@@ -36469,7 +36662,7 @@
         </p:nvSpPr>
         <p:spPr>
           <a:xfrm>
-            <a:off x="12344400" y="7716880"/>
+            <a:off x="12344400" y="8097880"/>
             <a:ext cx="4953000" cy="707886"/>
           </a:xfrm>
           <a:prstGeom prst="rect">
@@ -36503,6 +36696,97 @@
           </a:p>
         </p:txBody>
       </p:sp>
+      <p:sp>
+        <p:nvSpPr>
+          <p:cNvPr id="11" name="TextBox 10">
+            <a:extLst>
+              <a:ext uri="{FF2B5EF4-FFF2-40B4-BE49-F238E27FC236}">
+                <a16:creationId xmlns:a16="http://schemas.microsoft.com/office/drawing/2014/main" id="{02E160E2-3AD7-6EFB-AF03-3F171A748C4B}"/>
+              </a:ext>
+            </a:extLst>
+          </p:cNvPr>
+          <p:cNvSpPr txBox="1"/>
+          <p:nvPr/>
+        </p:nvSpPr>
+        <p:spPr>
+          <a:xfrm>
+            <a:off x="304800" y="114300"/>
+            <a:ext cx="10820400" cy="923330"/>
+          </a:xfrm>
+          <a:prstGeom prst="rect">
+            <a:avLst/>
+          </a:prstGeom>
+          <a:noFill/>
+        </p:spPr>
+        <p:txBody>
+          <a:bodyPr wrap="square" rtlCol="0">
+            <a:spAutoFit/>
+          </a:bodyPr>
+          <a:lstStyle/>
+          <a:p>
+            <a:r>
+              <a:rPr lang="ko-KR" altLang="en-US" sz="5400" spc="-300" dirty="0">
+                <a:solidFill>
+                  <a:srgbClr val="4C50BC"/>
+                </a:solidFill>
+                <a:latin typeface="G마켓 산스 Bold" panose="02000000000000000000" pitchFamily="50" charset="-127"/>
+                <a:ea typeface="G마켓 산스 Bold" panose="02000000000000000000" pitchFamily="50" charset="-127"/>
+              </a:rPr>
+              <a:t>내부클래스</a:t>
+            </a:r>
+            <a:endParaRPr lang="en-US" altLang="ko-KR" sz="5400" spc="-300" dirty="0">
+              <a:solidFill>
+                <a:srgbClr val="4C50BC"/>
+              </a:solidFill>
+              <a:latin typeface="G마켓 산스 Bold" panose="02000000000000000000" pitchFamily="50" charset="-127"/>
+              <a:ea typeface="G마켓 산스 Bold" panose="02000000000000000000" pitchFamily="50" charset="-127"/>
+            </a:endParaRPr>
+          </a:p>
+        </p:txBody>
+      </p:sp>
+      <p:cxnSp>
+        <p:nvCxnSpPr>
+          <p:cNvPr id="12" name="직선 연결선 11">
+            <a:extLst>
+              <a:ext uri="{FF2B5EF4-FFF2-40B4-BE49-F238E27FC236}">
+                <a16:creationId xmlns:a16="http://schemas.microsoft.com/office/drawing/2014/main" id="{F9DAA40B-81CF-D175-0855-3588C0EC4806}"/>
+              </a:ext>
+            </a:extLst>
+          </p:cNvPr>
+          <p:cNvCxnSpPr>
+            <a:cxnSpLocks/>
+          </p:cNvCxnSpPr>
+          <p:nvPr/>
+        </p:nvCxnSpPr>
+        <p:spPr>
+          <a:xfrm flipH="1" flipV="1">
+            <a:off x="-13447" y="972511"/>
+            <a:ext cx="18288000" cy="65119"/>
+          </a:xfrm>
+          <a:prstGeom prst="line">
+            <a:avLst/>
+          </a:prstGeom>
+          <a:ln w="38100">
+            <a:solidFill>
+              <a:srgbClr val="4C50BC"/>
+            </a:solidFill>
+          </a:ln>
+        </p:spPr>
+        <p:style>
+          <a:lnRef idx="1">
+            <a:schemeClr val="accent1"/>
+          </a:lnRef>
+          <a:fillRef idx="0">
+            <a:schemeClr val="accent1"/>
+          </a:fillRef>
+          <a:effectRef idx="0">
+            <a:schemeClr val="accent1"/>
+          </a:effectRef>
+          <a:fontRef idx="minor">
+            <a:schemeClr val="tx1"/>
+          </a:fontRef>
+        </p:style>
+      </p:cxnSp>
     </p:spTree>
     <p:extLst>
       <p:ext uri="{BB962C8B-B14F-4D97-AF65-F5344CB8AC3E}">
@@ -36864,54 +37148,6 @@
           <a:chExt cx="0" cy="0"/>
         </a:xfrm>
       </p:grpSpPr>
-      <p:sp>
-        <p:nvSpPr>
-          <p:cNvPr id="4" name="TextBox 3">
-            <a:extLst>
-              <a:ext uri="{FF2B5EF4-FFF2-40B4-BE49-F238E27FC236}">
-                <a16:creationId xmlns:a16="http://schemas.microsoft.com/office/drawing/2014/main" id="{5ADC00B6-990A-40DC-3CEA-505258F5E8DA}"/>
-              </a:ext>
-            </a:extLst>
-          </p:cNvPr>
-          <p:cNvSpPr txBox="1"/>
-          <p:nvPr/>
-        </p:nvSpPr>
-        <p:spPr>
-          <a:xfrm>
-            <a:off x="914400" y="495300"/>
-            <a:ext cx="3962400" cy="830997"/>
-          </a:xfrm>
-          <a:prstGeom prst="rect">
-            <a:avLst/>
-          </a:prstGeom>
-          <a:noFill/>
-        </p:spPr>
-        <p:txBody>
-          <a:bodyPr wrap="square" rtlCol="0">
-            <a:spAutoFit/>
-          </a:bodyPr>
-          <a:lstStyle/>
-          <a:p>
-            <a:r>
-              <a:rPr lang="ko-KR" altLang="en-US" sz="4800">
-                <a:solidFill>
-                  <a:srgbClr val="4C50BC"/>
-                </a:solidFill>
-                <a:latin typeface="G마켓 산스 Medium" panose="02000000000000000000" pitchFamily="50" charset="-127"/>
-                <a:ea typeface="G마켓 산스 Medium" panose="02000000000000000000" pitchFamily="50" charset="-127"/>
-              </a:rPr>
-              <a:t>익명 클래스</a:t>
-            </a:r>
-            <a:endParaRPr lang="en-US" altLang="ko-KR" sz="4800" dirty="0">
-              <a:solidFill>
-                <a:srgbClr val="4C50BC"/>
-              </a:solidFill>
-              <a:latin typeface="G마켓 산스 Medium" panose="02000000000000000000" pitchFamily="50" charset="-127"/>
-              <a:ea typeface="G마켓 산스 Medium" panose="02000000000000000000" pitchFamily="50" charset="-127"/>
-            </a:endParaRPr>
-          </a:p>
-        </p:txBody>
-      </p:sp>
       <p:pic>
         <p:nvPicPr>
           <p:cNvPr id="5" name="그림 4"/>
@@ -36928,7 +37164,7 @@
         </p:blipFill>
         <p:spPr>
           <a:xfrm>
-            <a:off x="914400" y="1562100"/>
+            <a:off x="914400" y="2759214"/>
             <a:ext cx="12582823" cy="4800600"/>
           </a:xfrm>
           <a:prstGeom prst="rect">
@@ -36952,7 +37188,7 @@
         </p:nvCxnSpPr>
         <p:spPr>
           <a:xfrm>
-            <a:off x="7438571" y="2815814"/>
+            <a:off x="7438571" y="4012928"/>
             <a:ext cx="1219200" cy="0"/>
           </a:xfrm>
           <a:prstGeom prst="straightConnector1">
@@ -36991,7 +37227,7 @@
         </p:nvSpPr>
         <p:spPr>
           <a:xfrm>
-            <a:off x="4495800" y="2575916"/>
+            <a:off x="4495800" y="3773030"/>
             <a:ext cx="2942771" cy="662583"/>
           </a:xfrm>
           <a:prstGeom prst="rect">
@@ -37043,7 +37279,7 @@
         </p:nvSpPr>
         <p:spPr>
           <a:xfrm>
-            <a:off x="8812828" y="2400300"/>
+            <a:off x="8812828" y="3597414"/>
             <a:ext cx="9170372" cy="1323439"/>
           </a:xfrm>
           <a:prstGeom prst="rect">
@@ -37091,7 +37327,7 @@
         </p:nvSpPr>
         <p:spPr>
           <a:xfrm>
-            <a:off x="1556656" y="7886700"/>
+            <a:off x="1556656" y="9083814"/>
             <a:ext cx="16426544" cy="707886"/>
           </a:xfrm>
           <a:prstGeom prst="rect">
@@ -37174,6 +37410,268 @@
                 <a:ea typeface="G마켓 산스 Medium" panose="02000000000000000000" pitchFamily="50" charset="-127"/>
               </a:rPr>
               <a:t>?</a:t>
+            </a:r>
+          </a:p>
+        </p:txBody>
+      </p:sp>
+      <p:sp>
+        <p:nvSpPr>
+          <p:cNvPr id="2" name="TextBox 1">
+            <a:extLst>
+              <a:ext uri="{FF2B5EF4-FFF2-40B4-BE49-F238E27FC236}">
+                <a16:creationId xmlns:a16="http://schemas.microsoft.com/office/drawing/2014/main" id="{A790CF7D-627E-7E69-D607-2FB0BDECEE7B}"/>
+              </a:ext>
+            </a:extLst>
+          </p:cNvPr>
+          <p:cNvSpPr txBox="1"/>
+          <p:nvPr/>
+        </p:nvSpPr>
+        <p:spPr>
+          <a:xfrm>
+            <a:off x="304800" y="114300"/>
+            <a:ext cx="10820400" cy="923330"/>
+          </a:xfrm>
+          <a:prstGeom prst="rect">
+            <a:avLst/>
+          </a:prstGeom>
+          <a:noFill/>
+        </p:spPr>
+        <p:txBody>
+          <a:bodyPr wrap="square" rtlCol="0">
+            <a:spAutoFit/>
+          </a:bodyPr>
+          <a:lstStyle/>
+          <a:p>
+            <a:r>
+              <a:rPr lang="ko-KR" altLang="en-US" sz="5400" spc="-300" dirty="0">
+                <a:solidFill>
+                  <a:srgbClr val="4C50BC"/>
+                </a:solidFill>
+                <a:latin typeface="G마켓 산스 Bold" panose="02000000000000000000" pitchFamily="50" charset="-127"/>
+                <a:ea typeface="G마켓 산스 Bold" panose="02000000000000000000" pitchFamily="50" charset="-127"/>
+              </a:rPr>
+              <a:t>익명클래스</a:t>
+            </a:r>
+            <a:endParaRPr lang="en-US" altLang="ko-KR" sz="5400" spc="-300" dirty="0">
+              <a:solidFill>
+                <a:srgbClr val="4C50BC"/>
+              </a:solidFill>
+              <a:latin typeface="G마켓 산스 Bold" panose="02000000000000000000" pitchFamily="50" charset="-127"/>
+              <a:ea typeface="G마켓 산스 Bold" panose="02000000000000000000" pitchFamily="50" charset="-127"/>
+            </a:endParaRPr>
+          </a:p>
+        </p:txBody>
+      </p:sp>
+      <p:cxnSp>
+        <p:nvCxnSpPr>
+          <p:cNvPr id="3" name="직선 연결선 2">
+            <a:extLst>
+              <a:ext uri="{FF2B5EF4-FFF2-40B4-BE49-F238E27FC236}">
+                <a16:creationId xmlns:a16="http://schemas.microsoft.com/office/drawing/2014/main" id="{28E09170-B5ED-5B5F-A427-F3CD82F52F49}"/>
+              </a:ext>
+            </a:extLst>
+          </p:cNvPr>
+          <p:cNvCxnSpPr>
+            <a:cxnSpLocks/>
+          </p:cNvCxnSpPr>
+          <p:nvPr/>
+        </p:nvCxnSpPr>
+        <p:spPr>
+          <a:xfrm flipH="1" flipV="1">
+            <a:off x="-13447" y="972511"/>
+            <a:ext cx="18288000" cy="65119"/>
+          </a:xfrm>
+          <a:prstGeom prst="line">
+            <a:avLst/>
+          </a:prstGeom>
+          <a:ln w="38100">
+            <a:solidFill>
+              <a:srgbClr val="4C50BC"/>
+            </a:solidFill>
+          </a:ln>
+        </p:spPr>
+        <p:style>
+          <a:lnRef idx="1">
+            <a:schemeClr val="accent1"/>
+          </a:lnRef>
+          <a:fillRef idx="0">
+            <a:schemeClr val="accent1"/>
+          </a:fillRef>
+          <a:effectRef idx="0">
+            <a:schemeClr val="accent1"/>
+          </a:effectRef>
+          <a:fontRef idx="minor">
+            <a:schemeClr val="tx1"/>
+          </a:fontRef>
+        </p:style>
+      </p:cxnSp>
+      <p:sp>
+        <p:nvSpPr>
+          <p:cNvPr id="10" name="TextBox 9">
+            <a:extLst>
+              <a:ext uri="{FF2B5EF4-FFF2-40B4-BE49-F238E27FC236}">
+                <a16:creationId xmlns:a16="http://schemas.microsoft.com/office/drawing/2014/main" id="{30F09A17-1A87-E934-2F5A-AF4A21687703}"/>
+              </a:ext>
+            </a:extLst>
+          </p:cNvPr>
+          <p:cNvSpPr txBox="1"/>
+          <p:nvPr/>
+        </p:nvSpPr>
+        <p:spPr>
+          <a:xfrm>
+            <a:off x="762000" y="1201111"/>
+            <a:ext cx="14167562" cy="1200329"/>
+          </a:xfrm>
+          <a:prstGeom prst="rect">
+            <a:avLst/>
+          </a:prstGeom>
+          <a:noFill/>
+        </p:spPr>
+        <p:txBody>
+          <a:bodyPr wrap="square" rtlCol="0">
+            <a:spAutoFit/>
+          </a:bodyPr>
+          <a:lstStyle/>
+          <a:p>
+            <a:pPr marL="571500" indent="-571500">
+              <a:buFont typeface="Arial" panose="020B0604020202020204" pitchFamily="34" charset="0"/>
+              <a:buChar char="•"/>
+            </a:pPr>
+            <a:r>
+              <a:rPr lang="ko-KR" altLang="en-US" sz="3600" dirty="0">
+                <a:solidFill>
+                  <a:schemeClr val="tx1">
+                    <a:lumMod val="50000"/>
+                    <a:lumOff val="50000"/>
+                  </a:schemeClr>
+                </a:solidFill>
+                <a:latin typeface="G마켓 산스 Medium" panose="02000000000000000000" pitchFamily="50" charset="-127"/>
+                <a:ea typeface="G마켓 산스 Medium" panose="02000000000000000000" pitchFamily="50" charset="-127"/>
+              </a:rPr>
+              <a:t>클래스를 </a:t>
+            </a:r>
+            <a:r>
+              <a:rPr lang="ko-KR" altLang="en-US" sz="3600" dirty="0" err="1">
+                <a:solidFill>
+                  <a:schemeClr val="tx1">
+                    <a:lumMod val="50000"/>
+                    <a:lumOff val="50000"/>
+                  </a:schemeClr>
+                </a:solidFill>
+                <a:latin typeface="G마켓 산스 Medium" panose="02000000000000000000" pitchFamily="50" charset="-127"/>
+                <a:ea typeface="G마켓 산스 Medium" panose="02000000000000000000" pitchFamily="50" charset="-127"/>
+              </a:rPr>
+              <a:t>선언할때</a:t>
+            </a:r>
+            <a:r>
+              <a:rPr lang="ko-KR" altLang="en-US" sz="3600" dirty="0">
+                <a:solidFill>
+                  <a:schemeClr val="tx1">
+                    <a:lumMod val="50000"/>
+                    <a:lumOff val="50000"/>
+                  </a:schemeClr>
+                </a:solidFill>
+                <a:latin typeface="G마켓 산스 Medium" panose="02000000000000000000" pitchFamily="50" charset="-127"/>
+                <a:ea typeface="G마켓 산스 Medium" panose="02000000000000000000" pitchFamily="50" charset="-127"/>
+              </a:rPr>
+              <a:t> </a:t>
+            </a:r>
+            <a:r>
+              <a:rPr lang="en-US" altLang="ko-KR" sz="3600" dirty="0">
+                <a:solidFill>
+                  <a:schemeClr val="tx1">
+                    <a:lumMod val="50000"/>
+                    <a:lumOff val="50000"/>
+                  </a:schemeClr>
+                </a:solidFill>
+                <a:latin typeface="G마켓 산스 Medium" panose="02000000000000000000" pitchFamily="50" charset="-127"/>
+                <a:ea typeface="G마켓 산스 Medium" panose="02000000000000000000" pitchFamily="50" charset="-127"/>
+              </a:rPr>
+              <a:t>class </a:t>
+            </a:r>
+            <a:r>
+              <a:rPr lang="ko-KR" altLang="en-US" sz="3600" dirty="0" err="1">
+                <a:solidFill>
+                  <a:schemeClr val="tx1">
+                    <a:lumMod val="50000"/>
+                    <a:lumOff val="50000"/>
+                  </a:schemeClr>
+                </a:solidFill>
+                <a:latin typeface="G마켓 산스 Medium" panose="02000000000000000000" pitchFamily="50" charset="-127"/>
+                <a:ea typeface="G마켓 산스 Medium" panose="02000000000000000000" pitchFamily="50" charset="-127"/>
+              </a:rPr>
+              <a:t>이름없이</a:t>
+            </a:r>
+            <a:r>
+              <a:rPr lang="ko-KR" altLang="en-US" sz="3600" dirty="0">
+                <a:solidFill>
+                  <a:schemeClr val="tx1">
+                    <a:lumMod val="50000"/>
+                    <a:lumOff val="50000"/>
+                  </a:schemeClr>
+                </a:solidFill>
+                <a:latin typeface="G마켓 산스 Medium" panose="02000000000000000000" pitchFamily="50" charset="-127"/>
+                <a:ea typeface="G마켓 산스 Medium" panose="02000000000000000000" pitchFamily="50" charset="-127"/>
+              </a:rPr>
+              <a:t> 그냥 클래스를 </a:t>
+            </a:r>
+            <a:r>
+              <a:rPr lang="ko-KR" altLang="en-US" sz="3600" dirty="0" err="1">
+                <a:solidFill>
+                  <a:schemeClr val="tx1">
+                    <a:lumMod val="50000"/>
+                    <a:lumOff val="50000"/>
+                  </a:schemeClr>
+                </a:solidFill>
+                <a:latin typeface="G마켓 산스 Medium" panose="02000000000000000000" pitchFamily="50" charset="-127"/>
+                <a:ea typeface="G마켓 산스 Medium" panose="02000000000000000000" pitchFamily="50" charset="-127"/>
+              </a:rPr>
+              <a:t>선언하는것이다</a:t>
+            </a:r>
+            <a:r>
+              <a:rPr lang="en-US" altLang="ko-KR" sz="3600" dirty="0">
+                <a:solidFill>
+                  <a:schemeClr val="tx1">
+                    <a:lumMod val="50000"/>
+                    <a:lumOff val="50000"/>
+                  </a:schemeClr>
+                </a:solidFill>
+                <a:latin typeface="G마켓 산스 Medium" panose="02000000000000000000" pitchFamily="50" charset="-127"/>
+                <a:ea typeface="G마켓 산스 Medium" panose="02000000000000000000" pitchFamily="50" charset="-127"/>
+              </a:rPr>
+              <a:t>.</a:t>
+            </a:r>
+          </a:p>
+          <a:p>
+            <a:pPr marL="571500" indent="-571500">
+              <a:buFont typeface="Arial" panose="020B0604020202020204" pitchFamily="34" charset="0"/>
+              <a:buChar char="•"/>
+            </a:pPr>
+            <a:r>
+              <a:rPr lang="ko-KR" altLang="en-US" sz="3600" dirty="0">
+                <a:solidFill>
+                  <a:schemeClr val="tx1">
+                    <a:lumMod val="50000"/>
+                    <a:lumOff val="50000"/>
+                  </a:schemeClr>
+                </a:solidFill>
+                <a:latin typeface="G마켓 산스 Medium" panose="02000000000000000000" pitchFamily="50" charset="-127"/>
+                <a:ea typeface="G마켓 산스 Medium" panose="02000000000000000000" pitchFamily="50" charset="-127"/>
+              </a:rPr>
+              <a:t>이름이 없기에 부모의 이름을 빌려서 객체를 생성한다</a:t>
+            </a:r>
+            <a:r>
+              <a:rPr lang="en-US" altLang="ko-KR" sz="3600" dirty="0">
+                <a:solidFill>
+                  <a:schemeClr val="tx1">
+                    <a:lumMod val="50000"/>
+                    <a:lumOff val="50000"/>
+                  </a:schemeClr>
+                </a:solidFill>
+                <a:latin typeface="G마켓 산스 Medium" panose="02000000000000000000" pitchFamily="50" charset="-127"/>
+                <a:ea typeface="G마켓 산스 Medium" panose="02000000000000000000" pitchFamily="50" charset="-127"/>
+              </a:rPr>
+              <a:t>.</a:t>
             </a:r>
           </a:p>
         </p:txBody>
@@ -37893,7 +38391,7 @@
         </p:blipFill>
         <p:spPr>
           <a:xfrm>
-            <a:off x="2895600" y="5676900"/>
+            <a:off x="1066800" y="5676900"/>
             <a:ext cx="11783991" cy="4343400"/>
           </a:xfrm>
           <a:prstGeom prst="rect">
@@ -37917,7 +38415,7 @@
         </p:blipFill>
         <p:spPr>
           <a:xfrm>
-            <a:off x="2895600" y="190500"/>
+            <a:off x="1066800" y="190500"/>
             <a:ext cx="11108422" cy="5334000"/>
           </a:xfrm>
           <a:prstGeom prst="rect">
@@ -37955,9 +38453,106 @@
           <a:chExt cx="0" cy="0"/>
         </a:xfrm>
       </p:grpSpPr>
+      <p:sp>
+        <p:nvSpPr>
+          <p:cNvPr id="2" name="TextBox 1">
+            <a:extLst>
+              <a:ext uri="{FF2B5EF4-FFF2-40B4-BE49-F238E27FC236}">
+                <a16:creationId xmlns:a16="http://schemas.microsoft.com/office/drawing/2014/main" id="{F99A905E-9BA8-EBAA-27E1-CB4525950D03}"/>
+              </a:ext>
+            </a:extLst>
+          </p:cNvPr>
+          <p:cNvSpPr txBox="1"/>
+          <p:nvPr/>
+        </p:nvSpPr>
+        <p:spPr>
+          <a:xfrm>
+            <a:off x="304800" y="114300"/>
+            <a:ext cx="10820400" cy="923330"/>
+          </a:xfrm>
+          <a:prstGeom prst="rect">
+            <a:avLst/>
+          </a:prstGeom>
+          <a:noFill/>
+        </p:spPr>
+        <p:txBody>
+          <a:bodyPr wrap="square" rtlCol="0">
+            <a:spAutoFit/>
+          </a:bodyPr>
+          <a:lstStyle/>
+          <a:p>
+            <a:r>
+              <a:rPr lang="ko-KR" altLang="en-US" sz="5400" spc="-300" dirty="0">
+                <a:solidFill>
+                  <a:srgbClr val="4C50BC"/>
+                </a:solidFill>
+                <a:latin typeface="G마켓 산스 Bold" panose="02000000000000000000" pitchFamily="50" charset="-127"/>
+                <a:ea typeface="G마켓 산스 Bold" panose="02000000000000000000" pitchFamily="50" charset="-127"/>
+              </a:rPr>
+              <a:t>익명클래스 사용 이유</a:t>
+            </a:r>
+            <a:endParaRPr lang="en-US" altLang="ko-KR" sz="5400" spc="-300" dirty="0">
+              <a:solidFill>
+                <a:srgbClr val="4C50BC"/>
+              </a:solidFill>
+              <a:latin typeface="G마켓 산스 Bold" panose="02000000000000000000" pitchFamily="50" charset="-127"/>
+              <a:ea typeface="G마켓 산스 Bold" panose="02000000000000000000" pitchFamily="50" charset="-127"/>
+            </a:endParaRPr>
+          </a:p>
+        </p:txBody>
+      </p:sp>
+      <p:cxnSp>
+        <p:nvCxnSpPr>
+          <p:cNvPr id="3" name="직선 연결선 2">
+            <a:extLst>
+              <a:ext uri="{FF2B5EF4-FFF2-40B4-BE49-F238E27FC236}">
+                <a16:creationId xmlns:a16="http://schemas.microsoft.com/office/drawing/2014/main" id="{5B3EF989-DACE-168B-80B9-73DC334D3544}"/>
+              </a:ext>
+            </a:extLst>
+          </p:cNvPr>
+          <p:cNvCxnSpPr>
+            <a:cxnSpLocks/>
+          </p:cNvCxnSpPr>
+          <p:nvPr/>
+        </p:nvCxnSpPr>
+        <p:spPr>
+          <a:xfrm flipH="1" flipV="1">
+            <a:off x="-13447" y="972511"/>
+            <a:ext cx="18288000" cy="65119"/>
+          </a:xfrm>
+          <a:prstGeom prst="line">
+            <a:avLst/>
+          </a:prstGeom>
+          <a:ln w="38100">
+            <a:solidFill>
+              <a:srgbClr val="4C50BC"/>
+            </a:solidFill>
+          </a:ln>
+        </p:spPr>
+        <p:style>
+          <a:lnRef idx="1">
+            <a:schemeClr val="accent1"/>
+          </a:lnRef>
+          <a:fillRef idx="0">
+            <a:schemeClr val="accent1"/>
+          </a:fillRef>
+          <a:effectRef idx="0">
+            <a:schemeClr val="accent1"/>
+          </a:effectRef>
+          <a:fontRef idx="minor">
+            <a:schemeClr val="tx1"/>
+          </a:fontRef>
+        </p:style>
+      </p:cxnSp>
       <p:pic>
         <p:nvPicPr>
-          <p:cNvPr id="4" name="그림 3"/>
+          <p:cNvPr id="10" name="그림 9">
+            <a:extLst>
+              <a:ext uri="{FF2B5EF4-FFF2-40B4-BE49-F238E27FC236}">
+                <a16:creationId xmlns:a16="http://schemas.microsoft.com/office/drawing/2014/main" id="{19F4D456-795F-1248-9411-E66C8404CEDF}"/>
+              </a:ext>
+            </a:extLst>
+          </p:cNvPr>
           <p:cNvPicPr>
             <a:picLocks noChangeAspect="1"/>
           </p:cNvPicPr>
@@ -37971,68 +38566,23 @@
         </p:blipFill>
         <p:spPr>
           <a:xfrm>
-            <a:off x="228600" y="1411514"/>
-            <a:ext cx="7515488" cy="6986760"/>
+            <a:off x="904204" y="1485900"/>
+            <a:ext cx="7412324" cy="3581400"/>
           </a:xfrm>
           <a:prstGeom prst="rect">
             <a:avLst/>
           </a:prstGeom>
         </p:spPr>
       </p:pic>
-      <p:sp>
-        <p:nvSpPr>
-          <p:cNvPr id="5" name="TextBox 4">
-            <a:extLst>
-              <a:ext uri="{FF2B5EF4-FFF2-40B4-BE49-F238E27FC236}">
-                <a16:creationId xmlns:a16="http://schemas.microsoft.com/office/drawing/2014/main" id="{5ADC00B6-990A-40DC-3CEA-505258F5E8DA}"/>
-              </a:ext>
-            </a:extLst>
-          </p:cNvPr>
-          <p:cNvSpPr txBox="1"/>
-          <p:nvPr/>
-        </p:nvSpPr>
-        <p:spPr>
-          <a:xfrm>
-            <a:off x="1371600" y="419100"/>
-            <a:ext cx="16459200" cy="830997"/>
-          </a:xfrm>
-          <a:prstGeom prst="rect">
-            <a:avLst/>
-          </a:prstGeom>
-          <a:noFill/>
-        </p:spPr>
-        <p:txBody>
-          <a:bodyPr wrap="square" rtlCol="0">
-            <a:spAutoFit/>
-          </a:bodyPr>
-          <a:lstStyle/>
-          <a:p>
-            <a:r>
-              <a:rPr lang="ko-KR" altLang="en-US" sz="4800">
-                <a:solidFill>
-                  <a:srgbClr val="4C50BC"/>
-                </a:solidFill>
-                <a:latin typeface="G마켓 산스 Medium" panose="02000000000000000000" pitchFamily="50" charset="-127"/>
-                <a:ea typeface="G마켓 산스 Medium" panose="02000000000000000000" pitchFamily="50" charset="-127"/>
-              </a:rPr>
-              <a:t>새가 이동하는 방법을 외부에서 결정해줬으면 좋겠어</a:t>
-            </a:r>
-            <a:r>
-              <a:rPr lang="en-US" altLang="ko-KR" sz="4800">
-                <a:solidFill>
-                  <a:srgbClr val="4C50BC"/>
-                </a:solidFill>
-                <a:latin typeface="G마켓 산스 Medium" panose="02000000000000000000" pitchFamily="50" charset="-127"/>
-                <a:ea typeface="G마켓 산스 Medium" panose="02000000000000000000" pitchFamily="50" charset="-127"/>
-              </a:rPr>
-              <a:t>!</a:t>
-            </a:r>
-          </a:p>
-        </p:txBody>
-      </p:sp>
       <p:pic>
         <p:nvPicPr>
-          <p:cNvPr id="6" name="그림 5"/>
+          <p:cNvPr id="12" name="그림 11">
+            <a:extLst>
+              <a:ext uri="{FF2B5EF4-FFF2-40B4-BE49-F238E27FC236}">
+                <a16:creationId xmlns:a16="http://schemas.microsoft.com/office/drawing/2014/main" id="{A03AD7D7-550E-20FD-77FA-10AE9E7FC227}"/>
+              </a:ext>
+            </a:extLst>
+          </p:cNvPr>
           <p:cNvPicPr>
             <a:picLocks noChangeAspect="1"/>
           </p:cNvPicPr>
@@ -38046,14 +38596,188 @@
         </p:blipFill>
         <p:spPr>
           <a:xfrm>
-            <a:off x="8077199" y="1409700"/>
-            <a:ext cx="9862973" cy="7239000"/>
+            <a:off x="904204" y="5437273"/>
+            <a:ext cx="5715798" cy="3877216"/>
           </a:xfrm>
           <a:prstGeom prst="rect">
             <a:avLst/>
           </a:prstGeom>
         </p:spPr>
       </p:pic>
+      <p:pic>
+        <p:nvPicPr>
+          <p:cNvPr id="14" name="그림 13">
+            <a:extLst>
+              <a:ext uri="{FF2B5EF4-FFF2-40B4-BE49-F238E27FC236}">
+                <a16:creationId xmlns:a16="http://schemas.microsoft.com/office/drawing/2014/main" id="{41864972-DA55-6E2B-D0FD-E0D80DCAC234}"/>
+              </a:ext>
+            </a:extLst>
+          </p:cNvPr>
+          <p:cNvPicPr>
+            <a:picLocks noChangeAspect="1"/>
+          </p:cNvPicPr>
+          <p:nvPr/>
+        </p:nvPicPr>
+        <p:blipFill>
+          <a:blip r:embed="rId4"/>
+          <a:stretch>
+            <a:fillRect/>
+          </a:stretch>
+        </p:blipFill>
+        <p:spPr>
+          <a:xfrm>
+            <a:off x="8349185" y="5829300"/>
+            <a:ext cx="3925193" cy="2262556"/>
+          </a:xfrm>
+          <a:prstGeom prst="rect">
+            <a:avLst/>
+          </a:prstGeom>
+        </p:spPr>
+      </p:pic>
+      <p:cxnSp>
+        <p:nvCxnSpPr>
+          <p:cNvPr id="15" name="직선 화살표 연결선 14">
+            <a:extLst>
+              <a:ext uri="{FF2B5EF4-FFF2-40B4-BE49-F238E27FC236}">
+                <a16:creationId xmlns:a16="http://schemas.microsoft.com/office/drawing/2014/main" id="{45BEB6BB-4CE6-769C-2AE3-02C641E35C33}"/>
+              </a:ext>
+            </a:extLst>
+          </p:cNvPr>
+          <p:cNvCxnSpPr>
+            <a:cxnSpLocks/>
+          </p:cNvCxnSpPr>
+          <p:nvPr/>
+        </p:nvCxnSpPr>
+        <p:spPr>
+          <a:xfrm>
+            <a:off x="10372600" y="7353300"/>
+            <a:ext cx="1219200" cy="0"/>
+          </a:xfrm>
+          <a:prstGeom prst="straightConnector1">
+            <a:avLst/>
+          </a:prstGeom>
+          <a:ln w="38100">
+            <a:tailEnd type="triangle"/>
+          </a:ln>
+        </p:spPr>
+        <p:style>
+          <a:lnRef idx="1">
+            <a:schemeClr val="accent2"/>
+          </a:lnRef>
+          <a:fillRef idx="0">
+            <a:schemeClr val="accent2"/>
+          </a:fillRef>
+          <a:effectRef idx="0">
+            <a:schemeClr val="accent2"/>
+          </a:effectRef>
+          <a:fontRef idx="minor">
+            <a:schemeClr val="tx1"/>
+          </a:fontRef>
+        </p:style>
+      </p:cxnSp>
+      <p:sp>
+        <p:nvSpPr>
+          <p:cNvPr id="16" name="직사각형 15">
+            <a:extLst>
+              <a:ext uri="{FF2B5EF4-FFF2-40B4-BE49-F238E27FC236}">
+                <a16:creationId xmlns:a16="http://schemas.microsoft.com/office/drawing/2014/main" id="{A99DA8E4-6466-AC27-3B36-5E0C1CC016FD}"/>
+              </a:ext>
+            </a:extLst>
+          </p:cNvPr>
+          <p:cNvSpPr/>
+          <p:nvPr/>
+        </p:nvSpPr>
+        <p:spPr>
+          <a:xfrm>
+            <a:off x="7781800" y="7048500"/>
+            <a:ext cx="2590800" cy="457200"/>
+          </a:xfrm>
+          <a:prstGeom prst="rect">
+            <a:avLst/>
+          </a:prstGeom>
+          <a:noFill/>
+          <a:ln>
+            <a:solidFill>
+              <a:srgbClr val="FF0000"/>
+            </a:solidFill>
+          </a:ln>
+        </p:spPr>
+        <p:style>
+          <a:lnRef idx="2">
+            <a:schemeClr val="accent2">
+              <a:shade val="50000"/>
+            </a:schemeClr>
+          </a:lnRef>
+          <a:fillRef idx="1">
+            <a:schemeClr val="accent2"/>
+          </a:fillRef>
+          <a:effectRef idx="0">
+            <a:schemeClr val="accent2"/>
+          </a:effectRef>
+          <a:fontRef idx="minor">
+            <a:schemeClr val="lt1"/>
+          </a:fontRef>
+        </p:style>
+        <p:txBody>
+          <a:bodyPr rtlCol="0" anchor="ctr"/>
+          <a:lstStyle/>
+          <a:p>
+            <a:pPr algn="ctr"/>
+            <a:endParaRPr lang="ko-KR" altLang="en-US"/>
+          </a:p>
+        </p:txBody>
+      </p:sp>
+      <p:sp>
+        <p:nvSpPr>
+          <p:cNvPr id="17" name="TextBox 16">
+            <a:extLst>
+              <a:ext uri="{FF2B5EF4-FFF2-40B4-BE49-F238E27FC236}">
+                <a16:creationId xmlns:a16="http://schemas.microsoft.com/office/drawing/2014/main" id="{FEE9214A-5C8C-A80F-7AE0-26940CE00918}"/>
+              </a:ext>
+            </a:extLst>
+          </p:cNvPr>
+          <p:cNvSpPr txBox="1"/>
+          <p:nvPr/>
+        </p:nvSpPr>
+        <p:spPr>
+          <a:xfrm>
+            <a:off x="11668000" y="7048500"/>
+            <a:ext cx="6400800" cy="646331"/>
+          </a:xfrm>
+          <a:prstGeom prst="rect">
+            <a:avLst/>
+          </a:prstGeom>
+          <a:noFill/>
+        </p:spPr>
+        <p:txBody>
+          <a:bodyPr wrap="square" rtlCol="0">
+            <a:spAutoFit/>
+          </a:bodyPr>
+          <a:lstStyle/>
+          <a:p>
+            <a:r>
+              <a:rPr lang="ko-KR" altLang="en-US" sz="3600" dirty="0">
+                <a:solidFill>
+                  <a:srgbClr val="FF0000"/>
+                </a:solidFill>
+                <a:latin typeface="G마켓 산스 Medium" panose="02000000000000000000" pitchFamily="50" charset="-127"/>
+                <a:ea typeface="G마켓 산스 Medium" panose="02000000000000000000" pitchFamily="50" charset="-127"/>
+              </a:rPr>
+              <a:t>닭은 날수가 없는데</a:t>
+            </a:r>
+            <a:r>
+              <a:rPr lang="en-US" altLang="ko-KR" sz="3600" dirty="0">
+                <a:solidFill>
+                  <a:srgbClr val="FF0000"/>
+                </a:solidFill>
+                <a:latin typeface="G마켓 산스 Medium" panose="02000000000000000000" pitchFamily="50" charset="-127"/>
+                <a:ea typeface="G마켓 산스 Medium" panose="02000000000000000000" pitchFamily="50" charset="-127"/>
+              </a:rPr>
+              <a:t>..??</a:t>
+            </a:r>
+          </a:p>
+        </p:txBody>
+      </p:sp>
     </p:spTree>
     <p:extLst>
       <p:ext uri="{BB962C8B-B14F-4D97-AF65-F5344CB8AC3E}">
@@ -38068,6 +38792,1308 @@
 </file>
 
 <file path=ppt/slides/slide72.xml><?xml version="1.0" encoding="utf-8"?>
+<p:sld xmlns:a="http://schemas.openxmlformats.org/drawingml/2006/main" xmlns:r="http://schemas.openxmlformats.org/officeDocument/2006/relationships" xmlns:p="http://schemas.openxmlformats.org/presentationml/2006/main">
+  <p:cSld>
+    <p:spTree>
+      <p:nvGrpSpPr>
+        <p:cNvPr id="1" name=""/>
+        <p:cNvGrpSpPr/>
+        <p:nvPr/>
+      </p:nvGrpSpPr>
+      <p:grpSpPr>
+        <a:xfrm>
+          <a:off x="0" y="0"/>
+          <a:ext cx="0" cy="0"/>
+          <a:chOff x="0" y="0"/>
+          <a:chExt cx="0" cy="0"/>
+        </a:xfrm>
+      </p:grpSpPr>
+      <p:sp>
+        <p:nvSpPr>
+          <p:cNvPr id="4" name="TextBox 3">
+            <a:extLst>
+              <a:ext uri="{FF2B5EF4-FFF2-40B4-BE49-F238E27FC236}">
+                <a16:creationId xmlns:a16="http://schemas.microsoft.com/office/drawing/2014/main" id="{4CB491F0-F338-8554-E511-73D3FF45F907}"/>
+              </a:ext>
+            </a:extLst>
+          </p:cNvPr>
+          <p:cNvSpPr txBox="1"/>
+          <p:nvPr/>
+        </p:nvSpPr>
+        <p:spPr>
+          <a:xfrm>
+            <a:off x="304800" y="114300"/>
+            <a:ext cx="10820400" cy="923330"/>
+          </a:xfrm>
+          <a:prstGeom prst="rect">
+            <a:avLst/>
+          </a:prstGeom>
+          <a:noFill/>
+        </p:spPr>
+        <p:txBody>
+          <a:bodyPr wrap="square" rtlCol="0">
+            <a:spAutoFit/>
+          </a:bodyPr>
+          <a:lstStyle/>
+          <a:p>
+            <a:r>
+              <a:rPr lang="ko-KR" altLang="en-US" sz="5400" spc="-300" dirty="0">
+                <a:solidFill>
+                  <a:srgbClr val="4C50BC"/>
+                </a:solidFill>
+                <a:latin typeface="G마켓 산스 Bold" panose="02000000000000000000" pitchFamily="50" charset="-127"/>
+                <a:ea typeface="G마켓 산스 Bold" panose="02000000000000000000" pitchFamily="50" charset="-127"/>
+              </a:rPr>
+              <a:t>익명클래스 사용이유</a:t>
+            </a:r>
+            <a:endParaRPr lang="en-US" altLang="ko-KR" sz="5400" spc="-300" dirty="0">
+              <a:solidFill>
+                <a:srgbClr val="4C50BC"/>
+              </a:solidFill>
+              <a:latin typeface="G마켓 산스 Bold" panose="02000000000000000000" pitchFamily="50" charset="-127"/>
+              <a:ea typeface="G마켓 산스 Bold" panose="02000000000000000000" pitchFamily="50" charset="-127"/>
+            </a:endParaRPr>
+          </a:p>
+        </p:txBody>
+      </p:sp>
+      <p:cxnSp>
+        <p:nvCxnSpPr>
+          <p:cNvPr id="5" name="직선 연결선 4">
+            <a:extLst>
+              <a:ext uri="{FF2B5EF4-FFF2-40B4-BE49-F238E27FC236}">
+                <a16:creationId xmlns:a16="http://schemas.microsoft.com/office/drawing/2014/main" id="{F4C2A70E-DE62-377C-C8F7-3DB59978DCFF}"/>
+              </a:ext>
+            </a:extLst>
+          </p:cNvPr>
+          <p:cNvCxnSpPr>
+            <a:cxnSpLocks/>
+          </p:cNvCxnSpPr>
+          <p:nvPr/>
+        </p:nvCxnSpPr>
+        <p:spPr>
+          <a:xfrm flipH="1" flipV="1">
+            <a:off x="-13447" y="972511"/>
+            <a:ext cx="18288000" cy="65119"/>
+          </a:xfrm>
+          <a:prstGeom prst="line">
+            <a:avLst/>
+          </a:prstGeom>
+          <a:ln w="38100">
+            <a:solidFill>
+              <a:srgbClr val="4C50BC"/>
+            </a:solidFill>
+          </a:ln>
+        </p:spPr>
+        <p:style>
+          <a:lnRef idx="1">
+            <a:schemeClr val="accent1"/>
+          </a:lnRef>
+          <a:fillRef idx="0">
+            <a:schemeClr val="accent1"/>
+          </a:fillRef>
+          <a:effectRef idx="0">
+            <a:schemeClr val="accent1"/>
+          </a:effectRef>
+          <a:fontRef idx="minor">
+            <a:schemeClr val="tx1"/>
+          </a:fontRef>
+        </p:style>
+      </p:cxnSp>
+      <p:sp>
+        <p:nvSpPr>
+          <p:cNvPr id="6" name="TextBox 5">
+            <a:extLst>
+              <a:ext uri="{FF2B5EF4-FFF2-40B4-BE49-F238E27FC236}">
+                <a16:creationId xmlns:a16="http://schemas.microsoft.com/office/drawing/2014/main" id="{0E583593-A174-62B7-3C1C-341184F2DE84}"/>
+              </a:ext>
+            </a:extLst>
+          </p:cNvPr>
+          <p:cNvSpPr txBox="1"/>
+          <p:nvPr/>
+        </p:nvSpPr>
+        <p:spPr>
+          <a:xfrm>
+            <a:off x="762000" y="1201111"/>
+            <a:ext cx="15849600" cy="1200329"/>
+          </a:xfrm>
+          <a:prstGeom prst="rect">
+            <a:avLst/>
+          </a:prstGeom>
+          <a:noFill/>
+        </p:spPr>
+        <p:txBody>
+          <a:bodyPr wrap="square" rtlCol="0">
+            <a:spAutoFit/>
+          </a:bodyPr>
+          <a:lstStyle/>
+          <a:p>
+            <a:pPr marL="571500" indent="-571500">
+              <a:buFont typeface="Arial" panose="020B0604020202020204" pitchFamily="34" charset="0"/>
+              <a:buChar char="•"/>
+            </a:pPr>
+            <a:r>
+              <a:rPr lang="en-US" altLang="ko-KR" sz="3600" dirty="0">
+                <a:solidFill>
+                  <a:schemeClr val="tx1">
+                    <a:lumMod val="50000"/>
+                    <a:lumOff val="50000"/>
+                  </a:schemeClr>
+                </a:solidFill>
+                <a:latin typeface="G마켓 산스 Medium" panose="02000000000000000000" pitchFamily="50" charset="-127"/>
+                <a:ea typeface="G마켓 산스 Medium" panose="02000000000000000000" pitchFamily="50" charset="-127"/>
+              </a:rPr>
+              <a:t>Bird</a:t>
+            </a:r>
+            <a:r>
+              <a:rPr lang="ko-KR" altLang="en-US" sz="3600" dirty="0">
+                <a:solidFill>
+                  <a:schemeClr val="tx1">
+                    <a:lumMod val="50000"/>
+                    <a:lumOff val="50000"/>
+                  </a:schemeClr>
+                </a:solidFill>
+                <a:latin typeface="G마켓 산스 Medium" panose="02000000000000000000" pitchFamily="50" charset="-127"/>
+                <a:ea typeface="G마켓 산스 Medium" panose="02000000000000000000" pitchFamily="50" charset="-127"/>
+              </a:rPr>
+              <a:t>클래스에서 </a:t>
+            </a:r>
+            <a:r>
+              <a:rPr lang="en-US" altLang="ko-KR" sz="3600" dirty="0">
+                <a:solidFill>
+                  <a:schemeClr val="tx1">
+                    <a:lumMod val="50000"/>
+                    <a:lumOff val="50000"/>
+                  </a:schemeClr>
+                </a:solidFill>
+                <a:latin typeface="G마켓 산스 Medium" panose="02000000000000000000" pitchFamily="50" charset="-127"/>
+                <a:ea typeface="G마켓 산스 Medium" panose="02000000000000000000" pitchFamily="50" charset="-127"/>
+              </a:rPr>
+              <a:t>go</a:t>
+            </a:r>
+            <a:r>
+              <a:rPr lang="ko-KR" altLang="en-US" sz="3600" dirty="0">
+                <a:solidFill>
+                  <a:schemeClr val="tx1">
+                    <a:lumMod val="50000"/>
+                    <a:lumOff val="50000"/>
+                  </a:schemeClr>
+                </a:solidFill>
+                <a:latin typeface="G마켓 산스 Medium" panose="02000000000000000000" pitchFamily="50" charset="-127"/>
+                <a:ea typeface="G마켓 산스 Medium" panose="02000000000000000000" pitchFamily="50" charset="-127"/>
+              </a:rPr>
+              <a:t>의 내용을 구현하지 말고 객체를 생성하는 외부에서 </a:t>
+            </a:r>
+            <a:r>
+              <a:rPr lang="en-US" altLang="ko-KR" sz="3600" dirty="0">
+                <a:solidFill>
+                  <a:schemeClr val="tx1">
+                    <a:lumMod val="50000"/>
+                    <a:lumOff val="50000"/>
+                  </a:schemeClr>
+                </a:solidFill>
+                <a:latin typeface="G마켓 산스 Medium" panose="02000000000000000000" pitchFamily="50" charset="-127"/>
+                <a:ea typeface="G마켓 산스 Medium" panose="02000000000000000000" pitchFamily="50" charset="-127"/>
+              </a:rPr>
+              <a:t>go</a:t>
+            </a:r>
+            <a:r>
+              <a:rPr lang="ko-KR" altLang="en-US" sz="3600" dirty="0">
+                <a:solidFill>
+                  <a:schemeClr val="tx1">
+                    <a:lumMod val="50000"/>
+                    <a:lumOff val="50000"/>
+                  </a:schemeClr>
+                </a:solidFill>
+                <a:latin typeface="G마켓 산스 Medium" panose="02000000000000000000" pitchFamily="50" charset="-127"/>
+                <a:ea typeface="G마켓 산스 Medium" panose="02000000000000000000" pitchFamily="50" charset="-127"/>
+              </a:rPr>
+              <a:t>를 어떻게 할지 결정해서 준다면</a:t>
+            </a:r>
+            <a:r>
+              <a:rPr lang="en-US" altLang="ko-KR" sz="3600" dirty="0">
+                <a:solidFill>
+                  <a:schemeClr val="tx1">
+                    <a:lumMod val="50000"/>
+                    <a:lumOff val="50000"/>
+                  </a:schemeClr>
+                </a:solidFill>
+                <a:latin typeface="G마켓 산스 Medium" panose="02000000000000000000" pitchFamily="50" charset="-127"/>
+                <a:ea typeface="G마켓 산스 Medium" panose="02000000000000000000" pitchFamily="50" charset="-127"/>
+              </a:rPr>
+              <a:t>?</a:t>
+            </a:r>
+          </a:p>
+        </p:txBody>
+      </p:sp>
+      <p:pic>
+        <p:nvPicPr>
+          <p:cNvPr id="8" name="그림 7">
+            <a:extLst>
+              <a:ext uri="{FF2B5EF4-FFF2-40B4-BE49-F238E27FC236}">
+                <a16:creationId xmlns:a16="http://schemas.microsoft.com/office/drawing/2014/main" id="{B8FAB61D-E0E6-F274-3D71-F71D1EBF03DA}"/>
+              </a:ext>
+            </a:extLst>
+          </p:cNvPr>
+          <p:cNvPicPr>
+            <a:picLocks noChangeAspect="1"/>
+          </p:cNvPicPr>
+          <p:nvPr/>
+        </p:nvPicPr>
+        <p:blipFill>
+          <a:blip r:embed="rId2"/>
+          <a:stretch>
+            <a:fillRect/>
+          </a:stretch>
+        </p:blipFill>
+        <p:spPr>
+          <a:xfrm>
+            <a:off x="751114" y="2401440"/>
+            <a:ext cx="4887686" cy="4573797"/>
+          </a:xfrm>
+          <a:prstGeom prst="rect">
+            <a:avLst/>
+          </a:prstGeom>
+        </p:spPr>
+      </p:pic>
+      <p:pic>
+        <p:nvPicPr>
+          <p:cNvPr id="10" name="그림 9">
+            <a:extLst>
+              <a:ext uri="{FF2B5EF4-FFF2-40B4-BE49-F238E27FC236}">
+                <a16:creationId xmlns:a16="http://schemas.microsoft.com/office/drawing/2014/main" id="{A0C79AF4-95FF-D66F-C35D-7A3B9629CCD0}"/>
+              </a:ext>
+            </a:extLst>
+          </p:cNvPr>
+          <p:cNvPicPr>
+            <a:picLocks noChangeAspect="1"/>
+          </p:cNvPicPr>
+          <p:nvPr/>
+        </p:nvPicPr>
+        <p:blipFill>
+          <a:blip r:embed="rId3"/>
+          <a:stretch>
+            <a:fillRect/>
+          </a:stretch>
+        </p:blipFill>
+        <p:spPr>
+          <a:xfrm>
+            <a:off x="533399" y="7141959"/>
+            <a:ext cx="6481963" cy="2725941"/>
+          </a:xfrm>
+          <a:prstGeom prst="rect">
+            <a:avLst/>
+          </a:prstGeom>
+        </p:spPr>
+      </p:pic>
+      <p:pic>
+        <p:nvPicPr>
+          <p:cNvPr id="12" name="그림 11">
+            <a:extLst>
+              <a:ext uri="{FF2B5EF4-FFF2-40B4-BE49-F238E27FC236}">
+                <a16:creationId xmlns:a16="http://schemas.microsoft.com/office/drawing/2014/main" id="{79124EF1-0553-9CD7-1897-702AD86B6E95}"/>
+              </a:ext>
+            </a:extLst>
+          </p:cNvPr>
+          <p:cNvPicPr>
+            <a:picLocks noChangeAspect="1"/>
+          </p:cNvPicPr>
+          <p:nvPr/>
+        </p:nvPicPr>
+        <p:blipFill>
+          <a:blip r:embed="rId4"/>
+          <a:stretch>
+            <a:fillRect/>
+          </a:stretch>
+        </p:blipFill>
+        <p:spPr>
+          <a:xfrm>
+            <a:off x="8229600" y="2564921"/>
+            <a:ext cx="8813610" cy="6749568"/>
+          </a:xfrm>
+          <a:prstGeom prst="rect">
+            <a:avLst/>
+          </a:prstGeom>
+        </p:spPr>
+      </p:pic>
+    </p:spTree>
+    <p:extLst>
+      <p:ext uri="{BB962C8B-B14F-4D97-AF65-F5344CB8AC3E}">
+        <p14:creationId xmlns:p14="http://schemas.microsoft.com/office/powerpoint/2010/main" val="3281116496"/>
+      </p:ext>
+    </p:extLst>
+  </p:cSld>
+  <p:clrMapOvr>
+    <a:masterClrMapping/>
+  </p:clrMapOvr>
+</p:sld>
+</file>
+
+<file path=ppt/slides/slide73.xml><?xml version="1.0" encoding="utf-8"?>
+<p:sld xmlns:a="http://schemas.openxmlformats.org/drawingml/2006/main" xmlns:r="http://schemas.openxmlformats.org/officeDocument/2006/relationships" xmlns:p="http://schemas.openxmlformats.org/presentationml/2006/main">
+  <p:cSld>
+    <p:spTree>
+      <p:nvGrpSpPr>
+        <p:cNvPr id="1" name=""/>
+        <p:cNvGrpSpPr/>
+        <p:nvPr/>
+      </p:nvGrpSpPr>
+      <p:grpSpPr>
+        <a:xfrm>
+          <a:off x="0" y="0"/>
+          <a:ext cx="0" cy="0"/>
+          <a:chOff x="0" y="0"/>
+          <a:chExt cx="0" cy="0"/>
+        </a:xfrm>
+      </p:grpSpPr>
+      <p:sp>
+        <p:nvSpPr>
+          <p:cNvPr id="4" name="TextBox 3">
+            <a:extLst>
+              <a:ext uri="{FF2B5EF4-FFF2-40B4-BE49-F238E27FC236}">
+                <a16:creationId xmlns:a16="http://schemas.microsoft.com/office/drawing/2014/main" id="{79CCA702-6D8A-1736-0986-C9FA3B6A6DD5}"/>
+              </a:ext>
+            </a:extLst>
+          </p:cNvPr>
+          <p:cNvSpPr txBox="1"/>
+          <p:nvPr/>
+        </p:nvSpPr>
+        <p:spPr>
+          <a:xfrm>
+            <a:off x="304800" y="114300"/>
+            <a:ext cx="10820400" cy="923330"/>
+          </a:xfrm>
+          <a:prstGeom prst="rect">
+            <a:avLst/>
+          </a:prstGeom>
+          <a:noFill/>
+        </p:spPr>
+        <p:txBody>
+          <a:bodyPr wrap="square" rtlCol="0">
+            <a:spAutoFit/>
+          </a:bodyPr>
+          <a:lstStyle/>
+          <a:p>
+            <a:r>
+              <a:rPr lang="ko-KR" altLang="en-US" sz="5400" spc="-300" dirty="0">
+                <a:solidFill>
+                  <a:srgbClr val="4C50BC"/>
+                </a:solidFill>
+                <a:latin typeface="G마켓 산스 Bold" panose="02000000000000000000" pitchFamily="50" charset="-127"/>
+                <a:ea typeface="G마켓 산스 Bold" panose="02000000000000000000" pitchFamily="50" charset="-127"/>
+              </a:rPr>
+              <a:t>익명클래스 사용이유</a:t>
+            </a:r>
+            <a:endParaRPr lang="en-US" altLang="ko-KR" sz="5400" spc="-300" dirty="0">
+              <a:solidFill>
+                <a:srgbClr val="4C50BC"/>
+              </a:solidFill>
+              <a:latin typeface="G마켓 산스 Bold" panose="02000000000000000000" pitchFamily="50" charset="-127"/>
+              <a:ea typeface="G마켓 산스 Bold" panose="02000000000000000000" pitchFamily="50" charset="-127"/>
+            </a:endParaRPr>
+          </a:p>
+        </p:txBody>
+      </p:sp>
+      <p:cxnSp>
+        <p:nvCxnSpPr>
+          <p:cNvPr id="5" name="직선 연결선 4">
+            <a:extLst>
+              <a:ext uri="{FF2B5EF4-FFF2-40B4-BE49-F238E27FC236}">
+                <a16:creationId xmlns:a16="http://schemas.microsoft.com/office/drawing/2014/main" id="{9D218C42-CB95-1EBE-366A-B74E2388350B}"/>
+              </a:ext>
+            </a:extLst>
+          </p:cNvPr>
+          <p:cNvCxnSpPr>
+            <a:cxnSpLocks/>
+          </p:cNvCxnSpPr>
+          <p:nvPr/>
+        </p:nvCxnSpPr>
+        <p:spPr>
+          <a:xfrm flipH="1" flipV="1">
+            <a:off x="-13447" y="972511"/>
+            <a:ext cx="18288000" cy="65119"/>
+          </a:xfrm>
+          <a:prstGeom prst="line">
+            <a:avLst/>
+          </a:prstGeom>
+          <a:ln w="38100">
+            <a:solidFill>
+              <a:srgbClr val="4C50BC"/>
+            </a:solidFill>
+          </a:ln>
+        </p:spPr>
+        <p:style>
+          <a:lnRef idx="1">
+            <a:schemeClr val="accent1"/>
+          </a:lnRef>
+          <a:fillRef idx="0">
+            <a:schemeClr val="accent1"/>
+          </a:fillRef>
+          <a:effectRef idx="0">
+            <a:schemeClr val="accent1"/>
+          </a:effectRef>
+          <a:fontRef idx="minor">
+            <a:schemeClr val="tx1"/>
+          </a:fontRef>
+        </p:style>
+      </p:cxnSp>
+      <p:pic>
+        <p:nvPicPr>
+          <p:cNvPr id="7" name="그림 6">
+            <a:extLst>
+              <a:ext uri="{FF2B5EF4-FFF2-40B4-BE49-F238E27FC236}">
+                <a16:creationId xmlns:a16="http://schemas.microsoft.com/office/drawing/2014/main" id="{4BED7479-271E-34DC-26CC-EC0D4C7E7D41}"/>
+              </a:ext>
+            </a:extLst>
+          </p:cNvPr>
+          <p:cNvPicPr>
+            <a:picLocks noChangeAspect="1"/>
+          </p:cNvPicPr>
+          <p:nvPr/>
+        </p:nvPicPr>
+        <p:blipFill>
+          <a:blip r:embed="rId2"/>
+          <a:stretch>
+            <a:fillRect/>
+          </a:stretch>
+        </p:blipFill>
+        <p:spPr>
+          <a:xfrm>
+            <a:off x="1143000" y="3442539"/>
+            <a:ext cx="5410200" cy="6349161"/>
+          </a:xfrm>
+          <a:prstGeom prst="rect">
+            <a:avLst/>
+          </a:prstGeom>
+        </p:spPr>
+      </p:pic>
+      <p:cxnSp>
+        <p:nvCxnSpPr>
+          <p:cNvPr id="8" name="직선 화살표 연결선 7">
+            <a:extLst>
+              <a:ext uri="{FF2B5EF4-FFF2-40B4-BE49-F238E27FC236}">
+                <a16:creationId xmlns:a16="http://schemas.microsoft.com/office/drawing/2014/main" id="{2615ED2B-0B4F-01A8-E75A-253D6B8898A9}"/>
+              </a:ext>
+            </a:extLst>
+          </p:cNvPr>
+          <p:cNvCxnSpPr>
+            <a:cxnSpLocks/>
+          </p:cNvCxnSpPr>
+          <p:nvPr/>
+        </p:nvCxnSpPr>
+        <p:spPr>
+          <a:xfrm>
+            <a:off x="5029200" y="7557339"/>
+            <a:ext cx="1219200" cy="0"/>
+          </a:xfrm>
+          <a:prstGeom prst="straightConnector1">
+            <a:avLst/>
+          </a:prstGeom>
+          <a:ln w="38100">
+            <a:tailEnd type="triangle"/>
+          </a:ln>
+        </p:spPr>
+        <p:style>
+          <a:lnRef idx="1">
+            <a:schemeClr val="accent2"/>
+          </a:lnRef>
+          <a:fillRef idx="0">
+            <a:schemeClr val="accent2"/>
+          </a:fillRef>
+          <a:effectRef idx="0">
+            <a:schemeClr val="accent2"/>
+          </a:effectRef>
+          <a:fontRef idx="minor">
+            <a:schemeClr val="tx1"/>
+          </a:fontRef>
+        </p:style>
+      </p:cxnSp>
+      <p:sp>
+        <p:nvSpPr>
+          <p:cNvPr id="9" name="직사각형 8">
+            <a:extLst>
+              <a:ext uri="{FF2B5EF4-FFF2-40B4-BE49-F238E27FC236}">
+                <a16:creationId xmlns:a16="http://schemas.microsoft.com/office/drawing/2014/main" id="{DB657718-42BD-A7F5-BF26-43CE9D4A5FB3}"/>
+              </a:ext>
+            </a:extLst>
+          </p:cNvPr>
+          <p:cNvSpPr/>
+          <p:nvPr/>
+        </p:nvSpPr>
+        <p:spPr>
+          <a:xfrm>
+            <a:off x="2438400" y="7252538"/>
+            <a:ext cx="2590800" cy="1066799"/>
+          </a:xfrm>
+          <a:prstGeom prst="rect">
+            <a:avLst/>
+          </a:prstGeom>
+          <a:noFill/>
+          <a:ln>
+            <a:solidFill>
+              <a:srgbClr val="FF0000"/>
+            </a:solidFill>
+          </a:ln>
+        </p:spPr>
+        <p:style>
+          <a:lnRef idx="2">
+            <a:schemeClr val="accent2">
+              <a:shade val="50000"/>
+            </a:schemeClr>
+          </a:lnRef>
+          <a:fillRef idx="1">
+            <a:schemeClr val="accent2"/>
+          </a:fillRef>
+          <a:effectRef idx="0">
+            <a:schemeClr val="accent2"/>
+          </a:effectRef>
+          <a:fontRef idx="minor">
+            <a:schemeClr val="lt1"/>
+          </a:fontRef>
+        </p:style>
+        <p:txBody>
+          <a:bodyPr rtlCol="0" anchor="ctr"/>
+          <a:lstStyle/>
+          <a:p>
+            <a:pPr algn="ctr"/>
+            <a:endParaRPr lang="ko-KR" altLang="en-US"/>
+          </a:p>
+        </p:txBody>
+      </p:sp>
+      <p:sp>
+        <p:nvSpPr>
+          <p:cNvPr id="10" name="TextBox 9">
+            <a:extLst>
+              <a:ext uri="{FF2B5EF4-FFF2-40B4-BE49-F238E27FC236}">
+                <a16:creationId xmlns:a16="http://schemas.microsoft.com/office/drawing/2014/main" id="{B8AA2BB6-3D67-B584-2897-2FEB75F751FF}"/>
+              </a:ext>
+            </a:extLst>
+          </p:cNvPr>
+          <p:cNvSpPr txBox="1"/>
+          <p:nvPr/>
+        </p:nvSpPr>
+        <p:spPr>
+          <a:xfrm>
+            <a:off x="6324600" y="7252539"/>
+            <a:ext cx="6400800" cy="1200329"/>
+          </a:xfrm>
+          <a:prstGeom prst="rect">
+            <a:avLst/>
+          </a:prstGeom>
+          <a:noFill/>
+        </p:spPr>
+        <p:txBody>
+          <a:bodyPr wrap="square" rtlCol="0">
+            <a:spAutoFit/>
+          </a:bodyPr>
+          <a:lstStyle/>
+          <a:p>
+            <a:r>
+              <a:rPr lang="ko-KR" altLang="en-US" sz="3600" dirty="0">
+                <a:solidFill>
+                  <a:srgbClr val="FF0000"/>
+                </a:solidFill>
+                <a:latin typeface="G마켓 산스 Medium" panose="02000000000000000000" pitchFamily="50" charset="-127"/>
+                <a:ea typeface="G마켓 산스 Medium" panose="02000000000000000000" pitchFamily="50" charset="-127"/>
+              </a:rPr>
+              <a:t>움직이는 방법 </a:t>
+            </a:r>
+            <a:r>
+              <a:rPr lang="en-US" altLang="ko-KR" sz="3600" dirty="0">
+                <a:solidFill>
+                  <a:srgbClr val="FF0000"/>
+                </a:solidFill>
+                <a:latin typeface="G마켓 산스 Medium" panose="02000000000000000000" pitchFamily="50" charset="-127"/>
+                <a:ea typeface="G마켓 산스 Medium" panose="02000000000000000000" pitchFamily="50" charset="-127"/>
+              </a:rPr>
+              <a:t>1</a:t>
+            </a:r>
+            <a:r>
+              <a:rPr lang="ko-KR" altLang="en-US" sz="3600" dirty="0">
+                <a:solidFill>
+                  <a:srgbClr val="FF0000"/>
+                </a:solidFill>
+                <a:latin typeface="G마켓 산스 Medium" panose="02000000000000000000" pitchFamily="50" charset="-127"/>
+                <a:ea typeface="G마켓 산스 Medium" panose="02000000000000000000" pitchFamily="50" charset="-127"/>
+              </a:rPr>
+              <a:t>개당 클래스가 하나</a:t>
+            </a:r>
+            <a:r>
+              <a:rPr lang="en-US" altLang="ko-KR" sz="3600" dirty="0">
+                <a:solidFill>
+                  <a:srgbClr val="FF0000"/>
+                </a:solidFill>
+                <a:latin typeface="G마켓 산스 Medium" panose="02000000000000000000" pitchFamily="50" charset="-127"/>
+                <a:ea typeface="G마켓 산스 Medium" panose="02000000000000000000" pitchFamily="50" charset="-127"/>
+              </a:rPr>
+              <a:t>..?</a:t>
+            </a:r>
+          </a:p>
+        </p:txBody>
+      </p:sp>
+      <p:sp>
+        <p:nvSpPr>
+          <p:cNvPr id="11" name="TextBox 10">
+            <a:extLst>
+              <a:ext uri="{FF2B5EF4-FFF2-40B4-BE49-F238E27FC236}">
+                <a16:creationId xmlns:a16="http://schemas.microsoft.com/office/drawing/2014/main" id="{33E1DEC8-C354-BDEF-7D6A-C2A183DBE0D3}"/>
+              </a:ext>
+            </a:extLst>
+          </p:cNvPr>
+          <p:cNvSpPr txBox="1"/>
+          <p:nvPr/>
+        </p:nvSpPr>
+        <p:spPr>
+          <a:xfrm>
+            <a:off x="762000" y="1201111"/>
+            <a:ext cx="15849600" cy="1754326"/>
+          </a:xfrm>
+          <a:prstGeom prst="rect">
+            <a:avLst/>
+          </a:prstGeom>
+          <a:noFill/>
+        </p:spPr>
+        <p:txBody>
+          <a:bodyPr wrap="square" rtlCol="0">
+            <a:spAutoFit/>
+          </a:bodyPr>
+          <a:lstStyle/>
+          <a:p>
+            <a:pPr marL="571500" indent="-571500">
+              <a:buFont typeface="Arial" panose="020B0604020202020204" pitchFamily="34" charset="0"/>
+              <a:buChar char="•"/>
+            </a:pPr>
+            <a:r>
+              <a:rPr lang="ko-KR" altLang="en-US" sz="3600" dirty="0">
+                <a:solidFill>
+                  <a:schemeClr val="tx1">
+                    <a:lumMod val="50000"/>
+                    <a:lumOff val="50000"/>
+                  </a:schemeClr>
+                </a:solidFill>
+                <a:latin typeface="G마켓 산스 Medium" panose="02000000000000000000" pitchFamily="50" charset="-127"/>
+                <a:ea typeface="G마켓 산스 Medium" panose="02000000000000000000" pitchFamily="50" charset="-127"/>
+              </a:rPr>
+              <a:t>너무 많은 클래스가 만들어진다</a:t>
+            </a:r>
+            <a:r>
+              <a:rPr lang="en-US" altLang="ko-KR" sz="3600" dirty="0">
+                <a:solidFill>
+                  <a:schemeClr val="tx1">
+                    <a:lumMod val="50000"/>
+                    <a:lumOff val="50000"/>
+                  </a:schemeClr>
+                </a:solidFill>
+                <a:latin typeface="G마켓 산스 Medium" panose="02000000000000000000" pitchFamily="50" charset="-127"/>
+                <a:ea typeface="G마켓 산스 Medium" panose="02000000000000000000" pitchFamily="50" charset="-127"/>
+              </a:rPr>
+              <a:t>.</a:t>
+            </a:r>
+          </a:p>
+          <a:p>
+            <a:pPr marL="571500" indent="-571500">
+              <a:buFont typeface="Arial" panose="020B0604020202020204" pitchFamily="34" charset="0"/>
+              <a:buChar char="•"/>
+            </a:pPr>
+            <a:r>
+              <a:rPr lang="ko-KR" altLang="en-US" sz="3600" dirty="0">
+                <a:solidFill>
+                  <a:schemeClr val="tx1">
+                    <a:lumMod val="50000"/>
+                    <a:lumOff val="50000"/>
+                  </a:schemeClr>
+                </a:solidFill>
+                <a:latin typeface="G마켓 산스 Medium" panose="02000000000000000000" pitchFamily="50" charset="-127"/>
+                <a:ea typeface="G마켓 산스 Medium" panose="02000000000000000000" pitchFamily="50" charset="-127"/>
+              </a:rPr>
+              <a:t>클래스가 오직 메서드 </a:t>
+            </a:r>
+            <a:r>
+              <a:rPr lang="ko-KR" altLang="en-US" sz="3600" dirty="0" err="1">
+                <a:solidFill>
+                  <a:schemeClr val="tx1">
+                    <a:lumMod val="50000"/>
+                    <a:lumOff val="50000"/>
+                  </a:schemeClr>
+                </a:solidFill>
+                <a:latin typeface="G마켓 산스 Medium" panose="02000000000000000000" pitchFamily="50" charset="-127"/>
+                <a:ea typeface="G마켓 산스 Medium" panose="02000000000000000000" pitchFamily="50" charset="-127"/>
+              </a:rPr>
+              <a:t>한개만을</a:t>
+            </a:r>
+            <a:r>
+              <a:rPr lang="ko-KR" altLang="en-US" sz="3600" dirty="0">
+                <a:solidFill>
+                  <a:schemeClr val="tx1">
+                    <a:lumMod val="50000"/>
+                    <a:lumOff val="50000"/>
+                  </a:schemeClr>
+                </a:solidFill>
+                <a:latin typeface="G마켓 산스 Medium" panose="02000000000000000000" pitchFamily="50" charset="-127"/>
+                <a:ea typeface="G마켓 산스 Medium" panose="02000000000000000000" pitchFamily="50" charset="-127"/>
+              </a:rPr>
+              <a:t> 위한 클래스가 된다</a:t>
+            </a:r>
+            <a:endParaRPr lang="en-US" altLang="ko-KR" sz="3600" dirty="0">
+              <a:solidFill>
+                <a:schemeClr val="tx1">
+                  <a:lumMod val="50000"/>
+                  <a:lumOff val="50000"/>
+                </a:schemeClr>
+              </a:solidFill>
+              <a:latin typeface="G마켓 산스 Medium" panose="02000000000000000000" pitchFamily="50" charset="-127"/>
+              <a:ea typeface="G마켓 산스 Medium" panose="02000000000000000000" pitchFamily="50" charset="-127"/>
+            </a:endParaRPr>
+          </a:p>
+          <a:p>
+            <a:r>
+              <a:rPr lang="en-US" altLang="ko-KR" sz="3600" dirty="0">
+                <a:solidFill>
+                  <a:schemeClr val="tx1">
+                    <a:lumMod val="50000"/>
+                    <a:lumOff val="50000"/>
+                  </a:schemeClr>
+                </a:solidFill>
+                <a:latin typeface="G마켓 산스 Medium" panose="02000000000000000000" pitchFamily="50" charset="-127"/>
+                <a:ea typeface="G마켓 산스 Medium" panose="02000000000000000000" pitchFamily="50" charset="-127"/>
+              </a:rPr>
+              <a:t>   </a:t>
+            </a:r>
+            <a:r>
+              <a:rPr lang="ko-KR" altLang="en-US" sz="3600" dirty="0">
+                <a:solidFill>
+                  <a:schemeClr val="tx1">
+                    <a:lumMod val="50000"/>
+                    <a:lumOff val="50000"/>
+                  </a:schemeClr>
+                </a:solidFill>
+                <a:latin typeface="G마켓 산스 Medium" panose="02000000000000000000" pitchFamily="50" charset="-127"/>
+                <a:ea typeface="G마켓 산스 Medium" panose="02000000000000000000" pitchFamily="50" charset="-127"/>
+              </a:rPr>
+              <a:t>객체 지향적이지 못하다</a:t>
+            </a:r>
+            <a:r>
+              <a:rPr lang="en-US" altLang="ko-KR" sz="3600" dirty="0">
+                <a:solidFill>
+                  <a:schemeClr val="tx1">
+                    <a:lumMod val="50000"/>
+                    <a:lumOff val="50000"/>
+                  </a:schemeClr>
+                </a:solidFill>
+                <a:latin typeface="G마켓 산스 Medium" panose="02000000000000000000" pitchFamily="50" charset="-127"/>
+                <a:ea typeface="G마켓 산스 Medium" panose="02000000000000000000" pitchFamily="50" charset="-127"/>
+              </a:rPr>
+              <a:t>.</a:t>
+            </a:r>
+          </a:p>
+        </p:txBody>
+      </p:sp>
+    </p:spTree>
+    <p:extLst>
+      <p:ext uri="{BB962C8B-B14F-4D97-AF65-F5344CB8AC3E}">
+        <p14:creationId xmlns:p14="http://schemas.microsoft.com/office/powerpoint/2010/main" val="2839246187"/>
+      </p:ext>
+    </p:extLst>
+  </p:cSld>
+  <p:clrMapOvr>
+    <a:masterClrMapping/>
+  </p:clrMapOvr>
+</p:sld>
+</file>
+
+<file path=ppt/slides/slide74.xml><?xml version="1.0" encoding="utf-8"?>
+<p:sld xmlns:a="http://schemas.openxmlformats.org/drawingml/2006/main" xmlns:r="http://schemas.openxmlformats.org/officeDocument/2006/relationships" xmlns:p="http://schemas.openxmlformats.org/presentationml/2006/main">
+  <p:cSld>
+    <p:spTree>
+      <p:nvGrpSpPr>
+        <p:cNvPr id="1" name=""/>
+        <p:cNvGrpSpPr/>
+        <p:nvPr/>
+      </p:nvGrpSpPr>
+      <p:grpSpPr>
+        <a:xfrm>
+          <a:off x="0" y="0"/>
+          <a:ext cx="0" cy="0"/>
+          <a:chOff x="0" y="0"/>
+          <a:chExt cx="0" cy="0"/>
+        </a:xfrm>
+      </p:grpSpPr>
+      <p:sp>
+        <p:nvSpPr>
+          <p:cNvPr id="4" name="TextBox 3">
+            <a:extLst>
+              <a:ext uri="{FF2B5EF4-FFF2-40B4-BE49-F238E27FC236}">
+                <a16:creationId xmlns:a16="http://schemas.microsoft.com/office/drawing/2014/main" id="{1382F649-5627-9F29-17A6-0BF63AB4C111}"/>
+              </a:ext>
+            </a:extLst>
+          </p:cNvPr>
+          <p:cNvSpPr txBox="1"/>
+          <p:nvPr/>
+        </p:nvSpPr>
+        <p:spPr>
+          <a:xfrm>
+            <a:off x="304800" y="114300"/>
+            <a:ext cx="10820400" cy="923330"/>
+          </a:xfrm>
+          <a:prstGeom prst="rect">
+            <a:avLst/>
+          </a:prstGeom>
+          <a:noFill/>
+        </p:spPr>
+        <p:txBody>
+          <a:bodyPr wrap="square" rtlCol="0">
+            <a:spAutoFit/>
+          </a:bodyPr>
+          <a:lstStyle/>
+          <a:p>
+            <a:r>
+              <a:rPr lang="ko-KR" altLang="en-US" sz="5400" spc="-300" dirty="0">
+                <a:solidFill>
+                  <a:srgbClr val="4C50BC"/>
+                </a:solidFill>
+                <a:latin typeface="G마켓 산스 Bold" panose="02000000000000000000" pitchFamily="50" charset="-127"/>
+                <a:ea typeface="G마켓 산스 Bold" panose="02000000000000000000" pitchFamily="50" charset="-127"/>
+              </a:rPr>
+              <a:t>익명클래스 사용이유</a:t>
+            </a:r>
+            <a:endParaRPr lang="en-US" altLang="ko-KR" sz="5400" spc="-300" dirty="0">
+              <a:solidFill>
+                <a:srgbClr val="4C50BC"/>
+              </a:solidFill>
+              <a:latin typeface="G마켓 산스 Bold" panose="02000000000000000000" pitchFamily="50" charset="-127"/>
+              <a:ea typeface="G마켓 산스 Bold" panose="02000000000000000000" pitchFamily="50" charset="-127"/>
+            </a:endParaRPr>
+          </a:p>
+        </p:txBody>
+      </p:sp>
+      <p:cxnSp>
+        <p:nvCxnSpPr>
+          <p:cNvPr id="5" name="직선 연결선 4">
+            <a:extLst>
+              <a:ext uri="{FF2B5EF4-FFF2-40B4-BE49-F238E27FC236}">
+                <a16:creationId xmlns:a16="http://schemas.microsoft.com/office/drawing/2014/main" id="{A92A928D-4701-0109-2E26-359327D4A357}"/>
+              </a:ext>
+            </a:extLst>
+          </p:cNvPr>
+          <p:cNvCxnSpPr>
+            <a:cxnSpLocks/>
+          </p:cNvCxnSpPr>
+          <p:nvPr/>
+        </p:nvCxnSpPr>
+        <p:spPr>
+          <a:xfrm flipH="1" flipV="1">
+            <a:off x="-13447" y="972511"/>
+            <a:ext cx="18288000" cy="65119"/>
+          </a:xfrm>
+          <a:prstGeom prst="line">
+            <a:avLst/>
+          </a:prstGeom>
+          <a:ln w="38100">
+            <a:solidFill>
+              <a:srgbClr val="4C50BC"/>
+            </a:solidFill>
+          </a:ln>
+        </p:spPr>
+        <p:style>
+          <a:lnRef idx="1">
+            <a:schemeClr val="accent1"/>
+          </a:lnRef>
+          <a:fillRef idx="0">
+            <a:schemeClr val="accent1"/>
+          </a:fillRef>
+          <a:effectRef idx="0">
+            <a:schemeClr val="accent1"/>
+          </a:effectRef>
+          <a:fontRef idx="minor">
+            <a:schemeClr val="tx1"/>
+          </a:fontRef>
+        </p:style>
+      </p:cxnSp>
+      <p:sp>
+        <p:nvSpPr>
+          <p:cNvPr id="6" name="TextBox 5">
+            <a:extLst>
+              <a:ext uri="{FF2B5EF4-FFF2-40B4-BE49-F238E27FC236}">
+                <a16:creationId xmlns:a16="http://schemas.microsoft.com/office/drawing/2014/main" id="{0AA787F9-AD1C-31DD-7F2A-27CC3A5B38CC}"/>
+              </a:ext>
+            </a:extLst>
+          </p:cNvPr>
+          <p:cNvSpPr txBox="1"/>
+          <p:nvPr/>
+        </p:nvSpPr>
+        <p:spPr>
+          <a:xfrm>
+            <a:off x="762000" y="1201111"/>
+            <a:ext cx="15849600" cy="1200329"/>
+          </a:xfrm>
+          <a:prstGeom prst="rect">
+            <a:avLst/>
+          </a:prstGeom>
+          <a:noFill/>
+        </p:spPr>
+        <p:txBody>
+          <a:bodyPr wrap="square" rtlCol="0">
+            <a:spAutoFit/>
+          </a:bodyPr>
+          <a:lstStyle/>
+          <a:p>
+            <a:pPr marL="571500" indent="-571500">
+              <a:buFont typeface="Arial" panose="020B0604020202020204" pitchFamily="34" charset="0"/>
+              <a:buChar char="•"/>
+            </a:pPr>
+            <a:r>
+              <a:rPr lang="ko-KR" altLang="en-US" sz="3600" dirty="0">
+                <a:solidFill>
+                  <a:schemeClr val="tx1">
+                    <a:lumMod val="50000"/>
+                    <a:lumOff val="50000"/>
+                  </a:schemeClr>
+                </a:solidFill>
+                <a:latin typeface="G마켓 산스 Medium" panose="02000000000000000000" pitchFamily="50" charset="-127"/>
+                <a:ea typeface="G마켓 산스 Medium" panose="02000000000000000000" pitchFamily="50" charset="-127"/>
+              </a:rPr>
+              <a:t>인터페이스 </a:t>
+            </a:r>
+            <a:r>
+              <a:rPr lang="en-US" altLang="ko-KR" sz="3600" dirty="0">
+                <a:solidFill>
+                  <a:schemeClr val="tx1">
+                    <a:lumMod val="50000"/>
+                    <a:lumOff val="50000"/>
+                  </a:schemeClr>
+                </a:solidFill>
+                <a:latin typeface="G마켓 산스 Medium" panose="02000000000000000000" pitchFamily="50" charset="-127"/>
+                <a:ea typeface="G마켓 산스 Medium" panose="02000000000000000000" pitchFamily="50" charset="-127"/>
+              </a:rPr>
+              <a:t>Moveable</a:t>
+            </a:r>
+            <a:r>
+              <a:rPr lang="ko-KR" altLang="en-US" sz="3600" dirty="0">
+                <a:solidFill>
+                  <a:schemeClr val="tx1">
+                    <a:lumMod val="50000"/>
+                    <a:lumOff val="50000"/>
+                  </a:schemeClr>
+                </a:solidFill>
+                <a:latin typeface="G마켓 산스 Medium" panose="02000000000000000000" pitchFamily="50" charset="-127"/>
+                <a:ea typeface="G마켓 산스 Medium" panose="02000000000000000000" pitchFamily="50" charset="-127"/>
+              </a:rPr>
+              <a:t>를 구현하는 클래스를 </a:t>
+            </a:r>
+            <a:r>
+              <a:rPr lang="en-US" altLang="ko-KR" sz="3600" dirty="0">
+                <a:solidFill>
+                  <a:schemeClr val="tx1">
+                    <a:lumMod val="50000"/>
+                    <a:lumOff val="50000"/>
+                  </a:schemeClr>
+                </a:solidFill>
+                <a:latin typeface="G마켓 산스 Medium" panose="02000000000000000000" pitchFamily="50" charset="-127"/>
+                <a:ea typeface="G마켓 산스 Medium" panose="02000000000000000000" pitchFamily="50" charset="-127"/>
+              </a:rPr>
+              <a:t>java</a:t>
+            </a:r>
+            <a:r>
+              <a:rPr lang="ko-KR" altLang="en-US" sz="3600" dirty="0">
+                <a:solidFill>
+                  <a:schemeClr val="tx1">
+                    <a:lumMod val="50000"/>
+                    <a:lumOff val="50000"/>
+                  </a:schemeClr>
+                </a:solidFill>
+                <a:latin typeface="G마켓 산스 Medium" panose="02000000000000000000" pitchFamily="50" charset="-127"/>
+                <a:ea typeface="G마켓 산스 Medium" panose="02000000000000000000" pitchFamily="50" charset="-127"/>
+              </a:rPr>
+              <a:t>파일로 만들지 말고</a:t>
+            </a:r>
+            <a:endParaRPr lang="en-US" altLang="ko-KR" sz="3600" dirty="0">
+              <a:solidFill>
+                <a:schemeClr val="tx1">
+                  <a:lumMod val="50000"/>
+                  <a:lumOff val="50000"/>
+                </a:schemeClr>
+              </a:solidFill>
+              <a:latin typeface="G마켓 산스 Medium" panose="02000000000000000000" pitchFamily="50" charset="-127"/>
+              <a:ea typeface="G마켓 산스 Medium" panose="02000000000000000000" pitchFamily="50" charset="-127"/>
+            </a:endParaRPr>
+          </a:p>
+          <a:p>
+            <a:r>
+              <a:rPr lang="ko-KR" altLang="en-US" sz="3600" dirty="0">
+                <a:solidFill>
+                  <a:schemeClr val="tx1">
+                    <a:lumMod val="50000"/>
+                    <a:lumOff val="50000"/>
+                  </a:schemeClr>
+                </a:solidFill>
+                <a:latin typeface="G마켓 산스 Medium" panose="02000000000000000000" pitchFamily="50" charset="-127"/>
+                <a:ea typeface="G마켓 산스 Medium" panose="02000000000000000000" pitchFamily="50" charset="-127"/>
+              </a:rPr>
+              <a:t>익명으로 즉석에서 만들어낸다</a:t>
+            </a:r>
+            <a:r>
+              <a:rPr lang="en-US" altLang="ko-KR" sz="3600" dirty="0">
+                <a:solidFill>
+                  <a:schemeClr val="tx1">
+                    <a:lumMod val="50000"/>
+                    <a:lumOff val="50000"/>
+                  </a:schemeClr>
+                </a:solidFill>
+                <a:latin typeface="G마켓 산스 Medium" panose="02000000000000000000" pitchFamily="50" charset="-127"/>
+                <a:ea typeface="G마켓 산스 Medium" panose="02000000000000000000" pitchFamily="50" charset="-127"/>
+              </a:rPr>
+              <a:t>.</a:t>
+            </a:r>
+          </a:p>
+        </p:txBody>
+      </p:sp>
+      <p:pic>
+        <p:nvPicPr>
+          <p:cNvPr id="8" name="그림 7">
+            <a:extLst>
+              <a:ext uri="{FF2B5EF4-FFF2-40B4-BE49-F238E27FC236}">
+                <a16:creationId xmlns:a16="http://schemas.microsoft.com/office/drawing/2014/main" id="{1E3BC9E4-4539-19D9-D334-E2D3FFC0A07A}"/>
+              </a:ext>
+            </a:extLst>
+          </p:cNvPr>
+          <p:cNvPicPr>
+            <a:picLocks noChangeAspect="1"/>
+          </p:cNvPicPr>
+          <p:nvPr/>
+        </p:nvPicPr>
+        <p:blipFill>
+          <a:blip r:embed="rId2"/>
+          <a:stretch>
+            <a:fillRect/>
+          </a:stretch>
+        </p:blipFill>
+        <p:spPr>
+          <a:xfrm>
+            <a:off x="256412" y="3057233"/>
+            <a:ext cx="7861791" cy="6009536"/>
+          </a:xfrm>
+          <a:prstGeom prst="rect">
+            <a:avLst/>
+          </a:prstGeom>
+        </p:spPr>
+      </p:pic>
+      <p:grpSp>
+        <p:nvGrpSpPr>
+          <p:cNvPr id="9" name="그룹 1008">
+            <a:extLst>
+              <a:ext uri="{FF2B5EF4-FFF2-40B4-BE49-F238E27FC236}">
+                <a16:creationId xmlns:a16="http://schemas.microsoft.com/office/drawing/2014/main" id="{C7C82D1A-CA5F-B11A-89AD-86E7C3FC05E2}"/>
+              </a:ext>
+            </a:extLst>
+          </p:cNvPr>
+          <p:cNvGrpSpPr/>
+          <p:nvPr/>
+        </p:nvGrpSpPr>
+        <p:grpSpPr>
+          <a:xfrm>
+            <a:off x="8423004" y="4849996"/>
+            <a:ext cx="720996" cy="587007"/>
+            <a:chOff x="9011713" y="5350533"/>
+            <a:chExt cx="720996" cy="587007"/>
+          </a:xfrm>
+        </p:grpSpPr>
+        <p:grpSp>
+          <p:nvGrpSpPr>
+            <p:cNvPr id="10" name="그룹 1009">
+              <a:extLst>
+                <a:ext uri="{FF2B5EF4-FFF2-40B4-BE49-F238E27FC236}">
+                  <a16:creationId xmlns:a16="http://schemas.microsoft.com/office/drawing/2014/main" id="{BBA2D166-A994-FCBC-FDFA-FB873454479E}"/>
+                </a:ext>
+              </a:extLst>
+            </p:cNvPr>
+            <p:cNvGrpSpPr/>
+            <p:nvPr/>
+          </p:nvGrpSpPr>
+          <p:grpSpPr>
+            <a:xfrm>
+              <a:off x="9440725" y="5350533"/>
+              <a:ext cx="291983" cy="587007"/>
+              <a:chOff x="9440725" y="5350533"/>
+              <a:chExt cx="291983" cy="587007"/>
+            </a:xfrm>
+          </p:grpSpPr>
+          <p:pic>
+            <p:nvPicPr>
+              <p:cNvPr id="15" name="Object 29">
+                <a:extLst>
+                  <a:ext uri="{FF2B5EF4-FFF2-40B4-BE49-F238E27FC236}">
+                    <a16:creationId xmlns:a16="http://schemas.microsoft.com/office/drawing/2014/main" id="{BDEBFA95-230F-77AC-6340-DDA7255B231C}"/>
+                  </a:ext>
+                </a:extLst>
+              </p:cNvPr>
+              <p:cNvPicPr>
+                <a:picLocks noChangeAspect="1"/>
+              </p:cNvPicPr>
+              <p:nvPr/>
+            </p:nvPicPr>
+            <p:blipFill>
+              <a:blip r:embed="rId3" cstate="print"/>
+              <a:stretch>
+                <a:fillRect/>
+              </a:stretch>
+            </p:blipFill>
+            <p:spPr>
+              <a:xfrm rot="-10800000">
+                <a:off x="9440725" y="5350533"/>
+                <a:ext cx="291983" cy="587007"/>
+              </a:xfrm>
+              <a:prstGeom prst="rect">
+                <a:avLst/>
+              </a:prstGeom>
+            </p:spPr>
+          </p:pic>
+        </p:grpSp>
+        <p:grpSp>
+          <p:nvGrpSpPr>
+            <p:cNvPr id="11" name="그룹 1010">
+              <a:extLst>
+                <a:ext uri="{FF2B5EF4-FFF2-40B4-BE49-F238E27FC236}">
+                  <a16:creationId xmlns:a16="http://schemas.microsoft.com/office/drawing/2014/main" id="{A47E524F-CC18-2837-FEA0-2F8BC436F8ED}"/>
+                </a:ext>
+              </a:extLst>
+            </p:cNvPr>
+            <p:cNvGrpSpPr/>
+            <p:nvPr/>
+          </p:nvGrpSpPr>
+          <p:grpSpPr>
+            <a:xfrm>
+              <a:off x="9226219" y="5350533"/>
+              <a:ext cx="291983" cy="587007"/>
+              <a:chOff x="9226219" y="5350533"/>
+              <a:chExt cx="291983" cy="587007"/>
+            </a:xfrm>
+          </p:grpSpPr>
+          <p:pic>
+            <p:nvPicPr>
+              <p:cNvPr id="14" name="Object 32">
+                <a:extLst>
+                  <a:ext uri="{FF2B5EF4-FFF2-40B4-BE49-F238E27FC236}">
+                    <a16:creationId xmlns:a16="http://schemas.microsoft.com/office/drawing/2014/main" id="{E1BF4AF3-D75A-59A6-68D7-C55A38FDCD31}"/>
+                  </a:ext>
+                </a:extLst>
+              </p:cNvPr>
+              <p:cNvPicPr>
+                <a:picLocks noChangeAspect="1"/>
+              </p:cNvPicPr>
+              <p:nvPr/>
+            </p:nvPicPr>
+            <p:blipFill>
+              <a:blip r:embed="rId4" cstate="print"/>
+              <a:stretch>
+                <a:fillRect/>
+              </a:stretch>
+            </p:blipFill>
+            <p:spPr>
+              <a:xfrm rot="-10800000">
+                <a:off x="9226219" y="5350533"/>
+                <a:ext cx="291983" cy="587007"/>
+              </a:xfrm>
+              <a:prstGeom prst="rect">
+                <a:avLst/>
+              </a:prstGeom>
+            </p:spPr>
+          </p:pic>
+        </p:grpSp>
+        <p:grpSp>
+          <p:nvGrpSpPr>
+            <p:cNvPr id="12" name="그룹 1011">
+              <a:extLst>
+                <a:ext uri="{FF2B5EF4-FFF2-40B4-BE49-F238E27FC236}">
+                  <a16:creationId xmlns:a16="http://schemas.microsoft.com/office/drawing/2014/main" id="{EE3C96EB-8204-96D0-EFB7-A0E7142D5DF9}"/>
+                </a:ext>
+              </a:extLst>
+            </p:cNvPr>
+            <p:cNvGrpSpPr/>
+            <p:nvPr/>
+          </p:nvGrpSpPr>
+          <p:grpSpPr>
+            <a:xfrm>
+              <a:off x="9011713" y="5350533"/>
+              <a:ext cx="291983" cy="587007"/>
+              <a:chOff x="9011713" y="5350533"/>
+              <a:chExt cx="291983" cy="587007"/>
+            </a:xfrm>
+          </p:grpSpPr>
+          <p:pic>
+            <p:nvPicPr>
+              <p:cNvPr id="13" name="Object 35">
+                <a:extLst>
+                  <a:ext uri="{FF2B5EF4-FFF2-40B4-BE49-F238E27FC236}">
+                    <a16:creationId xmlns:a16="http://schemas.microsoft.com/office/drawing/2014/main" id="{15E41148-D7B6-AFF8-FE85-7B87B2A45806}"/>
+                  </a:ext>
+                </a:extLst>
+              </p:cNvPr>
+              <p:cNvPicPr>
+                <a:picLocks noChangeAspect="1"/>
+              </p:cNvPicPr>
+              <p:nvPr/>
+            </p:nvPicPr>
+            <p:blipFill>
+              <a:blip r:embed="rId5" cstate="print"/>
+              <a:stretch>
+                <a:fillRect/>
+              </a:stretch>
+            </p:blipFill>
+            <p:spPr>
+              <a:xfrm rot="-10800000">
+                <a:off x="9011713" y="5350533"/>
+                <a:ext cx="291983" cy="587007"/>
+              </a:xfrm>
+              <a:prstGeom prst="rect">
+                <a:avLst/>
+              </a:prstGeom>
+            </p:spPr>
+          </p:pic>
+        </p:grpSp>
+      </p:grpSp>
+      <p:pic>
+        <p:nvPicPr>
+          <p:cNvPr id="17" name="그림 16">
+            <a:extLst>
+              <a:ext uri="{FF2B5EF4-FFF2-40B4-BE49-F238E27FC236}">
+                <a16:creationId xmlns:a16="http://schemas.microsoft.com/office/drawing/2014/main" id="{2B862EA0-BE29-4F55-E050-438B5B5E1F63}"/>
+              </a:ext>
+            </a:extLst>
+          </p:cNvPr>
+          <p:cNvPicPr>
+            <a:picLocks noChangeAspect="1"/>
+          </p:cNvPicPr>
+          <p:nvPr/>
+        </p:nvPicPr>
+        <p:blipFill>
+          <a:blip r:embed="rId6"/>
+          <a:stretch>
+            <a:fillRect/>
+          </a:stretch>
+        </p:blipFill>
+        <p:spPr>
+          <a:xfrm>
+            <a:off x="9748563" y="2790183"/>
+            <a:ext cx="7091637" cy="6524306"/>
+          </a:xfrm>
+          <a:prstGeom prst="rect">
+            <a:avLst/>
+          </a:prstGeom>
+        </p:spPr>
+      </p:pic>
+    </p:spTree>
+    <p:extLst>
+      <p:ext uri="{BB962C8B-B14F-4D97-AF65-F5344CB8AC3E}">
+        <p14:creationId xmlns:p14="http://schemas.microsoft.com/office/powerpoint/2010/main" val="961501024"/>
+      </p:ext>
+    </p:extLst>
+  </p:cSld>
+  <p:clrMapOvr>
+    <a:masterClrMapping/>
+  </p:clrMapOvr>
+</p:sld>
+</file>
+
+<file path=ppt/slides/slide75.xml><?xml version="1.0" encoding="utf-8"?>
 <p:sld xmlns:a="http://schemas.openxmlformats.org/drawingml/2006/main" xmlns:r="http://schemas.openxmlformats.org/officeDocument/2006/relationships" xmlns:p="http://schemas.openxmlformats.org/presentationml/2006/main">
   <p:cSld>
     <p:bg>
@@ -38333,7 +40359,7 @@
 </p:sld>
 </file>
 
-<file path=ppt/slides/slide73.xml><?xml version="1.0" encoding="utf-8"?>
+<file path=ppt/slides/slide76.xml><?xml version="1.0" encoding="utf-8"?>
 <p:sld xmlns:a="http://schemas.openxmlformats.org/drawingml/2006/main" xmlns:r="http://schemas.openxmlformats.org/officeDocument/2006/relationships" xmlns:p="http://schemas.openxmlformats.org/presentationml/2006/main">
   <p:cSld>
     <p:spTree>
@@ -38483,12 +40509,19 @@
               <a:t>.</a:t>
             </a:r>
             <a:r>
+              <a:rPr lang="en-US" altLang="ko-KR" sz="3600" dirty="0">
+                <a:solidFill>
+                  <a:srgbClr val="FF0000"/>
+                </a:solidFill>
+                <a:latin typeface="G마켓 산스 Medium" panose="02000000000000000000" pitchFamily="50" charset="-127"/>
+                <a:ea typeface="G마켓 산스 Medium" panose="02000000000000000000" pitchFamily="50" charset="-127"/>
+              </a:rPr>
+              <a:t>(normal)</a:t>
+            </a:r>
+            <a:r>
               <a:rPr lang="ko-KR" altLang="en-US" sz="3600" dirty="0">
                 <a:solidFill>
-                  <a:schemeClr val="tx1">
-                    <a:lumMod val="50000"/>
-                    <a:lumOff val="50000"/>
-                  </a:schemeClr>
+                  <a:srgbClr val="FF0000"/>
                 </a:solidFill>
                 <a:latin typeface="G마켓 산스 Medium" panose="02000000000000000000" pitchFamily="50" charset="-127"/>
                 <a:ea typeface="G마켓 산스 Medium" panose="02000000000000000000" pitchFamily="50" charset="-127"/>
@@ -38497,10 +40530,7 @@
             </a:r>
             <a:endParaRPr lang="en-US" altLang="ko-KR" sz="3600" dirty="0">
               <a:solidFill>
-                <a:schemeClr val="tx1">
-                  <a:lumMod val="50000"/>
-                  <a:lumOff val="50000"/>
-                </a:schemeClr>
+                <a:srgbClr val="FF0000"/>
               </a:solidFill>
               <a:latin typeface="G마켓 산스 Medium" panose="02000000000000000000" pitchFamily="50" charset="-127"/>
               <a:ea typeface="G마켓 산스 Medium" panose="02000000000000000000" pitchFamily="50" charset="-127"/>
@@ -38671,7 +40701,7 @@
 </p:sld>
 </file>
 
-<file path=ppt/slides/slide74.xml><?xml version="1.0" encoding="utf-8"?>
+<file path=ppt/slides/slide77.xml><?xml version="1.0" encoding="utf-8"?>
 <p:sld xmlns:a="http://schemas.openxmlformats.org/drawingml/2006/main" xmlns:r="http://schemas.openxmlformats.org/officeDocument/2006/relationships" xmlns:p="http://schemas.openxmlformats.org/presentationml/2006/main">
   <p:cSld>
     <p:spTree>
@@ -39107,7 +41137,7 @@
 </p:sld>
 </file>
 
-<file path=ppt/slides/slide75.xml><?xml version="1.0" encoding="utf-8"?>
+<file path=ppt/slides/slide78.xml><?xml version="1.0" encoding="utf-8"?>
 <p:sld xmlns:a="http://schemas.openxmlformats.org/drawingml/2006/main" xmlns:r="http://schemas.openxmlformats.org/officeDocument/2006/relationships" xmlns:p="http://schemas.openxmlformats.org/presentationml/2006/main">
   <p:cSld>
     <p:spTree>
@@ -39172,13 +41202,16 @@
               </a:rPr>
               <a:t>아래의 요구사항대로 클래스를 만들어 보자</a:t>
             </a:r>
-            <a:endParaRPr lang="en-US" altLang="ko-KR" sz="3600" dirty="0">
-              <a:solidFill>
-                <a:srgbClr val="4C50BB"/>
-              </a:solidFill>
-              <a:latin typeface="G마켓 산스 Medium" panose="02000000000000000000" pitchFamily="50" charset="-127"/>
-              <a:ea typeface="G마켓 산스 Medium" panose="02000000000000000000" pitchFamily="50" charset="-127"/>
-            </a:endParaRPr>
+            <a:r>
+              <a:rPr lang="en-US" altLang="ko-KR" sz="3600" dirty="0">
+                <a:solidFill>
+                  <a:srgbClr val="FF0000"/>
+                </a:solidFill>
+                <a:latin typeface="G마켓 산스 Medium" panose="02000000000000000000" pitchFamily="50" charset="-127"/>
+                <a:ea typeface="G마켓 산스 Medium" panose="02000000000000000000" pitchFamily="50" charset="-127"/>
+              </a:rPr>
+              <a:t>(hard)</a:t>
+            </a:r>
           </a:p>
           <a:p>
             <a:pPr marL="457200" indent="-457200">
@@ -39844,7 +41877,7 @@
 </p:sld>
 </file>
 
-<file path=ppt/slides/slide76.xml><?xml version="1.0" encoding="utf-8"?>
+<file path=ppt/slides/slide79.xml><?xml version="1.0" encoding="utf-8"?>
 <p:sld xmlns:a="http://schemas.openxmlformats.org/drawingml/2006/main" xmlns:r="http://schemas.openxmlformats.org/officeDocument/2006/relationships" xmlns:p="http://schemas.openxmlformats.org/presentationml/2006/main">
   <p:cSld>
     <p:spTree>
@@ -40014,831 +42047,6 @@
     </p:tnLst>
     <p:bldLst>
       <p:bldP spid="5" grpId="0" animBg="1"/>
-    </p:bldLst>
-  </p:timing>
-</p:sld>
-</file>
-
-<file path=ppt/slides/slide77.xml><?xml version="1.0" encoding="utf-8"?>
-<p:sld xmlns:a="http://schemas.openxmlformats.org/drawingml/2006/main" xmlns:r="http://schemas.openxmlformats.org/officeDocument/2006/relationships" xmlns:p="http://schemas.openxmlformats.org/presentationml/2006/main">
-  <p:cSld>
-    <p:spTree>
-      <p:nvGrpSpPr>
-        <p:cNvPr id="1" name=""/>
-        <p:cNvGrpSpPr/>
-        <p:nvPr/>
-      </p:nvGrpSpPr>
-      <p:grpSpPr>
-        <a:xfrm>
-          <a:off x="0" y="0"/>
-          <a:ext cx="0" cy="0"/>
-          <a:chOff x="0" y="0"/>
-          <a:chExt cx="0" cy="0"/>
-        </a:xfrm>
-      </p:grpSpPr>
-      <p:pic>
-        <p:nvPicPr>
-          <p:cNvPr id="4" name="그림 3"/>
-          <p:cNvPicPr>
-            <a:picLocks noChangeAspect="1"/>
-          </p:cNvPicPr>
-          <p:nvPr/>
-        </p:nvPicPr>
-        <p:blipFill>
-          <a:blip r:embed="rId2"/>
-          <a:stretch>
-            <a:fillRect/>
-          </a:stretch>
-        </p:blipFill>
-        <p:spPr>
-          <a:xfrm>
-            <a:off x="0" y="419100"/>
-            <a:ext cx="11096864" cy="6858000"/>
-          </a:xfrm>
-          <a:prstGeom prst="rect">
-            <a:avLst/>
-          </a:prstGeom>
-        </p:spPr>
-      </p:pic>
-      <p:sp>
-        <p:nvSpPr>
-          <p:cNvPr id="5" name="직사각형 4"/>
-          <p:cNvSpPr/>
-          <p:nvPr/>
-        </p:nvSpPr>
-        <p:spPr>
-          <a:xfrm>
-            <a:off x="0" y="114300"/>
-            <a:ext cx="18288000" cy="9525000"/>
-          </a:xfrm>
-          <a:prstGeom prst="rect">
-            <a:avLst/>
-          </a:prstGeom>
-          <a:solidFill>
-            <a:schemeClr val="bg1"/>
-          </a:solidFill>
-        </p:spPr>
-        <p:style>
-          <a:lnRef idx="2">
-            <a:schemeClr val="accent1">
-              <a:shade val="50000"/>
-            </a:schemeClr>
-          </a:lnRef>
-          <a:fillRef idx="1">
-            <a:schemeClr val="accent1"/>
-          </a:fillRef>
-          <a:effectRef idx="0">
-            <a:schemeClr val="accent1"/>
-          </a:effectRef>
-          <a:fontRef idx="minor">
-            <a:schemeClr val="lt1"/>
-          </a:fontRef>
-        </p:style>
-        <p:txBody>
-          <a:bodyPr rtlCol="0" anchor="ctr"/>
-          <a:lstStyle/>
-          <a:p>
-            <a:pPr algn="ctr"/>
-            <a:endParaRPr lang="ko-KR" altLang="en-US"/>
-          </a:p>
-        </p:txBody>
-      </p:sp>
-    </p:spTree>
-    <p:extLst>
-      <p:ext uri="{BB962C8B-B14F-4D97-AF65-F5344CB8AC3E}">
-        <p14:creationId xmlns:p14="http://schemas.microsoft.com/office/powerpoint/2010/main" val="1989697318"/>
-      </p:ext>
-    </p:extLst>
-  </p:cSld>
-  <p:clrMapOvr>
-    <a:masterClrMapping/>
-  </p:clrMapOvr>
-  <p:timing>
-    <p:tnLst>
-      <p:par>
-        <p:cTn id="1" dur="indefinite" restart="never" nodeType="tmRoot">
-          <p:childTnLst>
-            <p:seq concurrent="1" nextAc="seek">
-              <p:cTn id="2" dur="indefinite" nodeType="mainSeq">
-                <p:childTnLst>
-                  <p:par>
-                    <p:cTn id="3" fill="hold">
-                      <p:stCondLst>
-                        <p:cond delay="indefinite"/>
-                      </p:stCondLst>
-                      <p:childTnLst>
-                        <p:par>
-                          <p:cTn id="4" fill="hold">
-                            <p:stCondLst>
-                              <p:cond delay="0"/>
-                            </p:stCondLst>
-                            <p:childTnLst>
-                              <p:par>
-                                <p:cTn id="5" presetID="1" presetClass="exit" presetSubtype="0" fill="hold" grpId="0" nodeType="clickEffect">
-                                  <p:stCondLst>
-                                    <p:cond delay="0"/>
-                                  </p:stCondLst>
-                                  <p:childTnLst>
-                                    <p:set>
-                                      <p:cBhvr>
-                                        <p:cTn id="6" dur="1" fill="hold">
-                                          <p:stCondLst>
-                                            <p:cond delay="0"/>
-                                          </p:stCondLst>
-                                        </p:cTn>
-                                        <p:tgtEl>
-                                          <p:spTgt spid="5"/>
-                                        </p:tgtEl>
-                                        <p:attrNameLst>
-                                          <p:attrName>style.visibility</p:attrName>
-                                        </p:attrNameLst>
-                                      </p:cBhvr>
-                                      <p:to>
-                                        <p:strVal val="hidden"/>
-                                      </p:to>
-                                    </p:set>
-                                  </p:childTnLst>
-                                </p:cTn>
-                              </p:par>
-                            </p:childTnLst>
-                          </p:cTn>
-                        </p:par>
-                      </p:childTnLst>
-                    </p:cTn>
-                  </p:par>
-                </p:childTnLst>
-              </p:cTn>
-              <p:prevCondLst>
-                <p:cond evt="onPrev" delay="0">
-                  <p:tgtEl>
-                    <p:sldTgt/>
-                  </p:tgtEl>
-                </p:cond>
-              </p:prevCondLst>
-              <p:nextCondLst>
-                <p:cond evt="onNext" delay="0">
-                  <p:tgtEl>
-                    <p:sldTgt/>
-                  </p:tgtEl>
-                </p:cond>
-              </p:nextCondLst>
-            </p:seq>
-          </p:childTnLst>
-        </p:cTn>
-      </p:par>
-    </p:tnLst>
-    <p:bldLst>
-      <p:bldP spid="5" grpId="0" animBg="1"/>
-    </p:bldLst>
-  </p:timing>
-</p:sld>
-</file>
-
-<file path=ppt/slides/slide78.xml><?xml version="1.0" encoding="utf-8"?>
-<p:sld xmlns:a="http://schemas.openxmlformats.org/drawingml/2006/main" xmlns:r="http://schemas.openxmlformats.org/officeDocument/2006/relationships" xmlns:p="http://schemas.openxmlformats.org/presentationml/2006/main">
-  <p:cSld>
-    <p:spTree>
-      <p:nvGrpSpPr>
-        <p:cNvPr id="1" name=""/>
-        <p:cNvGrpSpPr/>
-        <p:nvPr/>
-      </p:nvGrpSpPr>
-      <p:grpSpPr>
-        <a:xfrm>
-          <a:off x="0" y="0"/>
-          <a:ext cx="0" cy="0"/>
-          <a:chOff x="0" y="0"/>
-          <a:chExt cx="0" cy="0"/>
-        </a:xfrm>
-      </p:grpSpPr>
-      <p:sp>
-        <p:nvSpPr>
-          <p:cNvPr id="4" name="TextBox 3">
-            <a:extLst>
-              <a:ext uri="{FF2B5EF4-FFF2-40B4-BE49-F238E27FC236}">
-                <a16:creationId xmlns:a16="http://schemas.microsoft.com/office/drawing/2014/main" id="{52176D31-35F7-8916-46FA-6095EFEC1E49}"/>
-              </a:ext>
-            </a:extLst>
-          </p:cNvPr>
-          <p:cNvSpPr txBox="1"/>
-          <p:nvPr/>
-        </p:nvSpPr>
-        <p:spPr>
-          <a:xfrm>
-            <a:off x="457200" y="190500"/>
-            <a:ext cx="16154400" cy="4462760"/>
-          </a:xfrm>
-          <a:prstGeom prst="rect">
-            <a:avLst/>
-          </a:prstGeom>
-          <a:noFill/>
-        </p:spPr>
-        <p:txBody>
-          <a:bodyPr wrap="square" rtlCol="0">
-            <a:spAutoFit/>
-          </a:bodyPr>
-          <a:lstStyle/>
-          <a:p>
-            <a:r>
-              <a:rPr lang="en-US" altLang="ko-KR" sz="3600" dirty="0">
-                <a:solidFill>
-                  <a:srgbClr val="4C50BB"/>
-                </a:solidFill>
-                <a:latin typeface="G마켓 산스 Medium" panose="02000000000000000000" pitchFamily="50" charset="-127"/>
-                <a:ea typeface="G마켓 산스 Medium" panose="02000000000000000000" pitchFamily="50" charset="-127"/>
-              </a:rPr>
-              <a:t>3. </a:t>
-            </a:r>
-            <a:r>
-              <a:rPr lang="en-US" altLang="ko-KR" sz="3600" dirty="0" err="1">
-                <a:solidFill>
-                  <a:srgbClr val="4C50BB"/>
-                </a:solidFill>
-                <a:latin typeface="G마켓 산스 Medium" panose="02000000000000000000" pitchFamily="50" charset="-127"/>
-                <a:ea typeface="G마켓 산스 Medium" panose="02000000000000000000" pitchFamily="50" charset="-127"/>
-              </a:rPr>
-              <a:t>BlackSmith</a:t>
-            </a:r>
-            <a:r>
-              <a:rPr lang="en-US" altLang="ko-KR" sz="3600" dirty="0">
-                <a:solidFill>
-                  <a:srgbClr val="4C50BB"/>
-                </a:solidFill>
-                <a:latin typeface="G마켓 산스 Medium" panose="02000000000000000000" pitchFamily="50" charset="-127"/>
-                <a:ea typeface="G마켓 산스 Medium" panose="02000000000000000000" pitchFamily="50" charset="-127"/>
-              </a:rPr>
-              <a:t>(</a:t>
-            </a:r>
-            <a:r>
-              <a:rPr lang="ko-KR" altLang="en-US" sz="3600" dirty="0">
-                <a:solidFill>
-                  <a:srgbClr val="4C50BB"/>
-                </a:solidFill>
-                <a:latin typeface="G마켓 산스 Medium" panose="02000000000000000000" pitchFamily="50" charset="-127"/>
-                <a:ea typeface="G마켓 산스 Medium" panose="02000000000000000000" pitchFamily="50" charset="-127"/>
-              </a:rPr>
-              <a:t>대장장이</a:t>
-            </a:r>
-            <a:r>
-              <a:rPr lang="en-US" altLang="ko-KR" sz="3600" dirty="0">
-                <a:solidFill>
-                  <a:srgbClr val="4C50BB"/>
-                </a:solidFill>
-                <a:latin typeface="G마켓 산스 Medium" panose="02000000000000000000" pitchFamily="50" charset="-127"/>
-                <a:ea typeface="G마켓 산스 Medium" panose="02000000000000000000" pitchFamily="50" charset="-127"/>
-              </a:rPr>
-              <a:t>) </a:t>
-            </a:r>
-            <a:r>
-              <a:rPr lang="ko-KR" altLang="en-US" sz="3600" dirty="0">
-                <a:solidFill>
-                  <a:srgbClr val="4C50BB"/>
-                </a:solidFill>
-                <a:latin typeface="G마켓 산스 Medium" panose="02000000000000000000" pitchFamily="50" charset="-127"/>
-                <a:ea typeface="G마켓 산스 Medium" panose="02000000000000000000" pitchFamily="50" charset="-127"/>
-              </a:rPr>
-              <a:t>클래스를 추가하여 무기를 수리해보자</a:t>
-            </a:r>
-            <a:r>
-              <a:rPr lang="en-US" altLang="ko-KR" sz="3600" dirty="0">
-                <a:solidFill>
-                  <a:srgbClr val="4C50BB"/>
-                </a:solidFill>
-                <a:latin typeface="G마켓 산스 Medium" panose="02000000000000000000" pitchFamily="50" charset="-127"/>
-                <a:ea typeface="G마켓 산스 Medium" panose="02000000000000000000" pitchFamily="50" charset="-127"/>
-              </a:rPr>
-              <a:t>.</a:t>
-            </a:r>
-          </a:p>
-          <a:p>
-            <a:pPr marL="571500" indent="-571500">
-              <a:buFontTx/>
-              <a:buChar char="-"/>
-            </a:pPr>
-            <a:r>
-              <a:rPr lang="en-US" altLang="ko-KR" sz="3600" dirty="0" err="1">
-                <a:solidFill>
-                  <a:schemeClr val="tx1">
-                    <a:lumMod val="50000"/>
-                    <a:lumOff val="50000"/>
-                  </a:schemeClr>
-                </a:solidFill>
-                <a:latin typeface="G마켓 산스 Medium" panose="02000000000000000000" pitchFamily="50" charset="-127"/>
-                <a:ea typeface="G마켓 산스 Medium" panose="02000000000000000000" pitchFamily="50" charset="-127"/>
-              </a:rPr>
-              <a:t>BlackSmith</a:t>
-            </a:r>
-            <a:r>
-              <a:rPr lang="en-US" altLang="ko-KR" sz="3600" dirty="0">
-                <a:solidFill>
-                  <a:schemeClr val="tx1">
-                    <a:lumMod val="50000"/>
-                    <a:lumOff val="50000"/>
-                  </a:schemeClr>
-                </a:solidFill>
-                <a:latin typeface="G마켓 산스 Medium" panose="02000000000000000000" pitchFamily="50" charset="-127"/>
-                <a:ea typeface="G마켓 산스 Medium" panose="02000000000000000000" pitchFamily="50" charset="-127"/>
-              </a:rPr>
-              <a:t> </a:t>
-            </a:r>
-            <a:r>
-              <a:rPr lang="ko-KR" altLang="en-US" sz="3600" dirty="0">
-                <a:solidFill>
-                  <a:schemeClr val="tx1">
-                    <a:lumMod val="50000"/>
-                    <a:lumOff val="50000"/>
-                  </a:schemeClr>
-                </a:solidFill>
-                <a:latin typeface="G마켓 산스 Medium" panose="02000000000000000000" pitchFamily="50" charset="-127"/>
-                <a:ea typeface="G마켓 산스 Medium" panose="02000000000000000000" pitchFamily="50" charset="-127"/>
-              </a:rPr>
-              <a:t>클래스에 </a:t>
-            </a:r>
-            <a:r>
-              <a:rPr lang="en-US" altLang="ko-KR" sz="3600" dirty="0">
-                <a:solidFill>
-                  <a:schemeClr val="tx1">
-                    <a:lumMod val="50000"/>
-                    <a:lumOff val="50000"/>
-                  </a:schemeClr>
-                </a:solidFill>
-                <a:latin typeface="G마켓 산스 Medium" panose="02000000000000000000" pitchFamily="50" charset="-127"/>
-                <a:ea typeface="G마켓 산스 Medium" panose="02000000000000000000" pitchFamily="50" charset="-127"/>
-              </a:rPr>
-              <a:t>void </a:t>
-            </a:r>
-            <a:r>
-              <a:rPr lang="en-US" altLang="ko-KR" sz="3600" dirty="0" err="1">
-                <a:solidFill>
-                  <a:schemeClr val="tx1">
-                    <a:lumMod val="50000"/>
-                    <a:lumOff val="50000"/>
-                  </a:schemeClr>
-                </a:solidFill>
-                <a:latin typeface="G마켓 산스 Medium" panose="02000000000000000000" pitchFamily="50" charset="-127"/>
-                <a:ea typeface="G마켓 산스 Medium" panose="02000000000000000000" pitchFamily="50" charset="-127"/>
-              </a:rPr>
-              <a:t>repaire</a:t>
-            </a:r>
-            <a:r>
-              <a:rPr lang="en-US" altLang="ko-KR" sz="3600" dirty="0">
-                <a:solidFill>
-                  <a:schemeClr val="tx1">
-                    <a:lumMod val="50000"/>
-                    <a:lumOff val="50000"/>
-                  </a:schemeClr>
-                </a:solidFill>
-                <a:latin typeface="G마켓 산스 Medium" panose="02000000000000000000" pitchFamily="50" charset="-127"/>
-                <a:ea typeface="G마켓 산스 Medium" panose="02000000000000000000" pitchFamily="50" charset="-127"/>
-              </a:rPr>
-              <a:t>(Weapon)  </a:t>
-            </a:r>
-            <a:r>
-              <a:rPr lang="ko-KR" altLang="en-US" sz="3600" dirty="0" err="1">
-                <a:solidFill>
-                  <a:schemeClr val="tx1">
-                    <a:lumMod val="50000"/>
-                    <a:lumOff val="50000"/>
-                  </a:schemeClr>
-                </a:solidFill>
-                <a:latin typeface="G마켓 산스 Medium" panose="02000000000000000000" pitchFamily="50" charset="-127"/>
-                <a:ea typeface="G마켓 산스 Medium" panose="02000000000000000000" pitchFamily="50" charset="-127"/>
-              </a:rPr>
-              <a:t>메서드를</a:t>
-            </a:r>
-            <a:r>
-              <a:rPr lang="ko-KR" altLang="en-US" sz="3600" dirty="0">
-                <a:solidFill>
-                  <a:schemeClr val="tx1">
-                    <a:lumMod val="50000"/>
-                    <a:lumOff val="50000"/>
-                  </a:schemeClr>
-                </a:solidFill>
-                <a:latin typeface="G마켓 산스 Medium" panose="02000000000000000000" pitchFamily="50" charset="-127"/>
-                <a:ea typeface="G마켓 산스 Medium" panose="02000000000000000000" pitchFamily="50" charset="-127"/>
-              </a:rPr>
-              <a:t> 구현하자</a:t>
-            </a:r>
-            <a:r>
-              <a:rPr lang="en-US" altLang="ko-KR" sz="3600" dirty="0">
-                <a:solidFill>
-                  <a:schemeClr val="tx1">
-                    <a:lumMod val="50000"/>
-                    <a:lumOff val="50000"/>
-                  </a:schemeClr>
-                </a:solidFill>
-                <a:latin typeface="G마켓 산스 Medium" panose="02000000000000000000" pitchFamily="50" charset="-127"/>
-                <a:ea typeface="G마켓 산스 Medium" panose="02000000000000000000" pitchFamily="50" charset="-127"/>
-              </a:rPr>
-              <a:t>. </a:t>
-            </a:r>
-          </a:p>
-          <a:p>
-            <a:pPr marL="571500" indent="-571500">
-              <a:buFontTx/>
-              <a:buChar char="-"/>
-            </a:pPr>
-            <a:r>
-              <a:rPr lang="en-US" altLang="ko-KR" sz="3600" dirty="0" err="1">
-                <a:solidFill>
-                  <a:schemeClr val="tx1">
-                    <a:lumMod val="50000"/>
-                    <a:lumOff val="50000"/>
-                  </a:schemeClr>
-                </a:solidFill>
-                <a:latin typeface="G마켓 산스 Medium" panose="02000000000000000000" pitchFamily="50" charset="-127"/>
-                <a:ea typeface="G마켓 산스 Medium" panose="02000000000000000000" pitchFamily="50" charset="-127"/>
-              </a:rPr>
-              <a:t>Sword,Gun</a:t>
-            </a:r>
-            <a:r>
-              <a:rPr lang="ko-KR" altLang="en-US" sz="3600" dirty="0">
-                <a:solidFill>
-                  <a:schemeClr val="tx1">
-                    <a:lumMod val="50000"/>
-                    <a:lumOff val="50000"/>
-                  </a:schemeClr>
-                </a:solidFill>
-                <a:latin typeface="G마켓 산스 Medium" panose="02000000000000000000" pitchFamily="50" charset="-127"/>
-                <a:ea typeface="G마켓 산스 Medium" panose="02000000000000000000" pitchFamily="50" charset="-127"/>
-              </a:rPr>
-              <a:t>은 수리가 가능하다</a:t>
-            </a:r>
-            <a:r>
-              <a:rPr lang="en-US" altLang="ko-KR" sz="3600" dirty="0">
-                <a:solidFill>
-                  <a:schemeClr val="tx1">
-                    <a:lumMod val="50000"/>
-                    <a:lumOff val="50000"/>
-                  </a:schemeClr>
-                </a:solidFill>
-                <a:latin typeface="G마켓 산스 Medium" panose="02000000000000000000" pitchFamily="50" charset="-127"/>
-                <a:ea typeface="G마켓 산스 Medium" panose="02000000000000000000" pitchFamily="50" charset="-127"/>
-              </a:rPr>
-              <a:t>.</a:t>
-            </a:r>
-          </a:p>
-          <a:p>
-            <a:pPr marL="571500" indent="-571500">
-              <a:buFontTx/>
-              <a:buChar char="-"/>
-            </a:pPr>
-            <a:r>
-              <a:rPr lang="ko-KR" altLang="en-US" sz="3600" dirty="0">
-                <a:solidFill>
-                  <a:schemeClr val="tx1">
-                    <a:lumMod val="50000"/>
-                    <a:lumOff val="50000"/>
-                  </a:schemeClr>
-                </a:solidFill>
-                <a:latin typeface="G마켓 산스 Medium" panose="02000000000000000000" pitchFamily="50" charset="-127"/>
-                <a:ea typeface="G마켓 산스 Medium" panose="02000000000000000000" pitchFamily="50" charset="-127"/>
-              </a:rPr>
-              <a:t>수리가 불가능한 무기가 매개변수로 오면 </a:t>
-            </a:r>
-            <a:r>
-              <a:rPr lang="en-US" altLang="ko-KR" sz="3600" dirty="0" err="1">
-                <a:solidFill>
-                  <a:schemeClr val="tx1">
-                    <a:lumMod val="50000"/>
-                    <a:lumOff val="50000"/>
-                  </a:schemeClr>
-                </a:solidFill>
-                <a:latin typeface="G마켓 산스 Medium" panose="02000000000000000000" pitchFamily="50" charset="-127"/>
-                <a:ea typeface="G마켓 산스 Medium" panose="02000000000000000000" pitchFamily="50" charset="-127"/>
-              </a:rPr>
-              <a:t>sysout</a:t>
-            </a:r>
-            <a:r>
-              <a:rPr lang="ko-KR" altLang="en-US" sz="3600" dirty="0">
-                <a:solidFill>
-                  <a:schemeClr val="tx1">
-                    <a:lumMod val="50000"/>
-                    <a:lumOff val="50000"/>
-                  </a:schemeClr>
-                </a:solidFill>
-                <a:latin typeface="G마켓 산스 Medium" panose="02000000000000000000" pitchFamily="50" charset="-127"/>
-                <a:ea typeface="G마켓 산스 Medium" panose="02000000000000000000" pitchFamily="50" charset="-127"/>
-              </a:rPr>
-              <a:t>으로 거부 메시지를 출력하자</a:t>
-            </a:r>
-            <a:endParaRPr lang="en-US" altLang="ko-KR" sz="3600" dirty="0">
-              <a:solidFill>
-                <a:schemeClr val="tx1">
-                  <a:lumMod val="50000"/>
-                  <a:lumOff val="50000"/>
-                </a:schemeClr>
-              </a:solidFill>
-              <a:latin typeface="G마켓 산스 Medium" panose="02000000000000000000" pitchFamily="50" charset="-127"/>
-              <a:ea typeface="G마켓 산스 Medium" panose="02000000000000000000" pitchFamily="50" charset="-127"/>
-            </a:endParaRPr>
-          </a:p>
-          <a:p>
-            <a:pPr marL="571500" indent="-571500">
-              <a:buFontTx/>
-              <a:buChar char="-"/>
-            </a:pPr>
-            <a:r>
-              <a:rPr lang="en-US" altLang="ko-KR" sz="3600" dirty="0">
-                <a:solidFill>
-                  <a:schemeClr val="tx1">
-                    <a:lumMod val="50000"/>
-                    <a:lumOff val="50000"/>
-                  </a:schemeClr>
-                </a:solidFill>
-                <a:latin typeface="G마켓 산스 Medium" panose="02000000000000000000" pitchFamily="50" charset="-127"/>
-                <a:ea typeface="G마켓 산스 Medium" panose="02000000000000000000" pitchFamily="50" charset="-127"/>
-              </a:rPr>
-              <a:t>Reparable </a:t>
-            </a:r>
-            <a:r>
-              <a:rPr lang="ko-KR" altLang="en-US" sz="3600" dirty="0">
-                <a:solidFill>
-                  <a:schemeClr val="tx1">
-                    <a:lumMod val="50000"/>
-                    <a:lumOff val="50000"/>
-                  </a:schemeClr>
-                </a:solidFill>
-                <a:latin typeface="G마켓 산스 Medium" panose="02000000000000000000" pitchFamily="50" charset="-127"/>
-                <a:ea typeface="G마켓 산스 Medium" panose="02000000000000000000" pitchFamily="50" charset="-127"/>
-              </a:rPr>
-              <a:t>인터페이스를 활용하자</a:t>
-            </a:r>
-            <a:r>
-              <a:rPr lang="en-US" altLang="ko-KR" sz="3600" dirty="0">
-                <a:solidFill>
-                  <a:schemeClr val="tx1">
-                    <a:lumMod val="50000"/>
-                    <a:lumOff val="50000"/>
-                  </a:schemeClr>
-                </a:solidFill>
-                <a:latin typeface="G마켓 산스 Medium" panose="02000000000000000000" pitchFamily="50" charset="-127"/>
-                <a:ea typeface="G마켓 산스 Medium" panose="02000000000000000000" pitchFamily="50" charset="-127"/>
-              </a:rPr>
-              <a:t>.</a:t>
-            </a:r>
-          </a:p>
-          <a:p>
-            <a:pPr marL="571500" indent="-571500">
-              <a:buFontTx/>
-              <a:buChar char="-"/>
-            </a:pPr>
-            <a:endParaRPr lang="en-US" altLang="ko-KR" sz="3200" dirty="0">
-              <a:solidFill>
-                <a:schemeClr val="tx1">
-                  <a:lumMod val="50000"/>
-                  <a:lumOff val="50000"/>
-                </a:schemeClr>
-              </a:solidFill>
-              <a:latin typeface="G마켓 산스 Medium" panose="02000000000000000000" pitchFamily="50" charset="-127"/>
-              <a:ea typeface="G마켓 산스 Medium" panose="02000000000000000000" pitchFamily="50" charset="-127"/>
-            </a:endParaRPr>
-          </a:p>
-          <a:p>
-            <a:endParaRPr lang="en-US" altLang="ko-KR" sz="3600" dirty="0">
-              <a:solidFill>
-                <a:schemeClr val="tx1">
-                  <a:lumMod val="50000"/>
-                  <a:lumOff val="50000"/>
-                </a:schemeClr>
-              </a:solidFill>
-              <a:latin typeface="G마켓 산스 Medium" panose="02000000000000000000" pitchFamily="50" charset="-127"/>
-              <a:ea typeface="G마켓 산스 Medium" panose="02000000000000000000" pitchFamily="50" charset="-127"/>
-            </a:endParaRPr>
-          </a:p>
-        </p:txBody>
-      </p:sp>
-      <p:pic>
-        <p:nvPicPr>
-          <p:cNvPr id="5" name="그림 4"/>
-          <p:cNvPicPr>
-            <a:picLocks noChangeAspect="1"/>
-          </p:cNvPicPr>
-          <p:nvPr/>
-        </p:nvPicPr>
-        <p:blipFill>
-          <a:blip r:embed="rId2"/>
-          <a:stretch>
-            <a:fillRect/>
-          </a:stretch>
-        </p:blipFill>
-        <p:spPr>
-          <a:xfrm>
-            <a:off x="9144000" y="4762500"/>
-            <a:ext cx="8879058" cy="2133600"/>
-          </a:xfrm>
-          <a:prstGeom prst="rect">
-            <a:avLst/>
-          </a:prstGeom>
-        </p:spPr>
-      </p:pic>
-      <p:pic>
-        <p:nvPicPr>
-          <p:cNvPr id="6" name="그림 5"/>
-          <p:cNvPicPr>
-            <a:picLocks noChangeAspect="1"/>
-          </p:cNvPicPr>
-          <p:nvPr/>
-        </p:nvPicPr>
-        <p:blipFill>
-          <a:blip r:embed="rId3"/>
-          <a:stretch>
-            <a:fillRect/>
-          </a:stretch>
-        </p:blipFill>
-        <p:spPr>
-          <a:xfrm>
-            <a:off x="304800" y="4305300"/>
-            <a:ext cx="8669286" cy="5681663"/>
-          </a:xfrm>
-          <a:prstGeom prst="rect">
-            <a:avLst/>
-          </a:prstGeom>
-        </p:spPr>
-      </p:pic>
-    </p:spTree>
-    <p:extLst>
-      <p:ext uri="{BB962C8B-B14F-4D97-AF65-F5344CB8AC3E}">
-        <p14:creationId xmlns:p14="http://schemas.microsoft.com/office/powerpoint/2010/main" val="2351989580"/>
-      </p:ext>
-    </p:extLst>
-  </p:cSld>
-  <p:clrMapOvr>
-    <a:masterClrMapping/>
-  </p:clrMapOvr>
-</p:sld>
-</file>
-
-<file path=ppt/slides/slide79.xml><?xml version="1.0" encoding="utf-8"?>
-<p:sld xmlns:a="http://schemas.openxmlformats.org/drawingml/2006/main" xmlns:r="http://schemas.openxmlformats.org/officeDocument/2006/relationships" xmlns:p="http://schemas.openxmlformats.org/presentationml/2006/main">
-  <p:cSld>
-    <p:spTree>
-      <p:nvGrpSpPr>
-        <p:cNvPr id="1" name=""/>
-        <p:cNvGrpSpPr/>
-        <p:nvPr/>
-      </p:nvGrpSpPr>
-      <p:grpSpPr>
-        <a:xfrm>
-          <a:off x="0" y="0"/>
-          <a:ext cx="0" cy="0"/>
-          <a:chOff x="0" y="0"/>
-          <a:chExt cx="0" cy="0"/>
-        </a:xfrm>
-      </p:grpSpPr>
-      <p:pic>
-        <p:nvPicPr>
-          <p:cNvPr id="4" name="그림 3"/>
-          <p:cNvPicPr>
-            <a:picLocks noChangeAspect="1"/>
-          </p:cNvPicPr>
-          <p:nvPr/>
-        </p:nvPicPr>
-        <p:blipFill>
-          <a:blip r:embed="rId2"/>
-          <a:stretch>
-            <a:fillRect/>
-          </a:stretch>
-        </p:blipFill>
-        <p:spPr>
-          <a:xfrm>
-            <a:off x="990600" y="1790700"/>
-            <a:ext cx="10737991" cy="4419600"/>
-          </a:xfrm>
-          <a:prstGeom prst="rect">
-            <a:avLst/>
-          </a:prstGeom>
-        </p:spPr>
-      </p:pic>
-      <p:sp>
-        <p:nvSpPr>
-          <p:cNvPr id="3" name="직사각형 2"/>
-          <p:cNvSpPr/>
-          <p:nvPr/>
-        </p:nvSpPr>
-        <p:spPr>
-          <a:xfrm>
-            <a:off x="0" y="114300"/>
-            <a:ext cx="18288000" cy="9525000"/>
-          </a:xfrm>
-          <a:prstGeom prst="rect">
-            <a:avLst/>
-          </a:prstGeom>
-          <a:solidFill>
-            <a:schemeClr val="bg1"/>
-          </a:solidFill>
-        </p:spPr>
-        <p:style>
-          <a:lnRef idx="2">
-            <a:schemeClr val="accent1">
-              <a:shade val="50000"/>
-            </a:schemeClr>
-          </a:lnRef>
-          <a:fillRef idx="1">
-            <a:schemeClr val="accent1"/>
-          </a:fillRef>
-          <a:effectRef idx="0">
-            <a:schemeClr val="accent1"/>
-          </a:effectRef>
-          <a:fontRef idx="minor">
-            <a:schemeClr val="lt1"/>
-          </a:fontRef>
-        </p:style>
-        <p:txBody>
-          <a:bodyPr rtlCol="0" anchor="ctr"/>
-          <a:lstStyle/>
-          <a:p>
-            <a:pPr algn="ctr"/>
-            <a:endParaRPr lang="ko-KR" altLang="en-US"/>
-          </a:p>
-        </p:txBody>
-      </p:sp>
-    </p:spTree>
-    <p:extLst>
-      <p:ext uri="{BB962C8B-B14F-4D97-AF65-F5344CB8AC3E}">
-        <p14:creationId xmlns:p14="http://schemas.microsoft.com/office/powerpoint/2010/main" val="1133152854"/>
-      </p:ext>
-    </p:extLst>
-  </p:cSld>
-  <p:clrMapOvr>
-    <a:masterClrMapping/>
-  </p:clrMapOvr>
-  <p:timing>
-    <p:tnLst>
-      <p:par>
-        <p:cTn id="1" dur="indefinite" restart="never" nodeType="tmRoot">
-          <p:childTnLst>
-            <p:seq concurrent="1" nextAc="seek">
-              <p:cTn id="2" dur="indefinite" nodeType="mainSeq">
-                <p:childTnLst>
-                  <p:par>
-                    <p:cTn id="3" fill="hold">
-                      <p:stCondLst>
-                        <p:cond delay="indefinite"/>
-                      </p:stCondLst>
-                      <p:childTnLst>
-                        <p:par>
-                          <p:cTn id="4" fill="hold">
-                            <p:stCondLst>
-                              <p:cond delay="0"/>
-                            </p:stCondLst>
-                            <p:childTnLst>
-                              <p:par>
-                                <p:cTn id="5" presetID="1" presetClass="exit" presetSubtype="0" fill="hold" grpId="0" nodeType="clickEffect">
-                                  <p:stCondLst>
-                                    <p:cond delay="0"/>
-                                  </p:stCondLst>
-                                  <p:childTnLst>
-                                    <p:set>
-                                      <p:cBhvr>
-                                        <p:cTn id="6" dur="1" fill="hold">
-                                          <p:stCondLst>
-                                            <p:cond delay="0"/>
-                                          </p:stCondLst>
-                                        </p:cTn>
-                                        <p:tgtEl>
-                                          <p:spTgt spid="3"/>
-                                        </p:tgtEl>
-                                        <p:attrNameLst>
-                                          <p:attrName>style.visibility</p:attrName>
-                                        </p:attrNameLst>
-                                      </p:cBhvr>
-                                      <p:to>
-                                        <p:strVal val="hidden"/>
-                                      </p:to>
-                                    </p:set>
-                                  </p:childTnLst>
-                                </p:cTn>
-                              </p:par>
-                            </p:childTnLst>
-                          </p:cTn>
-                        </p:par>
-                      </p:childTnLst>
-                    </p:cTn>
-                  </p:par>
-                </p:childTnLst>
-              </p:cTn>
-              <p:prevCondLst>
-                <p:cond evt="onPrev" delay="0">
-                  <p:tgtEl>
-                    <p:sldTgt/>
-                  </p:tgtEl>
-                </p:cond>
-              </p:prevCondLst>
-              <p:nextCondLst>
-                <p:cond evt="onNext" delay="0">
-                  <p:tgtEl>
-                    <p:sldTgt/>
-                  </p:tgtEl>
-                </p:cond>
-              </p:nextCondLst>
-            </p:seq>
-          </p:childTnLst>
-        </p:cTn>
-      </p:par>
-    </p:tnLst>
-    <p:bldLst>
-      <p:bldP spid="3" grpId="0" animBg="1"/>
     </p:bldLst>
   </p:timing>
 </p:sld>
@@ -41373,6 +42581,181 @@
           <a:chExt cx="0" cy="0"/>
         </a:xfrm>
       </p:grpSpPr>
+      <p:pic>
+        <p:nvPicPr>
+          <p:cNvPr id="4" name="그림 3"/>
+          <p:cNvPicPr>
+            <a:picLocks noChangeAspect="1"/>
+          </p:cNvPicPr>
+          <p:nvPr/>
+        </p:nvPicPr>
+        <p:blipFill>
+          <a:blip r:embed="rId2"/>
+          <a:stretch>
+            <a:fillRect/>
+          </a:stretch>
+        </p:blipFill>
+        <p:spPr>
+          <a:xfrm>
+            <a:off x="0" y="419100"/>
+            <a:ext cx="11096864" cy="6858000"/>
+          </a:xfrm>
+          <a:prstGeom prst="rect">
+            <a:avLst/>
+          </a:prstGeom>
+        </p:spPr>
+      </p:pic>
+      <p:sp>
+        <p:nvSpPr>
+          <p:cNvPr id="5" name="직사각형 4"/>
+          <p:cNvSpPr/>
+          <p:nvPr/>
+        </p:nvSpPr>
+        <p:spPr>
+          <a:xfrm>
+            <a:off x="0" y="114300"/>
+            <a:ext cx="18288000" cy="9525000"/>
+          </a:xfrm>
+          <a:prstGeom prst="rect">
+            <a:avLst/>
+          </a:prstGeom>
+          <a:solidFill>
+            <a:schemeClr val="bg1"/>
+          </a:solidFill>
+        </p:spPr>
+        <p:style>
+          <a:lnRef idx="2">
+            <a:schemeClr val="accent1">
+              <a:shade val="50000"/>
+            </a:schemeClr>
+          </a:lnRef>
+          <a:fillRef idx="1">
+            <a:schemeClr val="accent1"/>
+          </a:fillRef>
+          <a:effectRef idx="0">
+            <a:schemeClr val="accent1"/>
+          </a:effectRef>
+          <a:fontRef idx="minor">
+            <a:schemeClr val="lt1"/>
+          </a:fontRef>
+        </p:style>
+        <p:txBody>
+          <a:bodyPr rtlCol="0" anchor="ctr"/>
+          <a:lstStyle/>
+          <a:p>
+            <a:pPr algn="ctr"/>
+            <a:endParaRPr lang="ko-KR" altLang="en-US"/>
+          </a:p>
+        </p:txBody>
+      </p:sp>
+    </p:spTree>
+    <p:extLst>
+      <p:ext uri="{BB962C8B-B14F-4D97-AF65-F5344CB8AC3E}">
+        <p14:creationId xmlns:p14="http://schemas.microsoft.com/office/powerpoint/2010/main" val="1989697318"/>
+      </p:ext>
+    </p:extLst>
+  </p:cSld>
+  <p:clrMapOvr>
+    <a:masterClrMapping/>
+  </p:clrMapOvr>
+  <p:timing>
+    <p:tnLst>
+      <p:par>
+        <p:cTn id="1" dur="indefinite" restart="never" nodeType="tmRoot">
+          <p:childTnLst>
+            <p:seq concurrent="1" nextAc="seek">
+              <p:cTn id="2" dur="indefinite" nodeType="mainSeq">
+                <p:childTnLst>
+                  <p:par>
+                    <p:cTn id="3" fill="hold">
+                      <p:stCondLst>
+                        <p:cond delay="indefinite"/>
+                      </p:stCondLst>
+                      <p:childTnLst>
+                        <p:par>
+                          <p:cTn id="4" fill="hold">
+                            <p:stCondLst>
+                              <p:cond delay="0"/>
+                            </p:stCondLst>
+                            <p:childTnLst>
+                              <p:par>
+                                <p:cTn id="5" presetID="1" presetClass="exit" presetSubtype="0" fill="hold" grpId="0" nodeType="clickEffect">
+                                  <p:stCondLst>
+                                    <p:cond delay="0"/>
+                                  </p:stCondLst>
+                                  <p:childTnLst>
+                                    <p:set>
+                                      <p:cBhvr>
+                                        <p:cTn id="6" dur="1" fill="hold">
+                                          <p:stCondLst>
+                                            <p:cond delay="0"/>
+                                          </p:stCondLst>
+                                        </p:cTn>
+                                        <p:tgtEl>
+                                          <p:spTgt spid="5"/>
+                                        </p:tgtEl>
+                                        <p:attrNameLst>
+                                          <p:attrName>style.visibility</p:attrName>
+                                        </p:attrNameLst>
+                                      </p:cBhvr>
+                                      <p:to>
+                                        <p:strVal val="hidden"/>
+                                      </p:to>
+                                    </p:set>
+                                  </p:childTnLst>
+                                </p:cTn>
+                              </p:par>
+                            </p:childTnLst>
+                          </p:cTn>
+                        </p:par>
+                      </p:childTnLst>
+                    </p:cTn>
+                  </p:par>
+                </p:childTnLst>
+              </p:cTn>
+              <p:prevCondLst>
+                <p:cond evt="onPrev" delay="0">
+                  <p:tgtEl>
+                    <p:sldTgt/>
+                  </p:tgtEl>
+                </p:cond>
+              </p:prevCondLst>
+              <p:nextCondLst>
+                <p:cond evt="onNext" delay="0">
+                  <p:tgtEl>
+                    <p:sldTgt/>
+                  </p:tgtEl>
+                </p:cond>
+              </p:nextCondLst>
+            </p:seq>
+          </p:childTnLst>
+        </p:cTn>
+      </p:par>
+    </p:tnLst>
+    <p:bldLst>
+      <p:bldP spid="5" grpId="0" animBg="1"/>
+    </p:bldLst>
+  </p:timing>
+</p:sld>
+</file>
+
+<file path=ppt/slides/slide81.xml><?xml version="1.0" encoding="utf-8"?>
+<p:sld xmlns:a="http://schemas.openxmlformats.org/drawingml/2006/main" xmlns:r="http://schemas.openxmlformats.org/officeDocument/2006/relationships" xmlns:p="http://schemas.openxmlformats.org/presentationml/2006/main">
+  <p:cSld>
+    <p:spTree>
+      <p:nvGrpSpPr>
+        <p:cNvPr id="1" name=""/>
+        <p:cNvGrpSpPr/>
+        <p:nvPr/>
+      </p:nvGrpSpPr>
+      <p:grpSpPr>
+        <a:xfrm>
+          <a:off x="0" y="0"/>
+          <a:ext cx="0" cy="0"/>
+          <a:chOff x="0" y="0"/>
+          <a:chExt cx="0" cy="0"/>
+        </a:xfrm>
+      </p:grpSpPr>
       <p:sp>
         <p:nvSpPr>
           <p:cNvPr id="4" name="TextBox 3">
@@ -41387,8 +42770,8 @@
         </p:nvSpPr>
         <p:spPr>
           <a:xfrm>
-            <a:off x="1295400" y="952500"/>
-            <a:ext cx="16154400" cy="4955203"/>
+            <a:off x="457200" y="190500"/>
+            <a:ext cx="16154400" cy="4462760"/>
           </a:xfrm>
           <a:prstGeom prst="rect">
             <a:avLst/>
@@ -41402,27 +42785,47 @@
           <a:lstStyle/>
           <a:p>
             <a:r>
-              <a:rPr lang="en-US" altLang="ko-KR" sz="3600">
+              <a:rPr lang="en-US" altLang="ko-KR" sz="3600" dirty="0">
                 <a:solidFill>
                   <a:srgbClr val="4C50BB"/>
                 </a:solidFill>
                 <a:latin typeface="G마켓 산스 Medium" panose="02000000000000000000" pitchFamily="50" charset="-127"/>
                 <a:ea typeface="G마켓 산스 Medium" panose="02000000000000000000" pitchFamily="50" charset="-127"/>
               </a:rPr>
-              <a:t>4. BlackSmith(</a:t>
-            </a:r>
-            <a:r>
-              <a:rPr lang="ko-KR" altLang="en-US" sz="3600">
+              <a:t>3. </a:t>
+            </a:r>
+            <a:r>
+              <a:rPr lang="en-US" altLang="ko-KR" sz="3600" dirty="0" err="1">
                 <a:solidFill>
                   <a:srgbClr val="4C50BB"/>
                 </a:solidFill>
                 <a:latin typeface="G마켓 산스 Medium" panose="02000000000000000000" pitchFamily="50" charset="-127"/>
                 <a:ea typeface="G마켓 산스 Medium" panose="02000000000000000000" pitchFamily="50" charset="-127"/>
               </a:rPr>
+              <a:t>BlackSmith</a:t>
+            </a:r>
+            <a:r>
+              <a:rPr lang="en-US" altLang="ko-KR" sz="3600" dirty="0">
+                <a:solidFill>
+                  <a:srgbClr val="4C50BB"/>
+                </a:solidFill>
+                <a:latin typeface="G마켓 산스 Medium" panose="02000000000000000000" pitchFamily="50" charset="-127"/>
+                <a:ea typeface="G마켓 산스 Medium" panose="02000000000000000000" pitchFamily="50" charset="-127"/>
+              </a:rPr>
+              <a:t>(</a:t>
+            </a:r>
+            <a:r>
+              <a:rPr lang="ko-KR" altLang="en-US" sz="3600" dirty="0">
+                <a:solidFill>
+                  <a:srgbClr val="4C50BB"/>
+                </a:solidFill>
+                <a:latin typeface="G마켓 산스 Medium" panose="02000000000000000000" pitchFamily="50" charset="-127"/>
+                <a:ea typeface="G마켓 산스 Medium" panose="02000000000000000000" pitchFamily="50" charset="-127"/>
+              </a:rPr>
               <a:t>대장장이</a:t>
             </a:r>
             <a:r>
-              <a:rPr lang="en-US" altLang="ko-KR" sz="3600">
+              <a:rPr lang="en-US" altLang="ko-KR" sz="3600" dirty="0">
                 <a:solidFill>
                   <a:srgbClr val="4C50BB"/>
                 </a:solidFill>
@@ -41432,26 +42835,43 @@
               <a:t>) </a:t>
             </a:r>
             <a:r>
-              <a:rPr lang="ko-KR" altLang="en-US" sz="3600">
+              <a:rPr lang="ko-KR" altLang="en-US" sz="3600" dirty="0">
                 <a:solidFill>
                   <a:srgbClr val="4C50BB"/>
                 </a:solidFill>
                 <a:latin typeface="G마켓 산스 Medium" panose="02000000000000000000" pitchFamily="50" charset="-127"/>
                 <a:ea typeface="G마켓 산스 Medium" panose="02000000000000000000" pitchFamily="50" charset="-127"/>
               </a:rPr>
-              <a:t>를 개선해보자 </a:t>
-            </a:r>
-            <a:endParaRPr lang="en-US" altLang="ko-KR" sz="3600">
-              <a:solidFill>
-                <a:srgbClr val="4C50BB"/>
-              </a:solidFill>
-              <a:latin typeface="G마켓 산스 Medium" panose="02000000000000000000" pitchFamily="50" charset="-127"/>
-              <a:ea typeface="G마켓 산스 Medium" panose="02000000000000000000" pitchFamily="50" charset="-127"/>
-            </a:endParaRPr>
+              <a:t>클래스를 추가하여 무기를 수리해보자</a:t>
+            </a:r>
+            <a:r>
+              <a:rPr lang="en-US" altLang="ko-KR" sz="3600" dirty="0">
+                <a:solidFill>
+                  <a:srgbClr val="4C50BB"/>
+                </a:solidFill>
+                <a:latin typeface="G마켓 산스 Medium" panose="02000000000000000000" pitchFamily="50" charset="-127"/>
+                <a:ea typeface="G마켓 산스 Medium" panose="02000000000000000000" pitchFamily="50" charset="-127"/>
+              </a:rPr>
+              <a:t>.</a:t>
+            </a:r>
+            <a:r>
+              <a:rPr lang="en-US" altLang="ko-KR" sz="3600" dirty="0">
+                <a:solidFill>
+                  <a:srgbClr val="FF0000"/>
+                </a:solidFill>
+                <a:latin typeface="G마켓 산스 Medium" panose="02000000000000000000" pitchFamily="50" charset="-127"/>
+                <a:ea typeface="G마켓 산스 Medium" panose="02000000000000000000" pitchFamily="50" charset="-127"/>
+              </a:rPr>
+              <a:t>(hard)</a:t>
+            </a:r>
           </a:p>
           <a:p>
-            <a:r>
-              <a:rPr lang="ko-KR" altLang="en-US" sz="3600">
+            <a:pPr marL="571500" indent="-571500">
+              <a:buFontTx/>
+              <a:buChar char="-"/>
+            </a:pPr>
+            <a:r>
+              <a:rPr lang="en-US" altLang="ko-KR" sz="3600" dirty="0" err="1">
                 <a:solidFill>
                   <a:schemeClr val="tx1">
                     <a:lumMod val="50000"/>
@@ -41461,10 +42881,10 @@
                 <a:latin typeface="G마켓 산스 Medium" panose="02000000000000000000" pitchFamily="50" charset="-127"/>
                 <a:ea typeface="G마켓 산스 Medium" panose="02000000000000000000" pitchFamily="50" charset="-127"/>
               </a:rPr>
-              <a:t>현재 </a:t>
-            </a:r>
-            <a:r>
-              <a:rPr lang="en-US" altLang="ko-KR" sz="3600">
+              <a:t>BlackSmith</a:t>
+            </a:r>
+            <a:r>
+              <a:rPr lang="en-US" altLang="ko-KR" sz="3600" dirty="0">
                 <a:solidFill>
                   <a:schemeClr val="tx1">
                     <a:lumMod val="50000"/>
@@ -41474,10 +42894,10 @@
                 <a:latin typeface="G마켓 산스 Medium" panose="02000000000000000000" pitchFamily="50" charset="-127"/>
                 <a:ea typeface="G마켓 산스 Medium" panose="02000000000000000000" pitchFamily="50" charset="-127"/>
               </a:rPr>
-              <a:t>BlackSmith</a:t>
-            </a:r>
-            <a:r>
-              <a:rPr lang="ko-KR" altLang="en-US" sz="3600">
+              <a:t> </a:t>
+            </a:r>
+            <a:r>
+              <a:rPr lang="ko-KR" altLang="en-US" sz="3600" dirty="0">
                 <a:solidFill>
                   <a:schemeClr val="tx1">
                     <a:lumMod val="50000"/>
@@ -41487,10 +42907,10 @@
                 <a:latin typeface="G마켓 산스 Medium" panose="02000000000000000000" pitchFamily="50" charset="-127"/>
                 <a:ea typeface="G마켓 산스 Medium" panose="02000000000000000000" pitchFamily="50" charset="-127"/>
               </a:rPr>
-              <a:t>는 어떻게 수리할지에 대한 구체적인 코드가 들어가 있다</a:t>
-            </a:r>
-            <a:r>
-              <a:rPr lang="en-US" altLang="ko-KR" sz="3600">
+              <a:t>클래스에 </a:t>
+            </a:r>
+            <a:r>
+              <a:rPr lang="en-US" altLang="ko-KR" sz="3600" dirty="0">
                 <a:solidFill>
                   <a:schemeClr val="tx1">
                     <a:lumMod val="50000"/>
@@ -41500,10 +42920,10 @@
                 <a:latin typeface="G마켓 산스 Medium" panose="02000000000000000000" pitchFamily="50" charset="-127"/>
                 <a:ea typeface="G마켓 산스 Medium" panose="02000000000000000000" pitchFamily="50" charset="-127"/>
               </a:rPr>
-              <a:t>. </a:t>
-            </a:r>
-            <a:r>
-              <a:rPr lang="ko-KR" altLang="en-US" sz="3600">
+              <a:t>void </a:t>
+            </a:r>
+            <a:r>
+              <a:rPr lang="en-US" altLang="ko-KR" sz="3600" dirty="0" err="1">
                 <a:solidFill>
                   <a:schemeClr val="tx1">
                     <a:lumMod val="50000"/>
@@ -41513,10 +42933,10 @@
                 <a:latin typeface="G마켓 산스 Medium" panose="02000000000000000000" pitchFamily="50" charset="-127"/>
                 <a:ea typeface="G마켓 산스 Medium" panose="02000000000000000000" pitchFamily="50" charset="-127"/>
               </a:rPr>
-              <a:t>그러나 무기마다 수리하는 방법이 다를것이고 내구도 또한 한번에 올라가는 양이 다를수 있다</a:t>
-            </a:r>
-            <a:r>
-              <a:rPr lang="en-US" altLang="ko-KR" sz="3600">
+              <a:t>repaire</a:t>
+            </a:r>
+            <a:r>
+              <a:rPr lang="en-US" altLang="ko-KR" sz="3600" dirty="0">
                 <a:solidFill>
                   <a:schemeClr val="tx1">
                     <a:lumMod val="50000"/>
@@ -41526,10 +42946,10 @@
                 <a:latin typeface="G마켓 산스 Medium" panose="02000000000000000000" pitchFamily="50" charset="-127"/>
                 <a:ea typeface="G마켓 산스 Medium" panose="02000000000000000000" pitchFamily="50" charset="-127"/>
               </a:rPr>
-              <a:t>. </a:t>
-            </a:r>
-            <a:r>
-              <a:rPr lang="ko-KR" altLang="en-US" sz="3600">
+              <a:t>(Weapon)  </a:t>
+            </a:r>
+            <a:r>
+              <a:rPr lang="ko-KR" altLang="en-US" sz="3600" dirty="0" err="1">
                 <a:solidFill>
                   <a:schemeClr val="tx1">
                     <a:lumMod val="50000"/>
@@ -41539,10 +42959,10 @@
                 <a:latin typeface="G마켓 산스 Medium" panose="02000000000000000000" pitchFamily="50" charset="-127"/>
                 <a:ea typeface="G마켓 산스 Medium" panose="02000000000000000000" pitchFamily="50" charset="-127"/>
               </a:rPr>
-              <a:t>그러므로 해당 코드는 다른곳으로 옮겨야 한다</a:t>
-            </a:r>
-            <a:r>
-              <a:rPr lang="en-US" altLang="ko-KR" sz="3600">
+              <a:t>메서드를</a:t>
+            </a:r>
+            <a:r>
+              <a:rPr lang="ko-KR" altLang="en-US" sz="3600" dirty="0">
                 <a:solidFill>
                   <a:schemeClr val="tx1">
                     <a:lumMod val="50000"/>
@@ -41552,12 +42972,10 @@
                 <a:latin typeface="G마켓 산스 Medium" panose="02000000000000000000" pitchFamily="50" charset="-127"/>
                 <a:ea typeface="G마켓 산스 Medium" panose="02000000000000000000" pitchFamily="50" charset="-127"/>
               </a:rPr>
-              <a:t>.</a:t>
-            </a:r>
-          </a:p>
-          <a:p>
-            <a:r>
-              <a:rPr lang="ko-KR" altLang="en-US" sz="3600">
+              <a:t> 구현하자</a:t>
+            </a:r>
+            <a:r>
+              <a:rPr lang="en-US" altLang="ko-KR" sz="3600" dirty="0">
                 <a:solidFill>
                   <a:schemeClr val="tx1">
                     <a:lumMod val="50000"/>
@@ -41567,10 +42985,16 @@
                 <a:latin typeface="G마켓 산스 Medium" panose="02000000000000000000" pitchFamily="50" charset="-127"/>
                 <a:ea typeface="G마켓 산스 Medium" panose="02000000000000000000" pitchFamily="50" charset="-127"/>
               </a:rPr>
-              <a:t>무기마다 수리되는 양이 다르게 기능을 수정하시오</a:t>
-            </a:r>
-            <a:r>
-              <a:rPr lang="en-US" altLang="ko-KR" sz="3600">
+              <a:t>. </a:t>
+            </a:r>
+          </a:p>
+          <a:p>
+            <a:pPr marL="571500" indent="-571500">
+              <a:buFontTx/>
+              <a:buChar char="-"/>
+            </a:pPr>
+            <a:r>
+              <a:rPr lang="en-US" altLang="ko-KR" sz="3600" dirty="0" err="1">
                 <a:solidFill>
                   <a:schemeClr val="tx1">
                     <a:lumMod val="50000"/>
@@ -41580,11 +43004,80 @@
                 <a:latin typeface="G마켓 산스 Medium" panose="02000000000000000000" pitchFamily="50" charset="-127"/>
                 <a:ea typeface="G마켓 산스 Medium" panose="02000000000000000000" pitchFamily="50" charset="-127"/>
               </a:rPr>
-              <a:t>!</a:t>
+              <a:t>Sword,Gun</a:t>
+            </a:r>
+            <a:r>
+              <a:rPr lang="ko-KR" altLang="en-US" sz="3600" dirty="0">
+                <a:solidFill>
+                  <a:schemeClr val="tx1">
+                    <a:lumMod val="50000"/>
+                    <a:lumOff val="50000"/>
+                  </a:schemeClr>
+                </a:solidFill>
+                <a:latin typeface="G마켓 산스 Medium" panose="02000000000000000000" pitchFamily="50" charset="-127"/>
+                <a:ea typeface="G마켓 산스 Medium" panose="02000000000000000000" pitchFamily="50" charset="-127"/>
+              </a:rPr>
+              <a:t>은 수리가 가능하다</a:t>
+            </a:r>
+            <a:r>
+              <a:rPr lang="en-US" altLang="ko-KR" sz="3600" dirty="0">
+                <a:solidFill>
+                  <a:schemeClr val="tx1">
+                    <a:lumMod val="50000"/>
+                    <a:lumOff val="50000"/>
+                  </a:schemeClr>
+                </a:solidFill>
+                <a:latin typeface="G마켓 산스 Medium" panose="02000000000000000000" pitchFamily="50" charset="-127"/>
+                <a:ea typeface="G마켓 산스 Medium" panose="02000000000000000000" pitchFamily="50" charset="-127"/>
+              </a:rPr>
+              <a:t>.</a:t>
             </a:r>
           </a:p>
           <a:p>
-            <a:endParaRPr lang="en-US" altLang="ko-KR" sz="3600">
+            <a:pPr marL="571500" indent="-571500">
+              <a:buFontTx/>
+              <a:buChar char="-"/>
+            </a:pPr>
+            <a:r>
+              <a:rPr lang="ko-KR" altLang="en-US" sz="3600" dirty="0">
+                <a:solidFill>
+                  <a:schemeClr val="tx1">
+                    <a:lumMod val="50000"/>
+                    <a:lumOff val="50000"/>
+                  </a:schemeClr>
+                </a:solidFill>
+                <a:latin typeface="G마켓 산스 Medium" panose="02000000000000000000" pitchFamily="50" charset="-127"/>
+                <a:ea typeface="G마켓 산스 Medium" panose="02000000000000000000" pitchFamily="50" charset="-127"/>
+              </a:rPr>
+              <a:t>수리가 불가능한 무기가 매개변수로 오면 </a:t>
+            </a:r>
+            <a:r>
+              <a:rPr lang="en-US" altLang="ko-KR" sz="3600" dirty="0" err="1">
+                <a:solidFill>
+                  <a:schemeClr val="tx1">
+                    <a:lumMod val="50000"/>
+                    <a:lumOff val="50000"/>
+                  </a:schemeClr>
+                </a:solidFill>
+                <a:latin typeface="G마켓 산스 Medium" panose="02000000000000000000" pitchFamily="50" charset="-127"/>
+                <a:ea typeface="G마켓 산스 Medium" panose="02000000000000000000" pitchFamily="50" charset="-127"/>
+              </a:rPr>
+              <a:t>sysout</a:t>
+            </a:r>
+            <a:r>
+              <a:rPr lang="ko-KR" altLang="en-US" sz="3600" dirty="0">
+                <a:solidFill>
+                  <a:schemeClr val="tx1">
+                    <a:lumMod val="50000"/>
+                    <a:lumOff val="50000"/>
+                  </a:schemeClr>
+                </a:solidFill>
+                <a:latin typeface="G마켓 산스 Medium" panose="02000000000000000000" pitchFamily="50" charset="-127"/>
+                <a:ea typeface="G마켓 산스 Medium" panose="02000000000000000000" pitchFamily="50" charset="-127"/>
+              </a:rPr>
+              <a:t>으로 거부 메시지를 출력하자</a:t>
+            </a:r>
+            <a:endParaRPr lang="en-US" altLang="ko-KR" sz="3600" dirty="0">
               <a:solidFill>
                 <a:schemeClr val="tx1">
                   <a:lumMod val="50000"/>
@@ -41596,50 +43089,43 @@
             </a:endParaRPr>
           </a:p>
           <a:p>
-            <a:r>
-              <a:rPr lang="en-US" altLang="ko-KR" sz="3200">
-                <a:solidFill>
-                  <a:srgbClr val="FF0000"/>
-                </a:solidFill>
-                <a:latin typeface="G마켓 산스 Medium" panose="02000000000000000000" pitchFamily="50" charset="-127"/>
-                <a:ea typeface="G마켓 산스 Medium" panose="02000000000000000000" pitchFamily="50" charset="-127"/>
-              </a:rPr>
-              <a:t>Hint : repaire</a:t>
-            </a:r>
-            <a:r>
-              <a:rPr lang="ko-KR" altLang="en-US" sz="3200">
-                <a:solidFill>
-                  <a:srgbClr val="FF0000"/>
-                </a:solidFill>
-                <a:latin typeface="G마켓 산스 Medium" panose="02000000000000000000" pitchFamily="50" charset="-127"/>
-                <a:ea typeface="G마켓 산스 Medium" panose="02000000000000000000" pitchFamily="50" charset="-127"/>
-              </a:rPr>
-              <a:t>의 매개변수로 </a:t>
-            </a:r>
-            <a:r>
-              <a:rPr lang="en-US" altLang="ko-KR" sz="3200">
-                <a:solidFill>
-                  <a:srgbClr val="FF0000"/>
-                </a:solidFill>
-                <a:latin typeface="G마켓 산스 Medium" panose="02000000000000000000" pitchFamily="50" charset="-127"/>
-                <a:ea typeface="G마켓 산스 Medium" panose="02000000000000000000" pitchFamily="50" charset="-127"/>
-              </a:rPr>
-              <a:t>Repairable </a:t>
-            </a:r>
-            <a:r>
-              <a:rPr lang="ko-KR" altLang="en-US" sz="3200">
-                <a:solidFill>
-                  <a:srgbClr val="FF0000"/>
-                </a:solidFill>
-                <a:latin typeface="G마켓 산스 Medium" panose="02000000000000000000" pitchFamily="50" charset="-127"/>
-                <a:ea typeface="G마켓 산스 Medium" panose="02000000000000000000" pitchFamily="50" charset="-127"/>
-              </a:rPr>
-              <a:t>타입을 받고 해당 인터페이스에 기능이 추가 되어야 한다</a:t>
-            </a:r>
-            <a:r>
-              <a:rPr lang="en-US" altLang="ko-KR" sz="3200">
-                <a:solidFill>
-                  <a:srgbClr val="FF0000"/>
+            <a:pPr marL="571500" indent="-571500">
+              <a:buFontTx/>
+              <a:buChar char="-"/>
+            </a:pPr>
+            <a:r>
+              <a:rPr lang="en-US" altLang="ko-KR" sz="3600" dirty="0">
+                <a:solidFill>
+                  <a:schemeClr val="tx1">
+                    <a:lumMod val="50000"/>
+                    <a:lumOff val="50000"/>
+                  </a:schemeClr>
+                </a:solidFill>
+                <a:latin typeface="G마켓 산스 Medium" panose="02000000000000000000" pitchFamily="50" charset="-127"/>
+                <a:ea typeface="G마켓 산스 Medium" panose="02000000000000000000" pitchFamily="50" charset="-127"/>
+              </a:rPr>
+              <a:t>Reparable </a:t>
+            </a:r>
+            <a:r>
+              <a:rPr lang="ko-KR" altLang="en-US" sz="3600" dirty="0">
+                <a:solidFill>
+                  <a:schemeClr val="tx1">
+                    <a:lumMod val="50000"/>
+                    <a:lumOff val="50000"/>
+                  </a:schemeClr>
+                </a:solidFill>
+                <a:latin typeface="G마켓 산스 Medium" panose="02000000000000000000" pitchFamily="50" charset="-127"/>
+                <a:ea typeface="G마켓 산스 Medium" panose="02000000000000000000" pitchFamily="50" charset="-127"/>
+              </a:rPr>
+              <a:t>인터페이스를 활용하자</a:t>
+            </a:r>
+            <a:r>
+              <a:rPr lang="en-US" altLang="ko-KR" sz="3600" dirty="0">
+                <a:solidFill>
+                  <a:schemeClr val="tx1">
+                    <a:lumMod val="50000"/>
+                    <a:lumOff val="50000"/>
+                  </a:schemeClr>
                 </a:solidFill>
                 <a:latin typeface="G마켓 산스 Medium" panose="02000000000000000000" pitchFamily="50" charset="-127"/>
                 <a:ea typeface="G마켓 산스 Medium" panose="02000000000000000000" pitchFamily="50" charset="-127"/>
@@ -41648,7 +43134,688 @@
             </a:r>
           </a:p>
           <a:p>
-            <a:endParaRPr lang="en-US" altLang="ko-KR" sz="3600">
+            <a:pPr marL="571500" indent="-571500">
+              <a:buFontTx/>
+              <a:buChar char="-"/>
+            </a:pPr>
+            <a:endParaRPr lang="en-US" altLang="ko-KR" sz="3200" dirty="0">
+              <a:solidFill>
+                <a:schemeClr val="tx1">
+                  <a:lumMod val="50000"/>
+                  <a:lumOff val="50000"/>
+                </a:schemeClr>
+              </a:solidFill>
+              <a:latin typeface="G마켓 산스 Medium" panose="02000000000000000000" pitchFamily="50" charset="-127"/>
+              <a:ea typeface="G마켓 산스 Medium" panose="02000000000000000000" pitchFamily="50" charset="-127"/>
+            </a:endParaRPr>
+          </a:p>
+          <a:p>
+            <a:endParaRPr lang="en-US" altLang="ko-KR" sz="3600" dirty="0">
+              <a:solidFill>
+                <a:schemeClr val="tx1">
+                  <a:lumMod val="50000"/>
+                  <a:lumOff val="50000"/>
+                </a:schemeClr>
+              </a:solidFill>
+              <a:latin typeface="G마켓 산스 Medium" panose="02000000000000000000" pitchFamily="50" charset="-127"/>
+              <a:ea typeface="G마켓 산스 Medium" panose="02000000000000000000" pitchFamily="50" charset="-127"/>
+            </a:endParaRPr>
+          </a:p>
+        </p:txBody>
+      </p:sp>
+      <p:pic>
+        <p:nvPicPr>
+          <p:cNvPr id="5" name="그림 4"/>
+          <p:cNvPicPr>
+            <a:picLocks noChangeAspect="1"/>
+          </p:cNvPicPr>
+          <p:nvPr/>
+        </p:nvPicPr>
+        <p:blipFill>
+          <a:blip r:embed="rId2"/>
+          <a:stretch>
+            <a:fillRect/>
+          </a:stretch>
+        </p:blipFill>
+        <p:spPr>
+          <a:xfrm>
+            <a:off x="9144000" y="4762500"/>
+            <a:ext cx="8879058" cy="2133600"/>
+          </a:xfrm>
+          <a:prstGeom prst="rect">
+            <a:avLst/>
+          </a:prstGeom>
+        </p:spPr>
+      </p:pic>
+      <p:pic>
+        <p:nvPicPr>
+          <p:cNvPr id="6" name="그림 5"/>
+          <p:cNvPicPr>
+            <a:picLocks noChangeAspect="1"/>
+          </p:cNvPicPr>
+          <p:nvPr/>
+        </p:nvPicPr>
+        <p:blipFill>
+          <a:blip r:embed="rId3"/>
+          <a:stretch>
+            <a:fillRect/>
+          </a:stretch>
+        </p:blipFill>
+        <p:spPr>
+          <a:xfrm>
+            <a:off x="304800" y="4305300"/>
+            <a:ext cx="8669286" cy="5681663"/>
+          </a:xfrm>
+          <a:prstGeom prst="rect">
+            <a:avLst/>
+          </a:prstGeom>
+        </p:spPr>
+      </p:pic>
+    </p:spTree>
+    <p:extLst>
+      <p:ext uri="{BB962C8B-B14F-4D97-AF65-F5344CB8AC3E}">
+        <p14:creationId xmlns:p14="http://schemas.microsoft.com/office/powerpoint/2010/main" val="2351989580"/>
+      </p:ext>
+    </p:extLst>
+  </p:cSld>
+  <p:clrMapOvr>
+    <a:masterClrMapping/>
+  </p:clrMapOvr>
+</p:sld>
+</file>
+
+<file path=ppt/slides/slide82.xml><?xml version="1.0" encoding="utf-8"?>
+<p:sld xmlns:a="http://schemas.openxmlformats.org/drawingml/2006/main" xmlns:r="http://schemas.openxmlformats.org/officeDocument/2006/relationships" xmlns:p="http://schemas.openxmlformats.org/presentationml/2006/main">
+  <p:cSld>
+    <p:spTree>
+      <p:nvGrpSpPr>
+        <p:cNvPr id="1" name=""/>
+        <p:cNvGrpSpPr/>
+        <p:nvPr/>
+      </p:nvGrpSpPr>
+      <p:grpSpPr>
+        <a:xfrm>
+          <a:off x="0" y="0"/>
+          <a:ext cx="0" cy="0"/>
+          <a:chOff x="0" y="0"/>
+          <a:chExt cx="0" cy="0"/>
+        </a:xfrm>
+      </p:grpSpPr>
+      <p:pic>
+        <p:nvPicPr>
+          <p:cNvPr id="4" name="그림 3"/>
+          <p:cNvPicPr>
+            <a:picLocks noChangeAspect="1"/>
+          </p:cNvPicPr>
+          <p:nvPr/>
+        </p:nvPicPr>
+        <p:blipFill>
+          <a:blip r:embed="rId2"/>
+          <a:stretch>
+            <a:fillRect/>
+          </a:stretch>
+        </p:blipFill>
+        <p:spPr>
+          <a:xfrm>
+            <a:off x="990600" y="1790700"/>
+            <a:ext cx="10737991" cy="4419600"/>
+          </a:xfrm>
+          <a:prstGeom prst="rect">
+            <a:avLst/>
+          </a:prstGeom>
+        </p:spPr>
+      </p:pic>
+      <p:sp>
+        <p:nvSpPr>
+          <p:cNvPr id="3" name="직사각형 2"/>
+          <p:cNvSpPr/>
+          <p:nvPr/>
+        </p:nvSpPr>
+        <p:spPr>
+          <a:xfrm>
+            <a:off x="0" y="114300"/>
+            <a:ext cx="18288000" cy="9525000"/>
+          </a:xfrm>
+          <a:prstGeom prst="rect">
+            <a:avLst/>
+          </a:prstGeom>
+          <a:solidFill>
+            <a:schemeClr val="bg1"/>
+          </a:solidFill>
+        </p:spPr>
+        <p:style>
+          <a:lnRef idx="2">
+            <a:schemeClr val="accent1">
+              <a:shade val="50000"/>
+            </a:schemeClr>
+          </a:lnRef>
+          <a:fillRef idx="1">
+            <a:schemeClr val="accent1"/>
+          </a:fillRef>
+          <a:effectRef idx="0">
+            <a:schemeClr val="accent1"/>
+          </a:effectRef>
+          <a:fontRef idx="minor">
+            <a:schemeClr val="lt1"/>
+          </a:fontRef>
+        </p:style>
+        <p:txBody>
+          <a:bodyPr rtlCol="0" anchor="ctr"/>
+          <a:lstStyle/>
+          <a:p>
+            <a:pPr algn="ctr"/>
+            <a:endParaRPr lang="ko-KR" altLang="en-US"/>
+          </a:p>
+        </p:txBody>
+      </p:sp>
+    </p:spTree>
+    <p:extLst>
+      <p:ext uri="{BB962C8B-B14F-4D97-AF65-F5344CB8AC3E}">
+        <p14:creationId xmlns:p14="http://schemas.microsoft.com/office/powerpoint/2010/main" val="1133152854"/>
+      </p:ext>
+    </p:extLst>
+  </p:cSld>
+  <p:clrMapOvr>
+    <a:masterClrMapping/>
+  </p:clrMapOvr>
+  <p:timing>
+    <p:tnLst>
+      <p:par>
+        <p:cTn id="1" dur="indefinite" restart="never" nodeType="tmRoot">
+          <p:childTnLst>
+            <p:seq concurrent="1" nextAc="seek">
+              <p:cTn id="2" dur="indefinite" nodeType="mainSeq">
+                <p:childTnLst>
+                  <p:par>
+                    <p:cTn id="3" fill="hold">
+                      <p:stCondLst>
+                        <p:cond delay="indefinite"/>
+                      </p:stCondLst>
+                      <p:childTnLst>
+                        <p:par>
+                          <p:cTn id="4" fill="hold">
+                            <p:stCondLst>
+                              <p:cond delay="0"/>
+                            </p:stCondLst>
+                            <p:childTnLst>
+                              <p:par>
+                                <p:cTn id="5" presetID="1" presetClass="exit" presetSubtype="0" fill="hold" grpId="0" nodeType="clickEffect">
+                                  <p:stCondLst>
+                                    <p:cond delay="0"/>
+                                  </p:stCondLst>
+                                  <p:childTnLst>
+                                    <p:set>
+                                      <p:cBhvr>
+                                        <p:cTn id="6" dur="1" fill="hold">
+                                          <p:stCondLst>
+                                            <p:cond delay="0"/>
+                                          </p:stCondLst>
+                                        </p:cTn>
+                                        <p:tgtEl>
+                                          <p:spTgt spid="3"/>
+                                        </p:tgtEl>
+                                        <p:attrNameLst>
+                                          <p:attrName>style.visibility</p:attrName>
+                                        </p:attrNameLst>
+                                      </p:cBhvr>
+                                      <p:to>
+                                        <p:strVal val="hidden"/>
+                                      </p:to>
+                                    </p:set>
+                                  </p:childTnLst>
+                                </p:cTn>
+                              </p:par>
+                            </p:childTnLst>
+                          </p:cTn>
+                        </p:par>
+                      </p:childTnLst>
+                    </p:cTn>
+                  </p:par>
+                </p:childTnLst>
+              </p:cTn>
+              <p:prevCondLst>
+                <p:cond evt="onPrev" delay="0">
+                  <p:tgtEl>
+                    <p:sldTgt/>
+                  </p:tgtEl>
+                </p:cond>
+              </p:prevCondLst>
+              <p:nextCondLst>
+                <p:cond evt="onNext" delay="0">
+                  <p:tgtEl>
+                    <p:sldTgt/>
+                  </p:tgtEl>
+                </p:cond>
+              </p:nextCondLst>
+            </p:seq>
+          </p:childTnLst>
+        </p:cTn>
+      </p:par>
+    </p:tnLst>
+    <p:bldLst>
+      <p:bldP spid="3" grpId="0" animBg="1"/>
+    </p:bldLst>
+  </p:timing>
+</p:sld>
+</file>
+
+<file path=ppt/slides/slide83.xml><?xml version="1.0" encoding="utf-8"?>
+<p:sld xmlns:a="http://schemas.openxmlformats.org/drawingml/2006/main" xmlns:r="http://schemas.openxmlformats.org/officeDocument/2006/relationships" xmlns:p="http://schemas.openxmlformats.org/presentationml/2006/main">
+  <p:cSld>
+    <p:spTree>
+      <p:nvGrpSpPr>
+        <p:cNvPr id="1" name=""/>
+        <p:cNvGrpSpPr/>
+        <p:nvPr/>
+      </p:nvGrpSpPr>
+      <p:grpSpPr>
+        <a:xfrm>
+          <a:off x="0" y="0"/>
+          <a:ext cx="0" cy="0"/>
+          <a:chOff x="0" y="0"/>
+          <a:chExt cx="0" cy="0"/>
+        </a:xfrm>
+      </p:grpSpPr>
+      <p:sp>
+        <p:nvSpPr>
+          <p:cNvPr id="4" name="TextBox 3">
+            <a:extLst>
+              <a:ext uri="{FF2B5EF4-FFF2-40B4-BE49-F238E27FC236}">
+                <a16:creationId xmlns:a16="http://schemas.microsoft.com/office/drawing/2014/main" id="{52176D31-35F7-8916-46FA-6095EFEC1E49}"/>
+              </a:ext>
+            </a:extLst>
+          </p:cNvPr>
+          <p:cNvSpPr txBox="1"/>
+          <p:nvPr/>
+        </p:nvSpPr>
+        <p:spPr>
+          <a:xfrm>
+            <a:off x="1295400" y="952500"/>
+            <a:ext cx="16154400" cy="4955203"/>
+          </a:xfrm>
+          <a:prstGeom prst="rect">
+            <a:avLst/>
+          </a:prstGeom>
+          <a:noFill/>
+        </p:spPr>
+        <p:txBody>
+          <a:bodyPr wrap="square" rtlCol="0">
+            <a:spAutoFit/>
+          </a:bodyPr>
+          <a:lstStyle/>
+          <a:p>
+            <a:r>
+              <a:rPr lang="en-US" altLang="ko-KR" sz="3600" dirty="0">
+                <a:solidFill>
+                  <a:srgbClr val="4C50BB"/>
+                </a:solidFill>
+                <a:latin typeface="G마켓 산스 Medium" panose="02000000000000000000" pitchFamily="50" charset="-127"/>
+                <a:ea typeface="G마켓 산스 Medium" panose="02000000000000000000" pitchFamily="50" charset="-127"/>
+              </a:rPr>
+              <a:t>4. </a:t>
+            </a:r>
+            <a:r>
+              <a:rPr lang="en-US" altLang="ko-KR" sz="3600" dirty="0" err="1">
+                <a:solidFill>
+                  <a:srgbClr val="4C50BB"/>
+                </a:solidFill>
+                <a:latin typeface="G마켓 산스 Medium" panose="02000000000000000000" pitchFamily="50" charset="-127"/>
+                <a:ea typeface="G마켓 산스 Medium" panose="02000000000000000000" pitchFamily="50" charset="-127"/>
+              </a:rPr>
+              <a:t>BlackSmith</a:t>
+            </a:r>
+            <a:r>
+              <a:rPr lang="en-US" altLang="ko-KR" sz="3600" dirty="0">
+                <a:solidFill>
+                  <a:srgbClr val="4C50BB"/>
+                </a:solidFill>
+                <a:latin typeface="G마켓 산스 Medium" panose="02000000000000000000" pitchFamily="50" charset="-127"/>
+                <a:ea typeface="G마켓 산스 Medium" panose="02000000000000000000" pitchFamily="50" charset="-127"/>
+              </a:rPr>
+              <a:t>(</a:t>
+            </a:r>
+            <a:r>
+              <a:rPr lang="ko-KR" altLang="en-US" sz="3600" dirty="0">
+                <a:solidFill>
+                  <a:srgbClr val="4C50BB"/>
+                </a:solidFill>
+                <a:latin typeface="G마켓 산스 Medium" panose="02000000000000000000" pitchFamily="50" charset="-127"/>
+                <a:ea typeface="G마켓 산스 Medium" panose="02000000000000000000" pitchFamily="50" charset="-127"/>
+              </a:rPr>
+              <a:t>대장장이</a:t>
+            </a:r>
+            <a:r>
+              <a:rPr lang="en-US" altLang="ko-KR" sz="3600" dirty="0">
+                <a:solidFill>
+                  <a:srgbClr val="4C50BB"/>
+                </a:solidFill>
+                <a:latin typeface="G마켓 산스 Medium" panose="02000000000000000000" pitchFamily="50" charset="-127"/>
+                <a:ea typeface="G마켓 산스 Medium" panose="02000000000000000000" pitchFamily="50" charset="-127"/>
+              </a:rPr>
+              <a:t>) </a:t>
+            </a:r>
+            <a:r>
+              <a:rPr lang="ko-KR" altLang="en-US" sz="3600" dirty="0">
+                <a:solidFill>
+                  <a:srgbClr val="4C50BB"/>
+                </a:solidFill>
+                <a:latin typeface="G마켓 산스 Medium" panose="02000000000000000000" pitchFamily="50" charset="-127"/>
+                <a:ea typeface="G마켓 산스 Medium" panose="02000000000000000000" pitchFamily="50" charset="-127"/>
+              </a:rPr>
+              <a:t>를 개선해보자 </a:t>
+            </a:r>
+            <a:r>
+              <a:rPr lang="en-US" altLang="ko-KR" sz="3600" dirty="0">
+                <a:solidFill>
+                  <a:srgbClr val="FF0000"/>
+                </a:solidFill>
+                <a:latin typeface="G마켓 산스 Medium" panose="02000000000000000000" pitchFamily="50" charset="-127"/>
+                <a:ea typeface="G마켓 산스 Medium" panose="02000000000000000000" pitchFamily="50" charset="-127"/>
+              </a:rPr>
+              <a:t>(expert)</a:t>
+            </a:r>
+          </a:p>
+          <a:p>
+            <a:r>
+              <a:rPr lang="ko-KR" altLang="en-US" sz="3600" dirty="0">
+                <a:solidFill>
+                  <a:schemeClr val="tx1">
+                    <a:lumMod val="50000"/>
+                    <a:lumOff val="50000"/>
+                  </a:schemeClr>
+                </a:solidFill>
+                <a:latin typeface="G마켓 산스 Medium" panose="02000000000000000000" pitchFamily="50" charset="-127"/>
+                <a:ea typeface="G마켓 산스 Medium" panose="02000000000000000000" pitchFamily="50" charset="-127"/>
+              </a:rPr>
+              <a:t>현재 </a:t>
+            </a:r>
+            <a:r>
+              <a:rPr lang="en-US" altLang="ko-KR" sz="3600" dirty="0" err="1">
+                <a:solidFill>
+                  <a:schemeClr val="tx1">
+                    <a:lumMod val="50000"/>
+                    <a:lumOff val="50000"/>
+                  </a:schemeClr>
+                </a:solidFill>
+                <a:latin typeface="G마켓 산스 Medium" panose="02000000000000000000" pitchFamily="50" charset="-127"/>
+                <a:ea typeface="G마켓 산스 Medium" panose="02000000000000000000" pitchFamily="50" charset="-127"/>
+              </a:rPr>
+              <a:t>BlackSmith</a:t>
+            </a:r>
+            <a:r>
+              <a:rPr lang="ko-KR" altLang="en-US" sz="3600" dirty="0">
+                <a:solidFill>
+                  <a:schemeClr val="tx1">
+                    <a:lumMod val="50000"/>
+                    <a:lumOff val="50000"/>
+                  </a:schemeClr>
+                </a:solidFill>
+                <a:latin typeface="G마켓 산스 Medium" panose="02000000000000000000" pitchFamily="50" charset="-127"/>
+                <a:ea typeface="G마켓 산스 Medium" panose="02000000000000000000" pitchFamily="50" charset="-127"/>
+              </a:rPr>
+              <a:t>는 어떻게 수리할지에 대한 구체적인 코드가 들어가 있다</a:t>
+            </a:r>
+            <a:r>
+              <a:rPr lang="en-US" altLang="ko-KR" sz="3600" dirty="0">
+                <a:solidFill>
+                  <a:schemeClr val="tx1">
+                    <a:lumMod val="50000"/>
+                    <a:lumOff val="50000"/>
+                  </a:schemeClr>
+                </a:solidFill>
+                <a:latin typeface="G마켓 산스 Medium" panose="02000000000000000000" pitchFamily="50" charset="-127"/>
+                <a:ea typeface="G마켓 산스 Medium" panose="02000000000000000000" pitchFamily="50" charset="-127"/>
+              </a:rPr>
+              <a:t>. </a:t>
+            </a:r>
+            <a:r>
+              <a:rPr lang="ko-KR" altLang="en-US" sz="3600" dirty="0">
+                <a:solidFill>
+                  <a:schemeClr val="tx1">
+                    <a:lumMod val="50000"/>
+                    <a:lumOff val="50000"/>
+                  </a:schemeClr>
+                </a:solidFill>
+                <a:latin typeface="G마켓 산스 Medium" panose="02000000000000000000" pitchFamily="50" charset="-127"/>
+                <a:ea typeface="G마켓 산스 Medium" panose="02000000000000000000" pitchFamily="50" charset="-127"/>
+              </a:rPr>
+              <a:t>그러나 무기마다 수리하는 방법이 </a:t>
+            </a:r>
+            <a:r>
+              <a:rPr lang="ko-KR" altLang="en-US" sz="3600" dirty="0" err="1">
+                <a:solidFill>
+                  <a:schemeClr val="tx1">
+                    <a:lumMod val="50000"/>
+                    <a:lumOff val="50000"/>
+                  </a:schemeClr>
+                </a:solidFill>
+                <a:latin typeface="G마켓 산스 Medium" panose="02000000000000000000" pitchFamily="50" charset="-127"/>
+                <a:ea typeface="G마켓 산스 Medium" panose="02000000000000000000" pitchFamily="50" charset="-127"/>
+              </a:rPr>
+              <a:t>다를것이고</a:t>
+            </a:r>
+            <a:r>
+              <a:rPr lang="ko-KR" altLang="en-US" sz="3600" dirty="0">
+                <a:solidFill>
+                  <a:schemeClr val="tx1">
+                    <a:lumMod val="50000"/>
+                    <a:lumOff val="50000"/>
+                  </a:schemeClr>
+                </a:solidFill>
+                <a:latin typeface="G마켓 산스 Medium" panose="02000000000000000000" pitchFamily="50" charset="-127"/>
+                <a:ea typeface="G마켓 산스 Medium" panose="02000000000000000000" pitchFamily="50" charset="-127"/>
+              </a:rPr>
+              <a:t> 내구도 또한 한번에 올라가는 양이 </a:t>
+            </a:r>
+            <a:r>
+              <a:rPr lang="ko-KR" altLang="en-US" sz="3600" dirty="0" err="1">
+                <a:solidFill>
+                  <a:schemeClr val="tx1">
+                    <a:lumMod val="50000"/>
+                    <a:lumOff val="50000"/>
+                  </a:schemeClr>
+                </a:solidFill>
+                <a:latin typeface="G마켓 산스 Medium" panose="02000000000000000000" pitchFamily="50" charset="-127"/>
+                <a:ea typeface="G마켓 산스 Medium" panose="02000000000000000000" pitchFamily="50" charset="-127"/>
+              </a:rPr>
+              <a:t>다를수</a:t>
+            </a:r>
+            <a:r>
+              <a:rPr lang="ko-KR" altLang="en-US" sz="3600" dirty="0">
+                <a:solidFill>
+                  <a:schemeClr val="tx1">
+                    <a:lumMod val="50000"/>
+                    <a:lumOff val="50000"/>
+                  </a:schemeClr>
+                </a:solidFill>
+                <a:latin typeface="G마켓 산스 Medium" panose="02000000000000000000" pitchFamily="50" charset="-127"/>
+                <a:ea typeface="G마켓 산스 Medium" panose="02000000000000000000" pitchFamily="50" charset="-127"/>
+              </a:rPr>
+              <a:t> 있다</a:t>
+            </a:r>
+            <a:r>
+              <a:rPr lang="en-US" altLang="ko-KR" sz="3600" dirty="0">
+                <a:solidFill>
+                  <a:schemeClr val="tx1">
+                    <a:lumMod val="50000"/>
+                    <a:lumOff val="50000"/>
+                  </a:schemeClr>
+                </a:solidFill>
+                <a:latin typeface="G마켓 산스 Medium" panose="02000000000000000000" pitchFamily="50" charset="-127"/>
+                <a:ea typeface="G마켓 산스 Medium" panose="02000000000000000000" pitchFamily="50" charset="-127"/>
+              </a:rPr>
+              <a:t>. </a:t>
+            </a:r>
+            <a:r>
+              <a:rPr lang="ko-KR" altLang="en-US" sz="3600" dirty="0">
+                <a:solidFill>
+                  <a:schemeClr val="tx1">
+                    <a:lumMod val="50000"/>
+                    <a:lumOff val="50000"/>
+                  </a:schemeClr>
+                </a:solidFill>
+                <a:latin typeface="G마켓 산스 Medium" panose="02000000000000000000" pitchFamily="50" charset="-127"/>
+                <a:ea typeface="G마켓 산스 Medium" panose="02000000000000000000" pitchFamily="50" charset="-127"/>
+              </a:rPr>
+              <a:t>그러므로 해당 코드는 </a:t>
+            </a:r>
+            <a:r>
+              <a:rPr lang="ko-KR" altLang="en-US" sz="3600" dirty="0" err="1">
+                <a:solidFill>
+                  <a:schemeClr val="tx1">
+                    <a:lumMod val="50000"/>
+                    <a:lumOff val="50000"/>
+                  </a:schemeClr>
+                </a:solidFill>
+                <a:latin typeface="G마켓 산스 Medium" panose="02000000000000000000" pitchFamily="50" charset="-127"/>
+                <a:ea typeface="G마켓 산스 Medium" panose="02000000000000000000" pitchFamily="50" charset="-127"/>
+              </a:rPr>
+              <a:t>다른곳으로</a:t>
+            </a:r>
+            <a:r>
+              <a:rPr lang="ko-KR" altLang="en-US" sz="3600" dirty="0">
+                <a:solidFill>
+                  <a:schemeClr val="tx1">
+                    <a:lumMod val="50000"/>
+                    <a:lumOff val="50000"/>
+                  </a:schemeClr>
+                </a:solidFill>
+                <a:latin typeface="G마켓 산스 Medium" panose="02000000000000000000" pitchFamily="50" charset="-127"/>
+                <a:ea typeface="G마켓 산스 Medium" panose="02000000000000000000" pitchFamily="50" charset="-127"/>
+              </a:rPr>
+              <a:t> 옮겨야 한다</a:t>
+            </a:r>
+            <a:r>
+              <a:rPr lang="en-US" altLang="ko-KR" sz="3600" dirty="0">
+                <a:solidFill>
+                  <a:schemeClr val="tx1">
+                    <a:lumMod val="50000"/>
+                    <a:lumOff val="50000"/>
+                  </a:schemeClr>
+                </a:solidFill>
+                <a:latin typeface="G마켓 산스 Medium" panose="02000000000000000000" pitchFamily="50" charset="-127"/>
+                <a:ea typeface="G마켓 산스 Medium" panose="02000000000000000000" pitchFamily="50" charset="-127"/>
+              </a:rPr>
+              <a:t>.</a:t>
+            </a:r>
+          </a:p>
+          <a:p>
+            <a:r>
+              <a:rPr lang="ko-KR" altLang="en-US" sz="3600" dirty="0">
+                <a:solidFill>
+                  <a:schemeClr val="tx1">
+                    <a:lumMod val="50000"/>
+                    <a:lumOff val="50000"/>
+                  </a:schemeClr>
+                </a:solidFill>
+                <a:latin typeface="G마켓 산스 Medium" panose="02000000000000000000" pitchFamily="50" charset="-127"/>
+                <a:ea typeface="G마켓 산스 Medium" panose="02000000000000000000" pitchFamily="50" charset="-127"/>
+              </a:rPr>
+              <a:t>무기마다 수리되는 양이 다르게 기능을 </a:t>
+            </a:r>
+            <a:r>
+              <a:rPr lang="ko-KR" altLang="en-US" sz="3600" dirty="0" err="1">
+                <a:solidFill>
+                  <a:schemeClr val="tx1">
+                    <a:lumMod val="50000"/>
+                    <a:lumOff val="50000"/>
+                  </a:schemeClr>
+                </a:solidFill>
+                <a:latin typeface="G마켓 산스 Medium" panose="02000000000000000000" pitchFamily="50" charset="-127"/>
+                <a:ea typeface="G마켓 산스 Medium" panose="02000000000000000000" pitchFamily="50" charset="-127"/>
+              </a:rPr>
+              <a:t>수정하시오</a:t>
+            </a:r>
+            <a:r>
+              <a:rPr lang="en-US" altLang="ko-KR" sz="3600" dirty="0">
+                <a:solidFill>
+                  <a:schemeClr val="tx1">
+                    <a:lumMod val="50000"/>
+                    <a:lumOff val="50000"/>
+                  </a:schemeClr>
+                </a:solidFill>
+                <a:latin typeface="G마켓 산스 Medium" panose="02000000000000000000" pitchFamily="50" charset="-127"/>
+                <a:ea typeface="G마켓 산스 Medium" panose="02000000000000000000" pitchFamily="50" charset="-127"/>
+              </a:rPr>
+              <a:t>!</a:t>
+            </a:r>
+          </a:p>
+          <a:p>
+            <a:endParaRPr lang="en-US" altLang="ko-KR" sz="3600" dirty="0">
+              <a:solidFill>
+                <a:schemeClr val="tx1">
+                  <a:lumMod val="50000"/>
+                  <a:lumOff val="50000"/>
+                </a:schemeClr>
+              </a:solidFill>
+              <a:latin typeface="G마켓 산스 Medium" panose="02000000000000000000" pitchFamily="50" charset="-127"/>
+              <a:ea typeface="G마켓 산스 Medium" panose="02000000000000000000" pitchFamily="50" charset="-127"/>
+            </a:endParaRPr>
+          </a:p>
+          <a:p>
+            <a:r>
+              <a:rPr lang="en-US" altLang="ko-KR" sz="3200" dirty="0">
+                <a:solidFill>
+                  <a:srgbClr val="FF0000"/>
+                </a:solidFill>
+                <a:latin typeface="G마켓 산스 Medium" panose="02000000000000000000" pitchFamily="50" charset="-127"/>
+                <a:ea typeface="G마켓 산스 Medium" panose="02000000000000000000" pitchFamily="50" charset="-127"/>
+              </a:rPr>
+              <a:t>Hint : </a:t>
+            </a:r>
+            <a:r>
+              <a:rPr lang="en-US" altLang="ko-KR" sz="3200" dirty="0" err="1">
+                <a:solidFill>
+                  <a:srgbClr val="FF0000"/>
+                </a:solidFill>
+                <a:latin typeface="G마켓 산스 Medium" panose="02000000000000000000" pitchFamily="50" charset="-127"/>
+                <a:ea typeface="G마켓 산스 Medium" panose="02000000000000000000" pitchFamily="50" charset="-127"/>
+              </a:rPr>
+              <a:t>repaire</a:t>
+            </a:r>
+            <a:r>
+              <a:rPr lang="ko-KR" altLang="en-US" sz="3200" dirty="0">
+                <a:solidFill>
+                  <a:srgbClr val="FF0000"/>
+                </a:solidFill>
+                <a:latin typeface="G마켓 산스 Medium" panose="02000000000000000000" pitchFamily="50" charset="-127"/>
+                <a:ea typeface="G마켓 산스 Medium" panose="02000000000000000000" pitchFamily="50" charset="-127"/>
+              </a:rPr>
+              <a:t>의 매개변수로 </a:t>
+            </a:r>
+            <a:r>
+              <a:rPr lang="en-US" altLang="ko-KR" sz="3200" dirty="0">
+                <a:solidFill>
+                  <a:srgbClr val="FF0000"/>
+                </a:solidFill>
+                <a:latin typeface="G마켓 산스 Medium" panose="02000000000000000000" pitchFamily="50" charset="-127"/>
+                <a:ea typeface="G마켓 산스 Medium" panose="02000000000000000000" pitchFamily="50" charset="-127"/>
+              </a:rPr>
+              <a:t>Repairable </a:t>
+            </a:r>
+            <a:r>
+              <a:rPr lang="ko-KR" altLang="en-US" sz="3200" dirty="0">
+                <a:solidFill>
+                  <a:srgbClr val="FF0000"/>
+                </a:solidFill>
+                <a:latin typeface="G마켓 산스 Medium" panose="02000000000000000000" pitchFamily="50" charset="-127"/>
+                <a:ea typeface="G마켓 산스 Medium" panose="02000000000000000000" pitchFamily="50" charset="-127"/>
+              </a:rPr>
+              <a:t>타입을 받고 해당 인터페이스에 기능이 추가 되어야 한다</a:t>
+            </a:r>
+            <a:r>
+              <a:rPr lang="en-US" altLang="ko-KR" sz="3200" dirty="0">
+                <a:solidFill>
+                  <a:srgbClr val="FF0000"/>
+                </a:solidFill>
+                <a:latin typeface="G마켓 산스 Medium" panose="02000000000000000000" pitchFamily="50" charset="-127"/>
+                <a:ea typeface="G마켓 산스 Medium" panose="02000000000000000000" pitchFamily="50" charset="-127"/>
+              </a:rPr>
+              <a:t>.</a:t>
+            </a:r>
+          </a:p>
+          <a:p>
+            <a:endParaRPr lang="en-US" altLang="ko-KR" sz="3600" dirty="0">
               <a:solidFill>
                 <a:schemeClr val="tx1">
                   <a:lumMod val="50000"/>
@@ -41674,7 +43841,7 @@
 </p:sld>
 </file>
 
-<file path=ppt/slides/slide81.xml><?xml version="1.0" encoding="utf-8"?>
+<file path=ppt/slides/slide84.xml><?xml version="1.0" encoding="utf-8"?>
 <p:sld xmlns:a="http://schemas.openxmlformats.org/drawingml/2006/main" xmlns:r="http://schemas.openxmlformats.org/officeDocument/2006/relationships" xmlns:p="http://schemas.openxmlformats.org/presentationml/2006/main">
   <p:cSld>
     <p:spTree>
@@ -42054,7 +44221,7 @@
 </p:sld>
 </file>
 
-<file path=ppt/slides/slide82.xml><?xml version="1.0" encoding="utf-8"?>
+<file path=ppt/slides/slide85.xml><?xml version="1.0" encoding="utf-8"?>
 <p:sld xmlns:a="http://schemas.openxmlformats.org/drawingml/2006/main" xmlns:r="http://schemas.openxmlformats.org/officeDocument/2006/relationships" xmlns:p="http://schemas.openxmlformats.org/presentationml/2006/main">
   <p:cSld>
     <p:spTree>
@@ -42712,7 +44879,7 @@
 </p:sld>
 </file>
 
-<file path=ppt/slides/slide83.xml><?xml version="1.0" encoding="utf-8"?>
+<file path=ppt/slides/slide86.xml><?xml version="1.0" encoding="utf-8"?>
 <p:sld xmlns:a="http://schemas.openxmlformats.org/drawingml/2006/main" xmlns:r="http://schemas.openxmlformats.org/officeDocument/2006/relationships" xmlns:p="http://schemas.openxmlformats.org/presentationml/2006/main">
   <p:cSld name="Slide 20">
     <p:bg>
